--- a/Document/les2/les2.pptx
+++ b/Document/les2/les2.pptx
@@ -5,7 +5,7 @@
     <p:sldMasterId id="2147483648" r:id="rId1"/>
   </p:sldMasterIdLst>
   <p:notesMasterIdLst>
-    <p:notesMasterId r:id="rId10"/>
+    <p:notesMasterId r:id="rId17"/>
   </p:notesMasterIdLst>
   <p:sldIdLst>
     <p:sldId id="257" r:id="rId2"/>
@@ -16,6 +16,13 @@
     <p:sldId id="263" r:id="rId7"/>
     <p:sldId id="262" r:id="rId8"/>
     <p:sldId id="256" r:id="rId9"/>
+    <p:sldId id="264" r:id="rId10"/>
+    <p:sldId id="269" r:id="rId11"/>
+    <p:sldId id="266" r:id="rId12"/>
+    <p:sldId id="270" r:id="rId13"/>
+    <p:sldId id="267" r:id="rId14"/>
+    <p:sldId id="271" r:id="rId15"/>
+    <p:sldId id="272" r:id="rId16"/>
   </p:sldIdLst>
   <p:sldSz cx="12192000" cy="6858000"/>
   <p:notesSz cx="6858000" cy="9144000"/>
@@ -114,6 +121,11 @@
       </a:defRPr>
     </a:lvl9pPr>
   </p:defaultTextStyle>
+  <p:extLst>
+    <p:ext uri="{EFAFB233-063F-42B5-8137-9DF3F51BA10A}">
+      <p15:sldGuideLst xmlns:p15="http://schemas.microsoft.com/office/powerpoint/2012/main"/>
+    </p:ext>
+  </p:extLst>
 </p:presentation>
 </file>
 
@@ -199,7 +211,7 @@
           <a:p>
             <a:fld id="{CE53DECD-F63C-48DC-9A1C-A013803333E5}" type="datetimeFigureOut">
               <a:rPr lang="zh-CN" altLang="en-US" smtClean="0"/>
-              <a:t>2019/6/19</a:t>
+              <a:t>2019/6/20</a:t>
             </a:fld>
             <a:endParaRPr lang="zh-CN" altLang="en-US"/>
           </a:p>
@@ -550,6 +562,90 @@
 </p:notes>
 </file>
 
+<file path=ppt/notesSlides/notesSlide2.xml><?xml version="1.0" encoding="utf-8"?>
+<p:notes xmlns:a="http://schemas.openxmlformats.org/drawingml/2006/main" xmlns:r="http://schemas.openxmlformats.org/officeDocument/2006/relationships" xmlns:p="http://schemas.openxmlformats.org/presentationml/2006/main">
+  <p:cSld>
+    <p:spTree>
+      <p:nvGrpSpPr>
+        <p:cNvPr id="1" name=""/>
+        <p:cNvGrpSpPr/>
+        <p:nvPr/>
+      </p:nvGrpSpPr>
+      <p:grpSpPr>
+        <a:xfrm>
+          <a:off x="0" y="0"/>
+          <a:ext cx="0" cy="0"/>
+          <a:chOff x="0" y="0"/>
+          <a:chExt cx="0" cy="0"/>
+        </a:xfrm>
+      </p:grpSpPr>
+      <p:sp>
+        <p:nvSpPr>
+          <p:cNvPr id="2" name="幻灯片图像占位符 1"/>
+          <p:cNvSpPr>
+            <a:spLocks noGrp="1" noRot="1" noChangeAspect="1"/>
+          </p:cNvSpPr>
+          <p:nvPr>
+            <p:ph type="sldImg"/>
+          </p:nvPr>
+        </p:nvSpPr>
+        <p:spPr/>
+      </p:sp>
+      <p:sp>
+        <p:nvSpPr>
+          <p:cNvPr id="3" name="备注占位符 2"/>
+          <p:cNvSpPr>
+            <a:spLocks noGrp="1"/>
+          </p:cNvSpPr>
+          <p:nvPr>
+            <p:ph type="body" idx="1"/>
+          </p:nvPr>
+        </p:nvSpPr>
+        <p:spPr/>
+        <p:txBody>
+          <a:bodyPr/>
+          <a:lstStyle/>
+          <a:p>
+            <a:endParaRPr lang="zh-CN" altLang="en-US" dirty="0"/>
+          </a:p>
+        </p:txBody>
+      </p:sp>
+      <p:sp>
+        <p:nvSpPr>
+          <p:cNvPr id="4" name="灯片编号占位符 3"/>
+          <p:cNvSpPr>
+            <a:spLocks noGrp="1"/>
+          </p:cNvSpPr>
+          <p:nvPr>
+            <p:ph type="sldNum" sz="quarter" idx="5"/>
+          </p:nvPr>
+        </p:nvSpPr>
+        <p:spPr/>
+        <p:txBody>
+          <a:bodyPr/>
+          <a:lstStyle/>
+          <a:p>
+            <a:fld id="{0A3E49FE-5F03-4B8F-ABA8-16879154D94C}" type="slidenum">
+              <a:rPr lang="zh-CN" altLang="en-US" smtClean="0"/>
+              <a:t>8</a:t>
+            </a:fld>
+            <a:endParaRPr lang="zh-CN" altLang="en-US"/>
+          </a:p>
+        </p:txBody>
+      </p:sp>
+    </p:spTree>
+    <p:extLst>
+      <p:ext uri="{BB962C8B-B14F-4D97-AF65-F5344CB8AC3E}">
+        <p14:creationId xmlns:p14="http://schemas.microsoft.com/office/powerpoint/2010/main" val="3939930615"/>
+      </p:ext>
+    </p:extLst>
+  </p:cSld>
+  <p:clrMapOvr>
+    <a:masterClrMapping/>
+  </p:clrMapOvr>
+</p:notes>
+</file>
+
 <file path=ppt/slideLayouts/slideLayout1.xml><?xml version="1.0" encoding="utf-8"?>
 <p:sldLayout xmlns:a="http://schemas.openxmlformats.org/drawingml/2006/main" xmlns:r="http://schemas.openxmlformats.org/officeDocument/2006/relationships" xmlns:p="http://schemas.openxmlformats.org/presentationml/2006/main" type="title" preserve="1">
   <p:cSld name="标题幻灯片">
@@ -697,7 +793,7 @@
           <a:p>
             <a:fld id="{FCF2567C-E6E8-466F-A9B1-CBBE548E91D8}" type="datetimeFigureOut">
               <a:rPr lang="zh-CN" altLang="en-US" smtClean="0"/>
-              <a:t>2019/6/19</a:t>
+              <a:t>2019/6/20</a:t>
             </a:fld>
             <a:endParaRPr lang="zh-CN" altLang="en-US"/>
           </a:p>
@@ -895,7 +991,7 @@
           <a:p>
             <a:fld id="{FCF2567C-E6E8-466F-A9B1-CBBE548E91D8}" type="datetimeFigureOut">
               <a:rPr lang="zh-CN" altLang="en-US" smtClean="0"/>
-              <a:t>2019/6/19</a:t>
+              <a:t>2019/6/20</a:t>
             </a:fld>
             <a:endParaRPr lang="zh-CN" altLang="en-US"/>
           </a:p>
@@ -1103,7 +1199,7 @@
           <a:p>
             <a:fld id="{FCF2567C-E6E8-466F-A9B1-CBBE548E91D8}" type="datetimeFigureOut">
               <a:rPr lang="zh-CN" altLang="en-US" smtClean="0"/>
-              <a:t>2019/6/19</a:t>
+              <a:t>2019/6/20</a:t>
             </a:fld>
             <a:endParaRPr lang="zh-CN" altLang="en-US"/>
           </a:p>
@@ -1301,7 +1397,7 @@
           <a:p>
             <a:fld id="{FCF2567C-E6E8-466F-A9B1-CBBE548E91D8}" type="datetimeFigureOut">
               <a:rPr lang="zh-CN" altLang="en-US" smtClean="0"/>
-              <a:t>2019/6/19</a:t>
+              <a:t>2019/6/20</a:t>
             </a:fld>
             <a:endParaRPr lang="zh-CN" altLang="en-US"/>
           </a:p>
@@ -1576,7 +1672,7 @@
           <a:p>
             <a:fld id="{FCF2567C-E6E8-466F-A9B1-CBBE548E91D8}" type="datetimeFigureOut">
               <a:rPr lang="zh-CN" altLang="en-US" smtClean="0"/>
-              <a:t>2019/6/19</a:t>
+              <a:t>2019/6/20</a:t>
             </a:fld>
             <a:endParaRPr lang="zh-CN" altLang="en-US"/>
           </a:p>
@@ -1841,7 +1937,7 @@
           <a:p>
             <a:fld id="{FCF2567C-E6E8-466F-A9B1-CBBE548E91D8}" type="datetimeFigureOut">
               <a:rPr lang="zh-CN" altLang="en-US" smtClean="0"/>
-              <a:t>2019/6/19</a:t>
+              <a:t>2019/6/20</a:t>
             </a:fld>
             <a:endParaRPr lang="zh-CN" altLang="en-US"/>
           </a:p>
@@ -2253,7 +2349,7 @@
           <a:p>
             <a:fld id="{FCF2567C-E6E8-466F-A9B1-CBBE548E91D8}" type="datetimeFigureOut">
               <a:rPr lang="zh-CN" altLang="en-US" smtClean="0"/>
-              <a:t>2019/6/19</a:t>
+              <a:t>2019/6/20</a:t>
             </a:fld>
             <a:endParaRPr lang="zh-CN" altLang="en-US"/>
           </a:p>
@@ -2394,7 +2490,7 @@
           <a:p>
             <a:fld id="{FCF2567C-E6E8-466F-A9B1-CBBE548E91D8}" type="datetimeFigureOut">
               <a:rPr lang="zh-CN" altLang="en-US" smtClean="0"/>
-              <a:t>2019/6/19</a:t>
+              <a:t>2019/6/20</a:t>
             </a:fld>
             <a:endParaRPr lang="zh-CN" altLang="en-US"/>
           </a:p>
@@ -2507,7 +2603,7 @@
           <a:p>
             <a:fld id="{FCF2567C-E6E8-466F-A9B1-CBBE548E91D8}" type="datetimeFigureOut">
               <a:rPr lang="zh-CN" altLang="en-US" smtClean="0"/>
-              <a:t>2019/6/19</a:t>
+              <a:t>2019/6/20</a:t>
             </a:fld>
             <a:endParaRPr lang="zh-CN" altLang="en-US"/>
           </a:p>
@@ -2818,7 +2914,7 @@
           <a:p>
             <a:fld id="{FCF2567C-E6E8-466F-A9B1-CBBE548E91D8}" type="datetimeFigureOut">
               <a:rPr lang="zh-CN" altLang="en-US" smtClean="0"/>
-              <a:t>2019/6/19</a:t>
+              <a:t>2019/6/20</a:t>
             </a:fld>
             <a:endParaRPr lang="zh-CN" altLang="en-US"/>
           </a:p>
@@ -3106,7 +3202,7 @@
           <a:p>
             <a:fld id="{FCF2567C-E6E8-466F-A9B1-CBBE548E91D8}" type="datetimeFigureOut">
               <a:rPr lang="zh-CN" altLang="en-US" smtClean="0"/>
-              <a:t>2019/6/19</a:t>
+              <a:t>2019/6/20</a:t>
             </a:fld>
             <a:endParaRPr lang="zh-CN" altLang="en-US"/>
           </a:p>
@@ -3347,7 +3443,7 @@
           <a:p>
             <a:fld id="{FCF2567C-E6E8-466F-A9B1-CBBE548E91D8}" type="datetimeFigureOut">
               <a:rPr lang="zh-CN" altLang="en-US" smtClean="0"/>
-              <a:t>2019/6/19</a:t>
+              <a:t>2019/6/20</a:t>
             </a:fld>
             <a:endParaRPr lang="zh-CN" altLang="en-US"/>
           </a:p>
@@ -3925,6 +4021,617 @@
 </p:sld>
 </file>
 
+<file path=ppt/slides/slide10.xml><?xml version="1.0" encoding="utf-8"?>
+<p:sld xmlns:a="http://schemas.openxmlformats.org/drawingml/2006/main" xmlns:r="http://schemas.openxmlformats.org/officeDocument/2006/relationships" xmlns:p="http://schemas.openxmlformats.org/presentationml/2006/main">
+  <p:cSld>
+    <p:spTree>
+      <p:nvGrpSpPr>
+        <p:cNvPr id="1" name=""/>
+        <p:cNvGrpSpPr/>
+        <p:nvPr/>
+      </p:nvGrpSpPr>
+      <p:grpSpPr>
+        <a:xfrm>
+          <a:off x="0" y="0"/>
+          <a:ext cx="0" cy="0"/>
+          <a:chOff x="0" y="0"/>
+          <a:chExt cx="0" cy="0"/>
+        </a:xfrm>
+      </p:grpSpPr>
+      <p:sp>
+        <p:nvSpPr>
+          <p:cNvPr id="2" name="标题 1">
+            <a:extLst>
+              <a:ext uri="{FF2B5EF4-FFF2-40B4-BE49-F238E27FC236}">
+                <a16:creationId xmlns:a16="http://schemas.microsoft.com/office/drawing/2014/main" id="{C183253E-C2B8-43C6-AE47-A5D1755D7811}"/>
+              </a:ext>
+            </a:extLst>
+          </p:cNvPr>
+          <p:cNvSpPr>
+            <a:spLocks noGrp="1"/>
+          </p:cNvSpPr>
+          <p:nvPr>
+            <p:ph type="title"/>
+          </p:nvPr>
+        </p:nvSpPr>
+        <p:spPr>
+          <a:xfrm>
+            <a:off x="797655" y="80387"/>
+            <a:ext cx="8711433" cy="1055076"/>
+          </a:xfrm>
+        </p:spPr>
+        <p:txBody>
+          <a:bodyPr>
+            <a:normAutofit/>
+          </a:bodyPr>
+          <a:lstStyle/>
+          <a:p>
+            <a:r>
+              <a:rPr lang="en-US" altLang="zh-CN" b="1" dirty="0"/>
+              <a:t>Singleton Pattern</a:t>
+            </a:r>
+          </a:p>
+        </p:txBody>
+      </p:sp>
+      <p:sp>
+        <p:nvSpPr>
+          <p:cNvPr id="3" name="文本占位符 2">
+            <a:extLst>
+              <a:ext uri="{FF2B5EF4-FFF2-40B4-BE49-F238E27FC236}">
+                <a16:creationId xmlns:a16="http://schemas.microsoft.com/office/drawing/2014/main" id="{C4E10F8F-DB4F-412D-8642-2014FF65AFF0}"/>
+              </a:ext>
+            </a:extLst>
+          </p:cNvPr>
+          <p:cNvSpPr>
+            <a:spLocks noGrp="1"/>
+          </p:cNvSpPr>
+          <p:nvPr>
+            <p:ph type="body" idx="1"/>
+          </p:nvPr>
+        </p:nvSpPr>
+        <p:spPr>
+          <a:xfrm>
+            <a:off x="797655" y="1286190"/>
+            <a:ext cx="10513437" cy="5114960"/>
+          </a:xfrm>
+        </p:spPr>
+        <p:txBody>
+          <a:bodyPr/>
+          <a:lstStyle/>
+          <a:p>
+            <a:r>
+              <a:rPr lang="zh-CN" altLang="en-US" dirty="0"/>
+              <a:t>确保某一个类只有一个实例，而且自行实例化并向整个系统提供这个实例。</a:t>
+            </a:r>
+          </a:p>
+        </p:txBody>
+      </p:sp>
+    </p:spTree>
+    <p:extLst>
+      <p:ext uri="{BB962C8B-B14F-4D97-AF65-F5344CB8AC3E}">
+        <p14:creationId xmlns:p14="http://schemas.microsoft.com/office/powerpoint/2010/main" val="560239334"/>
+      </p:ext>
+    </p:extLst>
+  </p:cSld>
+  <p:clrMapOvr>
+    <a:masterClrMapping/>
+  </p:clrMapOvr>
+</p:sld>
+</file>
+
+<file path=ppt/slides/slide11.xml><?xml version="1.0" encoding="utf-8"?>
+<p:sld xmlns:a="http://schemas.openxmlformats.org/drawingml/2006/main" xmlns:r="http://schemas.openxmlformats.org/officeDocument/2006/relationships" xmlns:p="http://schemas.openxmlformats.org/presentationml/2006/main">
+  <p:cSld>
+    <p:spTree>
+      <p:nvGrpSpPr>
+        <p:cNvPr id="1" name=""/>
+        <p:cNvGrpSpPr/>
+        <p:nvPr/>
+      </p:nvGrpSpPr>
+      <p:grpSpPr>
+        <a:xfrm>
+          <a:off x="0" y="0"/>
+          <a:ext cx="0" cy="0"/>
+          <a:chOff x="0" y="0"/>
+          <a:chExt cx="0" cy="0"/>
+        </a:xfrm>
+      </p:grpSpPr>
+      <p:sp>
+        <p:nvSpPr>
+          <p:cNvPr id="2" name="标题 1">
+            <a:extLst>
+              <a:ext uri="{FF2B5EF4-FFF2-40B4-BE49-F238E27FC236}">
+                <a16:creationId xmlns:a16="http://schemas.microsoft.com/office/drawing/2014/main" id="{C183253E-C2B8-43C6-AE47-A5D1755D7811}"/>
+              </a:ext>
+            </a:extLst>
+          </p:cNvPr>
+          <p:cNvSpPr>
+            <a:spLocks noGrp="1"/>
+          </p:cNvSpPr>
+          <p:nvPr>
+            <p:ph type="title"/>
+          </p:nvPr>
+        </p:nvSpPr>
+        <p:spPr>
+          <a:xfrm>
+            <a:off x="844550" y="40192"/>
+            <a:ext cx="8992786" cy="934499"/>
+          </a:xfrm>
+        </p:spPr>
+        <p:txBody>
+          <a:bodyPr>
+            <a:normAutofit/>
+          </a:bodyPr>
+          <a:lstStyle/>
+          <a:p>
+            <a:r>
+              <a:rPr lang="en-US" altLang="zh-CN" b="1" dirty="0"/>
+              <a:t>Observer Pattern</a:t>
+            </a:r>
+            <a:endParaRPr lang="zh-CN" altLang="en-US" dirty="0"/>
+          </a:p>
+        </p:txBody>
+      </p:sp>
+      <p:sp>
+        <p:nvSpPr>
+          <p:cNvPr id="3" name="文本占位符 2">
+            <a:extLst>
+              <a:ext uri="{FF2B5EF4-FFF2-40B4-BE49-F238E27FC236}">
+                <a16:creationId xmlns:a16="http://schemas.microsoft.com/office/drawing/2014/main" id="{C4E10F8F-DB4F-412D-8642-2014FF65AFF0}"/>
+              </a:ext>
+            </a:extLst>
+          </p:cNvPr>
+          <p:cNvSpPr>
+            <a:spLocks noGrp="1"/>
+          </p:cNvSpPr>
+          <p:nvPr>
+            <p:ph type="body" idx="1"/>
+          </p:nvPr>
+        </p:nvSpPr>
+        <p:spPr>
+          <a:xfrm>
+            <a:off x="834012" y="974691"/>
+            <a:ext cx="10513437" cy="5114960"/>
+          </a:xfrm>
+        </p:spPr>
+        <p:txBody>
+          <a:bodyPr/>
+          <a:lstStyle/>
+          <a:p>
+            <a:r>
+              <a:rPr lang="zh-CN" altLang="en-US" dirty="0"/>
+              <a:t>定义对象间一种一对多的依赖关系，使得每当一个对象改变状态，则所有依赖于它的对象都会得到通知并被自动更新。</a:t>
+            </a:r>
+          </a:p>
+        </p:txBody>
+      </p:sp>
+    </p:spTree>
+    <p:extLst>
+      <p:ext uri="{BB962C8B-B14F-4D97-AF65-F5344CB8AC3E}">
+        <p14:creationId xmlns:p14="http://schemas.microsoft.com/office/powerpoint/2010/main" val="3658191056"/>
+      </p:ext>
+    </p:extLst>
+  </p:cSld>
+  <p:clrMapOvr>
+    <a:masterClrMapping/>
+  </p:clrMapOvr>
+</p:sld>
+</file>
+
+<file path=ppt/slides/slide12.xml><?xml version="1.0" encoding="utf-8"?>
+<p:sld xmlns:a="http://schemas.openxmlformats.org/drawingml/2006/main" xmlns:r="http://schemas.openxmlformats.org/officeDocument/2006/relationships" xmlns:p="http://schemas.openxmlformats.org/presentationml/2006/main">
+  <p:cSld>
+    <p:spTree>
+      <p:nvGrpSpPr>
+        <p:cNvPr id="1" name=""/>
+        <p:cNvGrpSpPr/>
+        <p:nvPr/>
+      </p:nvGrpSpPr>
+      <p:grpSpPr>
+        <a:xfrm>
+          <a:off x="0" y="0"/>
+          <a:ext cx="0" cy="0"/>
+          <a:chOff x="0" y="0"/>
+          <a:chExt cx="0" cy="0"/>
+        </a:xfrm>
+      </p:grpSpPr>
+      <p:sp>
+        <p:nvSpPr>
+          <p:cNvPr id="2" name="标题 1">
+            <a:extLst>
+              <a:ext uri="{FF2B5EF4-FFF2-40B4-BE49-F238E27FC236}">
+                <a16:creationId xmlns:a16="http://schemas.microsoft.com/office/drawing/2014/main" id="{C183253E-C2B8-43C6-AE47-A5D1755D7811}"/>
+              </a:ext>
+            </a:extLst>
+          </p:cNvPr>
+          <p:cNvSpPr>
+            <a:spLocks noGrp="1"/>
+          </p:cNvSpPr>
+          <p:nvPr>
+            <p:ph type="title"/>
+          </p:nvPr>
+        </p:nvSpPr>
+        <p:spPr>
+          <a:xfrm>
+            <a:off x="844550" y="40192"/>
+            <a:ext cx="8992786" cy="2311121"/>
+          </a:xfrm>
+        </p:spPr>
+        <p:txBody>
+          <a:bodyPr>
+            <a:normAutofit fontScale="90000"/>
+          </a:bodyPr>
+          <a:lstStyle/>
+          <a:p>
+            <a:r>
+              <a:rPr lang="en-US" altLang="zh-CN" b="1" dirty="0"/>
+              <a:t>Event Queue Pattern</a:t>
+            </a:r>
+            <a:br>
+              <a:rPr lang="en-US" altLang="zh-CN" b="1" dirty="0"/>
+            </a:br>
+            <a:br>
+              <a:rPr lang="en-US" altLang="zh-CN" b="1" dirty="0"/>
+            </a:br>
+            <a:endParaRPr lang="zh-CN" altLang="en-US" dirty="0"/>
+          </a:p>
+        </p:txBody>
+      </p:sp>
+      <p:sp>
+        <p:nvSpPr>
+          <p:cNvPr id="3" name="文本占位符 2">
+            <a:extLst>
+              <a:ext uri="{FF2B5EF4-FFF2-40B4-BE49-F238E27FC236}">
+                <a16:creationId xmlns:a16="http://schemas.microsoft.com/office/drawing/2014/main" id="{C4E10F8F-DB4F-412D-8642-2014FF65AFF0}"/>
+              </a:ext>
+            </a:extLst>
+          </p:cNvPr>
+          <p:cNvSpPr>
+            <a:spLocks noGrp="1"/>
+          </p:cNvSpPr>
+          <p:nvPr>
+            <p:ph type="body" idx="1"/>
+          </p:nvPr>
+        </p:nvSpPr>
+        <p:spPr>
+          <a:xfrm>
+            <a:off x="834012" y="974691"/>
+            <a:ext cx="10513437" cy="5114960"/>
+          </a:xfrm>
+        </p:spPr>
+        <p:txBody>
+          <a:bodyPr/>
+          <a:lstStyle/>
+          <a:p>
+            <a:r>
+              <a:rPr lang="zh-CN" altLang="en-US" dirty="0"/>
+              <a:t>对消息或事件的发送与受理进行时间上的解耦。</a:t>
+            </a:r>
+            <a:endParaRPr lang="en-US" altLang="zh-CN" dirty="0"/>
+          </a:p>
+          <a:p>
+            <a:r>
+              <a:rPr lang="zh-CN" altLang="en-US" dirty="0"/>
+              <a:t>事件队列是一个按照先进先出顺序存储一系列通知或者请求的队列。发出通知时系统会将该请求置入队列并返回，请求处理器随后从事件队列中获取并处理这些请求。请求可由处理器直接处理或转交给对其感兴趣的模块。这一模式对消息的发送者与受理者进行了解耦，使消息的处理变得动态且非实时</a:t>
+            </a:r>
+          </a:p>
+        </p:txBody>
+      </p:sp>
+    </p:spTree>
+    <p:extLst>
+      <p:ext uri="{BB962C8B-B14F-4D97-AF65-F5344CB8AC3E}">
+        <p14:creationId xmlns:p14="http://schemas.microsoft.com/office/powerpoint/2010/main" val="3765445944"/>
+      </p:ext>
+    </p:extLst>
+  </p:cSld>
+  <p:clrMapOvr>
+    <a:masterClrMapping/>
+  </p:clrMapOvr>
+</p:sld>
+</file>
+
+<file path=ppt/slides/slide13.xml><?xml version="1.0" encoding="utf-8"?>
+<p:sld xmlns:a="http://schemas.openxmlformats.org/drawingml/2006/main" xmlns:r="http://schemas.openxmlformats.org/officeDocument/2006/relationships" xmlns:p="http://schemas.openxmlformats.org/presentationml/2006/main">
+  <p:cSld>
+    <p:spTree>
+      <p:nvGrpSpPr>
+        <p:cNvPr id="1" name=""/>
+        <p:cNvGrpSpPr/>
+        <p:nvPr/>
+      </p:nvGrpSpPr>
+      <p:grpSpPr>
+        <a:xfrm>
+          <a:off x="0" y="0"/>
+          <a:ext cx="0" cy="0"/>
+          <a:chOff x="0" y="0"/>
+          <a:chExt cx="0" cy="0"/>
+        </a:xfrm>
+      </p:grpSpPr>
+      <p:sp>
+        <p:nvSpPr>
+          <p:cNvPr id="2" name="标题 1">
+            <a:extLst>
+              <a:ext uri="{FF2B5EF4-FFF2-40B4-BE49-F238E27FC236}">
+                <a16:creationId xmlns:a16="http://schemas.microsoft.com/office/drawing/2014/main" id="{C183253E-C2B8-43C6-AE47-A5D1755D7811}"/>
+              </a:ext>
+            </a:extLst>
+          </p:cNvPr>
+          <p:cNvSpPr>
+            <a:spLocks noGrp="1"/>
+          </p:cNvSpPr>
+          <p:nvPr>
+            <p:ph type="title"/>
+          </p:nvPr>
+        </p:nvSpPr>
+        <p:spPr>
+          <a:xfrm>
+            <a:off x="797655" y="80387"/>
+            <a:ext cx="8711433" cy="1055076"/>
+          </a:xfrm>
+        </p:spPr>
+        <p:txBody>
+          <a:bodyPr>
+            <a:normAutofit/>
+          </a:bodyPr>
+          <a:lstStyle/>
+          <a:p>
+            <a:r>
+              <a:rPr lang="en-US" altLang="zh-CN" b="1" dirty="0"/>
+              <a:t>Command Pattern</a:t>
+            </a:r>
+            <a:endParaRPr lang="zh-CN" altLang="en-US" dirty="0"/>
+          </a:p>
+        </p:txBody>
+      </p:sp>
+      <p:sp>
+        <p:nvSpPr>
+          <p:cNvPr id="3" name="文本占位符 2">
+            <a:extLst>
+              <a:ext uri="{FF2B5EF4-FFF2-40B4-BE49-F238E27FC236}">
+                <a16:creationId xmlns:a16="http://schemas.microsoft.com/office/drawing/2014/main" id="{C4E10F8F-DB4F-412D-8642-2014FF65AFF0}"/>
+              </a:ext>
+            </a:extLst>
+          </p:cNvPr>
+          <p:cNvSpPr>
+            <a:spLocks noGrp="1"/>
+          </p:cNvSpPr>
+          <p:nvPr>
+            <p:ph type="body" idx="1"/>
+          </p:nvPr>
+        </p:nvSpPr>
+        <p:spPr>
+          <a:xfrm>
+            <a:off x="797655" y="1286190"/>
+            <a:ext cx="10513437" cy="5114960"/>
+          </a:xfrm>
+        </p:spPr>
+        <p:txBody>
+          <a:bodyPr/>
+          <a:lstStyle/>
+          <a:p>
+            <a:r>
+              <a:rPr lang="zh-CN" altLang="en-US" dirty="0"/>
+              <a:t>对消息或事件的发送与受理进行时间上的解耦。</a:t>
+            </a:r>
+            <a:endParaRPr lang="en-US" altLang="zh-CN" dirty="0"/>
+          </a:p>
+          <a:p>
+            <a:r>
+              <a:rPr lang="zh-CN" altLang="en-US" dirty="0"/>
+              <a:t>事件队列是一个按照先进先出顺序存储一系列通知或者请求的队列。发出通知时系统会将该请求置入队列并返回，请求处理器随后从事件队列中获取并处理这些请求。请求可由处理器直接处理或转交给对其感兴趣的模块。这一模式对消息的发送者与受理者进行了解耦，使消息的处理变得动态且非实时</a:t>
+            </a:r>
+          </a:p>
+        </p:txBody>
+      </p:sp>
+    </p:spTree>
+    <p:extLst>
+      <p:ext uri="{BB962C8B-B14F-4D97-AF65-F5344CB8AC3E}">
+        <p14:creationId xmlns:p14="http://schemas.microsoft.com/office/powerpoint/2010/main" val="2131194110"/>
+      </p:ext>
+    </p:extLst>
+  </p:cSld>
+  <p:clrMapOvr>
+    <a:masterClrMapping/>
+  </p:clrMapOvr>
+</p:sld>
+</file>
+
+<file path=ppt/slides/slide14.xml><?xml version="1.0" encoding="utf-8"?>
+<p:sld xmlns:a="http://schemas.openxmlformats.org/drawingml/2006/main" xmlns:r="http://schemas.openxmlformats.org/officeDocument/2006/relationships" xmlns:p="http://schemas.openxmlformats.org/presentationml/2006/main">
+  <p:cSld>
+    <p:spTree>
+      <p:nvGrpSpPr>
+        <p:cNvPr id="1" name=""/>
+        <p:cNvGrpSpPr/>
+        <p:nvPr/>
+      </p:nvGrpSpPr>
+      <p:grpSpPr>
+        <a:xfrm>
+          <a:off x="0" y="0"/>
+          <a:ext cx="0" cy="0"/>
+          <a:chOff x="0" y="0"/>
+          <a:chExt cx="0" cy="0"/>
+        </a:xfrm>
+      </p:grpSpPr>
+      <p:sp>
+        <p:nvSpPr>
+          <p:cNvPr id="2" name="标题 1">
+            <a:extLst>
+              <a:ext uri="{FF2B5EF4-FFF2-40B4-BE49-F238E27FC236}">
+                <a16:creationId xmlns:a16="http://schemas.microsoft.com/office/drawing/2014/main" id="{C183253E-C2B8-43C6-AE47-A5D1755D7811}"/>
+              </a:ext>
+            </a:extLst>
+          </p:cNvPr>
+          <p:cNvSpPr>
+            <a:spLocks noGrp="1"/>
+          </p:cNvSpPr>
+          <p:nvPr>
+            <p:ph type="title"/>
+          </p:nvPr>
+        </p:nvSpPr>
+        <p:spPr>
+          <a:xfrm>
+            <a:off x="797655" y="80387"/>
+            <a:ext cx="10617272" cy="1055076"/>
+          </a:xfrm>
+        </p:spPr>
+        <p:txBody>
+          <a:bodyPr>
+            <a:normAutofit/>
+          </a:bodyPr>
+          <a:lstStyle/>
+          <a:p>
+            <a:r>
+              <a:rPr lang="en-US" altLang="zh-CN" b="1" dirty="0"/>
+              <a:t>Chain of Responsibility Pattern</a:t>
+            </a:r>
+          </a:p>
+        </p:txBody>
+      </p:sp>
+      <p:sp>
+        <p:nvSpPr>
+          <p:cNvPr id="3" name="文本占位符 2">
+            <a:extLst>
+              <a:ext uri="{FF2B5EF4-FFF2-40B4-BE49-F238E27FC236}">
+                <a16:creationId xmlns:a16="http://schemas.microsoft.com/office/drawing/2014/main" id="{C4E10F8F-DB4F-412D-8642-2014FF65AFF0}"/>
+              </a:ext>
+            </a:extLst>
+          </p:cNvPr>
+          <p:cNvSpPr>
+            <a:spLocks noGrp="1"/>
+          </p:cNvSpPr>
+          <p:nvPr>
+            <p:ph type="body" idx="1"/>
+          </p:nvPr>
+        </p:nvSpPr>
+        <p:spPr>
+          <a:xfrm>
+            <a:off x="797655" y="1286190"/>
+            <a:ext cx="10513437" cy="5114960"/>
+          </a:xfrm>
+        </p:spPr>
+        <p:txBody>
+          <a:bodyPr/>
+          <a:lstStyle/>
+          <a:p>
+            <a:r>
+              <a:rPr lang="zh-CN" altLang="en-US" dirty="0"/>
+              <a:t>使多个对象都有机会处理请求，从而避免了请求的发送者和接受者之间的耦合关系。将这些对象连成一条链，并沿着这条链传递该请求，直到有对象处理它为止。</a:t>
+            </a:r>
+          </a:p>
+        </p:txBody>
+      </p:sp>
+    </p:spTree>
+    <p:extLst>
+      <p:ext uri="{BB962C8B-B14F-4D97-AF65-F5344CB8AC3E}">
+        <p14:creationId xmlns:p14="http://schemas.microsoft.com/office/powerpoint/2010/main" val="3111497777"/>
+      </p:ext>
+    </p:extLst>
+  </p:cSld>
+  <p:clrMapOvr>
+    <a:masterClrMapping/>
+  </p:clrMapOvr>
+</p:sld>
+</file>
+
+<file path=ppt/slides/slide15.xml><?xml version="1.0" encoding="utf-8"?>
+<p:sld xmlns:a="http://schemas.openxmlformats.org/drawingml/2006/main" xmlns:r="http://schemas.openxmlformats.org/officeDocument/2006/relationships" xmlns:p="http://schemas.openxmlformats.org/presentationml/2006/main">
+  <p:cSld>
+    <p:spTree>
+      <p:nvGrpSpPr>
+        <p:cNvPr id="1" name=""/>
+        <p:cNvGrpSpPr/>
+        <p:nvPr/>
+      </p:nvGrpSpPr>
+      <p:grpSpPr>
+        <a:xfrm>
+          <a:off x="0" y="0"/>
+          <a:ext cx="0" cy="0"/>
+          <a:chOff x="0" y="0"/>
+          <a:chExt cx="0" cy="0"/>
+        </a:xfrm>
+      </p:grpSpPr>
+      <p:sp>
+        <p:nvSpPr>
+          <p:cNvPr id="2" name="标题 1">
+            <a:extLst>
+              <a:ext uri="{FF2B5EF4-FFF2-40B4-BE49-F238E27FC236}">
+                <a16:creationId xmlns:a16="http://schemas.microsoft.com/office/drawing/2014/main" id="{C183253E-C2B8-43C6-AE47-A5D1755D7811}"/>
+              </a:ext>
+            </a:extLst>
+          </p:cNvPr>
+          <p:cNvSpPr>
+            <a:spLocks noGrp="1"/>
+          </p:cNvSpPr>
+          <p:nvPr>
+            <p:ph type="title"/>
+          </p:nvPr>
+        </p:nvSpPr>
+        <p:spPr>
+          <a:xfrm>
+            <a:off x="797655" y="80387"/>
+            <a:ext cx="10617272" cy="1055076"/>
+          </a:xfrm>
+        </p:spPr>
+        <p:txBody>
+          <a:bodyPr>
+            <a:normAutofit/>
+          </a:bodyPr>
+          <a:lstStyle/>
+          <a:p>
+            <a:r>
+              <a:rPr lang="en-US" altLang="zh-CN" b="1" dirty="0"/>
+              <a:t>Mediator Pattern</a:t>
+            </a:r>
+          </a:p>
+        </p:txBody>
+      </p:sp>
+      <p:sp>
+        <p:nvSpPr>
+          <p:cNvPr id="3" name="文本占位符 2">
+            <a:extLst>
+              <a:ext uri="{FF2B5EF4-FFF2-40B4-BE49-F238E27FC236}">
+                <a16:creationId xmlns:a16="http://schemas.microsoft.com/office/drawing/2014/main" id="{C4E10F8F-DB4F-412D-8642-2014FF65AFF0}"/>
+              </a:ext>
+            </a:extLst>
+          </p:cNvPr>
+          <p:cNvSpPr>
+            <a:spLocks noGrp="1"/>
+          </p:cNvSpPr>
+          <p:nvPr>
+            <p:ph type="body" idx="1"/>
+          </p:nvPr>
+        </p:nvSpPr>
+        <p:spPr>
+          <a:xfrm>
+            <a:off x="797655" y="1286190"/>
+            <a:ext cx="10513437" cy="5114960"/>
+          </a:xfrm>
+        </p:spPr>
+        <p:txBody>
+          <a:bodyPr/>
+          <a:lstStyle/>
+          <a:p>
+            <a:r>
+              <a:rPr lang="zh-CN" altLang="en-US" dirty="0"/>
+              <a:t>用一个中介对象封装一系列的对象交互，中介者使各对象不需要显示地相互作用，从而使其耦合松散，而且可以独立地改变它们之间的交互。。</a:t>
+            </a:r>
+          </a:p>
+        </p:txBody>
+      </p:sp>
+    </p:spTree>
+    <p:extLst>
+      <p:ext uri="{BB962C8B-B14F-4D97-AF65-F5344CB8AC3E}">
+        <p14:creationId xmlns:p14="http://schemas.microsoft.com/office/powerpoint/2010/main" val="117995963"/>
+      </p:ext>
+    </p:extLst>
+  </p:cSld>
+  <p:clrMapOvr>
+    <a:masterClrMapping/>
+  </p:clrMapOvr>
+</p:sld>
+</file>
+
 <file path=ppt/slides/slide2.xml><?xml version="1.0" encoding="utf-8"?>
 <p:sld xmlns:a="http://schemas.openxmlformats.org/drawingml/2006/main" xmlns:r="http://schemas.openxmlformats.org/officeDocument/2006/relationships" xmlns:p="http://schemas.openxmlformats.org/presentationml/2006/main">
   <p:cSld>
@@ -4558,8 +5265,8 @@
         </p:nvSpPr>
         <p:spPr>
           <a:xfrm>
-            <a:off x="0" y="0"/>
-            <a:ext cx="4864963" cy="719091"/>
+            <a:off x="683288" y="104826"/>
+            <a:ext cx="6370655" cy="903717"/>
           </a:xfrm>
         </p:spPr>
         <p:txBody>
@@ -4572,10 +5279,10 @@
               <a:rPr lang="zh-CN" altLang="en-US" sz="4000" dirty="0"/>
             </a:br>
             <a:r>
-              <a:rPr lang="en-US" altLang="zh-CN" sz="4000" dirty="0"/>
+              <a:rPr lang="en-US" altLang="zh-CN" sz="5400" b="1" dirty="0"/>
               <a:t>Component Pattern</a:t>
             </a:r>
-            <a:endParaRPr lang="zh-CN" altLang="en-US" sz="4000" dirty="0"/>
+            <a:endParaRPr lang="zh-CN" altLang="en-US" sz="5400" b="1" dirty="0"/>
           </a:p>
         </p:txBody>
       </p:sp>
@@ -4597,8 +5304,8 @@
         </p:nvSpPr>
         <p:spPr>
           <a:xfrm>
-            <a:off x="166024" y="807576"/>
-            <a:ext cx="11943117" cy="5983841"/>
+            <a:off x="809119" y="1008543"/>
+            <a:ext cx="10967549" cy="5983841"/>
           </a:xfrm>
         </p:spPr>
         <p:txBody>
@@ -4643,6 +5350,108 @@
     <p:extLst>
       <p:ext uri="{BB962C8B-B14F-4D97-AF65-F5344CB8AC3E}">
         <p14:creationId xmlns:p14="http://schemas.microsoft.com/office/powerpoint/2010/main" val="3610851050"/>
+      </p:ext>
+    </p:extLst>
+  </p:cSld>
+  <p:clrMapOvr>
+    <a:masterClrMapping/>
+  </p:clrMapOvr>
+</p:sld>
+</file>
+
+<file path=ppt/slides/slide9.xml><?xml version="1.0" encoding="utf-8"?>
+<p:sld xmlns:a="http://schemas.openxmlformats.org/drawingml/2006/main" xmlns:r="http://schemas.openxmlformats.org/officeDocument/2006/relationships" xmlns:p="http://schemas.openxmlformats.org/presentationml/2006/main">
+  <p:cSld>
+    <p:spTree>
+      <p:nvGrpSpPr>
+        <p:cNvPr id="1" name=""/>
+        <p:cNvGrpSpPr/>
+        <p:nvPr/>
+      </p:nvGrpSpPr>
+      <p:grpSpPr>
+        <a:xfrm>
+          <a:off x="0" y="0"/>
+          <a:ext cx="0" cy="0"/>
+          <a:chOff x="0" y="0"/>
+          <a:chExt cx="0" cy="0"/>
+        </a:xfrm>
+      </p:grpSpPr>
+      <p:sp>
+        <p:nvSpPr>
+          <p:cNvPr id="2" name="标题 1">
+            <a:extLst>
+              <a:ext uri="{FF2B5EF4-FFF2-40B4-BE49-F238E27FC236}">
+                <a16:creationId xmlns:a16="http://schemas.microsoft.com/office/drawing/2014/main" id="{C183253E-C2B8-43C6-AE47-A5D1755D7811}"/>
+              </a:ext>
+            </a:extLst>
+          </p:cNvPr>
+          <p:cNvSpPr>
+            <a:spLocks noGrp="1"/>
+          </p:cNvSpPr>
+          <p:nvPr>
+            <p:ph type="title"/>
+          </p:nvPr>
+        </p:nvSpPr>
+        <p:spPr>
+          <a:xfrm>
+            <a:off x="844550" y="40193"/>
+            <a:ext cx="8292053" cy="1719262"/>
+          </a:xfrm>
+        </p:spPr>
+        <p:txBody>
+          <a:bodyPr>
+            <a:normAutofit fontScale="90000"/>
+          </a:bodyPr>
+          <a:lstStyle/>
+          <a:p>
+            <a:r>
+              <a:rPr lang="en-US" altLang="zh-CN" b="1" dirty="0"/>
+              <a:t>Game Loop Pattern</a:t>
+            </a:r>
+            <a:br>
+              <a:rPr lang="en-US" altLang="zh-CN" b="1" dirty="0"/>
+            </a:br>
+            <a:endParaRPr lang="zh-CN" altLang="en-US" dirty="0"/>
+          </a:p>
+        </p:txBody>
+      </p:sp>
+      <p:sp>
+        <p:nvSpPr>
+          <p:cNvPr id="3" name="文本占位符 2">
+            <a:extLst>
+              <a:ext uri="{FF2B5EF4-FFF2-40B4-BE49-F238E27FC236}">
+                <a16:creationId xmlns:a16="http://schemas.microsoft.com/office/drawing/2014/main" id="{C4E10F8F-DB4F-412D-8642-2014FF65AFF0}"/>
+              </a:ext>
+            </a:extLst>
+          </p:cNvPr>
+          <p:cNvSpPr>
+            <a:spLocks noGrp="1"/>
+          </p:cNvSpPr>
+          <p:nvPr>
+            <p:ph type="body" idx="1"/>
+          </p:nvPr>
+        </p:nvSpPr>
+        <p:spPr>
+          <a:xfrm>
+            <a:off x="834012" y="974691"/>
+            <a:ext cx="10513437" cy="5114960"/>
+          </a:xfrm>
+        </p:spPr>
+        <p:txBody>
+          <a:bodyPr/>
+          <a:lstStyle/>
+          <a:p>
+            <a:r>
+              <a:rPr lang="zh-CN" altLang="en-US" dirty="0"/>
+              <a:t>游戏循环模式，实现游戏运行过程中对用户输入处理和时间处理的解耦。</a:t>
+            </a:r>
+          </a:p>
+        </p:txBody>
+      </p:sp>
+    </p:spTree>
+    <p:extLst>
+      <p:ext uri="{BB962C8B-B14F-4D97-AF65-F5344CB8AC3E}">
+        <p14:creationId xmlns:p14="http://schemas.microsoft.com/office/powerpoint/2010/main" val="3569412660"/>
       </p:ext>
     </p:extLst>
   </p:cSld>

--- a/Document/les2/les2.pptx
+++ b/Document/les2/les2.pptx
@@ -5,24 +5,26 @@
     <p:sldMasterId id="2147483648" r:id="rId1"/>
   </p:sldMasterIdLst>
   <p:notesMasterIdLst>
-    <p:notesMasterId r:id="rId17"/>
+    <p:notesMasterId r:id="rId19"/>
   </p:notesMasterIdLst>
   <p:sldIdLst>
-    <p:sldId id="257" r:id="rId2"/>
-    <p:sldId id="258" r:id="rId3"/>
-    <p:sldId id="259" r:id="rId4"/>
-    <p:sldId id="260" r:id="rId5"/>
-    <p:sldId id="261" r:id="rId6"/>
-    <p:sldId id="263" r:id="rId7"/>
-    <p:sldId id="262" r:id="rId8"/>
-    <p:sldId id="256" r:id="rId9"/>
-    <p:sldId id="264" r:id="rId10"/>
-    <p:sldId id="269" r:id="rId11"/>
-    <p:sldId id="266" r:id="rId12"/>
-    <p:sldId id="270" r:id="rId13"/>
-    <p:sldId id="267" r:id="rId14"/>
-    <p:sldId id="271" r:id="rId15"/>
-    <p:sldId id="272" r:id="rId16"/>
+    <p:sldId id="277" r:id="rId2"/>
+    <p:sldId id="278" r:id="rId3"/>
+    <p:sldId id="273" r:id="rId4"/>
+    <p:sldId id="258" r:id="rId5"/>
+    <p:sldId id="259" r:id="rId6"/>
+    <p:sldId id="275" r:id="rId7"/>
+    <p:sldId id="260" r:id="rId8"/>
+    <p:sldId id="276" r:id="rId9"/>
+    <p:sldId id="262" r:id="rId10"/>
+    <p:sldId id="256" r:id="rId11"/>
+    <p:sldId id="264" r:id="rId12"/>
+    <p:sldId id="269" r:id="rId13"/>
+    <p:sldId id="266" r:id="rId14"/>
+    <p:sldId id="270" r:id="rId15"/>
+    <p:sldId id="267" r:id="rId16"/>
+    <p:sldId id="271" r:id="rId17"/>
+    <p:sldId id="272" r:id="rId18"/>
   </p:sldIdLst>
   <p:sldSz cx="12192000" cy="6858000"/>
   <p:notesSz cx="6858000" cy="9144000"/>
@@ -211,7 +213,7 @@
           <a:p>
             <a:fld id="{CE53DECD-F63C-48DC-9A1C-A013803333E5}" type="datetimeFigureOut">
               <a:rPr lang="zh-CN" altLang="en-US" smtClean="0"/>
-              <a:t>2019/6/20</a:t>
+              <a:t>2019/6/25</a:t>
             </a:fld>
             <a:endParaRPr lang="zh-CN" altLang="en-US"/>
           </a:p>
@@ -543,7 +545,7 @@
           <a:p>
             <a:fld id="{0A3E49FE-5F03-4B8F-ABA8-16879154D94C}" type="slidenum">
               <a:rPr lang="zh-CN" altLang="en-US" smtClean="0"/>
-              <a:t>3</a:t>
+              <a:t>4</a:t>
             </a:fld>
             <a:endParaRPr lang="zh-CN" altLang="en-US"/>
           </a:p>
@@ -552,7 +554,7 @@
     </p:spTree>
     <p:extLst>
       <p:ext uri="{BB962C8B-B14F-4D97-AF65-F5344CB8AC3E}">
-        <p14:creationId xmlns:p14="http://schemas.microsoft.com/office/powerpoint/2010/main" val="2336837380"/>
+        <p14:creationId xmlns:p14="http://schemas.microsoft.com/office/powerpoint/2010/main" val="3807556333"/>
       </p:ext>
     </p:extLst>
   </p:cSld>
@@ -627,7 +629,175 @@
           <a:p>
             <a:fld id="{0A3E49FE-5F03-4B8F-ABA8-16879154D94C}" type="slidenum">
               <a:rPr lang="zh-CN" altLang="en-US" smtClean="0"/>
-              <a:t>8</a:t>
+              <a:t>5</a:t>
+            </a:fld>
+            <a:endParaRPr lang="zh-CN" altLang="en-US"/>
+          </a:p>
+        </p:txBody>
+      </p:sp>
+    </p:spTree>
+    <p:extLst>
+      <p:ext uri="{BB962C8B-B14F-4D97-AF65-F5344CB8AC3E}">
+        <p14:creationId xmlns:p14="http://schemas.microsoft.com/office/powerpoint/2010/main" val="2336837380"/>
+      </p:ext>
+    </p:extLst>
+  </p:cSld>
+  <p:clrMapOvr>
+    <a:masterClrMapping/>
+  </p:clrMapOvr>
+</p:notes>
+</file>
+
+<file path=ppt/notesSlides/notesSlide3.xml><?xml version="1.0" encoding="utf-8"?>
+<p:notes xmlns:a="http://schemas.openxmlformats.org/drawingml/2006/main" xmlns:r="http://schemas.openxmlformats.org/officeDocument/2006/relationships" xmlns:p="http://schemas.openxmlformats.org/presentationml/2006/main">
+  <p:cSld>
+    <p:spTree>
+      <p:nvGrpSpPr>
+        <p:cNvPr id="1" name=""/>
+        <p:cNvGrpSpPr/>
+        <p:nvPr/>
+      </p:nvGrpSpPr>
+      <p:grpSpPr>
+        <a:xfrm>
+          <a:off x="0" y="0"/>
+          <a:ext cx="0" cy="0"/>
+          <a:chOff x="0" y="0"/>
+          <a:chExt cx="0" cy="0"/>
+        </a:xfrm>
+      </p:grpSpPr>
+      <p:sp>
+        <p:nvSpPr>
+          <p:cNvPr id="2" name="幻灯片图像占位符 1"/>
+          <p:cNvSpPr>
+            <a:spLocks noGrp="1" noRot="1" noChangeAspect="1"/>
+          </p:cNvSpPr>
+          <p:nvPr>
+            <p:ph type="sldImg"/>
+          </p:nvPr>
+        </p:nvSpPr>
+        <p:spPr/>
+      </p:sp>
+      <p:sp>
+        <p:nvSpPr>
+          <p:cNvPr id="3" name="备注占位符 2"/>
+          <p:cNvSpPr>
+            <a:spLocks noGrp="1"/>
+          </p:cNvSpPr>
+          <p:nvPr>
+            <p:ph type="body" idx="1"/>
+          </p:nvPr>
+        </p:nvSpPr>
+        <p:spPr/>
+        <p:txBody>
+          <a:bodyPr/>
+          <a:lstStyle/>
+          <a:p>
+            <a:endParaRPr lang="zh-CN" altLang="en-US" dirty="0"/>
+          </a:p>
+        </p:txBody>
+      </p:sp>
+      <p:sp>
+        <p:nvSpPr>
+          <p:cNvPr id="4" name="灯片编号占位符 3"/>
+          <p:cNvSpPr>
+            <a:spLocks noGrp="1"/>
+          </p:cNvSpPr>
+          <p:nvPr>
+            <p:ph type="sldNum" sz="quarter" idx="5"/>
+          </p:nvPr>
+        </p:nvSpPr>
+        <p:spPr/>
+        <p:txBody>
+          <a:bodyPr/>
+          <a:lstStyle/>
+          <a:p>
+            <a:fld id="{0A3E49FE-5F03-4B8F-ABA8-16879154D94C}" type="slidenum">
+              <a:rPr lang="zh-CN" altLang="en-US" smtClean="0"/>
+              <a:t>6</a:t>
+            </a:fld>
+            <a:endParaRPr lang="zh-CN" altLang="en-US"/>
+          </a:p>
+        </p:txBody>
+      </p:sp>
+    </p:spTree>
+    <p:extLst>
+      <p:ext uri="{BB962C8B-B14F-4D97-AF65-F5344CB8AC3E}">
+        <p14:creationId xmlns:p14="http://schemas.microsoft.com/office/powerpoint/2010/main" val="1626012837"/>
+      </p:ext>
+    </p:extLst>
+  </p:cSld>
+  <p:clrMapOvr>
+    <a:masterClrMapping/>
+  </p:clrMapOvr>
+</p:notes>
+</file>
+
+<file path=ppt/notesSlides/notesSlide4.xml><?xml version="1.0" encoding="utf-8"?>
+<p:notes xmlns:a="http://schemas.openxmlformats.org/drawingml/2006/main" xmlns:r="http://schemas.openxmlformats.org/officeDocument/2006/relationships" xmlns:p="http://schemas.openxmlformats.org/presentationml/2006/main">
+  <p:cSld>
+    <p:spTree>
+      <p:nvGrpSpPr>
+        <p:cNvPr id="1" name=""/>
+        <p:cNvGrpSpPr/>
+        <p:nvPr/>
+      </p:nvGrpSpPr>
+      <p:grpSpPr>
+        <a:xfrm>
+          <a:off x="0" y="0"/>
+          <a:ext cx="0" cy="0"/>
+          <a:chOff x="0" y="0"/>
+          <a:chExt cx="0" cy="0"/>
+        </a:xfrm>
+      </p:grpSpPr>
+      <p:sp>
+        <p:nvSpPr>
+          <p:cNvPr id="2" name="幻灯片图像占位符 1"/>
+          <p:cNvSpPr>
+            <a:spLocks noGrp="1" noRot="1" noChangeAspect="1"/>
+          </p:cNvSpPr>
+          <p:nvPr>
+            <p:ph type="sldImg"/>
+          </p:nvPr>
+        </p:nvSpPr>
+        <p:spPr/>
+      </p:sp>
+      <p:sp>
+        <p:nvSpPr>
+          <p:cNvPr id="3" name="备注占位符 2"/>
+          <p:cNvSpPr>
+            <a:spLocks noGrp="1"/>
+          </p:cNvSpPr>
+          <p:nvPr>
+            <p:ph type="body" idx="1"/>
+          </p:nvPr>
+        </p:nvSpPr>
+        <p:spPr/>
+        <p:txBody>
+          <a:bodyPr/>
+          <a:lstStyle/>
+          <a:p>
+            <a:endParaRPr lang="zh-CN" altLang="en-US" dirty="0"/>
+          </a:p>
+        </p:txBody>
+      </p:sp>
+      <p:sp>
+        <p:nvSpPr>
+          <p:cNvPr id="4" name="灯片编号占位符 3"/>
+          <p:cNvSpPr>
+            <a:spLocks noGrp="1"/>
+          </p:cNvSpPr>
+          <p:nvPr>
+            <p:ph type="sldNum" sz="quarter" idx="5"/>
+          </p:nvPr>
+        </p:nvSpPr>
+        <p:spPr/>
+        <p:txBody>
+          <a:bodyPr/>
+          <a:lstStyle/>
+          <a:p>
+            <a:fld id="{0A3E49FE-5F03-4B8F-ABA8-16879154D94C}" type="slidenum">
+              <a:rPr lang="zh-CN" altLang="en-US" smtClean="0"/>
+              <a:t>10</a:t>
             </a:fld>
             <a:endParaRPr lang="zh-CN" altLang="en-US"/>
           </a:p>
@@ -793,7 +963,7 @@
           <a:p>
             <a:fld id="{FCF2567C-E6E8-466F-A9B1-CBBE548E91D8}" type="datetimeFigureOut">
               <a:rPr lang="zh-CN" altLang="en-US" smtClean="0"/>
-              <a:t>2019/6/20</a:t>
+              <a:t>2019/6/25</a:t>
             </a:fld>
             <a:endParaRPr lang="zh-CN" altLang="en-US"/>
           </a:p>
@@ -991,7 +1161,7 @@
           <a:p>
             <a:fld id="{FCF2567C-E6E8-466F-A9B1-CBBE548E91D8}" type="datetimeFigureOut">
               <a:rPr lang="zh-CN" altLang="en-US" smtClean="0"/>
-              <a:t>2019/6/20</a:t>
+              <a:t>2019/6/25</a:t>
             </a:fld>
             <a:endParaRPr lang="zh-CN" altLang="en-US"/>
           </a:p>
@@ -1199,7 +1369,7 @@
           <a:p>
             <a:fld id="{FCF2567C-E6E8-466F-A9B1-CBBE548E91D8}" type="datetimeFigureOut">
               <a:rPr lang="zh-CN" altLang="en-US" smtClean="0"/>
-              <a:t>2019/6/20</a:t>
+              <a:t>2019/6/25</a:t>
             </a:fld>
             <a:endParaRPr lang="zh-CN" altLang="en-US"/>
           </a:p>
@@ -1397,7 +1567,7 @@
           <a:p>
             <a:fld id="{FCF2567C-E6E8-466F-A9B1-CBBE548E91D8}" type="datetimeFigureOut">
               <a:rPr lang="zh-CN" altLang="en-US" smtClean="0"/>
-              <a:t>2019/6/20</a:t>
+              <a:t>2019/6/25</a:t>
             </a:fld>
             <a:endParaRPr lang="zh-CN" altLang="en-US"/>
           </a:p>
@@ -1672,7 +1842,7 @@
           <a:p>
             <a:fld id="{FCF2567C-E6E8-466F-A9B1-CBBE548E91D8}" type="datetimeFigureOut">
               <a:rPr lang="zh-CN" altLang="en-US" smtClean="0"/>
-              <a:t>2019/6/20</a:t>
+              <a:t>2019/6/25</a:t>
             </a:fld>
             <a:endParaRPr lang="zh-CN" altLang="en-US"/>
           </a:p>
@@ -1937,7 +2107,7 @@
           <a:p>
             <a:fld id="{FCF2567C-E6E8-466F-A9B1-CBBE548E91D8}" type="datetimeFigureOut">
               <a:rPr lang="zh-CN" altLang="en-US" smtClean="0"/>
-              <a:t>2019/6/20</a:t>
+              <a:t>2019/6/25</a:t>
             </a:fld>
             <a:endParaRPr lang="zh-CN" altLang="en-US"/>
           </a:p>
@@ -2349,7 +2519,7 @@
           <a:p>
             <a:fld id="{FCF2567C-E6E8-466F-A9B1-CBBE548E91D8}" type="datetimeFigureOut">
               <a:rPr lang="zh-CN" altLang="en-US" smtClean="0"/>
-              <a:t>2019/6/20</a:t>
+              <a:t>2019/6/25</a:t>
             </a:fld>
             <a:endParaRPr lang="zh-CN" altLang="en-US"/>
           </a:p>
@@ -2490,7 +2660,7 @@
           <a:p>
             <a:fld id="{FCF2567C-E6E8-466F-A9B1-CBBE548E91D8}" type="datetimeFigureOut">
               <a:rPr lang="zh-CN" altLang="en-US" smtClean="0"/>
-              <a:t>2019/6/20</a:t>
+              <a:t>2019/6/25</a:t>
             </a:fld>
             <a:endParaRPr lang="zh-CN" altLang="en-US"/>
           </a:p>
@@ -2603,7 +2773,7 @@
           <a:p>
             <a:fld id="{FCF2567C-E6E8-466F-A9B1-CBBE548E91D8}" type="datetimeFigureOut">
               <a:rPr lang="zh-CN" altLang="en-US" smtClean="0"/>
-              <a:t>2019/6/20</a:t>
+              <a:t>2019/6/25</a:t>
             </a:fld>
             <a:endParaRPr lang="zh-CN" altLang="en-US"/>
           </a:p>
@@ -2914,7 +3084,7 @@
           <a:p>
             <a:fld id="{FCF2567C-E6E8-466F-A9B1-CBBE548E91D8}" type="datetimeFigureOut">
               <a:rPr lang="zh-CN" altLang="en-US" smtClean="0"/>
-              <a:t>2019/6/20</a:t>
+              <a:t>2019/6/25</a:t>
             </a:fld>
             <a:endParaRPr lang="zh-CN" altLang="en-US"/>
           </a:p>
@@ -3202,7 +3372,7 @@
           <a:p>
             <a:fld id="{FCF2567C-E6E8-466F-A9B1-CBBE548E91D8}" type="datetimeFigureOut">
               <a:rPr lang="zh-CN" altLang="en-US" smtClean="0"/>
-              <a:t>2019/6/20</a:t>
+              <a:t>2019/6/25</a:t>
             </a:fld>
             <a:endParaRPr lang="zh-CN" altLang="en-US"/>
           </a:p>
@@ -3443,7 +3613,7 @@
           <a:p>
             <a:fld id="{FCF2567C-E6E8-466F-A9B1-CBBE548E91D8}" type="datetimeFigureOut">
               <a:rPr lang="zh-CN" altLang="en-US" smtClean="0"/>
-              <a:t>2019/6/20</a:t>
+              <a:t>2019/6/25</a:t>
             </a:fld>
             <a:endParaRPr lang="zh-CN" altLang="en-US"/>
           </a:p>
@@ -3862,148 +4032,78 @@
       </p:grpSpPr>
       <p:sp>
         <p:nvSpPr>
-          <p:cNvPr id="4" name="文本框 3">
-            <a:extLst>
-              <a:ext uri="{FF2B5EF4-FFF2-40B4-BE49-F238E27FC236}">
-                <a16:creationId xmlns:a16="http://schemas.microsoft.com/office/drawing/2014/main" id="{4BC2761D-6660-4D55-BC78-8ECAF1CE003A}"/>
-              </a:ext>
-            </a:extLst>
-          </p:cNvPr>
-          <p:cNvSpPr txBox="1"/>
-          <p:nvPr/>
+          <p:cNvPr id="2" name="标题 1">
+            <a:extLst>
+              <a:ext uri="{FF2B5EF4-FFF2-40B4-BE49-F238E27FC236}">
+                <a16:creationId xmlns:a16="http://schemas.microsoft.com/office/drawing/2014/main" id="{88146469-F6FD-412E-BE81-1A8936AE3A46}"/>
+              </a:ext>
+            </a:extLst>
+          </p:cNvPr>
+          <p:cNvSpPr>
+            <a:spLocks noGrp="1"/>
+          </p:cNvSpPr>
+          <p:nvPr>
+            <p:ph type="ctrTitle"/>
+          </p:nvPr>
         </p:nvSpPr>
         <p:spPr>
           <a:xfrm>
-            <a:off x="1509203" y="399496"/>
-            <a:ext cx="5986867" cy="6494085"/>
+            <a:off x="1393371" y="90435"/>
+            <a:ext cx="8082224" cy="763675"/>
           </a:xfrm>
-          <a:prstGeom prst="rect">
-            <a:avLst/>
-          </a:prstGeom>
-          <a:noFill/>
         </p:spPr>
         <p:txBody>
-          <a:bodyPr wrap="square" rtlCol="0">
-            <a:spAutoFit/>
+          <a:bodyPr>
+            <a:normAutofit/>
           </a:bodyPr>
           <a:lstStyle/>
           <a:p>
-            <a:r>
-              <a:rPr lang="zh-CN" altLang="en-US" sz="3600" dirty="0"/>
-              <a:t>设计模式</a:t>
-            </a:r>
-            <a:endParaRPr lang="en-US" altLang="zh-CN" sz="3600" dirty="0"/>
-          </a:p>
-          <a:p>
-            <a:r>
-              <a:rPr lang="en-US" altLang="zh-CN" sz="2800" dirty="0"/>
-              <a:t>	</a:t>
-            </a:r>
-            <a:r>
-              <a:rPr lang="zh-CN" altLang="en-US" sz="2800" dirty="0"/>
-              <a:t>核心思想：隔离抽象，动静分离。</a:t>
-            </a:r>
-            <a:endParaRPr lang="en-US" altLang="zh-CN" sz="2800" dirty="0"/>
-          </a:p>
-          <a:p>
-            <a:endParaRPr lang="en-US" altLang="zh-CN" sz="2800" dirty="0"/>
-          </a:p>
-          <a:p>
-            <a:r>
-              <a:rPr lang="zh-CN" altLang="en-US" sz="2800" dirty="0"/>
-              <a:t>代码是要持续重构的，一开始没有完美的设计。</a:t>
-            </a:r>
-            <a:endParaRPr lang="en-US" altLang="zh-CN" sz="2800" dirty="0"/>
-          </a:p>
-          <a:p>
-            <a:endParaRPr lang="en-US" altLang="zh-CN" sz="3600" dirty="0"/>
-          </a:p>
-          <a:p>
-            <a:r>
-              <a:rPr lang="zh-CN" altLang="en-US" sz="3600" dirty="0"/>
-              <a:t>设计模式的六大原则：</a:t>
-            </a:r>
-            <a:endParaRPr lang="en-US" altLang="zh-CN" sz="3600" dirty="0"/>
-          </a:p>
-          <a:p>
-            <a:pPr marL="742950" indent="-742950">
-              <a:buFont typeface="Arial" panose="020B0604020202020204" pitchFamily="34" charset="0"/>
-              <a:buChar char="•"/>
-            </a:pPr>
-            <a:r>
-              <a:rPr lang="zh-CN" altLang="en-US" sz="2800" dirty="0"/>
-              <a:t>开放</a:t>
-            </a:r>
-            <a:r>
-              <a:rPr lang="en-US" altLang="zh-CN" sz="2800" dirty="0"/>
-              <a:t>-	</a:t>
-            </a:r>
-            <a:r>
-              <a:rPr lang="zh-CN" altLang="en-US" sz="2800" dirty="0"/>
-              <a:t>单一职责</a:t>
-            </a:r>
-            <a:endParaRPr lang="en-US" altLang="zh-CN" sz="2800" dirty="0"/>
-          </a:p>
-          <a:p>
-            <a:pPr marL="742950" indent="-742950">
-              <a:buFont typeface="Arial" panose="020B0604020202020204" pitchFamily="34" charset="0"/>
-              <a:buChar char="•"/>
-            </a:pPr>
-            <a:r>
-              <a:rPr lang="zh-CN" altLang="en-US" sz="2800" dirty="0"/>
-              <a:t>封闭</a:t>
-            </a:r>
-            <a:endParaRPr lang="en-US" altLang="zh-CN" sz="2800" dirty="0"/>
-          </a:p>
-          <a:p>
-            <a:pPr marL="742950" indent="-742950">
-              <a:buFont typeface="Arial" panose="020B0604020202020204" pitchFamily="34" charset="0"/>
-              <a:buChar char="•"/>
-            </a:pPr>
-            <a:r>
-              <a:rPr lang="zh-CN" altLang="en-US" sz="2800" dirty="0"/>
-              <a:t>里式替换</a:t>
-            </a:r>
-            <a:endParaRPr lang="en-US" altLang="zh-CN" sz="2800" dirty="0"/>
-          </a:p>
-          <a:p>
-            <a:pPr marL="742950" indent="-742950">
-              <a:buFont typeface="Arial" panose="020B0604020202020204" pitchFamily="34" charset="0"/>
-              <a:buChar char="•"/>
-            </a:pPr>
-            <a:r>
-              <a:rPr lang="zh-CN" altLang="en-US" sz="2800" dirty="0"/>
-              <a:t>依赖倒置</a:t>
-            </a:r>
-            <a:endParaRPr lang="en-US" altLang="zh-CN" sz="2800" dirty="0"/>
-          </a:p>
-          <a:p>
-            <a:pPr marL="742950" indent="-742950">
-              <a:buFont typeface="Arial" panose="020B0604020202020204" pitchFamily="34" charset="0"/>
-              <a:buChar char="•"/>
-            </a:pPr>
-            <a:r>
-              <a:rPr lang="zh-CN" altLang="en-US" sz="2800" dirty="0"/>
-              <a:t>迪米特法则</a:t>
-            </a:r>
-            <a:endParaRPr lang="en-US" altLang="zh-CN" sz="2800" dirty="0"/>
-          </a:p>
-          <a:p>
-            <a:pPr marL="742950" indent="-742950">
-              <a:buFont typeface="Arial" panose="020B0604020202020204" pitchFamily="34" charset="0"/>
-              <a:buChar char="•"/>
-            </a:pPr>
-            <a:r>
-              <a:rPr lang="zh-CN" altLang="en-US" sz="2800" dirty="0"/>
-              <a:t>合成</a:t>
-            </a:r>
-            <a:r>
-              <a:rPr lang="en-US" altLang="zh-CN" sz="2800" dirty="0"/>
-              <a:t>/</a:t>
-            </a:r>
-            <a:r>
-              <a:rPr lang="zh-CN" altLang="en-US" sz="2800" dirty="0"/>
-              <a:t>聚合</a:t>
+            <a:pPr algn="l"/>
+            <a:r>
+              <a:rPr lang="zh-CN" altLang="en-US" sz="4000" dirty="0"/>
+              <a:t>软件设计固有的复杂性</a:t>
+            </a:r>
+          </a:p>
+        </p:txBody>
+      </p:sp>
+      <p:sp>
+        <p:nvSpPr>
+          <p:cNvPr id="3" name="副标题 2">
+            <a:extLst>
+              <a:ext uri="{FF2B5EF4-FFF2-40B4-BE49-F238E27FC236}">
+                <a16:creationId xmlns:a16="http://schemas.microsoft.com/office/drawing/2014/main" id="{7E3F38AD-B6ED-44A6-BCFE-FB7A2CBA43AA}"/>
+              </a:ext>
+            </a:extLst>
+          </p:cNvPr>
+          <p:cNvSpPr>
+            <a:spLocks noGrp="1"/>
+          </p:cNvSpPr>
+          <p:nvPr>
+            <p:ph type="subTitle" idx="1"/>
+          </p:nvPr>
+        </p:nvSpPr>
+        <p:spPr>
+          <a:xfrm>
+            <a:off x="1524000" y="924448"/>
+            <a:ext cx="9144000" cy="4333352"/>
+          </a:xfrm>
+        </p:spPr>
+        <p:txBody>
+          <a:bodyPr/>
+          <a:lstStyle/>
+          <a:p>
+            <a:pPr algn="l"/>
+            <a:r>
+              <a:rPr lang="zh-CN" altLang="en-US" dirty="0"/>
+              <a:t>建筑商从来不会去想给一栋已建好</a:t>
+            </a:r>
+            <a:r>
+              <a:rPr lang="en-US" altLang="zh-CN" dirty="0"/>
+              <a:t>100</a:t>
+            </a:r>
+            <a:r>
+              <a:rPr lang="zh-CN" altLang="en-US" dirty="0"/>
+              <a:t>层的楼房底下再新修一个小地下室。这样做的花费极大而且注定失败。然而令人惊奇的是，软件系统的用户在要求作出类似的改变时却不会仔细考虑，而且他们认为这只是需要简单的编程</a:t>
             </a:r>
           </a:p>
         </p:txBody>
@@ -4011,7 +4111,7 @@
     </p:spTree>
     <p:extLst>
       <p:ext uri="{BB962C8B-B14F-4D97-AF65-F5344CB8AC3E}">
-        <p14:creationId xmlns:p14="http://schemas.microsoft.com/office/powerpoint/2010/main" val="2013981158"/>
+        <p14:creationId xmlns:p14="http://schemas.microsoft.com/office/powerpoint/2010/main" val="1369834485"/>
       </p:ext>
     </p:extLst>
   </p:cSld>
@@ -4040,10 +4140,10 @@
       </p:grpSpPr>
       <p:sp>
         <p:nvSpPr>
-          <p:cNvPr id="2" name="标题 1">
-            <a:extLst>
-              <a:ext uri="{FF2B5EF4-FFF2-40B4-BE49-F238E27FC236}">
-                <a16:creationId xmlns:a16="http://schemas.microsoft.com/office/drawing/2014/main" id="{C183253E-C2B8-43C6-AE47-A5D1755D7811}"/>
+          <p:cNvPr id="5" name="标题 4">
+            <a:extLst>
+              <a:ext uri="{FF2B5EF4-FFF2-40B4-BE49-F238E27FC236}">
+                <a16:creationId xmlns:a16="http://schemas.microsoft.com/office/drawing/2014/main" id="{2FD0886B-1165-48DC-8C2E-135715DB08E2}"/>
               </a:ext>
             </a:extLst>
           </p:cNvPr>
@@ -4056,29 +4156,33 @@
         </p:nvSpPr>
         <p:spPr>
           <a:xfrm>
-            <a:off x="797655" y="80387"/>
-            <a:ext cx="8711433" cy="1055076"/>
+            <a:off x="683288" y="104826"/>
+            <a:ext cx="6370655" cy="903717"/>
           </a:xfrm>
         </p:spPr>
         <p:txBody>
           <a:bodyPr>
-            <a:normAutofit/>
+            <a:noAutofit/>
           </a:bodyPr>
           <a:lstStyle/>
           <a:p>
-            <a:r>
-              <a:rPr lang="en-US" altLang="zh-CN" b="1" dirty="0"/>
-              <a:t>Singleton Pattern</a:t>
-            </a:r>
-          </a:p>
-        </p:txBody>
-      </p:sp>
-      <p:sp>
-        <p:nvSpPr>
-          <p:cNvPr id="3" name="文本占位符 2">
-            <a:extLst>
-              <a:ext uri="{FF2B5EF4-FFF2-40B4-BE49-F238E27FC236}">
-                <a16:creationId xmlns:a16="http://schemas.microsoft.com/office/drawing/2014/main" id="{C4E10F8F-DB4F-412D-8642-2014FF65AFF0}"/>
+            <a:br>
+              <a:rPr lang="zh-CN" altLang="en-US" sz="4000" dirty="0"/>
+            </a:br>
+            <a:r>
+              <a:rPr lang="en-US" altLang="zh-CN" sz="5400" b="1" dirty="0"/>
+              <a:t>Component Pattern</a:t>
+            </a:r>
+            <a:endParaRPr lang="zh-CN" altLang="en-US" sz="5400" b="1" dirty="0"/>
+          </a:p>
+        </p:txBody>
+      </p:sp>
+      <p:sp>
+        <p:nvSpPr>
+          <p:cNvPr id="6" name="文本占位符 5">
+            <a:extLst>
+              <a:ext uri="{FF2B5EF4-FFF2-40B4-BE49-F238E27FC236}">
+                <a16:creationId xmlns:a16="http://schemas.microsoft.com/office/drawing/2014/main" id="{A057F46C-8ED5-4B93-ABB1-C26E50B9B58F}"/>
               </a:ext>
             </a:extLst>
           </p:cNvPr>
@@ -4091,8 +4195,8 @@
         </p:nvSpPr>
         <p:spPr>
           <a:xfrm>
-            <a:off x="797655" y="1286190"/>
-            <a:ext cx="10513437" cy="5114960"/>
+            <a:off x="809119" y="1008543"/>
+            <a:ext cx="10967549" cy="5983841"/>
           </a:xfrm>
         </p:spPr>
         <p:txBody>
@@ -4101,15 +4205,42 @@
           <a:p>
             <a:r>
               <a:rPr lang="zh-CN" altLang="en-US" dirty="0"/>
-              <a:t>确保某一个类只有一个实例，而且自行实例化并向整个系统提供这个实例。</a:t>
-            </a:r>
+              <a:t>组件模式</a:t>
+            </a:r>
+            <a:r>
+              <a:rPr lang="en-US" altLang="zh-CN" dirty="0"/>
+              <a:t>Unity</a:t>
+            </a:r>
+            <a:r>
+              <a:rPr lang="zh-CN" altLang="en-US" dirty="0"/>
+              <a:t>核心的设计模式。</a:t>
+            </a:r>
+            <a:endParaRPr lang="en-US" altLang="zh-CN" dirty="0"/>
+          </a:p>
+          <a:p>
+            <a:r>
+              <a:rPr lang="zh-CN" altLang="en-US" dirty="0"/>
+              <a:t>作用</a:t>
+            </a:r>
+            <a:r>
+              <a:rPr lang="en-US" altLang="zh-CN" dirty="0"/>
+              <a:t>:</a:t>
+            </a:r>
+            <a:r>
+              <a:rPr lang="zh-CN" altLang="en-US" dirty="0"/>
+              <a:t>为了一个单一的实体访问多个核心类，又能保证每个核心独立。实体抽象成一个简单的容器</a:t>
+            </a:r>
+            <a:endParaRPr lang="en-US" altLang="zh-CN" dirty="0"/>
+          </a:p>
+          <a:p>
+            <a:endParaRPr lang="zh-CN" altLang="en-US" dirty="0"/>
           </a:p>
         </p:txBody>
       </p:sp>
     </p:spTree>
     <p:extLst>
       <p:ext uri="{BB962C8B-B14F-4D97-AF65-F5344CB8AC3E}">
-        <p14:creationId xmlns:p14="http://schemas.microsoft.com/office/powerpoint/2010/main" val="560239334"/>
+        <p14:creationId xmlns:p14="http://schemas.microsoft.com/office/powerpoint/2010/main" val="3610851050"/>
       </p:ext>
     </p:extLst>
   </p:cSld>
@@ -4154,20 +4285,23 @@
         </p:nvSpPr>
         <p:spPr>
           <a:xfrm>
-            <a:off x="844550" y="40192"/>
-            <a:ext cx="8992786" cy="934499"/>
+            <a:off x="844550" y="40193"/>
+            <a:ext cx="8292053" cy="1719262"/>
           </a:xfrm>
         </p:spPr>
         <p:txBody>
           <a:bodyPr>
-            <a:normAutofit/>
+            <a:normAutofit fontScale="90000"/>
           </a:bodyPr>
           <a:lstStyle/>
           <a:p>
             <a:r>
               <a:rPr lang="en-US" altLang="zh-CN" b="1" dirty="0"/>
-              <a:t>Observer Pattern</a:t>
-            </a:r>
+              <a:t>Game Loop Pattern</a:t>
+            </a:r>
+            <a:br>
+              <a:rPr lang="en-US" altLang="zh-CN" b="1" dirty="0"/>
+            </a:br>
             <a:endParaRPr lang="zh-CN" altLang="en-US" dirty="0"/>
           </a:p>
         </p:txBody>
@@ -4200,7 +4334,7 @@
           <a:p>
             <a:r>
               <a:rPr lang="zh-CN" altLang="en-US" dirty="0"/>
-              <a:t>定义对象间一种一对多的依赖关系，使得每当一个对象改变状态，则所有依赖于它的对象都会得到通知并被自动更新。</a:t>
+              <a:t>游戏循环模式，实现游戏运行过程中对用户输入处理和时间处理的解耦。</a:t>
             </a:r>
           </a:p>
         </p:txBody>
@@ -4208,7 +4342,7 @@
     </p:spTree>
     <p:extLst>
       <p:ext uri="{BB962C8B-B14F-4D97-AF65-F5344CB8AC3E}">
-        <p14:creationId xmlns:p14="http://schemas.microsoft.com/office/powerpoint/2010/main" val="3658191056"/>
+        <p14:creationId xmlns:p14="http://schemas.microsoft.com/office/powerpoint/2010/main" val="3569412660"/>
       </p:ext>
     </p:extLst>
   </p:cSld>
@@ -4253,27 +4387,20 @@
         </p:nvSpPr>
         <p:spPr>
           <a:xfrm>
-            <a:off x="844550" y="40192"/>
-            <a:ext cx="8992786" cy="2311121"/>
+            <a:off x="797655" y="80387"/>
+            <a:ext cx="8711433" cy="1055076"/>
           </a:xfrm>
         </p:spPr>
         <p:txBody>
           <a:bodyPr>
-            <a:normAutofit fontScale="90000"/>
+            <a:normAutofit/>
           </a:bodyPr>
           <a:lstStyle/>
           <a:p>
             <a:r>
               <a:rPr lang="en-US" altLang="zh-CN" b="1" dirty="0"/>
-              <a:t>Event Queue Pattern</a:t>
-            </a:r>
-            <a:br>
-              <a:rPr lang="en-US" altLang="zh-CN" b="1" dirty="0"/>
-            </a:br>
-            <a:br>
-              <a:rPr lang="en-US" altLang="zh-CN" b="1" dirty="0"/>
-            </a:br>
-            <a:endParaRPr lang="zh-CN" altLang="en-US" dirty="0"/>
+              <a:t>Singleton Pattern</a:t>
+            </a:r>
           </a:p>
         </p:txBody>
       </p:sp>
@@ -4295,7 +4422,7 @@
         </p:nvSpPr>
         <p:spPr>
           <a:xfrm>
-            <a:off x="834012" y="974691"/>
+            <a:off x="797655" y="1286190"/>
             <a:ext cx="10513437" cy="5114960"/>
           </a:xfrm>
         </p:spPr>
@@ -4305,14 +4432,7 @@
           <a:p>
             <a:r>
               <a:rPr lang="zh-CN" altLang="en-US" dirty="0"/>
-              <a:t>对消息或事件的发送与受理进行时间上的解耦。</a:t>
-            </a:r>
-            <a:endParaRPr lang="en-US" altLang="zh-CN" dirty="0"/>
-          </a:p>
-          <a:p>
-            <a:r>
-              <a:rPr lang="zh-CN" altLang="en-US" dirty="0"/>
-              <a:t>事件队列是一个按照先进先出顺序存储一系列通知或者请求的队列。发出通知时系统会将该请求置入队列并返回，请求处理器随后从事件队列中获取并处理这些请求。请求可由处理器直接处理或转交给对其感兴趣的模块。这一模式对消息的发送者与受理者进行了解耦，使消息的处理变得动态且非实时</a:t>
+              <a:t>确保某一个类只有一个实例，而且自行实例化并向整个系统提供这个实例。</a:t>
             </a:r>
           </a:p>
         </p:txBody>
@@ -4320,7 +4440,7 @@
     </p:spTree>
     <p:extLst>
       <p:ext uri="{BB962C8B-B14F-4D97-AF65-F5344CB8AC3E}">
-        <p14:creationId xmlns:p14="http://schemas.microsoft.com/office/powerpoint/2010/main" val="3765445944"/>
+        <p14:creationId xmlns:p14="http://schemas.microsoft.com/office/powerpoint/2010/main" val="560239334"/>
       </p:ext>
     </p:extLst>
   </p:cSld>
@@ -4365,8 +4485,8 @@
         </p:nvSpPr>
         <p:spPr>
           <a:xfrm>
-            <a:off x="797655" y="80387"/>
-            <a:ext cx="8711433" cy="1055076"/>
+            <a:off x="844550" y="40192"/>
+            <a:ext cx="8992786" cy="934499"/>
           </a:xfrm>
         </p:spPr>
         <p:txBody>
@@ -4377,7 +4497,7 @@
           <a:p>
             <a:r>
               <a:rPr lang="en-US" altLang="zh-CN" b="1" dirty="0"/>
-              <a:t>Command Pattern</a:t>
+              <a:t>Observer Pattern</a:t>
             </a:r>
             <a:endParaRPr lang="zh-CN" altLang="en-US" dirty="0"/>
           </a:p>
@@ -4401,7 +4521,7 @@
         </p:nvSpPr>
         <p:spPr>
           <a:xfrm>
-            <a:off x="797655" y="1286190"/>
+            <a:off x="834012" y="974691"/>
             <a:ext cx="10513437" cy="5114960"/>
           </a:xfrm>
         </p:spPr>
@@ -4411,14 +4531,7 @@
           <a:p>
             <a:r>
               <a:rPr lang="zh-CN" altLang="en-US" dirty="0"/>
-              <a:t>对消息或事件的发送与受理进行时间上的解耦。</a:t>
-            </a:r>
-            <a:endParaRPr lang="en-US" altLang="zh-CN" dirty="0"/>
-          </a:p>
-          <a:p>
-            <a:r>
-              <a:rPr lang="zh-CN" altLang="en-US" dirty="0"/>
-              <a:t>事件队列是一个按照先进先出顺序存储一系列通知或者请求的队列。发出通知时系统会将该请求置入队列并返回，请求处理器随后从事件队列中获取并处理这些请求。请求可由处理器直接处理或转交给对其感兴趣的模块。这一模式对消息的发送者与受理者进行了解耦，使消息的处理变得动态且非实时</a:t>
+              <a:t>定义对象间一种一对多的依赖关系，使得每当一个对象改变状态，则所有依赖于它的对象都会得到通知并被自动更新。</a:t>
             </a:r>
           </a:p>
         </p:txBody>
@@ -4426,7 +4539,7 @@
     </p:spTree>
     <p:extLst>
       <p:ext uri="{BB962C8B-B14F-4D97-AF65-F5344CB8AC3E}">
-        <p14:creationId xmlns:p14="http://schemas.microsoft.com/office/powerpoint/2010/main" val="2131194110"/>
+        <p14:creationId xmlns:p14="http://schemas.microsoft.com/office/powerpoint/2010/main" val="3658191056"/>
       </p:ext>
     </p:extLst>
   </p:cSld>
@@ -4471,6 +4584,224 @@
         </p:nvSpPr>
         <p:spPr>
           <a:xfrm>
+            <a:off x="844550" y="40192"/>
+            <a:ext cx="8992786" cy="2311121"/>
+          </a:xfrm>
+        </p:spPr>
+        <p:txBody>
+          <a:bodyPr>
+            <a:normAutofit fontScale="90000"/>
+          </a:bodyPr>
+          <a:lstStyle/>
+          <a:p>
+            <a:r>
+              <a:rPr lang="en-US" altLang="zh-CN" b="1" dirty="0"/>
+              <a:t>Event Queue Pattern</a:t>
+            </a:r>
+            <a:br>
+              <a:rPr lang="en-US" altLang="zh-CN" b="1" dirty="0"/>
+            </a:br>
+            <a:br>
+              <a:rPr lang="en-US" altLang="zh-CN" b="1" dirty="0"/>
+            </a:br>
+            <a:endParaRPr lang="zh-CN" altLang="en-US" dirty="0"/>
+          </a:p>
+        </p:txBody>
+      </p:sp>
+      <p:sp>
+        <p:nvSpPr>
+          <p:cNvPr id="3" name="文本占位符 2">
+            <a:extLst>
+              <a:ext uri="{FF2B5EF4-FFF2-40B4-BE49-F238E27FC236}">
+                <a16:creationId xmlns:a16="http://schemas.microsoft.com/office/drawing/2014/main" id="{C4E10F8F-DB4F-412D-8642-2014FF65AFF0}"/>
+              </a:ext>
+            </a:extLst>
+          </p:cNvPr>
+          <p:cNvSpPr>
+            <a:spLocks noGrp="1"/>
+          </p:cNvSpPr>
+          <p:nvPr>
+            <p:ph type="body" idx="1"/>
+          </p:nvPr>
+        </p:nvSpPr>
+        <p:spPr>
+          <a:xfrm>
+            <a:off x="834012" y="974691"/>
+            <a:ext cx="10513437" cy="5114960"/>
+          </a:xfrm>
+        </p:spPr>
+        <p:txBody>
+          <a:bodyPr/>
+          <a:lstStyle/>
+          <a:p>
+            <a:r>
+              <a:rPr lang="zh-CN" altLang="en-US" dirty="0"/>
+              <a:t>对消息或事件的发送与受理进行时间上的解耦。</a:t>
+            </a:r>
+            <a:endParaRPr lang="en-US" altLang="zh-CN" dirty="0"/>
+          </a:p>
+          <a:p>
+            <a:r>
+              <a:rPr lang="zh-CN" altLang="en-US" dirty="0"/>
+              <a:t>事件队列是一个按照先进先出顺序存储一系列通知或者请求的队列。发出通知时系统会将该请求置入队列并返回，请求处理器随后从事件队列中获取并处理这些请求。请求可由处理器直接处理或转交给对其感兴趣的模块。这一模式对消息的发送者与受理者进行了解耦，使消息的处理变得动态且非实时</a:t>
+            </a:r>
+          </a:p>
+        </p:txBody>
+      </p:sp>
+    </p:spTree>
+    <p:extLst>
+      <p:ext uri="{BB962C8B-B14F-4D97-AF65-F5344CB8AC3E}">
+        <p14:creationId xmlns:p14="http://schemas.microsoft.com/office/powerpoint/2010/main" val="3765445944"/>
+      </p:ext>
+    </p:extLst>
+  </p:cSld>
+  <p:clrMapOvr>
+    <a:masterClrMapping/>
+  </p:clrMapOvr>
+</p:sld>
+</file>
+
+<file path=ppt/slides/slide15.xml><?xml version="1.0" encoding="utf-8"?>
+<p:sld xmlns:a="http://schemas.openxmlformats.org/drawingml/2006/main" xmlns:r="http://schemas.openxmlformats.org/officeDocument/2006/relationships" xmlns:p="http://schemas.openxmlformats.org/presentationml/2006/main">
+  <p:cSld>
+    <p:spTree>
+      <p:nvGrpSpPr>
+        <p:cNvPr id="1" name=""/>
+        <p:cNvGrpSpPr/>
+        <p:nvPr/>
+      </p:nvGrpSpPr>
+      <p:grpSpPr>
+        <a:xfrm>
+          <a:off x="0" y="0"/>
+          <a:ext cx="0" cy="0"/>
+          <a:chOff x="0" y="0"/>
+          <a:chExt cx="0" cy="0"/>
+        </a:xfrm>
+      </p:grpSpPr>
+      <p:sp>
+        <p:nvSpPr>
+          <p:cNvPr id="2" name="标题 1">
+            <a:extLst>
+              <a:ext uri="{FF2B5EF4-FFF2-40B4-BE49-F238E27FC236}">
+                <a16:creationId xmlns:a16="http://schemas.microsoft.com/office/drawing/2014/main" id="{C183253E-C2B8-43C6-AE47-A5D1755D7811}"/>
+              </a:ext>
+            </a:extLst>
+          </p:cNvPr>
+          <p:cNvSpPr>
+            <a:spLocks noGrp="1"/>
+          </p:cNvSpPr>
+          <p:nvPr>
+            <p:ph type="title"/>
+          </p:nvPr>
+        </p:nvSpPr>
+        <p:spPr>
+          <a:xfrm>
+            <a:off x="797655" y="80387"/>
+            <a:ext cx="8711433" cy="1055076"/>
+          </a:xfrm>
+        </p:spPr>
+        <p:txBody>
+          <a:bodyPr>
+            <a:normAutofit/>
+          </a:bodyPr>
+          <a:lstStyle/>
+          <a:p>
+            <a:r>
+              <a:rPr lang="en-US" altLang="zh-CN" b="1" dirty="0"/>
+              <a:t>Command Pattern</a:t>
+            </a:r>
+            <a:endParaRPr lang="zh-CN" altLang="en-US" dirty="0"/>
+          </a:p>
+        </p:txBody>
+      </p:sp>
+      <p:sp>
+        <p:nvSpPr>
+          <p:cNvPr id="3" name="文本占位符 2">
+            <a:extLst>
+              <a:ext uri="{FF2B5EF4-FFF2-40B4-BE49-F238E27FC236}">
+                <a16:creationId xmlns:a16="http://schemas.microsoft.com/office/drawing/2014/main" id="{C4E10F8F-DB4F-412D-8642-2014FF65AFF0}"/>
+              </a:ext>
+            </a:extLst>
+          </p:cNvPr>
+          <p:cNvSpPr>
+            <a:spLocks noGrp="1"/>
+          </p:cNvSpPr>
+          <p:nvPr>
+            <p:ph type="body" idx="1"/>
+          </p:nvPr>
+        </p:nvSpPr>
+        <p:spPr>
+          <a:xfrm>
+            <a:off x="797655" y="1286190"/>
+            <a:ext cx="10513437" cy="5114960"/>
+          </a:xfrm>
+        </p:spPr>
+        <p:txBody>
+          <a:bodyPr/>
+          <a:lstStyle/>
+          <a:p>
+            <a:r>
+              <a:rPr lang="zh-CN" altLang="en-US" dirty="0"/>
+              <a:t>对消息或事件的发送与受理进行时间上的解耦。</a:t>
+            </a:r>
+            <a:endParaRPr lang="en-US" altLang="zh-CN" dirty="0"/>
+          </a:p>
+          <a:p>
+            <a:r>
+              <a:rPr lang="zh-CN" altLang="en-US" dirty="0"/>
+              <a:t>事件队列是一个按照先进先出顺序存储一系列通知或者请求的队列。发出通知时系统会将该请求置入队列并返回，请求处理器随后从事件队列中获取并处理这些请求。请求可由处理器直接处理或转交给对其感兴趣的模块。这一模式对消息的发送者与受理者进行了解耦，使消息的处理变得动态且非实时</a:t>
+            </a:r>
+          </a:p>
+        </p:txBody>
+      </p:sp>
+    </p:spTree>
+    <p:extLst>
+      <p:ext uri="{BB962C8B-B14F-4D97-AF65-F5344CB8AC3E}">
+        <p14:creationId xmlns:p14="http://schemas.microsoft.com/office/powerpoint/2010/main" val="2131194110"/>
+      </p:ext>
+    </p:extLst>
+  </p:cSld>
+  <p:clrMapOvr>
+    <a:masterClrMapping/>
+  </p:clrMapOvr>
+</p:sld>
+</file>
+
+<file path=ppt/slides/slide16.xml><?xml version="1.0" encoding="utf-8"?>
+<p:sld xmlns:a="http://schemas.openxmlformats.org/drawingml/2006/main" xmlns:r="http://schemas.openxmlformats.org/officeDocument/2006/relationships" xmlns:p="http://schemas.openxmlformats.org/presentationml/2006/main">
+  <p:cSld>
+    <p:spTree>
+      <p:nvGrpSpPr>
+        <p:cNvPr id="1" name=""/>
+        <p:cNvGrpSpPr/>
+        <p:nvPr/>
+      </p:nvGrpSpPr>
+      <p:grpSpPr>
+        <a:xfrm>
+          <a:off x="0" y="0"/>
+          <a:ext cx="0" cy="0"/>
+          <a:chOff x="0" y="0"/>
+          <a:chExt cx="0" cy="0"/>
+        </a:xfrm>
+      </p:grpSpPr>
+      <p:sp>
+        <p:nvSpPr>
+          <p:cNvPr id="2" name="标题 1">
+            <a:extLst>
+              <a:ext uri="{FF2B5EF4-FFF2-40B4-BE49-F238E27FC236}">
+                <a16:creationId xmlns:a16="http://schemas.microsoft.com/office/drawing/2014/main" id="{C183253E-C2B8-43C6-AE47-A5D1755D7811}"/>
+              </a:ext>
+            </a:extLst>
+          </p:cNvPr>
+          <p:cNvSpPr>
+            <a:spLocks noGrp="1"/>
+          </p:cNvSpPr>
+          <p:nvPr>
+            <p:ph type="title"/>
+          </p:nvPr>
+        </p:nvSpPr>
+        <p:spPr>
+          <a:xfrm>
             <a:off x="797655" y="80387"/>
             <a:ext cx="10617272" cy="1055076"/>
           </a:xfrm>
@@ -4534,7 +4865,7 @@
 </p:sld>
 </file>
 
-<file path=ppt/slides/slide15.xml><?xml version="1.0" encoding="utf-8"?>
+<file path=ppt/slides/slide17.xml><?xml version="1.0" encoding="utf-8"?>
 <p:sld xmlns:a="http://schemas.openxmlformats.org/drawingml/2006/main" xmlns:r="http://schemas.openxmlformats.org/officeDocument/2006/relationships" xmlns:p="http://schemas.openxmlformats.org/presentationml/2006/main">
   <p:cSld>
     <p:spTree>
@@ -4651,57 +4982,89 @@
       </p:grpSpPr>
       <p:sp>
         <p:nvSpPr>
-          <p:cNvPr id="3" name="文本占位符 2">
-            <a:extLst>
-              <a:ext uri="{FF2B5EF4-FFF2-40B4-BE49-F238E27FC236}">
-                <a16:creationId xmlns:a16="http://schemas.microsoft.com/office/drawing/2014/main" id="{A6AC4DEE-C7BD-4EBC-A5CA-97C8269F7050}"/>
-              </a:ext>
-            </a:extLst>
-          </p:cNvPr>
-          <p:cNvSpPr>
-            <a:spLocks noGrp="1"/>
-          </p:cNvSpPr>
-          <p:nvPr>
-            <p:ph type="body" idx="1"/>
+          <p:cNvPr id="2" name="标题 1">
+            <a:extLst>
+              <a:ext uri="{FF2B5EF4-FFF2-40B4-BE49-F238E27FC236}">
+                <a16:creationId xmlns:a16="http://schemas.microsoft.com/office/drawing/2014/main" id="{4330B2E4-587D-4EC9-BFDE-73BD67914D0E}"/>
+              </a:ext>
+            </a:extLst>
+          </p:cNvPr>
+          <p:cNvSpPr>
+            <a:spLocks noGrp="1"/>
+          </p:cNvSpPr>
+          <p:nvPr>
+            <p:ph type="title"/>
           </p:nvPr>
         </p:nvSpPr>
         <p:spPr>
           <a:xfrm>
-            <a:off x="831850" y="124287"/>
-            <a:ext cx="10515600" cy="5965363"/>
+            <a:off x="838200" y="365125"/>
+            <a:ext cx="6326275" cy="840677"/>
           </a:xfrm>
         </p:spPr>
         <p:txBody>
-          <a:bodyPr/>
+          <a:bodyPr>
+            <a:normAutofit fontScale="90000"/>
+          </a:bodyPr>
           <a:lstStyle/>
           <a:p>
             <a:r>
               <a:rPr lang="zh-CN" altLang="en-US" dirty="0"/>
-              <a:t>单一职责</a:t>
-            </a:r>
-            <a:endParaRPr lang="en-US" altLang="zh-CN" dirty="0"/>
-          </a:p>
-          <a:p>
-            <a:r>
-              <a:rPr lang="en-US" altLang="zh-CN" dirty="0"/>
-              <a:t>	</a:t>
-            </a:r>
+              <a:t>如何解决变化的复杂性呢</a:t>
+            </a:r>
+          </a:p>
+        </p:txBody>
+      </p:sp>
+      <p:sp>
+        <p:nvSpPr>
+          <p:cNvPr id="3" name="内容占位符 2">
+            <a:extLst>
+              <a:ext uri="{FF2B5EF4-FFF2-40B4-BE49-F238E27FC236}">
+                <a16:creationId xmlns:a16="http://schemas.microsoft.com/office/drawing/2014/main" id="{53086B07-C79E-4DEA-A9F8-06BF42327A49}"/>
+              </a:ext>
+            </a:extLst>
+          </p:cNvPr>
+          <p:cNvSpPr>
+            <a:spLocks noGrp="1"/>
+          </p:cNvSpPr>
+          <p:nvPr>
+            <p:ph idx="1"/>
+          </p:nvPr>
+        </p:nvSpPr>
+        <p:spPr>
+          <a:xfrm>
+            <a:off x="838200" y="1353352"/>
+            <a:ext cx="10515600" cy="4351338"/>
+          </a:xfrm>
+        </p:spPr>
+        <p:txBody>
+          <a:bodyPr/>
+          <a:lstStyle/>
+          <a:p>
             <a:r>
               <a:rPr lang="zh-CN" altLang="en-US" dirty="0"/>
-              <a:t>在设计类的时候，不要追求大而全。如何大而全就会把类设计的非常臃肿，把一些可以剥离的职责耦合在一起。如果发生修改的时候就出现意想不到的情况。在个人开发</a:t>
-            </a:r>
-            <a:r>
-              <a:rPr lang="en-US" altLang="zh-CN" dirty="0"/>
-              <a:t>demo</a:t>
-            </a:r>
+              <a:t>分解</a:t>
+            </a:r>
+          </a:p>
+          <a:p>
+            <a:pPr lvl="1"/>
             <a:r>
               <a:rPr lang="zh-CN" altLang="en-US" dirty="0"/>
-              <a:t>时候，因为不需要跟别人配合。在设计上就会偏随意写。但是在团队合作的时候，职责划分清楚，会让代码显得更加容易维护。</a:t>
-            </a:r>
-            <a:endParaRPr lang="en-US" altLang="zh-CN" dirty="0"/>
-          </a:p>
-          <a:p>
-            <a:endParaRPr lang="en-US" altLang="zh-CN" dirty="0"/>
+              <a:t>人们面对复杂性有一个常见的做法：即分而治之，将大问题分解为多个小问题，将复杂问题分解为多个简单问题。</a:t>
+            </a:r>
+          </a:p>
+          <a:p>
+            <a:r>
+              <a:rPr lang="zh-CN" altLang="en-US" dirty="0"/>
+              <a:t>抽象</a:t>
+            </a:r>
+          </a:p>
+          <a:p>
+            <a:pPr lvl="1"/>
+            <a:r>
+              <a:rPr lang="zh-CN" altLang="en-US" dirty="0"/>
+              <a:t>更高层次来讲，人们处理复杂性有一个通用的技术，即抽象。由于不能掌握全部的复杂对象，我们选择忽视它的非本质细节，而去处理泛化和理想化了的对象模型。</a:t>
+            </a:r>
           </a:p>
           <a:p>
             <a:endParaRPr lang="zh-CN" altLang="en-US" dirty="0"/>
@@ -4711,7 +5074,7 @@
     </p:spTree>
     <p:extLst>
       <p:ext uri="{BB962C8B-B14F-4D97-AF65-F5344CB8AC3E}">
-        <p14:creationId xmlns:p14="http://schemas.microsoft.com/office/powerpoint/2010/main" val="1257954849"/>
+        <p14:creationId xmlns:p14="http://schemas.microsoft.com/office/powerpoint/2010/main" val="2403969775"/>
       </p:ext>
     </p:extLst>
   </p:cSld>
@@ -4740,108 +5103,39 @@
       </p:grpSpPr>
       <p:sp>
         <p:nvSpPr>
-          <p:cNvPr id="3" name="文本占位符 2">
-            <a:extLst>
-              <a:ext uri="{FF2B5EF4-FFF2-40B4-BE49-F238E27FC236}">
-                <a16:creationId xmlns:a16="http://schemas.microsoft.com/office/drawing/2014/main" id="{E0797477-7965-4A4C-A926-08601510A418}"/>
-              </a:ext>
-            </a:extLst>
-          </p:cNvPr>
-          <p:cNvSpPr>
-            <a:spLocks noGrp="1"/>
-          </p:cNvSpPr>
-          <p:nvPr>
-            <p:ph type="body" idx="1"/>
+          <p:cNvPr id="3" name="副标题 2">
+            <a:extLst>
+              <a:ext uri="{FF2B5EF4-FFF2-40B4-BE49-F238E27FC236}">
+                <a16:creationId xmlns:a16="http://schemas.microsoft.com/office/drawing/2014/main" id="{756F3ABA-5AA3-4B47-AAD7-8A56D0A5CED0}"/>
+              </a:ext>
+            </a:extLst>
+          </p:cNvPr>
+          <p:cNvSpPr>
+            <a:spLocks noGrp="1"/>
+          </p:cNvSpPr>
+          <p:nvPr>
+            <p:ph type="subTitle" idx="1"/>
           </p:nvPr>
         </p:nvSpPr>
         <p:spPr>
           <a:xfrm>
-            <a:off x="831850" y="355107"/>
-            <a:ext cx="10515600" cy="5734543"/>
+            <a:off x="1524000" y="542611"/>
+            <a:ext cx="9144000" cy="4715189"/>
           </a:xfrm>
         </p:spPr>
         <p:txBody>
           <a:bodyPr/>
           <a:lstStyle/>
           <a:p>
+            <a:pPr algn="l"/>
             <a:r>
               <a:rPr lang="zh-CN" altLang="en-US" dirty="0"/>
-              <a:t>开放</a:t>
+              <a:t>“每一个模式描述了一个在我们周围不断重复发生的问题，以及该问题的解决方案的核心。这样，你就能一次又一次地使用该方案而不必做重复劳动”。 </a:t>
             </a:r>
             <a:r>
               <a:rPr lang="en-US" altLang="zh-CN" dirty="0"/>
-              <a:t>-</a:t>
-            </a:r>
-            <a:r>
-              <a:rPr lang="zh-CN" altLang="en-US" dirty="0"/>
-              <a:t>封闭原则</a:t>
-            </a:r>
-            <a:endParaRPr lang="en-US" altLang="zh-CN" dirty="0"/>
-          </a:p>
-          <a:p>
-            <a:r>
-              <a:rPr lang="en-US" altLang="zh-CN" dirty="0"/>
-              <a:t>	</a:t>
-            </a:r>
-            <a:r>
-              <a:rPr lang="zh-CN" altLang="en-US" dirty="0"/>
-              <a:t>就说设计一个类的时候，我们追求的是可以拓展但是不可以修改。</a:t>
-            </a:r>
-            <a:endParaRPr lang="en-US" altLang="zh-CN" dirty="0"/>
-          </a:p>
-          <a:p>
-            <a:r>
-              <a:rPr lang="zh-CN" altLang="en-US" dirty="0"/>
-              <a:t>这个原则其实是说：对于拓展新功能我们是开放的，但是对于修改更改我们是封闭的。</a:t>
-            </a:r>
-            <a:endParaRPr lang="en-US" altLang="zh-CN" dirty="0"/>
-          </a:p>
-          <a:p>
-            <a:r>
-              <a:rPr lang="en-US" altLang="zh-CN" dirty="0"/>
-              <a:t>	</a:t>
-            </a:r>
-          </a:p>
-          <a:p>
-            <a:r>
-              <a:rPr lang="en-US" altLang="zh-CN" dirty="0"/>
-              <a:t>	</a:t>
-            </a:r>
-            <a:r>
-              <a:rPr lang="zh-CN" altLang="en-US" dirty="0"/>
-              <a:t>在设计初期，我们得考虑哪些是</a:t>
-            </a:r>
-            <a:r>
-              <a:rPr lang="en-US" altLang="zh-CN" dirty="0"/>
-              <a:t>”</a:t>
-            </a:r>
-            <a:r>
-              <a:rPr lang="zh-CN" altLang="en-US" dirty="0"/>
-              <a:t>动</a:t>
-            </a:r>
-            <a:r>
-              <a:rPr lang="en-US" altLang="zh-CN" dirty="0"/>
-              <a:t>”</a:t>
-            </a:r>
-            <a:r>
-              <a:rPr lang="zh-CN" altLang="en-US" dirty="0"/>
-              <a:t>的，会变化的。因为需求总是会动的哪些是静的，不会变的。我们把会“动”的抽象隔离出来。</a:t>
-            </a:r>
-            <a:endParaRPr lang="en-US" altLang="zh-CN" dirty="0"/>
-          </a:p>
-          <a:p>
-            <a:endParaRPr lang="en-US" altLang="zh-CN" dirty="0"/>
-          </a:p>
-          <a:p>
-            <a:endParaRPr lang="en-US" altLang="zh-CN" dirty="0"/>
-          </a:p>
-          <a:p>
-            <a:endParaRPr lang="en-US" altLang="zh-CN" dirty="0"/>
-          </a:p>
-          <a:p>
-            <a:endParaRPr lang="en-US" altLang="zh-CN" dirty="0"/>
-          </a:p>
-          <a:p>
+              <a:t>——Christopher Alexander</a:t>
+            </a:r>
             <a:endParaRPr lang="zh-CN" altLang="en-US" dirty="0"/>
           </a:p>
         </p:txBody>
@@ -4849,7 +5143,7 @@
     </p:spTree>
     <p:extLst>
       <p:ext uri="{BB962C8B-B14F-4D97-AF65-F5344CB8AC3E}">
-        <p14:creationId xmlns:p14="http://schemas.microsoft.com/office/powerpoint/2010/main" val="1223869765"/>
+        <p14:creationId xmlns:p14="http://schemas.microsoft.com/office/powerpoint/2010/main" val="2874511117"/>
       </p:ext>
     </p:extLst>
   </p:cSld>
@@ -4881,7 +5175,7 @@
           <p:cNvPr id="3" name="文本占位符 2">
             <a:extLst>
               <a:ext uri="{FF2B5EF4-FFF2-40B4-BE49-F238E27FC236}">
-                <a16:creationId xmlns:a16="http://schemas.microsoft.com/office/drawing/2014/main" id="{963BF718-F18C-4C61-8DAD-A932D13CEB1B}"/>
+                <a16:creationId xmlns:a16="http://schemas.microsoft.com/office/drawing/2014/main" id="{A6AC4DEE-C7BD-4EBC-A5CA-97C8269F7050}"/>
               </a:ext>
             </a:extLst>
           </p:cNvPr>
@@ -4894,8 +5188,8 @@
         </p:nvSpPr>
         <p:spPr>
           <a:xfrm>
-            <a:off x="831850" y="160775"/>
-            <a:ext cx="10515600" cy="5928876"/>
+            <a:off x="831850" y="124287"/>
+            <a:ext cx="10515600" cy="5965363"/>
           </a:xfrm>
         </p:spPr>
         <p:txBody>
@@ -4904,26 +5198,137 @@
           <a:p>
             <a:r>
               <a:rPr lang="zh-CN" altLang="en-US" dirty="0"/>
-              <a:t>里式替换</a:t>
-            </a:r>
+              <a:t>依赖倒置原则（</a:t>
+            </a:r>
+            <a:r>
+              <a:rPr lang="en-US" altLang="zh-CN" dirty="0"/>
+              <a:t>DIP</a:t>
+            </a:r>
+            <a:r>
+              <a:rPr lang="zh-CN" altLang="en-US" dirty="0"/>
+              <a:t>）</a:t>
+            </a:r>
+          </a:p>
+          <a:p>
+            <a:pPr marL="342900" indent="-342900">
+              <a:buFont typeface="Arial" panose="020B0604020202020204" pitchFamily="34" charset="0"/>
+              <a:buChar char="•"/>
+            </a:pPr>
+            <a:r>
+              <a:rPr lang="zh-CN" altLang="en-US" dirty="0"/>
+              <a:t>高层模块</a:t>
+            </a:r>
+            <a:r>
+              <a:rPr lang="en-US" altLang="zh-CN" dirty="0"/>
+              <a:t>(</a:t>
+            </a:r>
+            <a:r>
+              <a:rPr lang="zh-CN" altLang="en-US" dirty="0"/>
+              <a:t>稳定</a:t>
+            </a:r>
+            <a:r>
+              <a:rPr lang="en-US" altLang="zh-CN" dirty="0"/>
+              <a:t>)</a:t>
+            </a:r>
+            <a:r>
+              <a:rPr lang="zh-CN" altLang="en-US" dirty="0"/>
+              <a:t>不应该依赖于低层模块</a:t>
+            </a:r>
+            <a:r>
+              <a:rPr lang="en-US" altLang="zh-CN" dirty="0"/>
+              <a:t>(</a:t>
+            </a:r>
+            <a:r>
+              <a:rPr lang="zh-CN" altLang="en-US" dirty="0"/>
+              <a:t>变化</a:t>
+            </a:r>
+            <a:r>
+              <a:rPr lang="en-US" altLang="zh-CN" dirty="0"/>
+              <a:t>)</a:t>
+            </a:r>
+            <a:r>
+              <a:rPr lang="zh-CN" altLang="en-US" dirty="0"/>
+              <a:t>，二者都应该依赖于抽象</a:t>
+            </a:r>
+            <a:r>
+              <a:rPr lang="en-US" altLang="zh-CN" dirty="0"/>
+              <a:t>(</a:t>
+            </a:r>
+            <a:r>
+              <a:rPr lang="zh-CN" altLang="en-US" dirty="0"/>
+              <a:t>稳定</a:t>
+            </a:r>
+            <a:r>
+              <a:rPr lang="en-US" altLang="zh-CN" dirty="0"/>
+              <a:t>) </a:t>
+            </a:r>
+            <a:r>
+              <a:rPr lang="zh-CN" altLang="en-US" dirty="0"/>
+              <a:t>。</a:t>
+            </a:r>
+          </a:p>
+          <a:p>
+            <a:pPr marL="342900" indent="-342900">
+              <a:buFont typeface="Arial" panose="020B0604020202020204" pitchFamily="34" charset="0"/>
+              <a:buChar char="•"/>
+            </a:pPr>
+            <a:r>
+              <a:rPr lang="zh-CN" altLang="en-US" dirty="0"/>
+              <a:t>抽象</a:t>
+            </a:r>
+            <a:r>
+              <a:rPr lang="en-US" altLang="zh-CN" dirty="0"/>
+              <a:t>(</a:t>
+            </a:r>
+            <a:r>
+              <a:rPr lang="zh-CN" altLang="en-US" dirty="0"/>
+              <a:t>稳定</a:t>
+            </a:r>
+            <a:r>
+              <a:rPr lang="en-US" altLang="zh-CN" dirty="0"/>
+              <a:t>)</a:t>
+            </a:r>
+            <a:r>
+              <a:rPr lang="zh-CN" altLang="en-US" dirty="0"/>
+              <a:t>不应该依赖于实现细节</a:t>
+            </a:r>
+            <a:r>
+              <a:rPr lang="en-US" altLang="zh-CN" dirty="0"/>
+              <a:t>(</a:t>
+            </a:r>
+            <a:r>
+              <a:rPr lang="zh-CN" altLang="en-US" dirty="0"/>
+              <a:t>变化</a:t>
+            </a:r>
+            <a:r>
+              <a:rPr lang="en-US" altLang="zh-CN" dirty="0"/>
+              <a:t>) </a:t>
+            </a:r>
+            <a:r>
+              <a:rPr lang="zh-CN" altLang="en-US" dirty="0"/>
+              <a:t>，实现细节应该依赖于抽象</a:t>
+            </a:r>
+            <a:r>
+              <a:rPr lang="en-US" altLang="zh-CN" dirty="0"/>
+              <a:t>(</a:t>
+            </a:r>
+            <a:r>
+              <a:rPr lang="zh-CN" altLang="en-US" dirty="0"/>
+              <a:t>稳定</a:t>
+            </a:r>
+            <a:r>
+              <a:rPr lang="en-US" altLang="zh-CN" dirty="0"/>
+              <a:t>)</a:t>
+            </a:r>
+            <a:r>
+              <a:rPr lang="zh-CN" altLang="en-US" dirty="0"/>
+              <a:t>。</a:t>
+            </a:r>
+          </a:p>
+          <a:p>
             <a:endParaRPr lang="en-US" altLang="zh-CN" dirty="0"/>
           </a:p>
           <a:p>
-            <a:r>
-              <a:rPr lang="en-US" altLang="zh-CN" dirty="0"/>
-              <a:t>	</a:t>
-            </a:r>
-            <a:r>
-              <a:rPr lang="zh-CN" altLang="en-US" dirty="0"/>
-              <a:t>在有继承结构的代码里面，如果我们一个实体里面使用了父类的对象，如果这个时候替换成子类的对象。程序的行为应该保持不变。</a:t>
-            </a:r>
-            <a:endParaRPr lang="en-US" altLang="zh-CN" dirty="0"/>
-          </a:p>
-          <a:p>
-            <a:r>
-              <a:rPr lang="en-US" altLang="zh-CN" dirty="0"/>
-              <a:t>	</a:t>
-            </a:r>
             <a:endParaRPr lang="zh-CN" altLang="en-US" dirty="0"/>
           </a:p>
         </p:txBody>
@@ -4931,7 +5336,7 @@
     </p:spTree>
     <p:extLst>
       <p:ext uri="{BB962C8B-B14F-4D97-AF65-F5344CB8AC3E}">
-        <p14:creationId xmlns:p14="http://schemas.microsoft.com/office/powerpoint/2010/main" val="764622199"/>
+        <p14:creationId xmlns:p14="http://schemas.microsoft.com/office/powerpoint/2010/main" val="1257954849"/>
       </p:ext>
     </p:extLst>
   </p:cSld>
@@ -4963,7 +5368,7 @@
           <p:cNvPr id="3" name="文本占位符 2">
             <a:extLst>
               <a:ext uri="{FF2B5EF4-FFF2-40B4-BE49-F238E27FC236}">
-                <a16:creationId xmlns:a16="http://schemas.microsoft.com/office/drawing/2014/main" id="{2F6C0049-D57F-481D-9D2E-6772139897FB}"/>
+                <a16:creationId xmlns:a16="http://schemas.microsoft.com/office/drawing/2014/main" id="{E0797477-7965-4A4C-A926-08601510A418}"/>
               </a:ext>
             </a:extLst>
           </p:cNvPr>
@@ -4976,8 +5381,8 @@
         </p:nvSpPr>
         <p:spPr>
           <a:xfrm>
-            <a:off x="831850" y="291403"/>
-            <a:ext cx="10515600" cy="5798248"/>
+            <a:off x="831850" y="355107"/>
+            <a:ext cx="10515600" cy="5734543"/>
           </a:xfrm>
         </p:spPr>
         <p:txBody>
@@ -4986,37 +5391,59 @@
           <a:p>
             <a:r>
               <a:rPr lang="zh-CN" altLang="en-US" dirty="0"/>
-              <a:t>依赖倒置</a:t>
+              <a:t>开放</a:t>
+            </a:r>
+            <a:r>
+              <a:rPr lang="en-US" altLang="zh-CN" dirty="0"/>
+              <a:t>-</a:t>
+            </a:r>
+            <a:r>
+              <a:rPr lang="zh-CN" altLang="en-US" dirty="0"/>
+              <a:t>封闭原则</a:t>
             </a:r>
             <a:endParaRPr lang="en-US" altLang="zh-CN" dirty="0"/>
           </a:p>
           <a:p>
-            <a:r>
-              <a:rPr lang="en-US" altLang="zh-CN" dirty="0"/>
-              <a:t>	</a:t>
-            </a:r>
+            <a:pPr marL="342900" indent="-342900">
+              <a:buFont typeface="Arial" panose="020B0604020202020204" pitchFamily="34" charset="0"/>
+              <a:buChar char="•"/>
+            </a:pPr>
             <a:r>
               <a:rPr lang="zh-CN" altLang="en-US" dirty="0"/>
-              <a:t>高层模块不应该直接依赖底层模块，两个模块应该同时依赖抽象</a:t>
-            </a:r>
+              <a:t>对扩展开放，对更改封闭。</a:t>
+            </a:r>
+          </a:p>
+          <a:p>
+            <a:pPr marL="342900" indent="-342900">
+              <a:buFont typeface="Arial" panose="020B0604020202020204" pitchFamily="34" charset="0"/>
+              <a:buChar char="•"/>
+            </a:pPr>
+            <a:r>
+              <a:rPr lang="zh-CN" altLang="en-US" dirty="0"/>
+              <a:t>类模块应该是可扩展的，但是不可修改。</a:t>
+            </a:r>
+          </a:p>
+          <a:p>
             <a:endParaRPr lang="en-US" altLang="zh-CN" dirty="0"/>
           </a:p>
           <a:p>
-            <a:r>
-              <a:rPr lang="en-US" altLang="zh-CN" dirty="0"/>
-              <a:t>	</a:t>
-            </a:r>
-            <a:r>
-              <a:rPr lang="zh-CN" altLang="en-US" dirty="0"/>
-              <a:t>抽象不应该依赖细节，细节应该依赖抽象</a:t>
-            </a:r>
+            <a:endParaRPr lang="en-US" altLang="zh-CN" dirty="0"/>
+          </a:p>
+          <a:p>
+            <a:endParaRPr lang="en-US" altLang="zh-CN" dirty="0"/>
+          </a:p>
+          <a:p>
+            <a:endParaRPr lang="en-US" altLang="zh-CN" dirty="0"/>
+          </a:p>
+          <a:p>
+            <a:endParaRPr lang="zh-CN" altLang="en-US" dirty="0"/>
           </a:p>
         </p:txBody>
       </p:sp>
     </p:spTree>
     <p:extLst>
       <p:ext uri="{BB962C8B-B14F-4D97-AF65-F5344CB8AC3E}">
-        <p14:creationId xmlns:p14="http://schemas.microsoft.com/office/powerpoint/2010/main" val="3955903846"/>
+        <p14:creationId xmlns:p14="http://schemas.microsoft.com/office/powerpoint/2010/main" val="1223869765"/>
       </p:ext>
     </p:extLst>
   </p:cSld>
@@ -5048,7 +5475,7 @@
           <p:cNvPr id="3" name="文本占位符 2">
             <a:extLst>
               <a:ext uri="{FF2B5EF4-FFF2-40B4-BE49-F238E27FC236}">
-                <a16:creationId xmlns:a16="http://schemas.microsoft.com/office/drawing/2014/main" id="{DE6CEFD4-05B4-4B23-86B3-BF628B8C97F5}"/>
+                <a16:creationId xmlns:a16="http://schemas.microsoft.com/office/drawing/2014/main" id="{E0797477-7965-4A4C-A926-08601510A418}"/>
               </a:ext>
             </a:extLst>
           </p:cNvPr>
@@ -5061,8 +5488,8 @@
         </p:nvSpPr>
         <p:spPr>
           <a:xfrm>
-            <a:off x="831850" y="391887"/>
-            <a:ext cx="10515600" cy="5697764"/>
+            <a:off x="831850" y="355107"/>
+            <a:ext cx="10515600" cy="5734543"/>
           </a:xfrm>
         </p:spPr>
         <p:txBody>
@@ -5071,26 +5498,58 @@
           <a:p>
             <a:r>
               <a:rPr lang="zh-CN" altLang="en-US" dirty="0"/>
-              <a:t>迪米特法则</a:t>
-            </a:r>
+              <a:t>单一职责原则（</a:t>
+            </a:r>
+            <a:r>
+              <a:rPr lang="en-US" altLang="zh-CN" dirty="0"/>
+              <a:t>SRP</a:t>
+            </a:r>
+            <a:r>
+              <a:rPr lang="zh-CN" altLang="en-US" dirty="0"/>
+              <a:t>）</a:t>
+            </a:r>
+          </a:p>
+          <a:p>
+            <a:pPr marL="342900" indent="-342900">
+              <a:buFont typeface="Arial" panose="020B0604020202020204" pitchFamily="34" charset="0"/>
+              <a:buChar char="•"/>
+            </a:pPr>
+            <a:r>
+              <a:rPr lang="zh-CN" altLang="en-US" dirty="0"/>
+              <a:t>一个类应该仅有一个引起它变化的原因。</a:t>
+            </a:r>
+          </a:p>
+          <a:p>
+            <a:pPr marL="342900" indent="-342900">
+              <a:buFont typeface="Arial" panose="020B0604020202020204" pitchFamily="34" charset="0"/>
+              <a:buChar char="•"/>
+            </a:pPr>
+            <a:r>
+              <a:rPr lang="zh-CN" altLang="en-US" dirty="0"/>
+              <a:t>变化的方向隐含着类的责任。</a:t>
+            </a:r>
+          </a:p>
+          <a:p>
             <a:endParaRPr lang="en-US" altLang="zh-CN" dirty="0"/>
           </a:p>
           <a:p>
-            <a:r>
-              <a:rPr lang="en-US" altLang="zh-CN" dirty="0"/>
-              <a:t>	</a:t>
-            </a:r>
-            <a:r>
-              <a:rPr lang="zh-CN" altLang="en-US" dirty="0"/>
-              <a:t>最小知识法则，如果两个没必要直接通信。那么我们可以对于两个类之间添加隔离层。其实本质也是解耦。让类之间松耦合。弱耦合类修改起来会引起的变化越是最小的。</a:t>
-            </a:r>
+            <a:endParaRPr lang="en-US" altLang="zh-CN" dirty="0"/>
+          </a:p>
+          <a:p>
+            <a:endParaRPr lang="en-US" altLang="zh-CN" dirty="0"/>
+          </a:p>
+          <a:p>
+            <a:endParaRPr lang="en-US" altLang="zh-CN" dirty="0"/>
+          </a:p>
+          <a:p>
+            <a:endParaRPr lang="zh-CN" altLang="en-US" dirty="0"/>
           </a:p>
         </p:txBody>
       </p:sp>
     </p:spTree>
     <p:extLst>
       <p:ext uri="{BB962C8B-B14F-4D97-AF65-F5344CB8AC3E}">
-        <p14:creationId xmlns:p14="http://schemas.microsoft.com/office/powerpoint/2010/main" val="389467528"/>
+        <p14:creationId xmlns:p14="http://schemas.microsoft.com/office/powerpoint/2010/main" val="3582875737"/>
       </p:ext>
     </p:extLst>
   </p:cSld>
@@ -5122,7 +5581,7 @@
           <p:cNvPr id="3" name="文本占位符 2">
             <a:extLst>
               <a:ext uri="{FF2B5EF4-FFF2-40B4-BE49-F238E27FC236}">
-                <a16:creationId xmlns:a16="http://schemas.microsoft.com/office/drawing/2014/main" id="{C82C575C-B31F-4309-9B54-D92BC5054C85}"/>
+                <a16:creationId xmlns:a16="http://schemas.microsoft.com/office/drawing/2014/main" id="{963BF718-F18C-4C61-8DAD-A932D13CEB1B}"/>
               </a:ext>
             </a:extLst>
           </p:cNvPr>
@@ -5145,67 +5604,37 @@
           <a:p>
             <a:r>
               <a:rPr lang="zh-CN" altLang="en-US" dirty="0"/>
-              <a:t>合成</a:t>
+              <a:t>里式替换</a:t>
+            </a:r>
+            <a:endParaRPr lang="en-US" altLang="zh-CN" dirty="0"/>
+          </a:p>
+          <a:p>
+            <a:pPr marL="342900" indent="-342900">
+              <a:buFont typeface="Arial" panose="020B0604020202020204" pitchFamily="34" charset="0"/>
+              <a:buChar char="•"/>
+            </a:pPr>
+            <a:r>
+              <a:rPr lang="zh-CN" altLang="en-US" dirty="0"/>
+              <a:t>子类必须能够替换它们的基类</a:t>
             </a:r>
             <a:r>
               <a:rPr lang="en-US" altLang="zh-CN" dirty="0"/>
-              <a:t>/</a:t>
+              <a:t>(IS-A)</a:t>
             </a:r>
             <a:r>
               <a:rPr lang="zh-CN" altLang="en-US" dirty="0"/>
-              <a:t>聚合</a:t>
-            </a:r>
-            <a:endParaRPr lang="en-US" altLang="zh-CN" dirty="0"/>
-          </a:p>
-          <a:p>
-            <a:r>
-              <a:rPr lang="en-US" altLang="zh-CN" dirty="0"/>
-              <a:t>	</a:t>
-            </a:r>
+              <a:t>。</a:t>
+            </a:r>
+          </a:p>
+          <a:p>
+            <a:pPr marL="342900" indent="-342900">
+              <a:buFont typeface="Arial" panose="020B0604020202020204" pitchFamily="34" charset="0"/>
+              <a:buChar char="•"/>
+            </a:pPr>
             <a:r>
               <a:rPr lang="zh-CN" altLang="en-US" dirty="0"/>
-              <a:t>尽量使用组合</a:t>
-            </a:r>
-            <a:r>
-              <a:rPr lang="en-US" altLang="zh-CN" dirty="0"/>
-              <a:t>(</a:t>
-            </a:r>
-            <a:r>
-              <a:rPr lang="zh-CN" altLang="en-US" dirty="0"/>
-              <a:t>合成</a:t>
-            </a:r>
-            <a:r>
-              <a:rPr lang="en-US" altLang="zh-CN" dirty="0"/>
-              <a:t>)/</a:t>
-            </a:r>
-            <a:r>
-              <a:rPr lang="zh-CN" altLang="en-US" dirty="0"/>
-              <a:t>聚合，劲量不用继承。</a:t>
-            </a:r>
-            <a:endParaRPr lang="en-US" altLang="zh-CN" dirty="0"/>
-          </a:p>
-          <a:p>
-            <a:r>
-              <a:rPr lang="en-US" altLang="zh-CN" dirty="0"/>
-              <a:t>	</a:t>
-            </a:r>
-          </a:p>
-          <a:p>
-            <a:r>
-              <a:rPr lang="zh-CN" altLang="en-US" dirty="0"/>
-              <a:t>使用组合</a:t>
-            </a:r>
-            <a:r>
-              <a:rPr lang="en-US" altLang="zh-CN" dirty="0"/>
-              <a:t>/</a:t>
-            </a:r>
-            <a:r>
-              <a:rPr lang="zh-CN" altLang="en-US" dirty="0"/>
-              <a:t>聚合能保证模块的独立性，滥用继承会出现一个实体变得非常庞大。</a:t>
-            </a:r>
-            <a:endParaRPr lang="en-US" altLang="zh-CN" dirty="0"/>
-          </a:p>
-          <a:p>
+              <a:t>继承表达类型抽象。</a:t>
+            </a:r>
             <a:endParaRPr lang="en-US" altLang="zh-CN" dirty="0"/>
           </a:p>
           <a:p>
@@ -5220,7 +5649,7 @@
     </p:spTree>
     <p:extLst>
       <p:ext uri="{BB962C8B-B14F-4D97-AF65-F5344CB8AC3E}">
-        <p14:creationId xmlns:p14="http://schemas.microsoft.com/office/powerpoint/2010/main" val="2204637028"/>
+        <p14:creationId xmlns:p14="http://schemas.microsoft.com/office/powerpoint/2010/main" val="764622199"/>
       </p:ext>
     </p:extLst>
   </p:cSld>
@@ -5249,99 +5678,72 @@
       </p:grpSpPr>
       <p:sp>
         <p:nvSpPr>
-          <p:cNvPr id="5" name="标题 4">
-            <a:extLst>
-              <a:ext uri="{FF2B5EF4-FFF2-40B4-BE49-F238E27FC236}">
-                <a16:creationId xmlns:a16="http://schemas.microsoft.com/office/drawing/2014/main" id="{2FD0886B-1165-48DC-8C2E-135715DB08E2}"/>
-              </a:ext>
-            </a:extLst>
-          </p:cNvPr>
-          <p:cNvSpPr>
-            <a:spLocks noGrp="1"/>
-          </p:cNvSpPr>
-          <p:nvPr>
-            <p:ph type="title"/>
+          <p:cNvPr id="3" name="文本占位符 2">
+            <a:extLst>
+              <a:ext uri="{FF2B5EF4-FFF2-40B4-BE49-F238E27FC236}">
+                <a16:creationId xmlns:a16="http://schemas.microsoft.com/office/drawing/2014/main" id="{963BF718-F18C-4C61-8DAD-A932D13CEB1B}"/>
+              </a:ext>
+            </a:extLst>
+          </p:cNvPr>
+          <p:cNvSpPr>
+            <a:spLocks noGrp="1"/>
+          </p:cNvSpPr>
+          <p:nvPr>
+            <p:ph type="body" idx="1"/>
           </p:nvPr>
         </p:nvSpPr>
         <p:spPr>
           <a:xfrm>
-            <a:off x="683288" y="104826"/>
-            <a:ext cx="6370655" cy="903717"/>
+            <a:off x="831850" y="160775"/>
+            <a:ext cx="10515600" cy="5928876"/>
           </a:xfrm>
         </p:spPr>
         <p:txBody>
-          <a:bodyPr>
-            <a:noAutofit/>
-          </a:bodyPr>
-          <a:lstStyle/>
-          <a:p>
-            <a:br>
-              <a:rPr lang="zh-CN" altLang="en-US" sz="4000" dirty="0"/>
-            </a:br>
-            <a:r>
-              <a:rPr lang="en-US" altLang="zh-CN" sz="5400" b="1" dirty="0"/>
-              <a:t>Component Pattern</a:t>
-            </a:r>
-            <a:endParaRPr lang="zh-CN" altLang="en-US" sz="5400" b="1" dirty="0"/>
-          </a:p>
-        </p:txBody>
-      </p:sp>
-      <p:sp>
-        <p:nvSpPr>
-          <p:cNvPr id="6" name="文本占位符 5">
-            <a:extLst>
-              <a:ext uri="{FF2B5EF4-FFF2-40B4-BE49-F238E27FC236}">
-                <a16:creationId xmlns:a16="http://schemas.microsoft.com/office/drawing/2014/main" id="{A057F46C-8ED5-4B93-ABB1-C26E50B9B58F}"/>
-              </a:ext>
-            </a:extLst>
-          </p:cNvPr>
-          <p:cNvSpPr>
-            <a:spLocks noGrp="1"/>
-          </p:cNvSpPr>
-          <p:nvPr>
-            <p:ph type="body" idx="1"/>
-          </p:nvPr>
-        </p:nvSpPr>
-        <p:spPr>
-          <a:xfrm>
-            <a:off x="809119" y="1008543"/>
-            <a:ext cx="10967549" cy="5983841"/>
-          </a:xfrm>
-        </p:spPr>
-        <p:txBody>
           <a:bodyPr/>
           <a:lstStyle/>
           <a:p>
             <a:r>
               <a:rPr lang="zh-CN" altLang="en-US" dirty="0"/>
-              <a:t>组件模式</a:t>
+              <a:t>接口隔离原则（</a:t>
             </a:r>
             <a:r>
               <a:rPr lang="en-US" altLang="zh-CN" dirty="0"/>
-              <a:t>Unity</a:t>
+              <a:t>ISP</a:t>
             </a:r>
             <a:r>
               <a:rPr lang="zh-CN" altLang="en-US" dirty="0"/>
-              <a:t>核心的设计模式。</a:t>
+              <a:t>）</a:t>
             </a:r>
             <a:endParaRPr lang="en-US" altLang="zh-CN" dirty="0"/>
           </a:p>
           <a:p>
+            <a:endParaRPr lang="zh-CN" altLang="en-US" dirty="0"/>
+          </a:p>
+          <a:p>
+            <a:pPr marL="342900" indent="-342900">
+              <a:buFont typeface="Arial" panose="020B0604020202020204" pitchFamily="34" charset="0"/>
+              <a:buChar char="•"/>
+            </a:pPr>
             <a:r>
               <a:rPr lang="zh-CN" altLang="en-US" dirty="0"/>
-              <a:t>作用</a:t>
-            </a:r>
+              <a:t>不应该强迫客户程序依赖它们不用的方法。</a:t>
+            </a:r>
+          </a:p>
+          <a:p>
+            <a:pPr marL="342900" indent="-342900">
+              <a:buFont typeface="Arial" panose="020B0604020202020204" pitchFamily="34" charset="0"/>
+              <a:buChar char="•"/>
+            </a:pPr>
+            <a:r>
+              <a:rPr lang="zh-CN" altLang="en-US" dirty="0"/>
+              <a:t>接口应该小而完备。</a:t>
+            </a:r>
+          </a:p>
+          <a:p>
             <a:r>
               <a:rPr lang="en-US" altLang="zh-CN" dirty="0"/>
-              <a:t>:</a:t>
-            </a:r>
-            <a:r>
-              <a:rPr lang="zh-CN" altLang="en-US" dirty="0"/>
-              <a:t>为了一个单一的实体访问多个核心类，又能保证每个核心独立。实体抽象成一个简单的容器</a:t>
-            </a:r>
-            <a:endParaRPr lang="en-US" altLang="zh-CN" dirty="0"/>
-          </a:p>
-          <a:p>
+              <a:t>	</a:t>
+            </a:r>
             <a:endParaRPr lang="zh-CN" altLang="en-US" dirty="0"/>
           </a:p>
         </p:txBody>
@@ -5349,7 +5751,7 @@
     </p:spTree>
     <p:extLst>
       <p:ext uri="{BB962C8B-B14F-4D97-AF65-F5344CB8AC3E}">
-        <p14:creationId xmlns:p14="http://schemas.microsoft.com/office/powerpoint/2010/main" val="3610851050"/>
+        <p14:creationId xmlns:p14="http://schemas.microsoft.com/office/powerpoint/2010/main" val="1973870375"/>
       </p:ext>
     </p:extLst>
   </p:cSld>
@@ -5378,80 +5780,91 @@
       </p:grpSpPr>
       <p:sp>
         <p:nvSpPr>
-          <p:cNvPr id="2" name="标题 1">
-            <a:extLst>
-              <a:ext uri="{FF2B5EF4-FFF2-40B4-BE49-F238E27FC236}">
-                <a16:creationId xmlns:a16="http://schemas.microsoft.com/office/drawing/2014/main" id="{C183253E-C2B8-43C6-AE47-A5D1755D7811}"/>
-              </a:ext>
-            </a:extLst>
-          </p:cNvPr>
-          <p:cNvSpPr>
-            <a:spLocks noGrp="1"/>
-          </p:cNvSpPr>
-          <p:nvPr>
-            <p:ph type="title"/>
+          <p:cNvPr id="3" name="文本占位符 2">
+            <a:extLst>
+              <a:ext uri="{FF2B5EF4-FFF2-40B4-BE49-F238E27FC236}">
+                <a16:creationId xmlns:a16="http://schemas.microsoft.com/office/drawing/2014/main" id="{C82C575C-B31F-4309-9B54-D92BC5054C85}"/>
+              </a:ext>
+            </a:extLst>
+          </p:cNvPr>
+          <p:cNvSpPr>
+            <a:spLocks noGrp="1"/>
+          </p:cNvSpPr>
+          <p:nvPr>
+            <p:ph type="body" idx="1"/>
           </p:nvPr>
         </p:nvSpPr>
         <p:spPr>
           <a:xfrm>
-            <a:off x="844550" y="40193"/>
-            <a:ext cx="8292053" cy="1719262"/>
+            <a:off x="831850" y="160775"/>
+            <a:ext cx="10515600" cy="5928876"/>
           </a:xfrm>
         </p:spPr>
         <p:txBody>
-          <a:bodyPr>
-            <a:normAutofit fontScale="90000"/>
-          </a:bodyPr>
-          <a:lstStyle/>
-          <a:p>
-            <a:r>
-              <a:rPr lang="en-US" altLang="zh-CN" b="1" dirty="0"/>
-              <a:t>Game Loop Pattern</a:t>
-            </a:r>
-            <a:br>
-              <a:rPr lang="en-US" altLang="zh-CN" b="1" dirty="0"/>
-            </a:br>
+          <a:bodyPr/>
+          <a:lstStyle/>
+          <a:p>
+            <a:r>
+              <a:rPr lang="zh-CN" altLang="en-US" dirty="0"/>
+              <a:t>合成</a:t>
+            </a:r>
+            <a:r>
+              <a:rPr lang="en-US" altLang="zh-CN" dirty="0"/>
+              <a:t>/</a:t>
+            </a:r>
+            <a:r>
+              <a:rPr lang="zh-CN" altLang="en-US" dirty="0"/>
+              <a:t>聚合</a:t>
+            </a:r>
+            <a:endParaRPr lang="en-US" altLang="zh-CN" dirty="0"/>
+          </a:p>
+          <a:p>
+            <a:pPr marL="342900" indent="-342900">
+              <a:buFont typeface="Arial" panose="020B0604020202020204" pitchFamily="34" charset="0"/>
+              <a:buChar char="•"/>
+            </a:pPr>
+            <a:r>
+              <a:rPr lang="zh-CN" altLang="en-US" dirty="0"/>
+              <a:t>类继承通常为“白箱复用”，对象组合通常为“黑箱复用” 。</a:t>
+            </a:r>
+          </a:p>
+          <a:p>
+            <a:pPr marL="342900" indent="-342900">
+              <a:buFont typeface="Arial" panose="020B0604020202020204" pitchFamily="34" charset="0"/>
+              <a:buChar char="•"/>
+            </a:pPr>
+            <a:r>
+              <a:rPr lang="zh-CN" altLang="en-US" dirty="0"/>
+              <a:t>继承在某种程度上破坏了封装性，子类父类耦合度高。</a:t>
+            </a:r>
+          </a:p>
+          <a:p>
+            <a:pPr marL="342900" indent="-342900">
+              <a:buFont typeface="Arial" panose="020B0604020202020204" pitchFamily="34" charset="0"/>
+              <a:buChar char="•"/>
+            </a:pPr>
+            <a:r>
+              <a:rPr lang="zh-CN" altLang="en-US" dirty="0"/>
+              <a:t>而对象组合则只要求被组合的对象具有良好定义的接口，耦合度低。</a:t>
+            </a:r>
+            <a:endParaRPr lang="en-US" altLang="zh-CN" dirty="0"/>
+          </a:p>
+          <a:p>
+            <a:endParaRPr lang="en-US" altLang="zh-CN" dirty="0"/>
+          </a:p>
+          <a:p>
+            <a:r>
+              <a:rPr lang="en-US" altLang="zh-CN" dirty="0"/>
+              <a:t>	</a:t>
+            </a:r>
             <a:endParaRPr lang="zh-CN" altLang="en-US" dirty="0"/>
-          </a:p>
-        </p:txBody>
-      </p:sp>
-      <p:sp>
-        <p:nvSpPr>
-          <p:cNvPr id="3" name="文本占位符 2">
-            <a:extLst>
-              <a:ext uri="{FF2B5EF4-FFF2-40B4-BE49-F238E27FC236}">
-                <a16:creationId xmlns:a16="http://schemas.microsoft.com/office/drawing/2014/main" id="{C4E10F8F-DB4F-412D-8642-2014FF65AFF0}"/>
-              </a:ext>
-            </a:extLst>
-          </p:cNvPr>
-          <p:cNvSpPr>
-            <a:spLocks noGrp="1"/>
-          </p:cNvSpPr>
-          <p:nvPr>
-            <p:ph type="body" idx="1"/>
-          </p:nvPr>
-        </p:nvSpPr>
-        <p:spPr>
-          <a:xfrm>
-            <a:off x="834012" y="974691"/>
-            <a:ext cx="10513437" cy="5114960"/>
-          </a:xfrm>
-        </p:spPr>
-        <p:txBody>
-          <a:bodyPr/>
-          <a:lstStyle/>
-          <a:p>
-            <a:r>
-              <a:rPr lang="zh-CN" altLang="en-US" dirty="0"/>
-              <a:t>游戏循环模式，实现游戏运行过程中对用户输入处理和时间处理的解耦。</a:t>
-            </a:r>
           </a:p>
         </p:txBody>
       </p:sp>
     </p:spTree>
     <p:extLst>
       <p:ext uri="{BB962C8B-B14F-4D97-AF65-F5344CB8AC3E}">
-        <p14:creationId xmlns:p14="http://schemas.microsoft.com/office/powerpoint/2010/main" val="3569412660"/>
+        <p14:creationId xmlns:p14="http://schemas.microsoft.com/office/powerpoint/2010/main" val="2204637028"/>
       </p:ext>
     </p:extLst>
   </p:cSld>

--- a/Document/les2/les2.pptx
+++ b/Document/les2/les2.pptx
@@ -1,30 +1,35 @@
 
 <file path=ppt/presentation.xml><?xml version="1.0" encoding="utf-8"?>
-<p:presentation xmlns:a="http://schemas.openxmlformats.org/drawingml/2006/main" xmlns:r="http://schemas.openxmlformats.org/officeDocument/2006/relationships" xmlns:p="http://schemas.openxmlformats.org/presentationml/2006/main" saveSubsetFonts="1">
+<p:presentation xmlns:a="http://schemas.openxmlformats.org/drawingml/2006/main" xmlns:r="http://schemas.openxmlformats.org/officeDocument/2006/relationships" xmlns:p="http://schemas.openxmlformats.org/presentationml/2006/main">
   <p:sldMasterIdLst>
     <p:sldMasterId id="2147483648" r:id="rId1"/>
+    <p:sldMasterId id="2147483660" r:id="rId3"/>
   </p:sldMasterIdLst>
   <p:notesMasterIdLst>
-    <p:notesMasterId r:id="rId19"/>
+    <p:notesMasterId r:id="rId8"/>
   </p:notesMasterIdLst>
   <p:sldIdLst>
-    <p:sldId id="277" r:id="rId2"/>
-    <p:sldId id="278" r:id="rId3"/>
-    <p:sldId id="273" r:id="rId4"/>
-    <p:sldId id="258" r:id="rId5"/>
-    <p:sldId id="259" r:id="rId6"/>
-    <p:sldId id="275" r:id="rId7"/>
-    <p:sldId id="260" r:id="rId8"/>
-    <p:sldId id="276" r:id="rId9"/>
-    <p:sldId id="262" r:id="rId10"/>
-    <p:sldId id="256" r:id="rId11"/>
-    <p:sldId id="264" r:id="rId12"/>
-    <p:sldId id="269" r:id="rId13"/>
-    <p:sldId id="266" r:id="rId14"/>
-    <p:sldId id="270" r:id="rId15"/>
-    <p:sldId id="267" r:id="rId16"/>
-    <p:sldId id="271" r:id="rId17"/>
-    <p:sldId id="272" r:id="rId18"/>
+    <p:sldId id="277" r:id="rId4"/>
+    <p:sldId id="278" r:id="rId5"/>
+    <p:sldId id="273" r:id="rId6"/>
+    <p:sldId id="258" r:id="rId7"/>
+    <p:sldId id="259" r:id="rId9"/>
+    <p:sldId id="275" r:id="rId10"/>
+    <p:sldId id="260" r:id="rId11"/>
+    <p:sldId id="276" r:id="rId12"/>
+    <p:sldId id="262" r:id="rId13"/>
+    <p:sldId id="294" r:id="rId14"/>
+    <p:sldId id="295" r:id="rId15"/>
+    <p:sldId id="297" r:id="rId16"/>
+    <p:sldId id="298" r:id="rId17"/>
+    <p:sldId id="269" r:id="rId18"/>
+    <p:sldId id="266" r:id="rId19"/>
+    <p:sldId id="272" r:id="rId20"/>
+    <p:sldId id="264" r:id="rId21"/>
+    <p:sldId id="299" r:id="rId22"/>
+    <p:sldId id="256" r:id="rId23"/>
+    <p:sldId id="301" r:id="rId24"/>
+    <p:sldId id="302" r:id="rId25"/>
   </p:sldIdLst>
   <p:sldSz cx="12192000" cy="6858000"/>
   <p:notesSz cx="6858000" cy="9144000"/>
@@ -123,11 +128,6 @@
       </a:defRPr>
     </a:lvl9pPr>
   </p:defaultTextStyle>
-  <p:extLst>
-    <p:ext uri="{EFAFB233-063F-42B5-8137-9DF3F51BA10A}">
-      <p15:sldGuideLst xmlns:p15="http://schemas.microsoft.com/office/powerpoint/2012/main"/>
-    </p:ext>
-  </p:extLst>
 </p:presentation>
 </file>
 
@@ -213,7 +213,6 @@
           <a:p>
             <a:fld id="{CE53DECD-F63C-48DC-9A1C-A013803333E5}" type="datetimeFigureOut">
               <a:rPr lang="zh-CN" altLang="en-US" smtClean="0"/>
-              <a:t>2019/6/25</a:t>
             </a:fld>
             <a:endParaRPr lang="zh-CN" altLang="en-US"/>
           </a:p>
@@ -280,6 +279,7 @@
               <a:rPr lang="zh-CN" altLang="en-US"/>
               <a:t>单击此处编辑母版文本样式</a:t>
             </a:r>
+            <a:endParaRPr lang="zh-CN" altLang="en-US"/>
           </a:p>
           <a:p>
             <a:pPr lvl="1"/>
@@ -287,6 +287,7 @@
               <a:rPr lang="zh-CN" altLang="en-US"/>
               <a:t>二级</a:t>
             </a:r>
+            <a:endParaRPr lang="zh-CN" altLang="en-US"/>
           </a:p>
           <a:p>
             <a:pPr lvl="2"/>
@@ -294,6 +295,7 @@
               <a:rPr lang="zh-CN" altLang="en-US"/>
               <a:t>三级</a:t>
             </a:r>
+            <a:endParaRPr lang="zh-CN" altLang="en-US"/>
           </a:p>
           <a:p>
             <a:pPr lvl="3"/>
@@ -301,6 +303,7 @@
               <a:rPr lang="zh-CN" altLang="en-US"/>
               <a:t>四级</a:t>
             </a:r>
+            <a:endParaRPr lang="zh-CN" altLang="en-US"/>
           </a:p>
           <a:p>
             <a:pPr lvl="4"/>
@@ -308,6 +311,7 @@
               <a:rPr lang="zh-CN" altLang="en-US"/>
               <a:t>五级</a:t>
             </a:r>
+            <a:endParaRPr lang="zh-CN" altLang="en-US"/>
           </a:p>
         </p:txBody>
       </p:sp>
@@ -371,18 +375,12 @@
           <a:p>
             <a:fld id="{0A3E49FE-5F03-4B8F-ABA8-16879154D94C}" type="slidenum">
               <a:rPr lang="zh-CN" altLang="en-US" smtClean="0"/>
-              <a:t>‹#›</a:t>
             </a:fld>
             <a:endParaRPr lang="zh-CN" altLang="en-US"/>
           </a:p>
         </p:txBody>
       </p:sp>
     </p:spTree>
-    <p:extLst>
-      <p:ext uri="{BB962C8B-B14F-4D97-AF65-F5344CB8AC3E}">
-        <p14:creationId xmlns:p14="http://schemas.microsoft.com/office/powerpoint/2010/main" val="1687314892"/>
-      </p:ext>
-    </p:extLst>
   </p:cSld>
   <p:clrMap bg1="lt1" tx1="dk1" bg2="lt2" tx2="dk2" accent1="accent1" accent2="accent2" accent3="accent3" accent4="accent4" accent5="accent5" accent6="accent6" hlink="hlink" folHlink="folHlink"/>
   <p:notesStyle>
@@ -545,18 +543,12 @@
           <a:p>
             <a:fld id="{0A3E49FE-5F03-4B8F-ABA8-16879154D94C}" type="slidenum">
               <a:rPr lang="zh-CN" altLang="en-US" smtClean="0"/>
-              <a:t>4</a:t>
             </a:fld>
             <a:endParaRPr lang="zh-CN" altLang="en-US"/>
           </a:p>
         </p:txBody>
       </p:sp>
     </p:spTree>
-    <p:extLst>
-      <p:ext uri="{BB962C8B-B14F-4D97-AF65-F5344CB8AC3E}">
-        <p14:creationId xmlns:p14="http://schemas.microsoft.com/office/powerpoint/2010/main" val="3807556333"/>
-      </p:ext>
-    </p:extLst>
   </p:cSld>
   <p:clrMapOvr>
     <a:masterClrMapping/>
@@ -629,18 +621,12 @@
           <a:p>
             <a:fld id="{0A3E49FE-5F03-4B8F-ABA8-16879154D94C}" type="slidenum">
               <a:rPr lang="zh-CN" altLang="en-US" smtClean="0"/>
-              <a:t>5</a:t>
             </a:fld>
             <a:endParaRPr lang="zh-CN" altLang="en-US"/>
           </a:p>
         </p:txBody>
       </p:sp>
     </p:spTree>
-    <p:extLst>
-      <p:ext uri="{BB962C8B-B14F-4D97-AF65-F5344CB8AC3E}">
-        <p14:creationId xmlns:p14="http://schemas.microsoft.com/office/powerpoint/2010/main" val="2336837380"/>
-      </p:ext>
-    </p:extLst>
   </p:cSld>
   <p:clrMapOvr>
     <a:masterClrMapping/>
@@ -713,18 +699,12 @@
           <a:p>
             <a:fld id="{0A3E49FE-5F03-4B8F-ABA8-16879154D94C}" type="slidenum">
               <a:rPr lang="zh-CN" altLang="en-US" smtClean="0"/>
-              <a:t>6</a:t>
             </a:fld>
             <a:endParaRPr lang="zh-CN" altLang="en-US"/>
           </a:p>
         </p:txBody>
       </p:sp>
     </p:spTree>
-    <p:extLst>
-      <p:ext uri="{BB962C8B-B14F-4D97-AF65-F5344CB8AC3E}">
-        <p14:creationId xmlns:p14="http://schemas.microsoft.com/office/powerpoint/2010/main" val="1626012837"/>
-      </p:ext>
-    </p:extLst>
   </p:cSld>
   <p:clrMapOvr>
     <a:masterClrMapping/>
@@ -797,18 +777,12 @@
           <a:p>
             <a:fld id="{0A3E49FE-5F03-4B8F-ABA8-16879154D94C}" type="slidenum">
               <a:rPr lang="zh-CN" altLang="en-US" smtClean="0"/>
-              <a:t>10</a:t>
             </a:fld>
             <a:endParaRPr lang="zh-CN" altLang="en-US"/>
           </a:p>
         </p:txBody>
       </p:sp>
     </p:spTree>
-    <p:extLst>
-      <p:ext uri="{BB962C8B-B14F-4D97-AF65-F5344CB8AC3E}">
-        <p14:creationId xmlns:p14="http://schemas.microsoft.com/office/powerpoint/2010/main" val="3939930615"/>
-      </p:ext>
-    </p:extLst>
   </p:cSld>
   <p:clrMapOvr>
     <a:masterClrMapping/>
@@ -835,13 +809,7 @@
       </p:grpSpPr>
       <p:sp>
         <p:nvSpPr>
-          <p:cNvPr id="2" name="标题 1">
-            <a:extLst>
-              <a:ext uri="{FF2B5EF4-FFF2-40B4-BE49-F238E27FC236}">
-                <a16:creationId xmlns:a16="http://schemas.microsoft.com/office/drawing/2014/main" id="{81C9238B-356D-4C7C-A0BB-4CDB726D8B91}"/>
-              </a:ext>
-            </a:extLst>
-          </p:cNvPr>
+          <p:cNvPr id="2" name="标题 1"/>
           <p:cNvSpPr>
             <a:spLocks noGrp="1"/>
           </p:cNvSpPr>
@@ -867,18 +835,13 @@
               <a:rPr lang="zh-CN" altLang="en-US"/>
               <a:t>单击此处编辑母版标题样式</a:t>
             </a:r>
-          </a:p>
-        </p:txBody>
-      </p:sp>
-      <p:sp>
-        <p:nvSpPr>
-          <p:cNvPr id="3" name="副标题 2">
-            <a:extLst>
-              <a:ext uri="{FF2B5EF4-FFF2-40B4-BE49-F238E27FC236}">
-                <a16:creationId xmlns:a16="http://schemas.microsoft.com/office/drawing/2014/main" id="{734F6272-DF0C-4242-99AB-2FD7168934B3}"/>
-              </a:ext>
-            </a:extLst>
-          </p:cNvPr>
+            <a:endParaRPr lang="zh-CN" altLang="en-US"/>
+          </a:p>
+        </p:txBody>
+      </p:sp>
+      <p:sp>
+        <p:nvSpPr>
+          <p:cNvPr id="3" name="副标题 2"/>
           <p:cNvSpPr>
             <a:spLocks noGrp="1"/>
           </p:cNvSpPr>
@@ -937,18 +900,13 @@
               <a:rPr lang="zh-CN" altLang="en-US"/>
               <a:t>单击此处编辑母版副标题样式</a:t>
             </a:r>
-          </a:p>
-        </p:txBody>
-      </p:sp>
-      <p:sp>
-        <p:nvSpPr>
-          <p:cNvPr id="4" name="日期占位符 3">
-            <a:extLst>
-              <a:ext uri="{FF2B5EF4-FFF2-40B4-BE49-F238E27FC236}">
-                <a16:creationId xmlns:a16="http://schemas.microsoft.com/office/drawing/2014/main" id="{79CC9BC2-254E-4912-8FE9-16E85E14E502}"/>
-              </a:ext>
-            </a:extLst>
-          </p:cNvPr>
+            <a:endParaRPr lang="zh-CN" altLang="en-US"/>
+          </a:p>
+        </p:txBody>
+      </p:sp>
+      <p:sp>
+        <p:nvSpPr>
+          <p:cNvPr id="4" name="日期占位符 3"/>
           <p:cNvSpPr>
             <a:spLocks noGrp="1"/>
           </p:cNvSpPr>
@@ -963,7 +921,6 @@
           <a:p>
             <a:fld id="{FCF2567C-E6E8-466F-A9B1-CBBE548E91D8}" type="datetimeFigureOut">
               <a:rPr lang="zh-CN" altLang="en-US" smtClean="0"/>
-              <a:t>2019/6/25</a:t>
             </a:fld>
             <a:endParaRPr lang="zh-CN" altLang="en-US"/>
           </a:p>
@@ -971,13 +928,7 @@
       </p:sp>
       <p:sp>
         <p:nvSpPr>
-          <p:cNvPr id="5" name="页脚占位符 4">
-            <a:extLst>
-              <a:ext uri="{FF2B5EF4-FFF2-40B4-BE49-F238E27FC236}">
-                <a16:creationId xmlns:a16="http://schemas.microsoft.com/office/drawing/2014/main" id="{19FB45C0-6EA5-420B-9A13-5BE102AE8CCC}"/>
-              </a:ext>
-            </a:extLst>
-          </p:cNvPr>
+          <p:cNvPr id="5" name="页脚占位符 4"/>
           <p:cNvSpPr>
             <a:spLocks noGrp="1"/>
           </p:cNvSpPr>
@@ -996,13 +947,7 @@
       </p:sp>
       <p:sp>
         <p:nvSpPr>
-          <p:cNvPr id="6" name="灯片编号占位符 5">
-            <a:extLst>
-              <a:ext uri="{FF2B5EF4-FFF2-40B4-BE49-F238E27FC236}">
-                <a16:creationId xmlns:a16="http://schemas.microsoft.com/office/drawing/2014/main" id="{128BDE65-97B8-45CD-B802-B05C6E7B5168}"/>
-              </a:ext>
-            </a:extLst>
-          </p:cNvPr>
+          <p:cNvPr id="6" name="灯片编号占位符 5"/>
           <p:cNvSpPr>
             <a:spLocks noGrp="1"/>
           </p:cNvSpPr>
@@ -1017,18 +962,12 @@
           <a:p>
             <a:fld id="{E7D8E500-9FE0-4825-AD7E-3BD8FBC1E02F}" type="slidenum">
               <a:rPr lang="zh-CN" altLang="en-US" smtClean="0"/>
-              <a:t>‹#›</a:t>
             </a:fld>
             <a:endParaRPr lang="zh-CN" altLang="en-US"/>
           </a:p>
         </p:txBody>
       </p:sp>
     </p:spTree>
-    <p:extLst>
-      <p:ext uri="{BB962C8B-B14F-4D97-AF65-F5344CB8AC3E}">
-        <p14:creationId xmlns:p14="http://schemas.microsoft.com/office/powerpoint/2010/main" val="634770682"/>
-      </p:ext>
-    </p:extLst>
   </p:cSld>
   <p:clrMapOvr>
     <a:masterClrMapping/>
@@ -1055,13 +994,7 @@
       </p:grpSpPr>
       <p:sp>
         <p:nvSpPr>
-          <p:cNvPr id="2" name="标题 1">
-            <a:extLst>
-              <a:ext uri="{FF2B5EF4-FFF2-40B4-BE49-F238E27FC236}">
-                <a16:creationId xmlns:a16="http://schemas.microsoft.com/office/drawing/2014/main" id="{1326EA45-0538-4C33-A51B-6BECD78F3CCE}"/>
-              </a:ext>
-            </a:extLst>
-          </p:cNvPr>
+          <p:cNvPr id="2" name="标题 1"/>
           <p:cNvSpPr>
             <a:spLocks noGrp="1"/>
           </p:cNvSpPr>
@@ -1078,18 +1011,13 @@
               <a:rPr lang="zh-CN" altLang="en-US"/>
               <a:t>单击此处编辑母版标题样式</a:t>
             </a:r>
-          </a:p>
-        </p:txBody>
-      </p:sp>
-      <p:sp>
-        <p:nvSpPr>
-          <p:cNvPr id="3" name="竖排文字占位符 2">
-            <a:extLst>
-              <a:ext uri="{FF2B5EF4-FFF2-40B4-BE49-F238E27FC236}">
-                <a16:creationId xmlns:a16="http://schemas.microsoft.com/office/drawing/2014/main" id="{59E1214D-56C6-45B0-8893-6C94B71D7828}"/>
-              </a:ext>
-            </a:extLst>
-          </p:cNvPr>
+            <a:endParaRPr lang="zh-CN" altLang="en-US"/>
+          </a:p>
+        </p:txBody>
+      </p:sp>
+      <p:sp>
+        <p:nvSpPr>
+          <p:cNvPr id="3" name="竖排文字占位符 2"/>
           <p:cNvSpPr>
             <a:spLocks noGrp="1"/>
           </p:cNvSpPr>
@@ -1107,6 +1035,7 @@
               <a:rPr lang="zh-CN" altLang="en-US"/>
               <a:t>单击此处编辑母版文本样式</a:t>
             </a:r>
+            <a:endParaRPr lang="zh-CN" altLang="en-US"/>
           </a:p>
           <a:p>
             <a:pPr lvl="1"/>
@@ -1114,6 +1043,7 @@
               <a:rPr lang="zh-CN" altLang="en-US"/>
               <a:t>二级</a:t>
             </a:r>
+            <a:endParaRPr lang="zh-CN" altLang="en-US"/>
           </a:p>
           <a:p>
             <a:pPr lvl="2"/>
@@ -1121,6 +1051,7 @@
               <a:rPr lang="zh-CN" altLang="en-US"/>
               <a:t>三级</a:t>
             </a:r>
+            <a:endParaRPr lang="zh-CN" altLang="en-US"/>
           </a:p>
           <a:p>
             <a:pPr lvl="3"/>
@@ -1128,6 +1059,7 @@
               <a:rPr lang="zh-CN" altLang="en-US"/>
               <a:t>四级</a:t>
             </a:r>
+            <a:endParaRPr lang="zh-CN" altLang="en-US"/>
           </a:p>
           <a:p>
             <a:pPr lvl="4"/>
@@ -1135,18 +1067,13 @@
               <a:rPr lang="zh-CN" altLang="en-US"/>
               <a:t>五级</a:t>
             </a:r>
-          </a:p>
-        </p:txBody>
-      </p:sp>
-      <p:sp>
-        <p:nvSpPr>
-          <p:cNvPr id="4" name="日期占位符 3">
-            <a:extLst>
-              <a:ext uri="{FF2B5EF4-FFF2-40B4-BE49-F238E27FC236}">
-                <a16:creationId xmlns:a16="http://schemas.microsoft.com/office/drawing/2014/main" id="{FCB10751-B447-443E-9898-7D40D1A08B2C}"/>
-              </a:ext>
-            </a:extLst>
-          </p:cNvPr>
+            <a:endParaRPr lang="zh-CN" altLang="en-US"/>
+          </a:p>
+        </p:txBody>
+      </p:sp>
+      <p:sp>
+        <p:nvSpPr>
+          <p:cNvPr id="4" name="日期占位符 3"/>
           <p:cNvSpPr>
             <a:spLocks noGrp="1"/>
           </p:cNvSpPr>
@@ -1161,7 +1088,6 @@
           <a:p>
             <a:fld id="{FCF2567C-E6E8-466F-A9B1-CBBE548E91D8}" type="datetimeFigureOut">
               <a:rPr lang="zh-CN" altLang="en-US" smtClean="0"/>
-              <a:t>2019/6/25</a:t>
             </a:fld>
             <a:endParaRPr lang="zh-CN" altLang="en-US"/>
           </a:p>
@@ -1169,13 +1095,7 @@
       </p:sp>
       <p:sp>
         <p:nvSpPr>
-          <p:cNvPr id="5" name="页脚占位符 4">
-            <a:extLst>
-              <a:ext uri="{FF2B5EF4-FFF2-40B4-BE49-F238E27FC236}">
-                <a16:creationId xmlns:a16="http://schemas.microsoft.com/office/drawing/2014/main" id="{0600CDC9-8660-45D9-A6DB-7DF0C4C73C25}"/>
-              </a:ext>
-            </a:extLst>
-          </p:cNvPr>
+          <p:cNvPr id="5" name="页脚占位符 4"/>
           <p:cNvSpPr>
             <a:spLocks noGrp="1"/>
           </p:cNvSpPr>
@@ -1194,13 +1114,7 @@
       </p:sp>
       <p:sp>
         <p:nvSpPr>
-          <p:cNvPr id="6" name="灯片编号占位符 5">
-            <a:extLst>
-              <a:ext uri="{FF2B5EF4-FFF2-40B4-BE49-F238E27FC236}">
-                <a16:creationId xmlns:a16="http://schemas.microsoft.com/office/drawing/2014/main" id="{EA6FAC9E-C4ED-470D-ADF3-BD4F19CC1B49}"/>
-              </a:ext>
-            </a:extLst>
-          </p:cNvPr>
+          <p:cNvPr id="6" name="灯片编号占位符 5"/>
           <p:cNvSpPr>
             <a:spLocks noGrp="1"/>
           </p:cNvSpPr>
@@ -1215,18 +1129,12 @@
           <a:p>
             <a:fld id="{E7D8E500-9FE0-4825-AD7E-3BD8FBC1E02F}" type="slidenum">
               <a:rPr lang="zh-CN" altLang="en-US" smtClean="0"/>
-              <a:t>‹#›</a:t>
             </a:fld>
             <a:endParaRPr lang="zh-CN" altLang="en-US"/>
           </a:p>
         </p:txBody>
       </p:sp>
     </p:spTree>
-    <p:extLst>
-      <p:ext uri="{BB962C8B-B14F-4D97-AF65-F5344CB8AC3E}">
-        <p14:creationId xmlns:p14="http://schemas.microsoft.com/office/powerpoint/2010/main" val="1084173463"/>
-      </p:ext>
-    </p:extLst>
   </p:cSld>
   <p:clrMapOvr>
     <a:masterClrMapping/>
@@ -1253,13 +1161,7 @@
       </p:grpSpPr>
       <p:sp>
         <p:nvSpPr>
-          <p:cNvPr id="2" name="竖排标题 1">
-            <a:extLst>
-              <a:ext uri="{FF2B5EF4-FFF2-40B4-BE49-F238E27FC236}">
-                <a16:creationId xmlns:a16="http://schemas.microsoft.com/office/drawing/2014/main" id="{F4732BFD-5755-4BD4-A730-90AE5463FCDF}"/>
-              </a:ext>
-            </a:extLst>
-          </p:cNvPr>
+          <p:cNvPr id="2" name="竖排标题 1"/>
           <p:cNvSpPr>
             <a:spLocks noGrp="1"/>
           </p:cNvSpPr>
@@ -1281,18 +1183,13 @@
               <a:rPr lang="zh-CN" altLang="en-US"/>
               <a:t>单击此处编辑母版标题样式</a:t>
             </a:r>
-          </a:p>
-        </p:txBody>
-      </p:sp>
-      <p:sp>
-        <p:nvSpPr>
-          <p:cNvPr id="3" name="竖排文字占位符 2">
-            <a:extLst>
-              <a:ext uri="{FF2B5EF4-FFF2-40B4-BE49-F238E27FC236}">
-                <a16:creationId xmlns:a16="http://schemas.microsoft.com/office/drawing/2014/main" id="{11C41C46-3477-4534-AAE4-9C19766F5475}"/>
-              </a:ext>
-            </a:extLst>
-          </p:cNvPr>
+            <a:endParaRPr lang="zh-CN" altLang="en-US"/>
+          </a:p>
+        </p:txBody>
+      </p:sp>
+      <p:sp>
+        <p:nvSpPr>
+          <p:cNvPr id="3" name="竖排文字占位符 2"/>
           <p:cNvSpPr>
             <a:spLocks noGrp="1"/>
           </p:cNvSpPr>
@@ -1315,6 +1212,7 @@
               <a:rPr lang="zh-CN" altLang="en-US"/>
               <a:t>单击此处编辑母版文本样式</a:t>
             </a:r>
+            <a:endParaRPr lang="zh-CN" altLang="en-US"/>
           </a:p>
           <a:p>
             <a:pPr lvl="1"/>
@@ -1322,6 +1220,7 @@
               <a:rPr lang="zh-CN" altLang="en-US"/>
               <a:t>二级</a:t>
             </a:r>
+            <a:endParaRPr lang="zh-CN" altLang="en-US"/>
           </a:p>
           <a:p>
             <a:pPr lvl="2"/>
@@ -1329,6 +1228,7 @@
               <a:rPr lang="zh-CN" altLang="en-US"/>
               <a:t>三级</a:t>
             </a:r>
+            <a:endParaRPr lang="zh-CN" altLang="en-US"/>
           </a:p>
           <a:p>
             <a:pPr lvl="3"/>
@@ -1336,6 +1236,7 @@
               <a:rPr lang="zh-CN" altLang="en-US"/>
               <a:t>四级</a:t>
             </a:r>
+            <a:endParaRPr lang="zh-CN" altLang="en-US"/>
           </a:p>
           <a:p>
             <a:pPr lvl="4"/>
@@ -1343,18 +1244,13 @@
               <a:rPr lang="zh-CN" altLang="en-US"/>
               <a:t>五级</a:t>
             </a:r>
-          </a:p>
-        </p:txBody>
-      </p:sp>
-      <p:sp>
-        <p:nvSpPr>
-          <p:cNvPr id="4" name="日期占位符 3">
-            <a:extLst>
-              <a:ext uri="{FF2B5EF4-FFF2-40B4-BE49-F238E27FC236}">
-                <a16:creationId xmlns:a16="http://schemas.microsoft.com/office/drawing/2014/main" id="{F001A0CB-FE5C-49A6-A843-B928415E11EF}"/>
-              </a:ext>
-            </a:extLst>
-          </p:cNvPr>
+            <a:endParaRPr lang="zh-CN" altLang="en-US"/>
+          </a:p>
+        </p:txBody>
+      </p:sp>
+      <p:sp>
+        <p:nvSpPr>
+          <p:cNvPr id="4" name="日期占位符 3"/>
           <p:cNvSpPr>
             <a:spLocks noGrp="1"/>
           </p:cNvSpPr>
@@ -1369,7 +1265,6 @@
           <a:p>
             <a:fld id="{FCF2567C-E6E8-466F-A9B1-CBBE548E91D8}" type="datetimeFigureOut">
               <a:rPr lang="zh-CN" altLang="en-US" smtClean="0"/>
-              <a:t>2019/6/25</a:t>
             </a:fld>
             <a:endParaRPr lang="zh-CN" altLang="en-US"/>
           </a:p>
@@ -1377,13 +1272,7 @@
       </p:sp>
       <p:sp>
         <p:nvSpPr>
-          <p:cNvPr id="5" name="页脚占位符 4">
-            <a:extLst>
-              <a:ext uri="{FF2B5EF4-FFF2-40B4-BE49-F238E27FC236}">
-                <a16:creationId xmlns:a16="http://schemas.microsoft.com/office/drawing/2014/main" id="{B430EA5B-063D-4509-99D7-9B0FECFA96AB}"/>
-              </a:ext>
-            </a:extLst>
-          </p:cNvPr>
+          <p:cNvPr id="5" name="页脚占位符 4"/>
           <p:cNvSpPr>
             <a:spLocks noGrp="1"/>
           </p:cNvSpPr>
@@ -1402,13 +1291,7 @@
       </p:sp>
       <p:sp>
         <p:nvSpPr>
-          <p:cNvPr id="6" name="灯片编号占位符 5">
-            <a:extLst>
-              <a:ext uri="{FF2B5EF4-FFF2-40B4-BE49-F238E27FC236}">
-                <a16:creationId xmlns:a16="http://schemas.microsoft.com/office/drawing/2014/main" id="{8B379E29-B8A8-4A81-BF4C-8D4212CD8CF5}"/>
-              </a:ext>
-            </a:extLst>
-          </p:cNvPr>
+          <p:cNvPr id="6" name="灯片编号占位符 5"/>
           <p:cNvSpPr>
             <a:spLocks noGrp="1"/>
           </p:cNvSpPr>
@@ -1423,18 +1306,12 @@
           <a:p>
             <a:fld id="{E7D8E500-9FE0-4825-AD7E-3BD8FBC1E02F}" type="slidenum">
               <a:rPr lang="zh-CN" altLang="en-US" smtClean="0"/>
-              <a:t>‹#›</a:t>
             </a:fld>
             <a:endParaRPr lang="zh-CN" altLang="en-US"/>
           </a:p>
         </p:txBody>
       </p:sp>
     </p:spTree>
-    <p:extLst>
-      <p:ext uri="{BB962C8B-B14F-4D97-AF65-F5344CB8AC3E}">
-        <p14:creationId xmlns:p14="http://schemas.microsoft.com/office/powerpoint/2010/main" val="3044898280"/>
-      </p:ext>
-    </p:extLst>
   </p:cSld>
   <p:clrMapOvr>
     <a:masterClrMapping/>
@@ -1442,7 +1319,192 @@
 </p:sldLayout>
 </file>
 
-<file path=ppt/slideLayouts/slideLayout2.xml><?xml version="1.0" encoding="utf-8"?>
+<file path=ppt/slideLayouts/slideLayout12.xml><?xml version="1.0" encoding="utf-8"?>
+<p:sldLayout xmlns:a="http://schemas.openxmlformats.org/drawingml/2006/main" xmlns:r="http://schemas.openxmlformats.org/officeDocument/2006/relationships" xmlns:p="http://schemas.openxmlformats.org/presentationml/2006/main" type="title" preserve="1">
+  <p:cSld name="标题幻灯片">
+    <p:spTree>
+      <p:nvGrpSpPr>
+        <p:cNvPr id="1" name=""/>
+        <p:cNvGrpSpPr/>
+        <p:nvPr/>
+      </p:nvGrpSpPr>
+      <p:grpSpPr>
+        <a:xfrm>
+          <a:off x="0" y="0"/>
+          <a:ext cx="0" cy="0"/>
+          <a:chOff x="0" y="0"/>
+          <a:chExt cx="0" cy="0"/>
+        </a:xfrm>
+      </p:grpSpPr>
+      <p:sp>
+        <p:nvSpPr>
+          <p:cNvPr id="2" name="标题 1"/>
+          <p:cNvSpPr>
+            <a:spLocks noGrp="1"/>
+          </p:cNvSpPr>
+          <p:nvPr>
+            <p:ph type="ctrTitle"/>
+          </p:nvPr>
+        </p:nvSpPr>
+        <p:spPr>
+          <a:xfrm>
+            <a:off x="1524000" y="1122363"/>
+            <a:ext cx="9144000" cy="2387600"/>
+          </a:xfrm>
+        </p:spPr>
+        <p:txBody>
+          <a:bodyPr anchor="b"/>
+          <a:lstStyle>
+            <a:lvl1pPr algn="ctr">
+              <a:defRPr sz="6000"/>
+            </a:lvl1pPr>
+          </a:lstStyle>
+          <a:p>
+            <a:r>
+              <a:rPr lang="zh-CN" altLang="en-US"/>
+              <a:t>单击此处编辑母版标题样式</a:t>
+            </a:r>
+            <a:endParaRPr lang="zh-CN" altLang="en-US"/>
+          </a:p>
+        </p:txBody>
+      </p:sp>
+      <p:sp>
+        <p:nvSpPr>
+          <p:cNvPr id="3" name="副标题 2"/>
+          <p:cNvSpPr>
+            <a:spLocks noGrp="1"/>
+          </p:cNvSpPr>
+          <p:nvPr>
+            <p:ph type="subTitle" idx="1"/>
+          </p:nvPr>
+        </p:nvSpPr>
+        <p:spPr>
+          <a:xfrm>
+            <a:off x="1524000" y="3602038"/>
+            <a:ext cx="9144000" cy="1655762"/>
+          </a:xfrm>
+        </p:spPr>
+        <p:txBody>
+          <a:bodyPr/>
+          <a:lstStyle>
+            <a:lvl1pPr marL="0" indent="0" algn="ctr">
+              <a:buNone/>
+              <a:defRPr sz="2400"/>
+            </a:lvl1pPr>
+            <a:lvl2pPr marL="457200" indent="0" algn="ctr">
+              <a:buNone/>
+              <a:defRPr sz="2000"/>
+            </a:lvl2pPr>
+            <a:lvl3pPr marL="914400" indent="0" algn="ctr">
+              <a:buNone/>
+              <a:defRPr sz="1800"/>
+            </a:lvl3pPr>
+            <a:lvl4pPr marL="1371600" indent="0" algn="ctr">
+              <a:buNone/>
+              <a:defRPr sz="1600"/>
+            </a:lvl4pPr>
+            <a:lvl5pPr marL="1828800" indent="0" algn="ctr">
+              <a:buNone/>
+              <a:defRPr sz="1600"/>
+            </a:lvl5pPr>
+            <a:lvl6pPr marL="2286000" indent="0" algn="ctr">
+              <a:buNone/>
+              <a:defRPr sz="1600"/>
+            </a:lvl6pPr>
+            <a:lvl7pPr marL="2743200" indent="0" algn="ctr">
+              <a:buNone/>
+              <a:defRPr sz="1600"/>
+            </a:lvl7pPr>
+            <a:lvl8pPr marL="3200400" indent="0" algn="ctr">
+              <a:buNone/>
+              <a:defRPr sz="1600"/>
+            </a:lvl8pPr>
+            <a:lvl9pPr marL="3657600" indent="0" algn="ctr">
+              <a:buNone/>
+              <a:defRPr sz="1600"/>
+            </a:lvl9pPr>
+          </a:lstStyle>
+          <a:p>
+            <a:r>
+              <a:rPr lang="zh-CN" altLang="en-US"/>
+              <a:t>单击此处编辑母版副标题样式</a:t>
+            </a:r>
+            <a:endParaRPr lang="zh-CN" altLang="en-US"/>
+          </a:p>
+        </p:txBody>
+      </p:sp>
+      <p:sp>
+        <p:nvSpPr>
+          <p:cNvPr id="4" name="日期占位符 3"/>
+          <p:cNvSpPr>
+            <a:spLocks noGrp="1"/>
+          </p:cNvSpPr>
+          <p:nvPr>
+            <p:ph type="dt" sz="half" idx="10"/>
+          </p:nvPr>
+        </p:nvSpPr>
+        <p:spPr/>
+        <p:txBody>
+          <a:bodyPr/>
+          <a:lstStyle/>
+          <a:p>
+            <a:fld id="{FCF2567C-E6E8-466F-A9B1-CBBE548E91D8}" type="datetimeFigureOut">
+              <a:rPr lang="zh-CN" altLang="en-US" smtClean="0"/>
+            </a:fld>
+            <a:endParaRPr lang="zh-CN" altLang="en-US"/>
+          </a:p>
+        </p:txBody>
+      </p:sp>
+      <p:sp>
+        <p:nvSpPr>
+          <p:cNvPr id="5" name="页脚占位符 4"/>
+          <p:cNvSpPr>
+            <a:spLocks noGrp="1"/>
+          </p:cNvSpPr>
+          <p:nvPr>
+            <p:ph type="ftr" sz="quarter" idx="11"/>
+          </p:nvPr>
+        </p:nvSpPr>
+        <p:spPr/>
+        <p:txBody>
+          <a:bodyPr/>
+          <a:lstStyle/>
+          <a:p>
+            <a:endParaRPr lang="zh-CN" altLang="en-US"/>
+          </a:p>
+        </p:txBody>
+      </p:sp>
+      <p:sp>
+        <p:nvSpPr>
+          <p:cNvPr id="6" name="灯片编号占位符 5"/>
+          <p:cNvSpPr>
+            <a:spLocks noGrp="1"/>
+          </p:cNvSpPr>
+          <p:nvPr>
+            <p:ph type="sldNum" sz="quarter" idx="12"/>
+          </p:nvPr>
+        </p:nvSpPr>
+        <p:spPr/>
+        <p:txBody>
+          <a:bodyPr/>
+          <a:lstStyle/>
+          <a:p>
+            <a:fld id="{E7D8E500-9FE0-4825-AD7E-3BD8FBC1E02F}" type="slidenum">
+              <a:rPr lang="zh-CN" altLang="en-US" smtClean="0"/>
+            </a:fld>
+            <a:endParaRPr lang="zh-CN" altLang="en-US"/>
+          </a:p>
+        </p:txBody>
+      </p:sp>
+    </p:spTree>
+  </p:cSld>
+  <p:clrMapOvr>
+    <a:masterClrMapping/>
+  </p:clrMapOvr>
+</p:sldLayout>
+</file>
+
+<file path=ppt/slideLayouts/slideLayout13.xml><?xml version="1.0" encoding="utf-8"?>
 <p:sldLayout xmlns:a="http://schemas.openxmlformats.org/drawingml/2006/main" xmlns:r="http://schemas.openxmlformats.org/officeDocument/2006/relationships" xmlns:p="http://schemas.openxmlformats.org/presentationml/2006/main" type="obj" preserve="1">
   <p:cSld name="标题和内容">
     <p:spTree>
@@ -1461,13 +1523,7 @@
       </p:grpSpPr>
       <p:sp>
         <p:nvSpPr>
-          <p:cNvPr id="2" name="标题 1">
-            <a:extLst>
-              <a:ext uri="{FF2B5EF4-FFF2-40B4-BE49-F238E27FC236}">
-                <a16:creationId xmlns:a16="http://schemas.microsoft.com/office/drawing/2014/main" id="{A92C4C45-C7B1-4079-8FA2-8074DF5B121E}"/>
-              </a:ext>
-            </a:extLst>
-          </p:cNvPr>
+          <p:cNvPr id="2" name="标题 1"/>
           <p:cNvSpPr>
             <a:spLocks noGrp="1"/>
           </p:cNvSpPr>
@@ -1484,18 +1540,13 @@
               <a:rPr lang="zh-CN" altLang="en-US"/>
               <a:t>单击此处编辑母版标题样式</a:t>
             </a:r>
-          </a:p>
-        </p:txBody>
-      </p:sp>
-      <p:sp>
-        <p:nvSpPr>
-          <p:cNvPr id="3" name="内容占位符 2">
-            <a:extLst>
-              <a:ext uri="{FF2B5EF4-FFF2-40B4-BE49-F238E27FC236}">
-                <a16:creationId xmlns:a16="http://schemas.microsoft.com/office/drawing/2014/main" id="{EDF96DC2-8454-4B6D-B345-FC25C3178698}"/>
-              </a:ext>
-            </a:extLst>
-          </p:cNvPr>
+            <a:endParaRPr lang="zh-CN" altLang="en-US"/>
+          </a:p>
+        </p:txBody>
+      </p:sp>
+      <p:sp>
+        <p:nvSpPr>
+          <p:cNvPr id="3" name="内容占位符 2"/>
           <p:cNvSpPr>
             <a:spLocks noGrp="1"/>
           </p:cNvSpPr>
@@ -1513,6 +1564,7 @@
               <a:rPr lang="zh-CN" altLang="en-US"/>
               <a:t>单击此处编辑母版文本样式</a:t>
             </a:r>
+            <a:endParaRPr lang="zh-CN" altLang="en-US"/>
           </a:p>
           <a:p>
             <a:pPr lvl="1"/>
@@ -1520,6 +1572,7 @@
               <a:rPr lang="zh-CN" altLang="en-US"/>
               <a:t>二级</a:t>
             </a:r>
+            <a:endParaRPr lang="zh-CN" altLang="en-US"/>
           </a:p>
           <a:p>
             <a:pPr lvl="2"/>
@@ -1527,6 +1580,7 @@
               <a:rPr lang="zh-CN" altLang="en-US"/>
               <a:t>三级</a:t>
             </a:r>
+            <a:endParaRPr lang="zh-CN" altLang="en-US"/>
           </a:p>
           <a:p>
             <a:pPr lvl="3"/>
@@ -1534,6 +1588,7 @@
               <a:rPr lang="zh-CN" altLang="en-US"/>
               <a:t>四级</a:t>
             </a:r>
+            <a:endParaRPr lang="zh-CN" altLang="en-US"/>
           </a:p>
           <a:p>
             <a:pPr lvl="4"/>
@@ -1541,18 +1596,13 @@
               <a:rPr lang="zh-CN" altLang="en-US"/>
               <a:t>五级</a:t>
             </a:r>
-          </a:p>
-        </p:txBody>
-      </p:sp>
-      <p:sp>
-        <p:nvSpPr>
-          <p:cNvPr id="4" name="日期占位符 3">
-            <a:extLst>
-              <a:ext uri="{FF2B5EF4-FFF2-40B4-BE49-F238E27FC236}">
-                <a16:creationId xmlns:a16="http://schemas.microsoft.com/office/drawing/2014/main" id="{CFFE71BA-6BF8-436B-8891-E71E954F17C9}"/>
-              </a:ext>
-            </a:extLst>
-          </p:cNvPr>
+            <a:endParaRPr lang="zh-CN" altLang="en-US"/>
+          </a:p>
+        </p:txBody>
+      </p:sp>
+      <p:sp>
+        <p:nvSpPr>
+          <p:cNvPr id="4" name="日期占位符 3"/>
           <p:cNvSpPr>
             <a:spLocks noGrp="1"/>
           </p:cNvSpPr>
@@ -1567,7 +1617,6 @@
           <a:p>
             <a:fld id="{FCF2567C-E6E8-466F-A9B1-CBBE548E91D8}" type="datetimeFigureOut">
               <a:rPr lang="zh-CN" altLang="en-US" smtClean="0"/>
-              <a:t>2019/6/25</a:t>
             </a:fld>
             <a:endParaRPr lang="zh-CN" altLang="en-US"/>
           </a:p>
@@ -1575,13 +1624,7 @@
       </p:sp>
       <p:sp>
         <p:nvSpPr>
-          <p:cNvPr id="5" name="页脚占位符 4">
-            <a:extLst>
-              <a:ext uri="{FF2B5EF4-FFF2-40B4-BE49-F238E27FC236}">
-                <a16:creationId xmlns:a16="http://schemas.microsoft.com/office/drawing/2014/main" id="{513C3A1B-1BE5-4D20-AFAE-D0C29F6A96F6}"/>
-              </a:ext>
-            </a:extLst>
-          </p:cNvPr>
+          <p:cNvPr id="5" name="页脚占位符 4"/>
           <p:cNvSpPr>
             <a:spLocks noGrp="1"/>
           </p:cNvSpPr>
@@ -1600,13 +1643,7 @@
       </p:sp>
       <p:sp>
         <p:nvSpPr>
-          <p:cNvPr id="6" name="灯片编号占位符 5">
-            <a:extLst>
-              <a:ext uri="{FF2B5EF4-FFF2-40B4-BE49-F238E27FC236}">
-                <a16:creationId xmlns:a16="http://schemas.microsoft.com/office/drawing/2014/main" id="{C2B845A6-A294-4766-899D-C4F688D1D370}"/>
-              </a:ext>
-            </a:extLst>
-          </p:cNvPr>
+          <p:cNvPr id="6" name="灯片编号占位符 5"/>
           <p:cNvSpPr>
             <a:spLocks noGrp="1"/>
           </p:cNvSpPr>
@@ -1621,18 +1658,12 @@
           <a:p>
             <a:fld id="{E7D8E500-9FE0-4825-AD7E-3BD8FBC1E02F}" type="slidenum">
               <a:rPr lang="zh-CN" altLang="en-US" smtClean="0"/>
-              <a:t>‹#›</a:t>
             </a:fld>
             <a:endParaRPr lang="zh-CN" altLang="en-US"/>
           </a:p>
         </p:txBody>
       </p:sp>
     </p:spTree>
-    <p:extLst>
-      <p:ext uri="{BB962C8B-B14F-4D97-AF65-F5344CB8AC3E}">
-        <p14:creationId xmlns:p14="http://schemas.microsoft.com/office/powerpoint/2010/main" val="2853990739"/>
-      </p:ext>
-    </p:extLst>
   </p:cSld>
   <p:clrMapOvr>
     <a:masterClrMapping/>
@@ -1640,7 +1671,7 @@
 </p:sldLayout>
 </file>
 
-<file path=ppt/slideLayouts/slideLayout3.xml><?xml version="1.0" encoding="utf-8"?>
+<file path=ppt/slideLayouts/slideLayout14.xml><?xml version="1.0" encoding="utf-8"?>
 <p:sldLayout xmlns:a="http://schemas.openxmlformats.org/drawingml/2006/main" xmlns:r="http://schemas.openxmlformats.org/officeDocument/2006/relationships" xmlns:p="http://schemas.openxmlformats.org/presentationml/2006/main" type="secHead" preserve="1">
   <p:cSld name="节标题">
     <p:spTree>
@@ -1659,13 +1690,7 @@
       </p:grpSpPr>
       <p:sp>
         <p:nvSpPr>
-          <p:cNvPr id="2" name="标题 1">
-            <a:extLst>
-              <a:ext uri="{FF2B5EF4-FFF2-40B4-BE49-F238E27FC236}">
-                <a16:creationId xmlns:a16="http://schemas.microsoft.com/office/drawing/2014/main" id="{85223302-2674-446E-8F94-1BC9C85FD0CA}"/>
-              </a:ext>
-            </a:extLst>
-          </p:cNvPr>
+          <p:cNvPr id="2" name="标题 1"/>
           <p:cNvSpPr>
             <a:spLocks noGrp="1"/>
           </p:cNvSpPr>
@@ -1691,18 +1716,13 @@
               <a:rPr lang="zh-CN" altLang="en-US"/>
               <a:t>单击此处编辑母版标题样式</a:t>
             </a:r>
-          </a:p>
-        </p:txBody>
-      </p:sp>
-      <p:sp>
-        <p:nvSpPr>
-          <p:cNvPr id="3" name="文本占位符 2">
-            <a:extLst>
-              <a:ext uri="{FF2B5EF4-FFF2-40B4-BE49-F238E27FC236}">
-                <a16:creationId xmlns:a16="http://schemas.microsoft.com/office/drawing/2014/main" id="{1D87F719-FD70-4815-B9A9-436C9F38CBB4}"/>
-              </a:ext>
-            </a:extLst>
-          </p:cNvPr>
+            <a:endParaRPr lang="zh-CN" altLang="en-US"/>
+          </a:p>
+        </p:txBody>
+      </p:sp>
+      <p:sp>
+        <p:nvSpPr>
+          <p:cNvPr id="3" name="文本占位符 2"/>
           <p:cNvSpPr>
             <a:spLocks noGrp="1"/>
           </p:cNvSpPr>
@@ -1816,18 +1836,13 @@
               <a:rPr lang="zh-CN" altLang="en-US"/>
               <a:t>单击此处编辑母版文本样式</a:t>
             </a:r>
-          </a:p>
-        </p:txBody>
-      </p:sp>
-      <p:sp>
-        <p:nvSpPr>
-          <p:cNvPr id="4" name="日期占位符 3">
-            <a:extLst>
-              <a:ext uri="{FF2B5EF4-FFF2-40B4-BE49-F238E27FC236}">
-                <a16:creationId xmlns:a16="http://schemas.microsoft.com/office/drawing/2014/main" id="{A33C4B8E-42EF-460D-BAAA-A1FCACAD96AA}"/>
-              </a:ext>
-            </a:extLst>
-          </p:cNvPr>
+            <a:endParaRPr lang="zh-CN" altLang="en-US"/>
+          </a:p>
+        </p:txBody>
+      </p:sp>
+      <p:sp>
+        <p:nvSpPr>
+          <p:cNvPr id="4" name="日期占位符 3"/>
           <p:cNvSpPr>
             <a:spLocks noGrp="1"/>
           </p:cNvSpPr>
@@ -1842,7 +1857,6 @@
           <a:p>
             <a:fld id="{FCF2567C-E6E8-466F-A9B1-CBBE548E91D8}" type="datetimeFigureOut">
               <a:rPr lang="zh-CN" altLang="en-US" smtClean="0"/>
-              <a:t>2019/6/25</a:t>
             </a:fld>
             <a:endParaRPr lang="zh-CN" altLang="en-US"/>
           </a:p>
@@ -1850,13 +1864,7 @@
       </p:sp>
       <p:sp>
         <p:nvSpPr>
-          <p:cNvPr id="5" name="页脚占位符 4">
-            <a:extLst>
-              <a:ext uri="{FF2B5EF4-FFF2-40B4-BE49-F238E27FC236}">
-                <a16:creationId xmlns:a16="http://schemas.microsoft.com/office/drawing/2014/main" id="{64C35EF9-DE7D-49BD-8725-A264944E8E64}"/>
-              </a:ext>
-            </a:extLst>
-          </p:cNvPr>
+          <p:cNvPr id="5" name="页脚占位符 4"/>
           <p:cNvSpPr>
             <a:spLocks noGrp="1"/>
           </p:cNvSpPr>
@@ -1875,13 +1883,7 @@
       </p:sp>
       <p:sp>
         <p:nvSpPr>
-          <p:cNvPr id="6" name="灯片编号占位符 5">
-            <a:extLst>
-              <a:ext uri="{FF2B5EF4-FFF2-40B4-BE49-F238E27FC236}">
-                <a16:creationId xmlns:a16="http://schemas.microsoft.com/office/drawing/2014/main" id="{D507D4CF-D6C3-4573-9406-5F50B3977D9C}"/>
-              </a:ext>
-            </a:extLst>
-          </p:cNvPr>
+          <p:cNvPr id="6" name="灯片编号占位符 5"/>
           <p:cNvSpPr>
             <a:spLocks noGrp="1"/>
           </p:cNvSpPr>
@@ -1896,18 +1898,12 @@
           <a:p>
             <a:fld id="{E7D8E500-9FE0-4825-AD7E-3BD8FBC1E02F}" type="slidenum">
               <a:rPr lang="zh-CN" altLang="en-US" smtClean="0"/>
-              <a:t>‹#›</a:t>
             </a:fld>
             <a:endParaRPr lang="zh-CN" altLang="en-US"/>
           </a:p>
         </p:txBody>
       </p:sp>
     </p:spTree>
-    <p:extLst>
-      <p:ext uri="{BB962C8B-B14F-4D97-AF65-F5344CB8AC3E}">
-        <p14:creationId xmlns:p14="http://schemas.microsoft.com/office/powerpoint/2010/main" val="2255824747"/>
-      </p:ext>
-    </p:extLst>
   </p:cSld>
   <p:clrMapOvr>
     <a:masterClrMapping/>
@@ -1915,7 +1911,7 @@
 </p:sldLayout>
 </file>
 
-<file path=ppt/slideLayouts/slideLayout4.xml><?xml version="1.0" encoding="utf-8"?>
+<file path=ppt/slideLayouts/slideLayout15.xml><?xml version="1.0" encoding="utf-8"?>
 <p:sldLayout xmlns:a="http://schemas.openxmlformats.org/drawingml/2006/main" xmlns:r="http://schemas.openxmlformats.org/officeDocument/2006/relationships" xmlns:p="http://schemas.openxmlformats.org/presentationml/2006/main" type="twoObj" preserve="1">
   <p:cSld name="两栏内容">
     <p:spTree>
@@ -1934,13 +1930,7 @@
       </p:grpSpPr>
       <p:sp>
         <p:nvSpPr>
-          <p:cNvPr id="2" name="标题 1">
-            <a:extLst>
-              <a:ext uri="{FF2B5EF4-FFF2-40B4-BE49-F238E27FC236}">
-                <a16:creationId xmlns:a16="http://schemas.microsoft.com/office/drawing/2014/main" id="{5C1C3A0D-FC86-452E-B7EC-45B3FEFE71A6}"/>
-              </a:ext>
-            </a:extLst>
-          </p:cNvPr>
+          <p:cNvPr id="2" name="标题 1"/>
           <p:cNvSpPr>
             <a:spLocks noGrp="1"/>
           </p:cNvSpPr>
@@ -1957,18 +1947,13 @@
               <a:rPr lang="zh-CN" altLang="en-US"/>
               <a:t>单击此处编辑母版标题样式</a:t>
             </a:r>
-          </a:p>
-        </p:txBody>
-      </p:sp>
-      <p:sp>
-        <p:nvSpPr>
-          <p:cNvPr id="3" name="内容占位符 2">
-            <a:extLst>
-              <a:ext uri="{FF2B5EF4-FFF2-40B4-BE49-F238E27FC236}">
-                <a16:creationId xmlns:a16="http://schemas.microsoft.com/office/drawing/2014/main" id="{65EA3C1A-5920-45F5-8A88-0BA1BB221818}"/>
-              </a:ext>
-            </a:extLst>
-          </p:cNvPr>
+            <a:endParaRPr lang="zh-CN" altLang="en-US"/>
+          </a:p>
+        </p:txBody>
+      </p:sp>
+      <p:sp>
+        <p:nvSpPr>
+          <p:cNvPr id="3" name="内容占位符 2"/>
           <p:cNvSpPr>
             <a:spLocks noGrp="1"/>
           </p:cNvSpPr>
@@ -1991,6 +1976,7 @@
               <a:rPr lang="zh-CN" altLang="en-US"/>
               <a:t>单击此处编辑母版文本样式</a:t>
             </a:r>
+            <a:endParaRPr lang="zh-CN" altLang="en-US"/>
           </a:p>
           <a:p>
             <a:pPr lvl="1"/>
@@ -1998,6 +1984,7 @@
               <a:rPr lang="zh-CN" altLang="en-US"/>
               <a:t>二级</a:t>
             </a:r>
+            <a:endParaRPr lang="zh-CN" altLang="en-US"/>
           </a:p>
           <a:p>
             <a:pPr lvl="2"/>
@@ -2005,6 +1992,7 @@
               <a:rPr lang="zh-CN" altLang="en-US"/>
               <a:t>三级</a:t>
             </a:r>
+            <a:endParaRPr lang="zh-CN" altLang="en-US"/>
           </a:p>
           <a:p>
             <a:pPr lvl="3"/>
@@ -2012,6 +2000,7 @@
               <a:rPr lang="zh-CN" altLang="en-US"/>
               <a:t>四级</a:t>
             </a:r>
+            <a:endParaRPr lang="zh-CN" altLang="en-US"/>
           </a:p>
           <a:p>
             <a:pPr lvl="4"/>
@@ -2019,18 +2008,13 @@
               <a:rPr lang="zh-CN" altLang="en-US"/>
               <a:t>五级</a:t>
             </a:r>
-          </a:p>
-        </p:txBody>
-      </p:sp>
-      <p:sp>
-        <p:nvSpPr>
-          <p:cNvPr id="4" name="内容占位符 3">
-            <a:extLst>
-              <a:ext uri="{FF2B5EF4-FFF2-40B4-BE49-F238E27FC236}">
-                <a16:creationId xmlns:a16="http://schemas.microsoft.com/office/drawing/2014/main" id="{09FF2C6C-FDAF-43FE-8952-66A2DD3A29C5}"/>
-              </a:ext>
-            </a:extLst>
-          </p:cNvPr>
+            <a:endParaRPr lang="zh-CN" altLang="en-US"/>
+          </a:p>
+        </p:txBody>
+      </p:sp>
+      <p:sp>
+        <p:nvSpPr>
+          <p:cNvPr id="4" name="内容占位符 3"/>
           <p:cNvSpPr>
             <a:spLocks noGrp="1"/>
           </p:cNvSpPr>
@@ -2053,6 +2037,7 @@
               <a:rPr lang="zh-CN" altLang="en-US"/>
               <a:t>单击此处编辑母版文本样式</a:t>
             </a:r>
+            <a:endParaRPr lang="zh-CN" altLang="en-US"/>
           </a:p>
           <a:p>
             <a:pPr lvl="1"/>
@@ -2060,6 +2045,7 @@
               <a:rPr lang="zh-CN" altLang="en-US"/>
               <a:t>二级</a:t>
             </a:r>
+            <a:endParaRPr lang="zh-CN" altLang="en-US"/>
           </a:p>
           <a:p>
             <a:pPr lvl="2"/>
@@ -2067,6 +2053,7 @@
               <a:rPr lang="zh-CN" altLang="en-US"/>
               <a:t>三级</a:t>
             </a:r>
+            <a:endParaRPr lang="zh-CN" altLang="en-US"/>
           </a:p>
           <a:p>
             <a:pPr lvl="3"/>
@@ -2074,6 +2061,7 @@
               <a:rPr lang="zh-CN" altLang="en-US"/>
               <a:t>四级</a:t>
             </a:r>
+            <a:endParaRPr lang="zh-CN" altLang="en-US"/>
           </a:p>
           <a:p>
             <a:pPr lvl="4"/>
@@ -2081,18 +2069,13 @@
               <a:rPr lang="zh-CN" altLang="en-US"/>
               <a:t>五级</a:t>
             </a:r>
-          </a:p>
-        </p:txBody>
-      </p:sp>
-      <p:sp>
-        <p:nvSpPr>
-          <p:cNvPr id="5" name="日期占位符 4">
-            <a:extLst>
-              <a:ext uri="{FF2B5EF4-FFF2-40B4-BE49-F238E27FC236}">
-                <a16:creationId xmlns:a16="http://schemas.microsoft.com/office/drawing/2014/main" id="{1A55D138-3F56-4487-A55C-46673E3E0324}"/>
-              </a:ext>
-            </a:extLst>
-          </p:cNvPr>
+            <a:endParaRPr lang="zh-CN" altLang="en-US"/>
+          </a:p>
+        </p:txBody>
+      </p:sp>
+      <p:sp>
+        <p:nvSpPr>
+          <p:cNvPr id="5" name="日期占位符 4"/>
           <p:cNvSpPr>
             <a:spLocks noGrp="1"/>
           </p:cNvSpPr>
@@ -2107,7 +2090,6 @@
           <a:p>
             <a:fld id="{FCF2567C-E6E8-466F-A9B1-CBBE548E91D8}" type="datetimeFigureOut">
               <a:rPr lang="zh-CN" altLang="en-US" smtClean="0"/>
-              <a:t>2019/6/25</a:t>
             </a:fld>
             <a:endParaRPr lang="zh-CN" altLang="en-US"/>
           </a:p>
@@ -2115,13 +2097,7 @@
       </p:sp>
       <p:sp>
         <p:nvSpPr>
-          <p:cNvPr id="6" name="页脚占位符 5">
-            <a:extLst>
-              <a:ext uri="{FF2B5EF4-FFF2-40B4-BE49-F238E27FC236}">
-                <a16:creationId xmlns:a16="http://schemas.microsoft.com/office/drawing/2014/main" id="{E59F679F-5907-41A4-A455-770CFE258DA5}"/>
-              </a:ext>
-            </a:extLst>
-          </p:cNvPr>
+          <p:cNvPr id="6" name="页脚占位符 5"/>
           <p:cNvSpPr>
             <a:spLocks noGrp="1"/>
           </p:cNvSpPr>
@@ -2140,13 +2116,7 @@
       </p:sp>
       <p:sp>
         <p:nvSpPr>
-          <p:cNvPr id="7" name="灯片编号占位符 6">
-            <a:extLst>
-              <a:ext uri="{FF2B5EF4-FFF2-40B4-BE49-F238E27FC236}">
-                <a16:creationId xmlns:a16="http://schemas.microsoft.com/office/drawing/2014/main" id="{F8761224-9ABF-4EB8-B86D-E28E8F944F1F}"/>
-              </a:ext>
-            </a:extLst>
-          </p:cNvPr>
+          <p:cNvPr id="7" name="灯片编号占位符 6"/>
           <p:cNvSpPr>
             <a:spLocks noGrp="1"/>
           </p:cNvSpPr>
@@ -2161,18 +2131,12 @@
           <a:p>
             <a:fld id="{E7D8E500-9FE0-4825-AD7E-3BD8FBC1E02F}" type="slidenum">
               <a:rPr lang="zh-CN" altLang="en-US" smtClean="0"/>
-              <a:t>‹#›</a:t>
             </a:fld>
             <a:endParaRPr lang="zh-CN" altLang="en-US"/>
           </a:p>
         </p:txBody>
       </p:sp>
     </p:spTree>
-    <p:extLst>
-      <p:ext uri="{BB962C8B-B14F-4D97-AF65-F5344CB8AC3E}">
-        <p14:creationId xmlns:p14="http://schemas.microsoft.com/office/powerpoint/2010/main" val="601316236"/>
-      </p:ext>
-    </p:extLst>
   </p:cSld>
   <p:clrMapOvr>
     <a:masterClrMapping/>
@@ -2180,7 +2144,7 @@
 </p:sldLayout>
 </file>
 
-<file path=ppt/slideLayouts/slideLayout5.xml><?xml version="1.0" encoding="utf-8"?>
+<file path=ppt/slideLayouts/slideLayout16.xml><?xml version="1.0" encoding="utf-8"?>
 <p:sldLayout xmlns:a="http://schemas.openxmlformats.org/drawingml/2006/main" xmlns:r="http://schemas.openxmlformats.org/officeDocument/2006/relationships" xmlns:p="http://schemas.openxmlformats.org/presentationml/2006/main" type="twoTxTwoObj" preserve="1">
   <p:cSld name="比较">
     <p:spTree>
@@ -2199,13 +2163,7 @@
       </p:grpSpPr>
       <p:sp>
         <p:nvSpPr>
-          <p:cNvPr id="2" name="标题 1">
-            <a:extLst>
-              <a:ext uri="{FF2B5EF4-FFF2-40B4-BE49-F238E27FC236}">
-                <a16:creationId xmlns:a16="http://schemas.microsoft.com/office/drawing/2014/main" id="{EC92B9FD-8DB8-4C51-B604-97B2BE44A2C7}"/>
-              </a:ext>
-            </a:extLst>
-          </p:cNvPr>
+          <p:cNvPr id="2" name="标题 1"/>
           <p:cNvSpPr>
             <a:spLocks noGrp="1"/>
           </p:cNvSpPr>
@@ -2227,18 +2185,13 @@
               <a:rPr lang="zh-CN" altLang="en-US"/>
               <a:t>单击此处编辑母版标题样式</a:t>
             </a:r>
-          </a:p>
-        </p:txBody>
-      </p:sp>
-      <p:sp>
-        <p:nvSpPr>
-          <p:cNvPr id="3" name="文本占位符 2">
-            <a:extLst>
-              <a:ext uri="{FF2B5EF4-FFF2-40B4-BE49-F238E27FC236}">
-                <a16:creationId xmlns:a16="http://schemas.microsoft.com/office/drawing/2014/main" id="{9FDDEAA6-FF07-437E-BEF0-79B6C96B7518}"/>
-              </a:ext>
-            </a:extLst>
-          </p:cNvPr>
+            <a:endParaRPr lang="zh-CN" altLang="en-US"/>
+          </a:p>
+        </p:txBody>
+      </p:sp>
+      <p:sp>
+        <p:nvSpPr>
+          <p:cNvPr id="3" name="文本占位符 2"/>
           <p:cNvSpPr>
             <a:spLocks noGrp="1"/>
           </p:cNvSpPr>
@@ -2298,18 +2251,13 @@
               <a:rPr lang="zh-CN" altLang="en-US"/>
               <a:t>单击此处编辑母版文本样式</a:t>
             </a:r>
-          </a:p>
-        </p:txBody>
-      </p:sp>
-      <p:sp>
-        <p:nvSpPr>
-          <p:cNvPr id="4" name="内容占位符 3">
-            <a:extLst>
-              <a:ext uri="{FF2B5EF4-FFF2-40B4-BE49-F238E27FC236}">
-                <a16:creationId xmlns:a16="http://schemas.microsoft.com/office/drawing/2014/main" id="{7A494078-D6A6-4581-B456-D82ADCDFBD31}"/>
-              </a:ext>
-            </a:extLst>
-          </p:cNvPr>
+            <a:endParaRPr lang="zh-CN" altLang="en-US"/>
+          </a:p>
+        </p:txBody>
+      </p:sp>
+      <p:sp>
+        <p:nvSpPr>
+          <p:cNvPr id="4" name="内容占位符 3"/>
           <p:cNvSpPr>
             <a:spLocks noGrp="1"/>
           </p:cNvSpPr>
@@ -2332,6 +2280,7 @@
               <a:rPr lang="zh-CN" altLang="en-US"/>
               <a:t>单击此处编辑母版文本样式</a:t>
             </a:r>
+            <a:endParaRPr lang="zh-CN" altLang="en-US"/>
           </a:p>
           <a:p>
             <a:pPr lvl="1"/>
@@ -2339,6 +2288,7 @@
               <a:rPr lang="zh-CN" altLang="en-US"/>
               <a:t>二级</a:t>
             </a:r>
+            <a:endParaRPr lang="zh-CN" altLang="en-US"/>
           </a:p>
           <a:p>
             <a:pPr lvl="2"/>
@@ -2346,6 +2296,7 @@
               <a:rPr lang="zh-CN" altLang="en-US"/>
               <a:t>三级</a:t>
             </a:r>
+            <a:endParaRPr lang="zh-CN" altLang="en-US"/>
           </a:p>
           <a:p>
             <a:pPr lvl="3"/>
@@ -2353,6 +2304,7 @@
               <a:rPr lang="zh-CN" altLang="en-US"/>
               <a:t>四级</a:t>
             </a:r>
+            <a:endParaRPr lang="zh-CN" altLang="en-US"/>
           </a:p>
           <a:p>
             <a:pPr lvl="4"/>
@@ -2360,18 +2312,13 @@
               <a:rPr lang="zh-CN" altLang="en-US"/>
               <a:t>五级</a:t>
             </a:r>
-          </a:p>
-        </p:txBody>
-      </p:sp>
-      <p:sp>
-        <p:nvSpPr>
-          <p:cNvPr id="5" name="文本占位符 4">
-            <a:extLst>
-              <a:ext uri="{FF2B5EF4-FFF2-40B4-BE49-F238E27FC236}">
-                <a16:creationId xmlns:a16="http://schemas.microsoft.com/office/drawing/2014/main" id="{07172330-2FF4-46C4-A93E-B766D6611B64}"/>
-              </a:ext>
-            </a:extLst>
-          </p:cNvPr>
+            <a:endParaRPr lang="zh-CN" altLang="en-US"/>
+          </a:p>
+        </p:txBody>
+      </p:sp>
+      <p:sp>
+        <p:nvSpPr>
+          <p:cNvPr id="5" name="文本占位符 4"/>
           <p:cNvSpPr>
             <a:spLocks noGrp="1"/>
           </p:cNvSpPr>
@@ -2431,18 +2378,13 @@
               <a:rPr lang="zh-CN" altLang="en-US"/>
               <a:t>单击此处编辑母版文本样式</a:t>
             </a:r>
-          </a:p>
-        </p:txBody>
-      </p:sp>
-      <p:sp>
-        <p:nvSpPr>
-          <p:cNvPr id="6" name="内容占位符 5">
-            <a:extLst>
-              <a:ext uri="{FF2B5EF4-FFF2-40B4-BE49-F238E27FC236}">
-                <a16:creationId xmlns:a16="http://schemas.microsoft.com/office/drawing/2014/main" id="{239F0606-05AC-45C9-BBB3-49719FEAB1F3}"/>
-              </a:ext>
-            </a:extLst>
-          </p:cNvPr>
+            <a:endParaRPr lang="zh-CN" altLang="en-US"/>
+          </a:p>
+        </p:txBody>
+      </p:sp>
+      <p:sp>
+        <p:nvSpPr>
+          <p:cNvPr id="6" name="内容占位符 5"/>
           <p:cNvSpPr>
             <a:spLocks noGrp="1"/>
           </p:cNvSpPr>
@@ -2465,6 +2407,7 @@
               <a:rPr lang="zh-CN" altLang="en-US"/>
               <a:t>单击此处编辑母版文本样式</a:t>
             </a:r>
+            <a:endParaRPr lang="zh-CN" altLang="en-US"/>
           </a:p>
           <a:p>
             <a:pPr lvl="1"/>
@@ -2472,6 +2415,7 @@
               <a:rPr lang="zh-CN" altLang="en-US"/>
               <a:t>二级</a:t>
             </a:r>
+            <a:endParaRPr lang="zh-CN" altLang="en-US"/>
           </a:p>
           <a:p>
             <a:pPr lvl="2"/>
@@ -2479,6 +2423,7 @@
               <a:rPr lang="zh-CN" altLang="en-US"/>
               <a:t>三级</a:t>
             </a:r>
+            <a:endParaRPr lang="zh-CN" altLang="en-US"/>
           </a:p>
           <a:p>
             <a:pPr lvl="3"/>
@@ -2486,6 +2431,7 @@
               <a:rPr lang="zh-CN" altLang="en-US"/>
               <a:t>四级</a:t>
             </a:r>
+            <a:endParaRPr lang="zh-CN" altLang="en-US"/>
           </a:p>
           <a:p>
             <a:pPr lvl="4"/>
@@ -2493,18 +2439,13 @@
               <a:rPr lang="zh-CN" altLang="en-US"/>
               <a:t>五级</a:t>
             </a:r>
-          </a:p>
-        </p:txBody>
-      </p:sp>
-      <p:sp>
-        <p:nvSpPr>
-          <p:cNvPr id="7" name="日期占位符 6">
-            <a:extLst>
-              <a:ext uri="{FF2B5EF4-FFF2-40B4-BE49-F238E27FC236}">
-                <a16:creationId xmlns:a16="http://schemas.microsoft.com/office/drawing/2014/main" id="{62CF73D5-ADF3-4483-BAF5-2C99D7934B52}"/>
-              </a:ext>
-            </a:extLst>
-          </p:cNvPr>
+            <a:endParaRPr lang="zh-CN" altLang="en-US"/>
+          </a:p>
+        </p:txBody>
+      </p:sp>
+      <p:sp>
+        <p:nvSpPr>
+          <p:cNvPr id="7" name="日期占位符 6"/>
           <p:cNvSpPr>
             <a:spLocks noGrp="1"/>
           </p:cNvSpPr>
@@ -2519,7 +2460,6 @@
           <a:p>
             <a:fld id="{FCF2567C-E6E8-466F-A9B1-CBBE548E91D8}" type="datetimeFigureOut">
               <a:rPr lang="zh-CN" altLang="en-US" smtClean="0"/>
-              <a:t>2019/6/25</a:t>
             </a:fld>
             <a:endParaRPr lang="zh-CN" altLang="en-US"/>
           </a:p>
@@ -2527,13 +2467,7 @@
       </p:sp>
       <p:sp>
         <p:nvSpPr>
-          <p:cNvPr id="8" name="页脚占位符 7">
-            <a:extLst>
-              <a:ext uri="{FF2B5EF4-FFF2-40B4-BE49-F238E27FC236}">
-                <a16:creationId xmlns:a16="http://schemas.microsoft.com/office/drawing/2014/main" id="{F8236238-BAB6-4945-BF66-00CCD3D0C1F6}"/>
-              </a:ext>
-            </a:extLst>
-          </p:cNvPr>
+          <p:cNvPr id="8" name="页脚占位符 7"/>
           <p:cNvSpPr>
             <a:spLocks noGrp="1"/>
           </p:cNvSpPr>
@@ -2552,13 +2486,7 @@
       </p:sp>
       <p:sp>
         <p:nvSpPr>
-          <p:cNvPr id="9" name="灯片编号占位符 8">
-            <a:extLst>
-              <a:ext uri="{FF2B5EF4-FFF2-40B4-BE49-F238E27FC236}">
-                <a16:creationId xmlns:a16="http://schemas.microsoft.com/office/drawing/2014/main" id="{276D725A-8D81-414A-A96A-E471A2D730D3}"/>
-              </a:ext>
-            </a:extLst>
-          </p:cNvPr>
+          <p:cNvPr id="9" name="灯片编号占位符 8"/>
           <p:cNvSpPr>
             <a:spLocks noGrp="1"/>
           </p:cNvSpPr>
@@ -2573,18 +2501,12 @@
           <a:p>
             <a:fld id="{E7D8E500-9FE0-4825-AD7E-3BD8FBC1E02F}" type="slidenum">
               <a:rPr lang="zh-CN" altLang="en-US" smtClean="0"/>
-              <a:t>‹#›</a:t>
             </a:fld>
             <a:endParaRPr lang="zh-CN" altLang="en-US"/>
           </a:p>
         </p:txBody>
       </p:sp>
     </p:spTree>
-    <p:extLst>
-      <p:ext uri="{BB962C8B-B14F-4D97-AF65-F5344CB8AC3E}">
-        <p14:creationId xmlns:p14="http://schemas.microsoft.com/office/powerpoint/2010/main" val="3021503743"/>
-      </p:ext>
-    </p:extLst>
   </p:cSld>
   <p:clrMapOvr>
     <a:masterClrMapping/>
@@ -2592,7 +2514,7 @@
 </p:sldLayout>
 </file>
 
-<file path=ppt/slideLayouts/slideLayout6.xml><?xml version="1.0" encoding="utf-8"?>
+<file path=ppt/slideLayouts/slideLayout17.xml><?xml version="1.0" encoding="utf-8"?>
 <p:sldLayout xmlns:a="http://schemas.openxmlformats.org/drawingml/2006/main" xmlns:r="http://schemas.openxmlformats.org/officeDocument/2006/relationships" xmlns:p="http://schemas.openxmlformats.org/presentationml/2006/main" type="titleOnly" preserve="1">
   <p:cSld name="仅标题">
     <p:spTree>
@@ -2611,13 +2533,7 @@
       </p:grpSpPr>
       <p:sp>
         <p:nvSpPr>
-          <p:cNvPr id="2" name="标题 1">
-            <a:extLst>
-              <a:ext uri="{FF2B5EF4-FFF2-40B4-BE49-F238E27FC236}">
-                <a16:creationId xmlns:a16="http://schemas.microsoft.com/office/drawing/2014/main" id="{E9714053-4D5E-4490-95B9-24239628F721}"/>
-              </a:ext>
-            </a:extLst>
-          </p:cNvPr>
+          <p:cNvPr id="2" name="标题 1"/>
           <p:cNvSpPr>
             <a:spLocks noGrp="1"/>
           </p:cNvSpPr>
@@ -2634,18 +2550,13 @@
               <a:rPr lang="zh-CN" altLang="en-US"/>
               <a:t>单击此处编辑母版标题样式</a:t>
             </a:r>
-          </a:p>
-        </p:txBody>
-      </p:sp>
-      <p:sp>
-        <p:nvSpPr>
-          <p:cNvPr id="3" name="日期占位符 2">
-            <a:extLst>
-              <a:ext uri="{FF2B5EF4-FFF2-40B4-BE49-F238E27FC236}">
-                <a16:creationId xmlns:a16="http://schemas.microsoft.com/office/drawing/2014/main" id="{7EE4CB6E-5AB9-4421-A56E-780186D35A74}"/>
-              </a:ext>
-            </a:extLst>
-          </p:cNvPr>
+            <a:endParaRPr lang="zh-CN" altLang="en-US"/>
+          </a:p>
+        </p:txBody>
+      </p:sp>
+      <p:sp>
+        <p:nvSpPr>
+          <p:cNvPr id="3" name="日期占位符 2"/>
           <p:cNvSpPr>
             <a:spLocks noGrp="1"/>
           </p:cNvSpPr>
@@ -2660,7 +2571,6 @@
           <a:p>
             <a:fld id="{FCF2567C-E6E8-466F-A9B1-CBBE548E91D8}" type="datetimeFigureOut">
               <a:rPr lang="zh-CN" altLang="en-US" smtClean="0"/>
-              <a:t>2019/6/25</a:t>
             </a:fld>
             <a:endParaRPr lang="zh-CN" altLang="en-US"/>
           </a:p>
@@ -2668,13 +2578,7 @@
       </p:sp>
       <p:sp>
         <p:nvSpPr>
-          <p:cNvPr id="4" name="页脚占位符 3">
-            <a:extLst>
-              <a:ext uri="{FF2B5EF4-FFF2-40B4-BE49-F238E27FC236}">
-                <a16:creationId xmlns:a16="http://schemas.microsoft.com/office/drawing/2014/main" id="{890A1E23-BF85-42BE-9465-1138C263FD06}"/>
-              </a:ext>
-            </a:extLst>
-          </p:cNvPr>
+          <p:cNvPr id="4" name="页脚占位符 3"/>
           <p:cNvSpPr>
             <a:spLocks noGrp="1"/>
           </p:cNvSpPr>
@@ -2693,13 +2597,7 @@
       </p:sp>
       <p:sp>
         <p:nvSpPr>
-          <p:cNvPr id="5" name="灯片编号占位符 4">
-            <a:extLst>
-              <a:ext uri="{FF2B5EF4-FFF2-40B4-BE49-F238E27FC236}">
-                <a16:creationId xmlns:a16="http://schemas.microsoft.com/office/drawing/2014/main" id="{AF048DC9-947E-45A2-B718-5F4F9F31928D}"/>
-              </a:ext>
-            </a:extLst>
-          </p:cNvPr>
+          <p:cNvPr id="5" name="灯片编号占位符 4"/>
           <p:cNvSpPr>
             <a:spLocks noGrp="1"/>
           </p:cNvSpPr>
@@ -2714,18 +2612,12 @@
           <a:p>
             <a:fld id="{E7D8E500-9FE0-4825-AD7E-3BD8FBC1E02F}" type="slidenum">
               <a:rPr lang="zh-CN" altLang="en-US" smtClean="0"/>
-              <a:t>‹#›</a:t>
             </a:fld>
             <a:endParaRPr lang="zh-CN" altLang="en-US"/>
           </a:p>
         </p:txBody>
       </p:sp>
     </p:spTree>
-    <p:extLst>
-      <p:ext uri="{BB962C8B-B14F-4D97-AF65-F5344CB8AC3E}">
-        <p14:creationId xmlns:p14="http://schemas.microsoft.com/office/powerpoint/2010/main" val="176597889"/>
-      </p:ext>
-    </p:extLst>
   </p:cSld>
   <p:clrMapOvr>
     <a:masterClrMapping/>
@@ -2733,7 +2625,7 @@
 </p:sldLayout>
 </file>
 
-<file path=ppt/slideLayouts/slideLayout7.xml><?xml version="1.0" encoding="utf-8"?>
+<file path=ppt/slideLayouts/slideLayout18.xml><?xml version="1.0" encoding="utf-8"?>
 <p:sldLayout xmlns:a="http://schemas.openxmlformats.org/drawingml/2006/main" xmlns:r="http://schemas.openxmlformats.org/officeDocument/2006/relationships" xmlns:p="http://schemas.openxmlformats.org/presentationml/2006/main" type="blank" preserve="1">
   <p:cSld name="空白">
     <p:spTree>
@@ -2752,13 +2644,7 @@
       </p:grpSpPr>
       <p:sp>
         <p:nvSpPr>
-          <p:cNvPr id="2" name="日期占位符 1">
-            <a:extLst>
-              <a:ext uri="{FF2B5EF4-FFF2-40B4-BE49-F238E27FC236}">
-                <a16:creationId xmlns:a16="http://schemas.microsoft.com/office/drawing/2014/main" id="{84F7F7B3-73FE-4D82-B96E-8F58AC7B262B}"/>
-              </a:ext>
-            </a:extLst>
-          </p:cNvPr>
+          <p:cNvPr id="2" name="日期占位符 1"/>
           <p:cNvSpPr>
             <a:spLocks noGrp="1"/>
           </p:cNvSpPr>
@@ -2773,7 +2659,6 @@
           <a:p>
             <a:fld id="{FCF2567C-E6E8-466F-A9B1-CBBE548E91D8}" type="datetimeFigureOut">
               <a:rPr lang="zh-CN" altLang="en-US" smtClean="0"/>
-              <a:t>2019/6/25</a:t>
             </a:fld>
             <a:endParaRPr lang="zh-CN" altLang="en-US"/>
           </a:p>
@@ -2781,13 +2666,7 @@
       </p:sp>
       <p:sp>
         <p:nvSpPr>
-          <p:cNvPr id="3" name="页脚占位符 2">
-            <a:extLst>
-              <a:ext uri="{FF2B5EF4-FFF2-40B4-BE49-F238E27FC236}">
-                <a16:creationId xmlns:a16="http://schemas.microsoft.com/office/drawing/2014/main" id="{C891167F-3B82-492A-8D28-17E0CBDCE59D}"/>
-              </a:ext>
-            </a:extLst>
-          </p:cNvPr>
+          <p:cNvPr id="3" name="页脚占位符 2"/>
           <p:cNvSpPr>
             <a:spLocks noGrp="1"/>
           </p:cNvSpPr>
@@ -2806,13 +2685,7 @@
       </p:sp>
       <p:sp>
         <p:nvSpPr>
-          <p:cNvPr id="4" name="灯片编号占位符 3">
-            <a:extLst>
-              <a:ext uri="{FF2B5EF4-FFF2-40B4-BE49-F238E27FC236}">
-                <a16:creationId xmlns:a16="http://schemas.microsoft.com/office/drawing/2014/main" id="{781DE350-9103-4225-886A-C13420BF622B}"/>
-              </a:ext>
-            </a:extLst>
-          </p:cNvPr>
+          <p:cNvPr id="4" name="灯片编号占位符 3"/>
           <p:cNvSpPr>
             <a:spLocks noGrp="1"/>
           </p:cNvSpPr>
@@ -2827,18 +2700,12 @@
           <a:p>
             <a:fld id="{E7D8E500-9FE0-4825-AD7E-3BD8FBC1E02F}" type="slidenum">
               <a:rPr lang="zh-CN" altLang="en-US" smtClean="0"/>
-              <a:t>‹#›</a:t>
             </a:fld>
             <a:endParaRPr lang="zh-CN" altLang="en-US"/>
           </a:p>
         </p:txBody>
       </p:sp>
     </p:spTree>
-    <p:extLst>
-      <p:ext uri="{BB962C8B-B14F-4D97-AF65-F5344CB8AC3E}">
-        <p14:creationId xmlns:p14="http://schemas.microsoft.com/office/powerpoint/2010/main" val="3716221256"/>
-      </p:ext>
-    </p:extLst>
   </p:cSld>
   <p:clrMapOvr>
     <a:masterClrMapping/>
@@ -2846,7 +2713,7 @@
 </p:sldLayout>
 </file>
 
-<file path=ppt/slideLayouts/slideLayout8.xml><?xml version="1.0" encoding="utf-8"?>
+<file path=ppt/slideLayouts/slideLayout19.xml><?xml version="1.0" encoding="utf-8"?>
 <p:sldLayout xmlns:a="http://schemas.openxmlformats.org/drawingml/2006/main" xmlns:r="http://schemas.openxmlformats.org/officeDocument/2006/relationships" xmlns:p="http://schemas.openxmlformats.org/presentationml/2006/main" type="objTx" preserve="1">
   <p:cSld name="内容与标题">
     <p:spTree>
@@ -2865,13 +2732,7 @@
       </p:grpSpPr>
       <p:sp>
         <p:nvSpPr>
-          <p:cNvPr id="2" name="标题 1">
-            <a:extLst>
-              <a:ext uri="{FF2B5EF4-FFF2-40B4-BE49-F238E27FC236}">
-                <a16:creationId xmlns:a16="http://schemas.microsoft.com/office/drawing/2014/main" id="{555A9A0D-5D93-4BD3-A5F6-721142615FC7}"/>
-              </a:ext>
-            </a:extLst>
-          </p:cNvPr>
+          <p:cNvPr id="2" name="标题 1"/>
           <p:cNvSpPr>
             <a:spLocks noGrp="1"/>
           </p:cNvSpPr>
@@ -2897,18 +2758,13 @@
               <a:rPr lang="zh-CN" altLang="en-US"/>
               <a:t>单击此处编辑母版标题样式</a:t>
             </a:r>
-          </a:p>
-        </p:txBody>
-      </p:sp>
-      <p:sp>
-        <p:nvSpPr>
-          <p:cNvPr id="3" name="内容占位符 2">
-            <a:extLst>
-              <a:ext uri="{FF2B5EF4-FFF2-40B4-BE49-F238E27FC236}">
-                <a16:creationId xmlns:a16="http://schemas.microsoft.com/office/drawing/2014/main" id="{80953570-579F-48A2-B56A-CB2438819A1D}"/>
-              </a:ext>
-            </a:extLst>
-          </p:cNvPr>
+            <a:endParaRPr lang="zh-CN" altLang="en-US"/>
+          </a:p>
+        </p:txBody>
+      </p:sp>
+      <p:sp>
+        <p:nvSpPr>
+          <p:cNvPr id="3" name="内容占位符 2"/>
           <p:cNvSpPr>
             <a:spLocks noGrp="1"/>
           </p:cNvSpPr>
@@ -2959,6 +2815,7 @@
               <a:rPr lang="zh-CN" altLang="en-US"/>
               <a:t>单击此处编辑母版文本样式</a:t>
             </a:r>
+            <a:endParaRPr lang="zh-CN" altLang="en-US"/>
           </a:p>
           <a:p>
             <a:pPr lvl="1"/>
@@ -2966,6 +2823,7 @@
               <a:rPr lang="zh-CN" altLang="en-US"/>
               <a:t>二级</a:t>
             </a:r>
+            <a:endParaRPr lang="zh-CN" altLang="en-US"/>
           </a:p>
           <a:p>
             <a:pPr lvl="2"/>
@@ -2973,6 +2831,7 @@
               <a:rPr lang="zh-CN" altLang="en-US"/>
               <a:t>三级</a:t>
             </a:r>
+            <a:endParaRPr lang="zh-CN" altLang="en-US"/>
           </a:p>
           <a:p>
             <a:pPr lvl="3"/>
@@ -2980,6 +2839,7 @@
               <a:rPr lang="zh-CN" altLang="en-US"/>
               <a:t>四级</a:t>
             </a:r>
+            <a:endParaRPr lang="zh-CN" altLang="en-US"/>
           </a:p>
           <a:p>
             <a:pPr lvl="4"/>
@@ -2987,18 +2847,13 @@
               <a:rPr lang="zh-CN" altLang="en-US"/>
               <a:t>五级</a:t>
             </a:r>
-          </a:p>
-        </p:txBody>
-      </p:sp>
-      <p:sp>
-        <p:nvSpPr>
-          <p:cNvPr id="4" name="文本占位符 3">
-            <a:extLst>
-              <a:ext uri="{FF2B5EF4-FFF2-40B4-BE49-F238E27FC236}">
-                <a16:creationId xmlns:a16="http://schemas.microsoft.com/office/drawing/2014/main" id="{2AD47D80-3ED9-475B-8EDC-084D75B16312}"/>
-              </a:ext>
-            </a:extLst>
-          </p:cNvPr>
+            <a:endParaRPr lang="zh-CN" altLang="en-US"/>
+          </a:p>
+        </p:txBody>
+      </p:sp>
+      <p:sp>
+        <p:nvSpPr>
+          <p:cNvPr id="4" name="文本占位符 3"/>
           <p:cNvSpPr>
             <a:spLocks noGrp="1"/>
           </p:cNvSpPr>
@@ -3058,18 +2913,13 @@
               <a:rPr lang="zh-CN" altLang="en-US"/>
               <a:t>单击此处编辑母版文本样式</a:t>
             </a:r>
-          </a:p>
-        </p:txBody>
-      </p:sp>
-      <p:sp>
-        <p:nvSpPr>
-          <p:cNvPr id="5" name="日期占位符 4">
-            <a:extLst>
-              <a:ext uri="{FF2B5EF4-FFF2-40B4-BE49-F238E27FC236}">
-                <a16:creationId xmlns:a16="http://schemas.microsoft.com/office/drawing/2014/main" id="{B9C107CD-DED0-465E-9305-A089B6DB3FC6}"/>
-              </a:ext>
-            </a:extLst>
-          </p:cNvPr>
+            <a:endParaRPr lang="zh-CN" altLang="en-US"/>
+          </a:p>
+        </p:txBody>
+      </p:sp>
+      <p:sp>
+        <p:nvSpPr>
+          <p:cNvPr id="5" name="日期占位符 4"/>
           <p:cNvSpPr>
             <a:spLocks noGrp="1"/>
           </p:cNvSpPr>
@@ -3084,7 +2934,6 @@
           <a:p>
             <a:fld id="{FCF2567C-E6E8-466F-A9B1-CBBE548E91D8}" type="datetimeFigureOut">
               <a:rPr lang="zh-CN" altLang="en-US" smtClean="0"/>
-              <a:t>2019/6/25</a:t>
             </a:fld>
             <a:endParaRPr lang="zh-CN" altLang="en-US"/>
           </a:p>
@@ -3092,13 +2941,7 @@
       </p:sp>
       <p:sp>
         <p:nvSpPr>
-          <p:cNvPr id="6" name="页脚占位符 5">
-            <a:extLst>
-              <a:ext uri="{FF2B5EF4-FFF2-40B4-BE49-F238E27FC236}">
-                <a16:creationId xmlns:a16="http://schemas.microsoft.com/office/drawing/2014/main" id="{CC6CA1EB-45A5-4A9E-A5DF-73BAB12A8C93}"/>
-              </a:ext>
-            </a:extLst>
-          </p:cNvPr>
+          <p:cNvPr id="6" name="页脚占位符 5"/>
           <p:cNvSpPr>
             <a:spLocks noGrp="1"/>
           </p:cNvSpPr>
@@ -3117,13 +2960,7 @@
       </p:sp>
       <p:sp>
         <p:nvSpPr>
-          <p:cNvPr id="7" name="灯片编号占位符 6">
-            <a:extLst>
-              <a:ext uri="{FF2B5EF4-FFF2-40B4-BE49-F238E27FC236}">
-                <a16:creationId xmlns:a16="http://schemas.microsoft.com/office/drawing/2014/main" id="{43797457-CD20-4E87-A969-8E0BD1954B83}"/>
-              </a:ext>
-            </a:extLst>
-          </p:cNvPr>
+          <p:cNvPr id="7" name="灯片编号占位符 6"/>
           <p:cNvSpPr>
             <a:spLocks noGrp="1"/>
           </p:cNvSpPr>
@@ -3138,18 +2975,2087 @@
           <a:p>
             <a:fld id="{E7D8E500-9FE0-4825-AD7E-3BD8FBC1E02F}" type="slidenum">
               <a:rPr lang="zh-CN" altLang="en-US" smtClean="0"/>
-              <a:t>‹#›</a:t>
             </a:fld>
             <a:endParaRPr lang="zh-CN" altLang="en-US"/>
           </a:p>
         </p:txBody>
       </p:sp>
     </p:spTree>
-    <p:extLst>
-      <p:ext uri="{BB962C8B-B14F-4D97-AF65-F5344CB8AC3E}">
-        <p14:creationId xmlns:p14="http://schemas.microsoft.com/office/powerpoint/2010/main" val="4034901348"/>
-      </p:ext>
-    </p:extLst>
+  </p:cSld>
+  <p:clrMapOvr>
+    <a:masterClrMapping/>
+  </p:clrMapOvr>
+</p:sldLayout>
+</file>
+
+<file path=ppt/slideLayouts/slideLayout2.xml><?xml version="1.0" encoding="utf-8"?>
+<p:sldLayout xmlns:a="http://schemas.openxmlformats.org/drawingml/2006/main" xmlns:r="http://schemas.openxmlformats.org/officeDocument/2006/relationships" xmlns:p="http://schemas.openxmlformats.org/presentationml/2006/main" type="obj" preserve="1">
+  <p:cSld name="标题和内容">
+    <p:spTree>
+      <p:nvGrpSpPr>
+        <p:cNvPr id="1" name=""/>
+        <p:cNvGrpSpPr/>
+        <p:nvPr/>
+      </p:nvGrpSpPr>
+      <p:grpSpPr>
+        <a:xfrm>
+          <a:off x="0" y="0"/>
+          <a:ext cx="0" cy="0"/>
+          <a:chOff x="0" y="0"/>
+          <a:chExt cx="0" cy="0"/>
+        </a:xfrm>
+      </p:grpSpPr>
+      <p:sp>
+        <p:nvSpPr>
+          <p:cNvPr id="2" name="标题 1"/>
+          <p:cNvSpPr>
+            <a:spLocks noGrp="1"/>
+          </p:cNvSpPr>
+          <p:nvPr>
+            <p:ph type="title"/>
+          </p:nvPr>
+        </p:nvSpPr>
+        <p:spPr/>
+        <p:txBody>
+          <a:bodyPr/>
+          <a:lstStyle/>
+          <a:p>
+            <a:r>
+              <a:rPr lang="zh-CN" altLang="en-US"/>
+              <a:t>单击此处编辑母版标题样式</a:t>
+            </a:r>
+            <a:endParaRPr lang="zh-CN" altLang="en-US"/>
+          </a:p>
+        </p:txBody>
+      </p:sp>
+      <p:sp>
+        <p:nvSpPr>
+          <p:cNvPr id="3" name="内容占位符 2"/>
+          <p:cNvSpPr>
+            <a:spLocks noGrp="1"/>
+          </p:cNvSpPr>
+          <p:nvPr>
+            <p:ph idx="1"/>
+          </p:nvPr>
+        </p:nvSpPr>
+        <p:spPr/>
+        <p:txBody>
+          <a:bodyPr/>
+          <a:lstStyle/>
+          <a:p>
+            <a:pPr lvl="0"/>
+            <a:r>
+              <a:rPr lang="zh-CN" altLang="en-US"/>
+              <a:t>单击此处编辑母版文本样式</a:t>
+            </a:r>
+            <a:endParaRPr lang="zh-CN" altLang="en-US"/>
+          </a:p>
+          <a:p>
+            <a:pPr lvl="1"/>
+            <a:r>
+              <a:rPr lang="zh-CN" altLang="en-US"/>
+              <a:t>二级</a:t>
+            </a:r>
+            <a:endParaRPr lang="zh-CN" altLang="en-US"/>
+          </a:p>
+          <a:p>
+            <a:pPr lvl="2"/>
+            <a:r>
+              <a:rPr lang="zh-CN" altLang="en-US"/>
+              <a:t>三级</a:t>
+            </a:r>
+            <a:endParaRPr lang="zh-CN" altLang="en-US"/>
+          </a:p>
+          <a:p>
+            <a:pPr lvl="3"/>
+            <a:r>
+              <a:rPr lang="zh-CN" altLang="en-US"/>
+              <a:t>四级</a:t>
+            </a:r>
+            <a:endParaRPr lang="zh-CN" altLang="en-US"/>
+          </a:p>
+          <a:p>
+            <a:pPr lvl="4"/>
+            <a:r>
+              <a:rPr lang="zh-CN" altLang="en-US"/>
+              <a:t>五级</a:t>
+            </a:r>
+            <a:endParaRPr lang="zh-CN" altLang="en-US"/>
+          </a:p>
+        </p:txBody>
+      </p:sp>
+      <p:sp>
+        <p:nvSpPr>
+          <p:cNvPr id="4" name="日期占位符 3"/>
+          <p:cNvSpPr>
+            <a:spLocks noGrp="1"/>
+          </p:cNvSpPr>
+          <p:nvPr>
+            <p:ph type="dt" sz="half" idx="10"/>
+          </p:nvPr>
+        </p:nvSpPr>
+        <p:spPr/>
+        <p:txBody>
+          <a:bodyPr/>
+          <a:lstStyle/>
+          <a:p>
+            <a:fld id="{FCF2567C-E6E8-466F-A9B1-CBBE548E91D8}" type="datetimeFigureOut">
+              <a:rPr lang="zh-CN" altLang="en-US" smtClean="0"/>
+            </a:fld>
+            <a:endParaRPr lang="zh-CN" altLang="en-US"/>
+          </a:p>
+        </p:txBody>
+      </p:sp>
+      <p:sp>
+        <p:nvSpPr>
+          <p:cNvPr id="5" name="页脚占位符 4"/>
+          <p:cNvSpPr>
+            <a:spLocks noGrp="1"/>
+          </p:cNvSpPr>
+          <p:nvPr>
+            <p:ph type="ftr" sz="quarter" idx="11"/>
+          </p:nvPr>
+        </p:nvSpPr>
+        <p:spPr/>
+        <p:txBody>
+          <a:bodyPr/>
+          <a:lstStyle/>
+          <a:p>
+            <a:endParaRPr lang="zh-CN" altLang="en-US"/>
+          </a:p>
+        </p:txBody>
+      </p:sp>
+      <p:sp>
+        <p:nvSpPr>
+          <p:cNvPr id="6" name="灯片编号占位符 5"/>
+          <p:cNvSpPr>
+            <a:spLocks noGrp="1"/>
+          </p:cNvSpPr>
+          <p:nvPr>
+            <p:ph type="sldNum" sz="quarter" idx="12"/>
+          </p:nvPr>
+        </p:nvSpPr>
+        <p:spPr/>
+        <p:txBody>
+          <a:bodyPr/>
+          <a:lstStyle/>
+          <a:p>
+            <a:fld id="{E7D8E500-9FE0-4825-AD7E-3BD8FBC1E02F}" type="slidenum">
+              <a:rPr lang="zh-CN" altLang="en-US" smtClean="0"/>
+            </a:fld>
+            <a:endParaRPr lang="zh-CN" altLang="en-US"/>
+          </a:p>
+        </p:txBody>
+      </p:sp>
+    </p:spTree>
+  </p:cSld>
+  <p:clrMapOvr>
+    <a:masterClrMapping/>
+  </p:clrMapOvr>
+</p:sldLayout>
+</file>
+
+<file path=ppt/slideLayouts/slideLayout20.xml><?xml version="1.0" encoding="utf-8"?>
+<p:sldLayout xmlns:a="http://schemas.openxmlformats.org/drawingml/2006/main" xmlns:r="http://schemas.openxmlformats.org/officeDocument/2006/relationships" xmlns:p="http://schemas.openxmlformats.org/presentationml/2006/main" type="picTx" preserve="1">
+  <p:cSld name="图片与标题">
+    <p:spTree>
+      <p:nvGrpSpPr>
+        <p:cNvPr id="1" name=""/>
+        <p:cNvGrpSpPr/>
+        <p:nvPr/>
+      </p:nvGrpSpPr>
+      <p:grpSpPr>
+        <a:xfrm>
+          <a:off x="0" y="0"/>
+          <a:ext cx="0" cy="0"/>
+          <a:chOff x="0" y="0"/>
+          <a:chExt cx="0" cy="0"/>
+        </a:xfrm>
+      </p:grpSpPr>
+      <p:sp>
+        <p:nvSpPr>
+          <p:cNvPr id="2" name="标题 1"/>
+          <p:cNvSpPr>
+            <a:spLocks noGrp="1"/>
+          </p:cNvSpPr>
+          <p:nvPr>
+            <p:ph type="title"/>
+          </p:nvPr>
+        </p:nvSpPr>
+        <p:spPr>
+          <a:xfrm>
+            <a:off x="839788" y="457200"/>
+            <a:ext cx="3932237" cy="1600200"/>
+          </a:xfrm>
+        </p:spPr>
+        <p:txBody>
+          <a:bodyPr anchor="b"/>
+          <a:lstStyle>
+            <a:lvl1pPr>
+              <a:defRPr sz="3200"/>
+            </a:lvl1pPr>
+          </a:lstStyle>
+          <a:p>
+            <a:r>
+              <a:rPr lang="zh-CN" altLang="en-US"/>
+              <a:t>单击此处编辑母版标题样式</a:t>
+            </a:r>
+            <a:endParaRPr lang="zh-CN" altLang="en-US"/>
+          </a:p>
+        </p:txBody>
+      </p:sp>
+      <p:sp>
+        <p:nvSpPr>
+          <p:cNvPr id="3" name="图片占位符 2"/>
+          <p:cNvSpPr>
+            <a:spLocks noGrp="1"/>
+          </p:cNvSpPr>
+          <p:nvPr>
+            <p:ph type="pic" idx="1"/>
+          </p:nvPr>
+        </p:nvSpPr>
+        <p:spPr>
+          <a:xfrm>
+            <a:off x="5183188" y="987425"/>
+            <a:ext cx="6172200" cy="4873625"/>
+          </a:xfrm>
+        </p:spPr>
+        <p:txBody>
+          <a:bodyPr/>
+          <a:lstStyle>
+            <a:lvl1pPr marL="0" indent="0">
+              <a:buNone/>
+              <a:defRPr sz="3200"/>
+            </a:lvl1pPr>
+            <a:lvl2pPr marL="457200" indent="0">
+              <a:buNone/>
+              <a:defRPr sz="2800"/>
+            </a:lvl2pPr>
+            <a:lvl3pPr marL="914400" indent="0">
+              <a:buNone/>
+              <a:defRPr sz="2400"/>
+            </a:lvl3pPr>
+            <a:lvl4pPr marL="1371600" indent="0">
+              <a:buNone/>
+              <a:defRPr sz="2000"/>
+            </a:lvl4pPr>
+            <a:lvl5pPr marL="1828800" indent="0">
+              <a:buNone/>
+              <a:defRPr sz="2000"/>
+            </a:lvl5pPr>
+            <a:lvl6pPr marL="2286000" indent="0">
+              <a:buNone/>
+              <a:defRPr sz="2000"/>
+            </a:lvl6pPr>
+            <a:lvl7pPr marL="2743200" indent="0">
+              <a:buNone/>
+              <a:defRPr sz="2000"/>
+            </a:lvl7pPr>
+            <a:lvl8pPr marL="3200400" indent="0">
+              <a:buNone/>
+              <a:defRPr sz="2000"/>
+            </a:lvl8pPr>
+            <a:lvl9pPr marL="3657600" indent="0">
+              <a:buNone/>
+              <a:defRPr sz="2000"/>
+            </a:lvl9pPr>
+          </a:lstStyle>
+          <a:p>
+            <a:endParaRPr lang="zh-CN" altLang="en-US"/>
+          </a:p>
+        </p:txBody>
+      </p:sp>
+      <p:sp>
+        <p:nvSpPr>
+          <p:cNvPr id="4" name="文本占位符 3"/>
+          <p:cNvSpPr>
+            <a:spLocks noGrp="1"/>
+          </p:cNvSpPr>
+          <p:nvPr>
+            <p:ph type="body" sz="half" idx="2"/>
+          </p:nvPr>
+        </p:nvSpPr>
+        <p:spPr>
+          <a:xfrm>
+            <a:off x="839788" y="2057400"/>
+            <a:ext cx="3932237" cy="3811588"/>
+          </a:xfrm>
+        </p:spPr>
+        <p:txBody>
+          <a:bodyPr/>
+          <a:lstStyle>
+            <a:lvl1pPr marL="0" indent="0">
+              <a:buNone/>
+              <a:defRPr sz="1600"/>
+            </a:lvl1pPr>
+            <a:lvl2pPr marL="457200" indent="0">
+              <a:buNone/>
+              <a:defRPr sz="1400"/>
+            </a:lvl2pPr>
+            <a:lvl3pPr marL="914400" indent="0">
+              <a:buNone/>
+              <a:defRPr sz="1200"/>
+            </a:lvl3pPr>
+            <a:lvl4pPr marL="1371600" indent="0">
+              <a:buNone/>
+              <a:defRPr sz="1000"/>
+            </a:lvl4pPr>
+            <a:lvl5pPr marL="1828800" indent="0">
+              <a:buNone/>
+              <a:defRPr sz="1000"/>
+            </a:lvl5pPr>
+            <a:lvl6pPr marL="2286000" indent="0">
+              <a:buNone/>
+              <a:defRPr sz="1000"/>
+            </a:lvl6pPr>
+            <a:lvl7pPr marL="2743200" indent="0">
+              <a:buNone/>
+              <a:defRPr sz="1000"/>
+            </a:lvl7pPr>
+            <a:lvl8pPr marL="3200400" indent="0">
+              <a:buNone/>
+              <a:defRPr sz="1000"/>
+            </a:lvl8pPr>
+            <a:lvl9pPr marL="3657600" indent="0">
+              <a:buNone/>
+              <a:defRPr sz="1000"/>
+            </a:lvl9pPr>
+          </a:lstStyle>
+          <a:p>
+            <a:pPr lvl="0"/>
+            <a:r>
+              <a:rPr lang="zh-CN" altLang="en-US"/>
+              <a:t>单击此处编辑母版文本样式</a:t>
+            </a:r>
+            <a:endParaRPr lang="zh-CN" altLang="en-US"/>
+          </a:p>
+        </p:txBody>
+      </p:sp>
+      <p:sp>
+        <p:nvSpPr>
+          <p:cNvPr id="5" name="日期占位符 4"/>
+          <p:cNvSpPr>
+            <a:spLocks noGrp="1"/>
+          </p:cNvSpPr>
+          <p:nvPr>
+            <p:ph type="dt" sz="half" idx="10"/>
+          </p:nvPr>
+        </p:nvSpPr>
+        <p:spPr/>
+        <p:txBody>
+          <a:bodyPr/>
+          <a:lstStyle/>
+          <a:p>
+            <a:fld id="{FCF2567C-E6E8-466F-A9B1-CBBE548E91D8}" type="datetimeFigureOut">
+              <a:rPr lang="zh-CN" altLang="en-US" smtClean="0"/>
+            </a:fld>
+            <a:endParaRPr lang="zh-CN" altLang="en-US"/>
+          </a:p>
+        </p:txBody>
+      </p:sp>
+      <p:sp>
+        <p:nvSpPr>
+          <p:cNvPr id="6" name="页脚占位符 5"/>
+          <p:cNvSpPr>
+            <a:spLocks noGrp="1"/>
+          </p:cNvSpPr>
+          <p:nvPr>
+            <p:ph type="ftr" sz="quarter" idx="11"/>
+          </p:nvPr>
+        </p:nvSpPr>
+        <p:spPr/>
+        <p:txBody>
+          <a:bodyPr/>
+          <a:lstStyle/>
+          <a:p>
+            <a:endParaRPr lang="zh-CN" altLang="en-US"/>
+          </a:p>
+        </p:txBody>
+      </p:sp>
+      <p:sp>
+        <p:nvSpPr>
+          <p:cNvPr id="7" name="灯片编号占位符 6"/>
+          <p:cNvSpPr>
+            <a:spLocks noGrp="1"/>
+          </p:cNvSpPr>
+          <p:nvPr>
+            <p:ph type="sldNum" sz="quarter" idx="12"/>
+          </p:nvPr>
+        </p:nvSpPr>
+        <p:spPr/>
+        <p:txBody>
+          <a:bodyPr/>
+          <a:lstStyle/>
+          <a:p>
+            <a:fld id="{E7D8E500-9FE0-4825-AD7E-3BD8FBC1E02F}" type="slidenum">
+              <a:rPr lang="zh-CN" altLang="en-US" smtClean="0"/>
+            </a:fld>
+            <a:endParaRPr lang="zh-CN" altLang="en-US"/>
+          </a:p>
+        </p:txBody>
+      </p:sp>
+    </p:spTree>
+  </p:cSld>
+  <p:clrMapOvr>
+    <a:masterClrMapping/>
+  </p:clrMapOvr>
+</p:sldLayout>
+</file>
+
+<file path=ppt/slideLayouts/slideLayout21.xml><?xml version="1.0" encoding="utf-8"?>
+<p:sldLayout xmlns:a="http://schemas.openxmlformats.org/drawingml/2006/main" xmlns:r="http://schemas.openxmlformats.org/officeDocument/2006/relationships" xmlns:p="http://schemas.openxmlformats.org/presentationml/2006/main" type="vertTx" preserve="1">
+  <p:cSld name="标题和竖排文字">
+    <p:spTree>
+      <p:nvGrpSpPr>
+        <p:cNvPr id="1" name=""/>
+        <p:cNvGrpSpPr/>
+        <p:nvPr/>
+      </p:nvGrpSpPr>
+      <p:grpSpPr>
+        <a:xfrm>
+          <a:off x="0" y="0"/>
+          <a:ext cx="0" cy="0"/>
+          <a:chOff x="0" y="0"/>
+          <a:chExt cx="0" cy="0"/>
+        </a:xfrm>
+      </p:grpSpPr>
+      <p:sp>
+        <p:nvSpPr>
+          <p:cNvPr id="2" name="标题 1"/>
+          <p:cNvSpPr>
+            <a:spLocks noGrp="1"/>
+          </p:cNvSpPr>
+          <p:nvPr>
+            <p:ph type="title"/>
+          </p:nvPr>
+        </p:nvSpPr>
+        <p:spPr/>
+        <p:txBody>
+          <a:bodyPr/>
+          <a:lstStyle/>
+          <a:p>
+            <a:r>
+              <a:rPr lang="zh-CN" altLang="en-US"/>
+              <a:t>单击此处编辑母版标题样式</a:t>
+            </a:r>
+            <a:endParaRPr lang="zh-CN" altLang="en-US"/>
+          </a:p>
+        </p:txBody>
+      </p:sp>
+      <p:sp>
+        <p:nvSpPr>
+          <p:cNvPr id="3" name="竖排文字占位符 2"/>
+          <p:cNvSpPr>
+            <a:spLocks noGrp="1"/>
+          </p:cNvSpPr>
+          <p:nvPr>
+            <p:ph type="body" orient="vert" idx="1"/>
+          </p:nvPr>
+        </p:nvSpPr>
+        <p:spPr/>
+        <p:txBody>
+          <a:bodyPr vert="eaVert"/>
+          <a:lstStyle/>
+          <a:p>
+            <a:pPr lvl="0"/>
+            <a:r>
+              <a:rPr lang="zh-CN" altLang="en-US"/>
+              <a:t>单击此处编辑母版文本样式</a:t>
+            </a:r>
+            <a:endParaRPr lang="zh-CN" altLang="en-US"/>
+          </a:p>
+          <a:p>
+            <a:pPr lvl="1"/>
+            <a:r>
+              <a:rPr lang="zh-CN" altLang="en-US"/>
+              <a:t>二级</a:t>
+            </a:r>
+            <a:endParaRPr lang="zh-CN" altLang="en-US"/>
+          </a:p>
+          <a:p>
+            <a:pPr lvl="2"/>
+            <a:r>
+              <a:rPr lang="zh-CN" altLang="en-US"/>
+              <a:t>三级</a:t>
+            </a:r>
+            <a:endParaRPr lang="zh-CN" altLang="en-US"/>
+          </a:p>
+          <a:p>
+            <a:pPr lvl="3"/>
+            <a:r>
+              <a:rPr lang="zh-CN" altLang="en-US"/>
+              <a:t>四级</a:t>
+            </a:r>
+            <a:endParaRPr lang="zh-CN" altLang="en-US"/>
+          </a:p>
+          <a:p>
+            <a:pPr lvl="4"/>
+            <a:r>
+              <a:rPr lang="zh-CN" altLang="en-US"/>
+              <a:t>五级</a:t>
+            </a:r>
+            <a:endParaRPr lang="zh-CN" altLang="en-US"/>
+          </a:p>
+        </p:txBody>
+      </p:sp>
+      <p:sp>
+        <p:nvSpPr>
+          <p:cNvPr id="4" name="日期占位符 3"/>
+          <p:cNvSpPr>
+            <a:spLocks noGrp="1"/>
+          </p:cNvSpPr>
+          <p:nvPr>
+            <p:ph type="dt" sz="half" idx="10"/>
+          </p:nvPr>
+        </p:nvSpPr>
+        <p:spPr/>
+        <p:txBody>
+          <a:bodyPr/>
+          <a:lstStyle/>
+          <a:p>
+            <a:fld id="{FCF2567C-E6E8-466F-A9B1-CBBE548E91D8}" type="datetimeFigureOut">
+              <a:rPr lang="zh-CN" altLang="en-US" smtClean="0"/>
+            </a:fld>
+            <a:endParaRPr lang="zh-CN" altLang="en-US"/>
+          </a:p>
+        </p:txBody>
+      </p:sp>
+      <p:sp>
+        <p:nvSpPr>
+          <p:cNvPr id="5" name="页脚占位符 4"/>
+          <p:cNvSpPr>
+            <a:spLocks noGrp="1"/>
+          </p:cNvSpPr>
+          <p:nvPr>
+            <p:ph type="ftr" sz="quarter" idx="11"/>
+          </p:nvPr>
+        </p:nvSpPr>
+        <p:spPr/>
+        <p:txBody>
+          <a:bodyPr/>
+          <a:lstStyle/>
+          <a:p>
+            <a:endParaRPr lang="zh-CN" altLang="en-US"/>
+          </a:p>
+        </p:txBody>
+      </p:sp>
+      <p:sp>
+        <p:nvSpPr>
+          <p:cNvPr id="6" name="灯片编号占位符 5"/>
+          <p:cNvSpPr>
+            <a:spLocks noGrp="1"/>
+          </p:cNvSpPr>
+          <p:nvPr>
+            <p:ph type="sldNum" sz="quarter" idx="12"/>
+          </p:nvPr>
+        </p:nvSpPr>
+        <p:spPr/>
+        <p:txBody>
+          <a:bodyPr/>
+          <a:lstStyle/>
+          <a:p>
+            <a:fld id="{E7D8E500-9FE0-4825-AD7E-3BD8FBC1E02F}" type="slidenum">
+              <a:rPr lang="zh-CN" altLang="en-US" smtClean="0"/>
+            </a:fld>
+            <a:endParaRPr lang="zh-CN" altLang="en-US"/>
+          </a:p>
+        </p:txBody>
+      </p:sp>
+    </p:spTree>
+  </p:cSld>
+  <p:clrMapOvr>
+    <a:masterClrMapping/>
+  </p:clrMapOvr>
+</p:sldLayout>
+</file>
+
+<file path=ppt/slideLayouts/slideLayout22.xml><?xml version="1.0" encoding="utf-8"?>
+<p:sldLayout xmlns:a="http://schemas.openxmlformats.org/drawingml/2006/main" xmlns:r="http://schemas.openxmlformats.org/officeDocument/2006/relationships" xmlns:p="http://schemas.openxmlformats.org/presentationml/2006/main" type="vertTitleAndTx" preserve="1">
+  <p:cSld name="竖排标题与文本">
+    <p:spTree>
+      <p:nvGrpSpPr>
+        <p:cNvPr id="1" name=""/>
+        <p:cNvGrpSpPr/>
+        <p:nvPr/>
+      </p:nvGrpSpPr>
+      <p:grpSpPr>
+        <a:xfrm>
+          <a:off x="0" y="0"/>
+          <a:ext cx="0" cy="0"/>
+          <a:chOff x="0" y="0"/>
+          <a:chExt cx="0" cy="0"/>
+        </a:xfrm>
+      </p:grpSpPr>
+      <p:sp>
+        <p:nvSpPr>
+          <p:cNvPr id="2" name="竖排标题 1"/>
+          <p:cNvSpPr>
+            <a:spLocks noGrp="1"/>
+          </p:cNvSpPr>
+          <p:nvPr>
+            <p:ph type="title" orient="vert"/>
+          </p:nvPr>
+        </p:nvSpPr>
+        <p:spPr>
+          <a:xfrm>
+            <a:off x="8724900" y="365125"/>
+            <a:ext cx="2628900" cy="5811838"/>
+          </a:xfrm>
+        </p:spPr>
+        <p:txBody>
+          <a:bodyPr vert="eaVert"/>
+          <a:lstStyle/>
+          <a:p>
+            <a:r>
+              <a:rPr lang="zh-CN" altLang="en-US"/>
+              <a:t>单击此处编辑母版标题样式</a:t>
+            </a:r>
+            <a:endParaRPr lang="zh-CN" altLang="en-US"/>
+          </a:p>
+        </p:txBody>
+      </p:sp>
+      <p:sp>
+        <p:nvSpPr>
+          <p:cNvPr id="3" name="竖排文字占位符 2"/>
+          <p:cNvSpPr>
+            <a:spLocks noGrp="1"/>
+          </p:cNvSpPr>
+          <p:nvPr>
+            <p:ph type="body" orient="vert" idx="1"/>
+          </p:nvPr>
+        </p:nvSpPr>
+        <p:spPr>
+          <a:xfrm>
+            <a:off x="838200" y="365125"/>
+            <a:ext cx="7734300" cy="5811838"/>
+          </a:xfrm>
+        </p:spPr>
+        <p:txBody>
+          <a:bodyPr vert="eaVert"/>
+          <a:lstStyle/>
+          <a:p>
+            <a:pPr lvl="0"/>
+            <a:r>
+              <a:rPr lang="zh-CN" altLang="en-US"/>
+              <a:t>单击此处编辑母版文本样式</a:t>
+            </a:r>
+            <a:endParaRPr lang="zh-CN" altLang="en-US"/>
+          </a:p>
+          <a:p>
+            <a:pPr lvl="1"/>
+            <a:r>
+              <a:rPr lang="zh-CN" altLang="en-US"/>
+              <a:t>二级</a:t>
+            </a:r>
+            <a:endParaRPr lang="zh-CN" altLang="en-US"/>
+          </a:p>
+          <a:p>
+            <a:pPr lvl="2"/>
+            <a:r>
+              <a:rPr lang="zh-CN" altLang="en-US"/>
+              <a:t>三级</a:t>
+            </a:r>
+            <a:endParaRPr lang="zh-CN" altLang="en-US"/>
+          </a:p>
+          <a:p>
+            <a:pPr lvl="3"/>
+            <a:r>
+              <a:rPr lang="zh-CN" altLang="en-US"/>
+              <a:t>四级</a:t>
+            </a:r>
+            <a:endParaRPr lang="zh-CN" altLang="en-US"/>
+          </a:p>
+          <a:p>
+            <a:pPr lvl="4"/>
+            <a:r>
+              <a:rPr lang="zh-CN" altLang="en-US"/>
+              <a:t>五级</a:t>
+            </a:r>
+            <a:endParaRPr lang="zh-CN" altLang="en-US"/>
+          </a:p>
+        </p:txBody>
+      </p:sp>
+      <p:sp>
+        <p:nvSpPr>
+          <p:cNvPr id="4" name="日期占位符 3"/>
+          <p:cNvSpPr>
+            <a:spLocks noGrp="1"/>
+          </p:cNvSpPr>
+          <p:nvPr>
+            <p:ph type="dt" sz="half" idx="10"/>
+          </p:nvPr>
+        </p:nvSpPr>
+        <p:spPr/>
+        <p:txBody>
+          <a:bodyPr/>
+          <a:lstStyle/>
+          <a:p>
+            <a:fld id="{FCF2567C-E6E8-466F-A9B1-CBBE548E91D8}" type="datetimeFigureOut">
+              <a:rPr lang="zh-CN" altLang="en-US" smtClean="0"/>
+            </a:fld>
+            <a:endParaRPr lang="zh-CN" altLang="en-US"/>
+          </a:p>
+        </p:txBody>
+      </p:sp>
+      <p:sp>
+        <p:nvSpPr>
+          <p:cNvPr id="5" name="页脚占位符 4"/>
+          <p:cNvSpPr>
+            <a:spLocks noGrp="1"/>
+          </p:cNvSpPr>
+          <p:nvPr>
+            <p:ph type="ftr" sz="quarter" idx="11"/>
+          </p:nvPr>
+        </p:nvSpPr>
+        <p:spPr/>
+        <p:txBody>
+          <a:bodyPr/>
+          <a:lstStyle/>
+          <a:p>
+            <a:endParaRPr lang="zh-CN" altLang="en-US"/>
+          </a:p>
+        </p:txBody>
+      </p:sp>
+      <p:sp>
+        <p:nvSpPr>
+          <p:cNvPr id="6" name="灯片编号占位符 5"/>
+          <p:cNvSpPr>
+            <a:spLocks noGrp="1"/>
+          </p:cNvSpPr>
+          <p:nvPr>
+            <p:ph type="sldNum" sz="quarter" idx="12"/>
+          </p:nvPr>
+        </p:nvSpPr>
+        <p:spPr/>
+        <p:txBody>
+          <a:bodyPr/>
+          <a:lstStyle/>
+          <a:p>
+            <a:fld id="{E7D8E500-9FE0-4825-AD7E-3BD8FBC1E02F}" type="slidenum">
+              <a:rPr lang="zh-CN" altLang="en-US" smtClean="0"/>
+            </a:fld>
+            <a:endParaRPr lang="zh-CN" altLang="en-US"/>
+          </a:p>
+        </p:txBody>
+      </p:sp>
+    </p:spTree>
+  </p:cSld>
+  <p:clrMapOvr>
+    <a:masterClrMapping/>
+  </p:clrMapOvr>
+</p:sldLayout>
+</file>
+
+<file path=ppt/slideLayouts/slideLayout3.xml><?xml version="1.0" encoding="utf-8"?>
+<p:sldLayout xmlns:a="http://schemas.openxmlformats.org/drawingml/2006/main" xmlns:r="http://schemas.openxmlformats.org/officeDocument/2006/relationships" xmlns:p="http://schemas.openxmlformats.org/presentationml/2006/main" type="secHead" preserve="1">
+  <p:cSld name="节标题">
+    <p:spTree>
+      <p:nvGrpSpPr>
+        <p:cNvPr id="1" name=""/>
+        <p:cNvGrpSpPr/>
+        <p:nvPr/>
+      </p:nvGrpSpPr>
+      <p:grpSpPr>
+        <a:xfrm>
+          <a:off x="0" y="0"/>
+          <a:ext cx="0" cy="0"/>
+          <a:chOff x="0" y="0"/>
+          <a:chExt cx="0" cy="0"/>
+        </a:xfrm>
+      </p:grpSpPr>
+      <p:sp>
+        <p:nvSpPr>
+          <p:cNvPr id="2" name="标题 1"/>
+          <p:cNvSpPr>
+            <a:spLocks noGrp="1"/>
+          </p:cNvSpPr>
+          <p:nvPr>
+            <p:ph type="title"/>
+          </p:nvPr>
+        </p:nvSpPr>
+        <p:spPr>
+          <a:xfrm>
+            <a:off x="831850" y="1709738"/>
+            <a:ext cx="10515600" cy="2852737"/>
+          </a:xfrm>
+        </p:spPr>
+        <p:txBody>
+          <a:bodyPr anchor="b"/>
+          <a:lstStyle>
+            <a:lvl1pPr>
+              <a:defRPr sz="6000"/>
+            </a:lvl1pPr>
+          </a:lstStyle>
+          <a:p>
+            <a:r>
+              <a:rPr lang="zh-CN" altLang="en-US"/>
+              <a:t>单击此处编辑母版标题样式</a:t>
+            </a:r>
+            <a:endParaRPr lang="zh-CN" altLang="en-US"/>
+          </a:p>
+        </p:txBody>
+      </p:sp>
+      <p:sp>
+        <p:nvSpPr>
+          <p:cNvPr id="3" name="文本占位符 2"/>
+          <p:cNvSpPr>
+            <a:spLocks noGrp="1"/>
+          </p:cNvSpPr>
+          <p:nvPr>
+            <p:ph type="body" idx="1"/>
+          </p:nvPr>
+        </p:nvSpPr>
+        <p:spPr>
+          <a:xfrm>
+            <a:off x="831850" y="4589463"/>
+            <a:ext cx="10515600" cy="1500187"/>
+          </a:xfrm>
+        </p:spPr>
+        <p:txBody>
+          <a:bodyPr/>
+          <a:lstStyle>
+            <a:lvl1pPr marL="0" indent="0">
+              <a:buNone/>
+              <a:defRPr sz="2400">
+                <a:solidFill>
+                  <a:schemeClr val="tx1">
+                    <a:tint val="75000"/>
+                  </a:schemeClr>
+                </a:solidFill>
+              </a:defRPr>
+            </a:lvl1pPr>
+            <a:lvl2pPr marL="457200" indent="0">
+              <a:buNone/>
+              <a:defRPr sz="2000">
+                <a:solidFill>
+                  <a:schemeClr val="tx1">
+                    <a:tint val="75000"/>
+                  </a:schemeClr>
+                </a:solidFill>
+              </a:defRPr>
+            </a:lvl2pPr>
+            <a:lvl3pPr marL="914400" indent="0">
+              <a:buNone/>
+              <a:defRPr sz="1800">
+                <a:solidFill>
+                  <a:schemeClr val="tx1">
+                    <a:tint val="75000"/>
+                  </a:schemeClr>
+                </a:solidFill>
+              </a:defRPr>
+            </a:lvl3pPr>
+            <a:lvl4pPr marL="1371600" indent="0">
+              <a:buNone/>
+              <a:defRPr sz="1600">
+                <a:solidFill>
+                  <a:schemeClr val="tx1">
+                    <a:tint val="75000"/>
+                  </a:schemeClr>
+                </a:solidFill>
+              </a:defRPr>
+            </a:lvl4pPr>
+            <a:lvl5pPr marL="1828800" indent="0">
+              <a:buNone/>
+              <a:defRPr sz="1600">
+                <a:solidFill>
+                  <a:schemeClr val="tx1">
+                    <a:tint val="75000"/>
+                  </a:schemeClr>
+                </a:solidFill>
+              </a:defRPr>
+            </a:lvl5pPr>
+            <a:lvl6pPr marL="2286000" indent="0">
+              <a:buNone/>
+              <a:defRPr sz="1600">
+                <a:solidFill>
+                  <a:schemeClr val="tx1">
+                    <a:tint val="75000"/>
+                  </a:schemeClr>
+                </a:solidFill>
+              </a:defRPr>
+            </a:lvl6pPr>
+            <a:lvl7pPr marL="2743200" indent="0">
+              <a:buNone/>
+              <a:defRPr sz="1600">
+                <a:solidFill>
+                  <a:schemeClr val="tx1">
+                    <a:tint val="75000"/>
+                  </a:schemeClr>
+                </a:solidFill>
+              </a:defRPr>
+            </a:lvl7pPr>
+            <a:lvl8pPr marL="3200400" indent="0">
+              <a:buNone/>
+              <a:defRPr sz="1600">
+                <a:solidFill>
+                  <a:schemeClr val="tx1">
+                    <a:tint val="75000"/>
+                  </a:schemeClr>
+                </a:solidFill>
+              </a:defRPr>
+            </a:lvl8pPr>
+            <a:lvl9pPr marL="3657600" indent="0">
+              <a:buNone/>
+              <a:defRPr sz="1600">
+                <a:solidFill>
+                  <a:schemeClr val="tx1">
+                    <a:tint val="75000"/>
+                  </a:schemeClr>
+                </a:solidFill>
+              </a:defRPr>
+            </a:lvl9pPr>
+          </a:lstStyle>
+          <a:p>
+            <a:pPr lvl="0"/>
+            <a:r>
+              <a:rPr lang="zh-CN" altLang="en-US"/>
+              <a:t>单击此处编辑母版文本样式</a:t>
+            </a:r>
+            <a:endParaRPr lang="zh-CN" altLang="en-US"/>
+          </a:p>
+        </p:txBody>
+      </p:sp>
+      <p:sp>
+        <p:nvSpPr>
+          <p:cNvPr id="4" name="日期占位符 3"/>
+          <p:cNvSpPr>
+            <a:spLocks noGrp="1"/>
+          </p:cNvSpPr>
+          <p:nvPr>
+            <p:ph type="dt" sz="half" idx="10"/>
+          </p:nvPr>
+        </p:nvSpPr>
+        <p:spPr/>
+        <p:txBody>
+          <a:bodyPr/>
+          <a:lstStyle/>
+          <a:p>
+            <a:fld id="{FCF2567C-E6E8-466F-A9B1-CBBE548E91D8}" type="datetimeFigureOut">
+              <a:rPr lang="zh-CN" altLang="en-US" smtClean="0"/>
+            </a:fld>
+            <a:endParaRPr lang="zh-CN" altLang="en-US"/>
+          </a:p>
+        </p:txBody>
+      </p:sp>
+      <p:sp>
+        <p:nvSpPr>
+          <p:cNvPr id="5" name="页脚占位符 4"/>
+          <p:cNvSpPr>
+            <a:spLocks noGrp="1"/>
+          </p:cNvSpPr>
+          <p:nvPr>
+            <p:ph type="ftr" sz="quarter" idx="11"/>
+          </p:nvPr>
+        </p:nvSpPr>
+        <p:spPr/>
+        <p:txBody>
+          <a:bodyPr/>
+          <a:lstStyle/>
+          <a:p>
+            <a:endParaRPr lang="zh-CN" altLang="en-US"/>
+          </a:p>
+        </p:txBody>
+      </p:sp>
+      <p:sp>
+        <p:nvSpPr>
+          <p:cNvPr id="6" name="灯片编号占位符 5"/>
+          <p:cNvSpPr>
+            <a:spLocks noGrp="1"/>
+          </p:cNvSpPr>
+          <p:nvPr>
+            <p:ph type="sldNum" sz="quarter" idx="12"/>
+          </p:nvPr>
+        </p:nvSpPr>
+        <p:spPr/>
+        <p:txBody>
+          <a:bodyPr/>
+          <a:lstStyle/>
+          <a:p>
+            <a:fld id="{E7D8E500-9FE0-4825-AD7E-3BD8FBC1E02F}" type="slidenum">
+              <a:rPr lang="zh-CN" altLang="en-US" smtClean="0"/>
+            </a:fld>
+            <a:endParaRPr lang="zh-CN" altLang="en-US"/>
+          </a:p>
+        </p:txBody>
+      </p:sp>
+    </p:spTree>
+  </p:cSld>
+  <p:clrMapOvr>
+    <a:masterClrMapping/>
+  </p:clrMapOvr>
+</p:sldLayout>
+</file>
+
+<file path=ppt/slideLayouts/slideLayout4.xml><?xml version="1.0" encoding="utf-8"?>
+<p:sldLayout xmlns:a="http://schemas.openxmlformats.org/drawingml/2006/main" xmlns:r="http://schemas.openxmlformats.org/officeDocument/2006/relationships" xmlns:p="http://schemas.openxmlformats.org/presentationml/2006/main" type="twoObj" preserve="1">
+  <p:cSld name="两栏内容">
+    <p:spTree>
+      <p:nvGrpSpPr>
+        <p:cNvPr id="1" name=""/>
+        <p:cNvGrpSpPr/>
+        <p:nvPr/>
+      </p:nvGrpSpPr>
+      <p:grpSpPr>
+        <a:xfrm>
+          <a:off x="0" y="0"/>
+          <a:ext cx="0" cy="0"/>
+          <a:chOff x="0" y="0"/>
+          <a:chExt cx="0" cy="0"/>
+        </a:xfrm>
+      </p:grpSpPr>
+      <p:sp>
+        <p:nvSpPr>
+          <p:cNvPr id="2" name="标题 1"/>
+          <p:cNvSpPr>
+            <a:spLocks noGrp="1"/>
+          </p:cNvSpPr>
+          <p:nvPr>
+            <p:ph type="title"/>
+          </p:nvPr>
+        </p:nvSpPr>
+        <p:spPr/>
+        <p:txBody>
+          <a:bodyPr/>
+          <a:lstStyle/>
+          <a:p>
+            <a:r>
+              <a:rPr lang="zh-CN" altLang="en-US"/>
+              <a:t>单击此处编辑母版标题样式</a:t>
+            </a:r>
+            <a:endParaRPr lang="zh-CN" altLang="en-US"/>
+          </a:p>
+        </p:txBody>
+      </p:sp>
+      <p:sp>
+        <p:nvSpPr>
+          <p:cNvPr id="3" name="内容占位符 2"/>
+          <p:cNvSpPr>
+            <a:spLocks noGrp="1"/>
+          </p:cNvSpPr>
+          <p:nvPr>
+            <p:ph sz="half" idx="1"/>
+          </p:nvPr>
+        </p:nvSpPr>
+        <p:spPr>
+          <a:xfrm>
+            <a:off x="838200" y="1825625"/>
+            <a:ext cx="5181600" cy="4351338"/>
+          </a:xfrm>
+        </p:spPr>
+        <p:txBody>
+          <a:bodyPr/>
+          <a:lstStyle/>
+          <a:p>
+            <a:pPr lvl="0"/>
+            <a:r>
+              <a:rPr lang="zh-CN" altLang="en-US"/>
+              <a:t>单击此处编辑母版文本样式</a:t>
+            </a:r>
+            <a:endParaRPr lang="zh-CN" altLang="en-US"/>
+          </a:p>
+          <a:p>
+            <a:pPr lvl="1"/>
+            <a:r>
+              <a:rPr lang="zh-CN" altLang="en-US"/>
+              <a:t>二级</a:t>
+            </a:r>
+            <a:endParaRPr lang="zh-CN" altLang="en-US"/>
+          </a:p>
+          <a:p>
+            <a:pPr lvl="2"/>
+            <a:r>
+              <a:rPr lang="zh-CN" altLang="en-US"/>
+              <a:t>三级</a:t>
+            </a:r>
+            <a:endParaRPr lang="zh-CN" altLang="en-US"/>
+          </a:p>
+          <a:p>
+            <a:pPr lvl="3"/>
+            <a:r>
+              <a:rPr lang="zh-CN" altLang="en-US"/>
+              <a:t>四级</a:t>
+            </a:r>
+            <a:endParaRPr lang="zh-CN" altLang="en-US"/>
+          </a:p>
+          <a:p>
+            <a:pPr lvl="4"/>
+            <a:r>
+              <a:rPr lang="zh-CN" altLang="en-US"/>
+              <a:t>五级</a:t>
+            </a:r>
+            <a:endParaRPr lang="zh-CN" altLang="en-US"/>
+          </a:p>
+        </p:txBody>
+      </p:sp>
+      <p:sp>
+        <p:nvSpPr>
+          <p:cNvPr id="4" name="内容占位符 3"/>
+          <p:cNvSpPr>
+            <a:spLocks noGrp="1"/>
+          </p:cNvSpPr>
+          <p:nvPr>
+            <p:ph sz="half" idx="2"/>
+          </p:nvPr>
+        </p:nvSpPr>
+        <p:spPr>
+          <a:xfrm>
+            <a:off x="6172200" y="1825625"/>
+            <a:ext cx="5181600" cy="4351338"/>
+          </a:xfrm>
+        </p:spPr>
+        <p:txBody>
+          <a:bodyPr/>
+          <a:lstStyle/>
+          <a:p>
+            <a:pPr lvl="0"/>
+            <a:r>
+              <a:rPr lang="zh-CN" altLang="en-US"/>
+              <a:t>单击此处编辑母版文本样式</a:t>
+            </a:r>
+            <a:endParaRPr lang="zh-CN" altLang="en-US"/>
+          </a:p>
+          <a:p>
+            <a:pPr lvl="1"/>
+            <a:r>
+              <a:rPr lang="zh-CN" altLang="en-US"/>
+              <a:t>二级</a:t>
+            </a:r>
+            <a:endParaRPr lang="zh-CN" altLang="en-US"/>
+          </a:p>
+          <a:p>
+            <a:pPr lvl="2"/>
+            <a:r>
+              <a:rPr lang="zh-CN" altLang="en-US"/>
+              <a:t>三级</a:t>
+            </a:r>
+            <a:endParaRPr lang="zh-CN" altLang="en-US"/>
+          </a:p>
+          <a:p>
+            <a:pPr lvl="3"/>
+            <a:r>
+              <a:rPr lang="zh-CN" altLang="en-US"/>
+              <a:t>四级</a:t>
+            </a:r>
+            <a:endParaRPr lang="zh-CN" altLang="en-US"/>
+          </a:p>
+          <a:p>
+            <a:pPr lvl="4"/>
+            <a:r>
+              <a:rPr lang="zh-CN" altLang="en-US"/>
+              <a:t>五级</a:t>
+            </a:r>
+            <a:endParaRPr lang="zh-CN" altLang="en-US"/>
+          </a:p>
+        </p:txBody>
+      </p:sp>
+      <p:sp>
+        <p:nvSpPr>
+          <p:cNvPr id="5" name="日期占位符 4"/>
+          <p:cNvSpPr>
+            <a:spLocks noGrp="1"/>
+          </p:cNvSpPr>
+          <p:nvPr>
+            <p:ph type="dt" sz="half" idx="10"/>
+          </p:nvPr>
+        </p:nvSpPr>
+        <p:spPr/>
+        <p:txBody>
+          <a:bodyPr/>
+          <a:lstStyle/>
+          <a:p>
+            <a:fld id="{FCF2567C-E6E8-466F-A9B1-CBBE548E91D8}" type="datetimeFigureOut">
+              <a:rPr lang="zh-CN" altLang="en-US" smtClean="0"/>
+            </a:fld>
+            <a:endParaRPr lang="zh-CN" altLang="en-US"/>
+          </a:p>
+        </p:txBody>
+      </p:sp>
+      <p:sp>
+        <p:nvSpPr>
+          <p:cNvPr id="6" name="页脚占位符 5"/>
+          <p:cNvSpPr>
+            <a:spLocks noGrp="1"/>
+          </p:cNvSpPr>
+          <p:nvPr>
+            <p:ph type="ftr" sz="quarter" idx="11"/>
+          </p:nvPr>
+        </p:nvSpPr>
+        <p:spPr/>
+        <p:txBody>
+          <a:bodyPr/>
+          <a:lstStyle/>
+          <a:p>
+            <a:endParaRPr lang="zh-CN" altLang="en-US"/>
+          </a:p>
+        </p:txBody>
+      </p:sp>
+      <p:sp>
+        <p:nvSpPr>
+          <p:cNvPr id="7" name="灯片编号占位符 6"/>
+          <p:cNvSpPr>
+            <a:spLocks noGrp="1"/>
+          </p:cNvSpPr>
+          <p:nvPr>
+            <p:ph type="sldNum" sz="quarter" idx="12"/>
+          </p:nvPr>
+        </p:nvSpPr>
+        <p:spPr/>
+        <p:txBody>
+          <a:bodyPr/>
+          <a:lstStyle/>
+          <a:p>
+            <a:fld id="{E7D8E500-9FE0-4825-AD7E-3BD8FBC1E02F}" type="slidenum">
+              <a:rPr lang="zh-CN" altLang="en-US" smtClean="0"/>
+            </a:fld>
+            <a:endParaRPr lang="zh-CN" altLang="en-US"/>
+          </a:p>
+        </p:txBody>
+      </p:sp>
+    </p:spTree>
+  </p:cSld>
+  <p:clrMapOvr>
+    <a:masterClrMapping/>
+  </p:clrMapOvr>
+</p:sldLayout>
+</file>
+
+<file path=ppt/slideLayouts/slideLayout5.xml><?xml version="1.0" encoding="utf-8"?>
+<p:sldLayout xmlns:a="http://schemas.openxmlformats.org/drawingml/2006/main" xmlns:r="http://schemas.openxmlformats.org/officeDocument/2006/relationships" xmlns:p="http://schemas.openxmlformats.org/presentationml/2006/main" type="twoTxTwoObj" preserve="1">
+  <p:cSld name="比较">
+    <p:spTree>
+      <p:nvGrpSpPr>
+        <p:cNvPr id="1" name=""/>
+        <p:cNvGrpSpPr/>
+        <p:nvPr/>
+      </p:nvGrpSpPr>
+      <p:grpSpPr>
+        <a:xfrm>
+          <a:off x="0" y="0"/>
+          <a:ext cx="0" cy="0"/>
+          <a:chOff x="0" y="0"/>
+          <a:chExt cx="0" cy="0"/>
+        </a:xfrm>
+      </p:grpSpPr>
+      <p:sp>
+        <p:nvSpPr>
+          <p:cNvPr id="2" name="标题 1"/>
+          <p:cNvSpPr>
+            <a:spLocks noGrp="1"/>
+          </p:cNvSpPr>
+          <p:nvPr>
+            <p:ph type="title"/>
+          </p:nvPr>
+        </p:nvSpPr>
+        <p:spPr>
+          <a:xfrm>
+            <a:off x="839788" y="365125"/>
+            <a:ext cx="10515600" cy="1325563"/>
+          </a:xfrm>
+        </p:spPr>
+        <p:txBody>
+          <a:bodyPr/>
+          <a:lstStyle/>
+          <a:p>
+            <a:r>
+              <a:rPr lang="zh-CN" altLang="en-US"/>
+              <a:t>单击此处编辑母版标题样式</a:t>
+            </a:r>
+            <a:endParaRPr lang="zh-CN" altLang="en-US"/>
+          </a:p>
+        </p:txBody>
+      </p:sp>
+      <p:sp>
+        <p:nvSpPr>
+          <p:cNvPr id="3" name="文本占位符 2"/>
+          <p:cNvSpPr>
+            <a:spLocks noGrp="1"/>
+          </p:cNvSpPr>
+          <p:nvPr>
+            <p:ph type="body" idx="1"/>
+          </p:nvPr>
+        </p:nvSpPr>
+        <p:spPr>
+          <a:xfrm>
+            <a:off x="839788" y="1681163"/>
+            <a:ext cx="5157787" cy="823912"/>
+          </a:xfrm>
+        </p:spPr>
+        <p:txBody>
+          <a:bodyPr anchor="b"/>
+          <a:lstStyle>
+            <a:lvl1pPr marL="0" indent="0">
+              <a:buNone/>
+              <a:defRPr sz="2400" b="1"/>
+            </a:lvl1pPr>
+            <a:lvl2pPr marL="457200" indent="0">
+              <a:buNone/>
+              <a:defRPr sz="2000" b="1"/>
+            </a:lvl2pPr>
+            <a:lvl3pPr marL="914400" indent="0">
+              <a:buNone/>
+              <a:defRPr sz="1800" b="1"/>
+            </a:lvl3pPr>
+            <a:lvl4pPr marL="1371600" indent="0">
+              <a:buNone/>
+              <a:defRPr sz="1600" b="1"/>
+            </a:lvl4pPr>
+            <a:lvl5pPr marL="1828800" indent="0">
+              <a:buNone/>
+              <a:defRPr sz="1600" b="1"/>
+            </a:lvl5pPr>
+            <a:lvl6pPr marL="2286000" indent="0">
+              <a:buNone/>
+              <a:defRPr sz="1600" b="1"/>
+            </a:lvl6pPr>
+            <a:lvl7pPr marL="2743200" indent="0">
+              <a:buNone/>
+              <a:defRPr sz="1600" b="1"/>
+            </a:lvl7pPr>
+            <a:lvl8pPr marL="3200400" indent="0">
+              <a:buNone/>
+              <a:defRPr sz="1600" b="1"/>
+            </a:lvl8pPr>
+            <a:lvl9pPr marL="3657600" indent="0">
+              <a:buNone/>
+              <a:defRPr sz="1600" b="1"/>
+            </a:lvl9pPr>
+          </a:lstStyle>
+          <a:p>
+            <a:pPr lvl="0"/>
+            <a:r>
+              <a:rPr lang="zh-CN" altLang="en-US"/>
+              <a:t>单击此处编辑母版文本样式</a:t>
+            </a:r>
+            <a:endParaRPr lang="zh-CN" altLang="en-US"/>
+          </a:p>
+        </p:txBody>
+      </p:sp>
+      <p:sp>
+        <p:nvSpPr>
+          <p:cNvPr id="4" name="内容占位符 3"/>
+          <p:cNvSpPr>
+            <a:spLocks noGrp="1"/>
+          </p:cNvSpPr>
+          <p:nvPr>
+            <p:ph sz="half" idx="2"/>
+          </p:nvPr>
+        </p:nvSpPr>
+        <p:spPr>
+          <a:xfrm>
+            <a:off x="839788" y="2505075"/>
+            <a:ext cx="5157787" cy="3684588"/>
+          </a:xfrm>
+        </p:spPr>
+        <p:txBody>
+          <a:bodyPr/>
+          <a:lstStyle/>
+          <a:p>
+            <a:pPr lvl="0"/>
+            <a:r>
+              <a:rPr lang="zh-CN" altLang="en-US"/>
+              <a:t>单击此处编辑母版文本样式</a:t>
+            </a:r>
+            <a:endParaRPr lang="zh-CN" altLang="en-US"/>
+          </a:p>
+          <a:p>
+            <a:pPr lvl="1"/>
+            <a:r>
+              <a:rPr lang="zh-CN" altLang="en-US"/>
+              <a:t>二级</a:t>
+            </a:r>
+            <a:endParaRPr lang="zh-CN" altLang="en-US"/>
+          </a:p>
+          <a:p>
+            <a:pPr lvl="2"/>
+            <a:r>
+              <a:rPr lang="zh-CN" altLang="en-US"/>
+              <a:t>三级</a:t>
+            </a:r>
+            <a:endParaRPr lang="zh-CN" altLang="en-US"/>
+          </a:p>
+          <a:p>
+            <a:pPr lvl="3"/>
+            <a:r>
+              <a:rPr lang="zh-CN" altLang="en-US"/>
+              <a:t>四级</a:t>
+            </a:r>
+            <a:endParaRPr lang="zh-CN" altLang="en-US"/>
+          </a:p>
+          <a:p>
+            <a:pPr lvl="4"/>
+            <a:r>
+              <a:rPr lang="zh-CN" altLang="en-US"/>
+              <a:t>五级</a:t>
+            </a:r>
+            <a:endParaRPr lang="zh-CN" altLang="en-US"/>
+          </a:p>
+        </p:txBody>
+      </p:sp>
+      <p:sp>
+        <p:nvSpPr>
+          <p:cNvPr id="5" name="文本占位符 4"/>
+          <p:cNvSpPr>
+            <a:spLocks noGrp="1"/>
+          </p:cNvSpPr>
+          <p:nvPr>
+            <p:ph type="body" sz="quarter" idx="3"/>
+          </p:nvPr>
+        </p:nvSpPr>
+        <p:spPr>
+          <a:xfrm>
+            <a:off x="6172200" y="1681163"/>
+            <a:ext cx="5183188" cy="823912"/>
+          </a:xfrm>
+        </p:spPr>
+        <p:txBody>
+          <a:bodyPr anchor="b"/>
+          <a:lstStyle>
+            <a:lvl1pPr marL="0" indent="0">
+              <a:buNone/>
+              <a:defRPr sz="2400" b="1"/>
+            </a:lvl1pPr>
+            <a:lvl2pPr marL="457200" indent="0">
+              <a:buNone/>
+              <a:defRPr sz="2000" b="1"/>
+            </a:lvl2pPr>
+            <a:lvl3pPr marL="914400" indent="0">
+              <a:buNone/>
+              <a:defRPr sz="1800" b="1"/>
+            </a:lvl3pPr>
+            <a:lvl4pPr marL="1371600" indent="0">
+              <a:buNone/>
+              <a:defRPr sz="1600" b="1"/>
+            </a:lvl4pPr>
+            <a:lvl5pPr marL="1828800" indent="0">
+              <a:buNone/>
+              <a:defRPr sz="1600" b="1"/>
+            </a:lvl5pPr>
+            <a:lvl6pPr marL="2286000" indent="0">
+              <a:buNone/>
+              <a:defRPr sz="1600" b="1"/>
+            </a:lvl6pPr>
+            <a:lvl7pPr marL="2743200" indent="0">
+              <a:buNone/>
+              <a:defRPr sz="1600" b="1"/>
+            </a:lvl7pPr>
+            <a:lvl8pPr marL="3200400" indent="0">
+              <a:buNone/>
+              <a:defRPr sz="1600" b="1"/>
+            </a:lvl8pPr>
+            <a:lvl9pPr marL="3657600" indent="0">
+              <a:buNone/>
+              <a:defRPr sz="1600" b="1"/>
+            </a:lvl9pPr>
+          </a:lstStyle>
+          <a:p>
+            <a:pPr lvl="0"/>
+            <a:r>
+              <a:rPr lang="zh-CN" altLang="en-US"/>
+              <a:t>单击此处编辑母版文本样式</a:t>
+            </a:r>
+            <a:endParaRPr lang="zh-CN" altLang="en-US"/>
+          </a:p>
+        </p:txBody>
+      </p:sp>
+      <p:sp>
+        <p:nvSpPr>
+          <p:cNvPr id="6" name="内容占位符 5"/>
+          <p:cNvSpPr>
+            <a:spLocks noGrp="1"/>
+          </p:cNvSpPr>
+          <p:nvPr>
+            <p:ph sz="quarter" idx="4"/>
+          </p:nvPr>
+        </p:nvSpPr>
+        <p:spPr>
+          <a:xfrm>
+            <a:off x="6172200" y="2505075"/>
+            <a:ext cx="5183188" cy="3684588"/>
+          </a:xfrm>
+        </p:spPr>
+        <p:txBody>
+          <a:bodyPr/>
+          <a:lstStyle/>
+          <a:p>
+            <a:pPr lvl="0"/>
+            <a:r>
+              <a:rPr lang="zh-CN" altLang="en-US"/>
+              <a:t>单击此处编辑母版文本样式</a:t>
+            </a:r>
+            <a:endParaRPr lang="zh-CN" altLang="en-US"/>
+          </a:p>
+          <a:p>
+            <a:pPr lvl="1"/>
+            <a:r>
+              <a:rPr lang="zh-CN" altLang="en-US"/>
+              <a:t>二级</a:t>
+            </a:r>
+            <a:endParaRPr lang="zh-CN" altLang="en-US"/>
+          </a:p>
+          <a:p>
+            <a:pPr lvl="2"/>
+            <a:r>
+              <a:rPr lang="zh-CN" altLang="en-US"/>
+              <a:t>三级</a:t>
+            </a:r>
+            <a:endParaRPr lang="zh-CN" altLang="en-US"/>
+          </a:p>
+          <a:p>
+            <a:pPr lvl="3"/>
+            <a:r>
+              <a:rPr lang="zh-CN" altLang="en-US"/>
+              <a:t>四级</a:t>
+            </a:r>
+            <a:endParaRPr lang="zh-CN" altLang="en-US"/>
+          </a:p>
+          <a:p>
+            <a:pPr lvl="4"/>
+            <a:r>
+              <a:rPr lang="zh-CN" altLang="en-US"/>
+              <a:t>五级</a:t>
+            </a:r>
+            <a:endParaRPr lang="zh-CN" altLang="en-US"/>
+          </a:p>
+        </p:txBody>
+      </p:sp>
+      <p:sp>
+        <p:nvSpPr>
+          <p:cNvPr id="7" name="日期占位符 6"/>
+          <p:cNvSpPr>
+            <a:spLocks noGrp="1"/>
+          </p:cNvSpPr>
+          <p:nvPr>
+            <p:ph type="dt" sz="half" idx="10"/>
+          </p:nvPr>
+        </p:nvSpPr>
+        <p:spPr/>
+        <p:txBody>
+          <a:bodyPr/>
+          <a:lstStyle/>
+          <a:p>
+            <a:fld id="{FCF2567C-E6E8-466F-A9B1-CBBE548E91D8}" type="datetimeFigureOut">
+              <a:rPr lang="zh-CN" altLang="en-US" smtClean="0"/>
+            </a:fld>
+            <a:endParaRPr lang="zh-CN" altLang="en-US"/>
+          </a:p>
+        </p:txBody>
+      </p:sp>
+      <p:sp>
+        <p:nvSpPr>
+          <p:cNvPr id="8" name="页脚占位符 7"/>
+          <p:cNvSpPr>
+            <a:spLocks noGrp="1"/>
+          </p:cNvSpPr>
+          <p:nvPr>
+            <p:ph type="ftr" sz="quarter" idx="11"/>
+          </p:nvPr>
+        </p:nvSpPr>
+        <p:spPr/>
+        <p:txBody>
+          <a:bodyPr/>
+          <a:lstStyle/>
+          <a:p>
+            <a:endParaRPr lang="zh-CN" altLang="en-US"/>
+          </a:p>
+        </p:txBody>
+      </p:sp>
+      <p:sp>
+        <p:nvSpPr>
+          <p:cNvPr id="9" name="灯片编号占位符 8"/>
+          <p:cNvSpPr>
+            <a:spLocks noGrp="1"/>
+          </p:cNvSpPr>
+          <p:nvPr>
+            <p:ph type="sldNum" sz="quarter" idx="12"/>
+          </p:nvPr>
+        </p:nvSpPr>
+        <p:spPr/>
+        <p:txBody>
+          <a:bodyPr/>
+          <a:lstStyle/>
+          <a:p>
+            <a:fld id="{E7D8E500-9FE0-4825-AD7E-3BD8FBC1E02F}" type="slidenum">
+              <a:rPr lang="zh-CN" altLang="en-US" smtClean="0"/>
+            </a:fld>
+            <a:endParaRPr lang="zh-CN" altLang="en-US"/>
+          </a:p>
+        </p:txBody>
+      </p:sp>
+    </p:spTree>
+  </p:cSld>
+  <p:clrMapOvr>
+    <a:masterClrMapping/>
+  </p:clrMapOvr>
+</p:sldLayout>
+</file>
+
+<file path=ppt/slideLayouts/slideLayout6.xml><?xml version="1.0" encoding="utf-8"?>
+<p:sldLayout xmlns:a="http://schemas.openxmlformats.org/drawingml/2006/main" xmlns:r="http://schemas.openxmlformats.org/officeDocument/2006/relationships" xmlns:p="http://schemas.openxmlformats.org/presentationml/2006/main" type="titleOnly" preserve="1">
+  <p:cSld name="仅标题">
+    <p:spTree>
+      <p:nvGrpSpPr>
+        <p:cNvPr id="1" name=""/>
+        <p:cNvGrpSpPr/>
+        <p:nvPr/>
+      </p:nvGrpSpPr>
+      <p:grpSpPr>
+        <a:xfrm>
+          <a:off x="0" y="0"/>
+          <a:ext cx="0" cy="0"/>
+          <a:chOff x="0" y="0"/>
+          <a:chExt cx="0" cy="0"/>
+        </a:xfrm>
+      </p:grpSpPr>
+      <p:sp>
+        <p:nvSpPr>
+          <p:cNvPr id="2" name="标题 1"/>
+          <p:cNvSpPr>
+            <a:spLocks noGrp="1"/>
+          </p:cNvSpPr>
+          <p:nvPr>
+            <p:ph type="title"/>
+          </p:nvPr>
+        </p:nvSpPr>
+        <p:spPr/>
+        <p:txBody>
+          <a:bodyPr/>
+          <a:lstStyle/>
+          <a:p>
+            <a:r>
+              <a:rPr lang="zh-CN" altLang="en-US"/>
+              <a:t>单击此处编辑母版标题样式</a:t>
+            </a:r>
+            <a:endParaRPr lang="zh-CN" altLang="en-US"/>
+          </a:p>
+        </p:txBody>
+      </p:sp>
+      <p:sp>
+        <p:nvSpPr>
+          <p:cNvPr id="3" name="日期占位符 2"/>
+          <p:cNvSpPr>
+            <a:spLocks noGrp="1"/>
+          </p:cNvSpPr>
+          <p:nvPr>
+            <p:ph type="dt" sz="half" idx="10"/>
+          </p:nvPr>
+        </p:nvSpPr>
+        <p:spPr/>
+        <p:txBody>
+          <a:bodyPr/>
+          <a:lstStyle/>
+          <a:p>
+            <a:fld id="{FCF2567C-E6E8-466F-A9B1-CBBE548E91D8}" type="datetimeFigureOut">
+              <a:rPr lang="zh-CN" altLang="en-US" smtClean="0"/>
+            </a:fld>
+            <a:endParaRPr lang="zh-CN" altLang="en-US"/>
+          </a:p>
+        </p:txBody>
+      </p:sp>
+      <p:sp>
+        <p:nvSpPr>
+          <p:cNvPr id="4" name="页脚占位符 3"/>
+          <p:cNvSpPr>
+            <a:spLocks noGrp="1"/>
+          </p:cNvSpPr>
+          <p:nvPr>
+            <p:ph type="ftr" sz="quarter" idx="11"/>
+          </p:nvPr>
+        </p:nvSpPr>
+        <p:spPr/>
+        <p:txBody>
+          <a:bodyPr/>
+          <a:lstStyle/>
+          <a:p>
+            <a:endParaRPr lang="zh-CN" altLang="en-US"/>
+          </a:p>
+        </p:txBody>
+      </p:sp>
+      <p:sp>
+        <p:nvSpPr>
+          <p:cNvPr id="5" name="灯片编号占位符 4"/>
+          <p:cNvSpPr>
+            <a:spLocks noGrp="1"/>
+          </p:cNvSpPr>
+          <p:nvPr>
+            <p:ph type="sldNum" sz="quarter" idx="12"/>
+          </p:nvPr>
+        </p:nvSpPr>
+        <p:spPr/>
+        <p:txBody>
+          <a:bodyPr/>
+          <a:lstStyle/>
+          <a:p>
+            <a:fld id="{E7D8E500-9FE0-4825-AD7E-3BD8FBC1E02F}" type="slidenum">
+              <a:rPr lang="zh-CN" altLang="en-US" smtClean="0"/>
+            </a:fld>
+            <a:endParaRPr lang="zh-CN" altLang="en-US"/>
+          </a:p>
+        </p:txBody>
+      </p:sp>
+    </p:spTree>
+  </p:cSld>
+  <p:clrMapOvr>
+    <a:masterClrMapping/>
+  </p:clrMapOvr>
+</p:sldLayout>
+</file>
+
+<file path=ppt/slideLayouts/slideLayout7.xml><?xml version="1.0" encoding="utf-8"?>
+<p:sldLayout xmlns:a="http://schemas.openxmlformats.org/drawingml/2006/main" xmlns:r="http://schemas.openxmlformats.org/officeDocument/2006/relationships" xmlns:p="http://schemas.openxmlformats.org/presentationml/2006/main" type="blank" preserve="1">
+  <p:cSld name="空白">
+    <p:spTree>
+      <p:nvGrpSpPr>
+        <p:cNvPr id="1" name=""/>
+        <p:cNvGrpSpPr/>
+        <p:nvPr/>
+      </p:nvGrpSpPr>
+      <p:grpSpPr>
+        <a:xfrm>
+          <a:off x="0" y="0"/>
+          <a:ext cx="0" cy="0"/>
+          <a:chOff x="0" y="0"/>
+          <a:chExt cx="0" cy="0"/>
+        </a:xfrm>
+      </p:grpSpPr>
+      <p:sp>
+        <p:nvSpPr>
+          <p:cNvPr id="2" name="日期占位符 1"/>
+          <p:cNvSpPr>
+            <a:spLocks noGrp="1"/>
+          </p:cNvSpPr>
+          <p:nvPr>
+            <p:ph type="dt" sz="half" idx="10"/>
+          </p:nvPr>
+        </p:nvSpPr>
+        <p:spPr/>
+        <p:txBody>
+          <a:bodyPr/>
+          <a:lstStyle/>
+          <a:p>
+            <a:fld id="{FCF2567C-E6E8-466F-A9B1-CBBE548E91D8}" type="datetimeFigureOut">
+              <a:rPr lang="zh-CN" altLang="en-US" smtClean="0"/>
+            </a:fld>
+            <a:endParaRPr lang="zh-CN" altLang="en-US"/>
+          </a:p>
+        </p:txBody>
+      </p:sp>
+      <p:sp>
+        <p:nvSpPr>
+          <p:cNvPr id="3" name="页脚占位符 2"/>
+          <p:cNvSpPr>
+            <a:spLocks noGrp="1"/>
+          </p:cNvSpPr>
+          <p:nvPr>
+            <p:ph type="ftr" sz="quarter" idx="11"/>
+          </p:nvPr>
+        </p:nvSpPr>
+        <p:spPr/>
+        <p:txBody>
+          <a:bodyPr/>
+          <a:lstStyle/>
+          <a:p>
+            <a:endParaRPr lang="zh-CN" altLang="en-US"/>
+          </a:p>
+        </p:txBody>
+      </p:sp>
+      <p:sp>
+        <p:nvSpPr>
+          <p:cNvPr id="4" name="灯片编号占位符 3"/>
+          <p:cNvSpPr>
+            <a:spLocks noGrp="1"/>
+          </p:cNvSpPr>
+          <p:nvPr>
+            <p:ph type="sldNum" sz="quarter" idx="12"/>
+          </p:nvPr>
+        </p:nvSpPr>
+        <p:spPr/>
+        <p:txBody>
+          <a:bodyPr/>
+          <a:lstStyle/>
+          <a:p>
+            <a:fld id="{E7D8E500-9FE0-4825-AD7E-3BD8FBC1E02F}" type="slidenum">
+              <a:rPr lang="zh-CN" altLang="en-US" smtClean="0"/>
+            </a:fld>
+            <a:endParaRPr lang="zh-CN" altLang="en-US"/>
+          </a:p>
+        </p:txBody>
+      </p:sp>
+    </p:spTree>
+  </p:cSld>
+  <p:clrMapOvr>
+    <a:masterClrMapping/>
+  </p:clrMapOvr>
+</p:sldLayout>
+</file>
+
+<file path=ppt/slideLayouts/slideLayout8.xml><?xml version="1.0" encoding="utf-8"?>
+<p:sldLayout xmlns:a="http://schemas.openxmlformats.org/drawingml/2006/main" xmlns:r="http://schemas.openxmlformats.org/officeDocument/2006/relationships" xmlns:p="http://schemas.openxmlformats.org/presentationml/2006/main" type="objTx" preserve="1">
+  <p:cSld name="内容与标题">
+    <p:spTree>
+      <p:nvGrpSpPr>
+        <p:cNvPr id="1" name=""/>
+        <p:cNvGrpSpPr/>
+        <p:nvPr/>
+      </p:nvGrpSpPr>
+      <p:grpSpPr>
+        <a:xfrm>
+          <a:off x="0" y="0"/>
+          <a:ext cx="0" cy="0"/>
+          <a:chOff x="0" y="0"/>
+          <a:chExt cx="0" cy="0"/>
+        </a:xfrm>
+      </p:grpSpPr>
+      <p:sp>
+        <p:nvSpPr>
+          <p:cNvPr id="2" name="标题 1"/>
+          <p:cNvSpPr>
+            <a:spLocks noGrp="1"/>
+          </p:cNvSpPr>
+          <p:nvPr>
+            <p:ph type="title"/>
+          </p:nvPr>
+        </p:nvSpPr>
+        <p:spPr>
+          <a:xfrm>
+            <a:off x="839788" y="457200"/>
+            <a:ext cx="3932237" cy="1600200"/>
+          </a:xfrm>
+        </p:spPr>
+        <p:txBody>
+          <a:bodyPr anchor="b"/>
+          <a:lstStyle>
+            <a:lvl1pPr>
+              <a:defRPr sz="3200"/>
+            </a:lvl1pPr>
+          </a:lstStyle>
+          <a:p>
+            <a:r>
+              <a:rPr lang="zh-CN" altLang="en-US"/>
+              <a:t>单击此处编辑母版标题样式</a:t>
+            </a:r>
+            <a:endParaRPr lang="zh-CN" altLang="en-US"/>
+          </a:p>
+        </p:txBody>
+      </p:sp>
+      <p:sp>
+        <p:nvSpPr>
+          <p:cNvPr id="3" name="内容占位符 2"/>
+          <p:cNvSpPr>
+            <a:spLocks noGrp="1"/>
+          </p:cNvSpPr>
+          <p:nvPr>
+            <p:ph idx="1"/>
+          </p:nvPr>
+        </p:nvSpPr>
+        <p:spPr>
+          <a:xfrm>
+            <a:off x="5183188" y="987425"/>
+            <a:ext cx="6172200" cy="4873625"/>
+          </a:xfrm>
+        </p:spPr>
+        <p:txBody>
+          <a:bodyPr/>
+          <a:lstStyle>
+            <a:lvl1pPr>
+              <a:defRPr sz="3200"/>
+            </a:lvl1pPr>
+            <a:lvl2pPr>
+              <a:defRPr sz="2800"/>
+            </a:lvl2pPr>
+            <a:lvl3pPr>
+              <a:defRPr sz="2400"/>
+            </a:lvl3pPr>
+            <a:lvl4pPr>
+              <a:defRPr sz="2000"/>
+            </a:lvl4pPr>
+            <a:lvl5pPr>
+              <a:defRPr sz="2000"/>
+            </a:lvl5pPr>
+            <a:lvl6pPr>
+              <a:defRPr sz="2000"/>
+            </a:lvl6pPr>
+            <a:lvl7pPr>
+              <a:defRPr sz="2000"/>
+            </a:lvl7pPr>
+            <a:lvl8pPr>
+              <a:defRPr sz="2000"/>
+            </a:lvl8pPr>
+            <a:lvl9pPr>
+              <a:defRPr sz="2000"/>
+            </a:lvl9pPr>
+          </a:lstStyle>
+          <a:p>
+            <a:pPr lvl="0"/>
+            <a:r>
+              <a:rPr lang="zh-CN" altLang="en-US"/>
+              <a:t>单击此处编辑母版文本样式</a:t>
+            </a:r>
+            <a:endParaRPr lang="zh-CN" altLang="en-US"/>
+          </a:p>
+          <a:p>
+            <a:pPr lvl="1"/>
+            <a:r>
+              <a:rPr lang="zh-CN" altLang="en-US"/>
+              <a:t>二级</a:t>
+            </a:r>
+            <a:endParaRPr lang="zh-CN" altLang="en-US"/>
+          </a:p>
+          <a:p>
+            <a:pPr lvl="2"/>
+            <a:r>
+              <a:rPr lang="zh-CN" altLang="en-US"/>
+              <a:t>三级</a:t>
+            </a:r>
+            <a:endParaRPr lang="zh-CN" altLang="en-US"/>
+          </a:p>
+          <a:p>
+            <a:pPr lvl="3"/>
+            <a:r>
+              <a:rPr lang="zh-CN" altLang="en-US"/>
+              <a:t>四级</a:t>
+            </a:r>
+            <a:endParaRPr lang="zh-CN" altLang="en-US"/>
+          </a:p>
+          <a:p>
+            <a:pPr lvl="4"/>
+            <a:r>
+              <a:rPr lang="zh-CN" altLang="en-US"/>
+              <a:t>五级</a:t>
+            </a:r>
+            <a:endParaRPr lang="zh-CN" altLang="en-US"/>
+          </a:p>
+        </p:txBody>
+      </p:sp>
+      <p:sp>
+        <p:nvSpPr>
+          <p:cNvPr id="4" name="文本占位符 3"/>
+          <p:cNvSpPr>
+            <a:spLocks noGrp="1"/>
+          </p:cNvSpPr>
+          <p:nvPr>
+            <p:ph type="body" sz="half" idx="2"/>
+          </p:nvPr>
+        </p:nvSpPr>
+        <p:spPr>
+          <a:xfrm>
+            <a:off x="839788" y="2057400"/>
+            <a:ext cx="3932237" cy="3811588"/>
+          </a:xfrm>
+        </p:spPr>
+        <p:txBody>
+          <a:bodyPr/>
+          <a:lstStyle>
+            <a:lvl1pPr marL="0" indent="0">
+              <a:buNone/>
+              <a:defRPr sz="1600"/>
+            </a:lvl1pPr>
+            <a:lvl2pPr marL="457200" indent="0">
+              <a:buNone/>
+              <a:defRPr sz="1400"/>
+            </a:lvl2pPr>
+            <a:lvl3pPr marL="914400" indent="0">
+              <a:buNone/>
+              <a:defRPr sz="1200"/>
+            </a:lvl3pPr>
+            <a:lvl4pPr marL="1371600" indent="0">
+              <a:buNone/>
+              <a:defRPr sz="1000"/>
+            </a:lvl4pPr>
+            <a:lvl5pPr marL="1828800" indent="0">
+              <a:buNone/>
+              <a:defRPr sz="1000"/>
+            </a:lvl5pPr>
+            <a:lvl6pPr marL="2286000" indent="0">
+              <a:buNone/>
+              <a:defRPr sz="1000"/>
+            </a:lvl6pPr>
+            <a:lvl7pPr marL="2743200" indent="0">
+              <a:buNone/>
+              <a:defRPr sz="1000"/>
+            </a:lvl7pPr>
+            <a:lvl8pPr marL="3200400" indent="0">
+              <a:buNone/>
+              <a:defRPr sz="1000"/>
+            </a:lvl8pPr>
+            <a:lvl9pPr marL="3657600" indent="0">
+              <a:buNone/>
+              <a:defRPr sz="1000"/>
+            </a:lvl9pPr>
+          </a:lstStyle>
+          <a:p>
+            <a:pPr lvl="0"/>
+            <a:r>
+              <a:rPr lang="zh-CN" altLang="en-US"/>
+              <a:t>单击此处编辑母版文本样式</a:t>
+            </a:r>
+            <a:endParaRPr lang="zh-CN" altLang="en-US"/>
+          </a:p>
+        </p:txBody>
+      </p:sp>
+      <p:sp>
+        <p:nvSpPr>
+          <p:cNvPr id="5" name="日期占位符 4"/>
+          <p:cNvSpPr>
+            <a:spLocks noGrp="1"/>
+          </p:cNvSpPr>
+          <p:nvPr>
+            <p:ph type="dt" sz="half" idx="10"/>
+          </p:nvPr>
+        </p:nvSpPr>
+        <p:spPr/>
+        <p:txBody>
+          <a:bodyPr/>
+          <a:lstStyle/>
+          <a:p>
+            <a:fld id="{FCF2567C-E6E8-466F-A9B1-CBBE548E91D8}" type="datetimeFigureOut">
+              <a:rPr lang="zh-CN" altLang="en-US" smtClean="0"/>
+            </a:fld>
+            <a:endParaRPr lang="zh-CN" altLang="en-US"/>
+          </a:p>
+        </p:txBody>
+      </p:sp>
+      <p:sp>
+        <p:nvSpPr>
+          <p:cNvPr id="6" name="页脚占位符 5"/>
+          <p:cNvSpPr>
+            <a:spLocks noGrp="1"/>
+          </p:cNvSpPr>
+          <p:nvPr>
+            <p:ph type="ftr" sz="quarter" idx="11"/>
+          </p:nvPr>
+        </p:nvSpPr>
+        <p:spPr/>
+        <p:txBody>
+          <a:bodyPr/>
+          <a:lstStyle/>
+          <a:p>
+            <a:endParaRPr lang="zh-CN" altLang="en-US"/>
+          </a:p>
+        </p:txBody>
+      </p:sp>
+      <p:sp>
+        <p:nvSpPr>
+          <p:cNvPr id="7" name="灯片编号占位符 6"/>
+          <p:cNvSpPr>
+            <a:spLocks noGrp="1"/>
+          </p:cNvSpPr>
+          <p:nvPr>
+            <p:ph type="sldNum" sz="quarter" idx="12"/>
+          </p:nvPr>
+        </p:nvSpPr>
+        <p:spPr/>
+        <p:txBody>
+          <a:bodyPr/>
+          <a:lstStyle/>
+          <a:p>
+            <a:fld id="{E7D8E500-9FE0-4825-AD7E-3BD8FBC1E02F}" type="slidenum">
+              <a:rPr lang="zh-CN" altLang="en-US" smtClean="0"/>
+            </a:fld>
+            <a:endParaRPr lang="zh-CN" altLang="en-US"/>
+          </a:p>
+        </p:txBody>
+      </p:sp>
+    </p:spTree>
   </p:cSld>
   <p:clrMapOvr>
     <a:masterClrMapping/>
@@ -3176,13 +5082,7 @@
       </p:grpSpPr>
       <p:sp>
         <p:nvSpPr>
-          <p:cNvPr id="2" name="标题 1">
-            <a:extLst>
-              <a:ext uri="{FF2B5EF4-FFF2-40B4-BE49-F238E27FC236}">
-                <a16:creationId xmlns:a16="http://schemas.microsoft.com/office/drawing/2014/main" id="{8FAB21F8-69F6-4C05-AA55-4C19BCCBAC37}"/>
-              </a:ext>
-            </a:extLst>
-          </p:cNvPr>
+          <p:cNvPr id="2" name="标题 1"/>
           <p:cNvSpPr>
             <a:spLocks noGrp="1"/>
           </p:cNvSpPr>
@@ -3208,18 +5108,13 @@
               <a:rPr lang="zh-CN" altLang="en-US"/>
               <a:t>单击此处编辑母版标题样式</a:t>
             </a:r>
-          </a:p>
-        </p:txBody>
-      </p:sp>
-      <p:sp>
-        <p:nvSpPr>
-          <p:cNvPr id="3" name="图片占位符 2">
-            <a:extLst>
-              <a:ext uri="{FF2B5EF4-FFF2-40B4-BE49-F238E27FC236}">
-                <a16:creationId xmlns:a16="http://schemas.microsoft.com/office/drawing/2014/main" id="{9CE5FE05-AFCB-4463-BCEC-1AFD032FCC1F}"/>
-              </a:ext>
-            </a:extLst>
-          </p:cNvPr>
+            <a:endParaRPr lang="zh-CN" altLang="en-US"/>
+          </a:p>
+        </p:txBody>
+      </p:sp>
+      <p:sp>
+        <p:nvSpPr>
+          <p:cNvPr id="3" name="图片占位符 2"/>
           <p:cNvSpPr>
             <a:spLocks noGrp="1"/>
           </p:cNvSpPr>
@@ -3280,13 +5175,7 @@
       </p:sp>
       <p:sp>
         <p:nvSpPr>
-          <p:cNvPr id="4" name="文本占位符 3">
-            <a:extLst>
-              <a:ext uri="{FF2B5EF4-FFF2-40B4-BE49-F238E27FC236}">
-                <a16:creationId xmlns:a16="http://schemas.microsoft.com/office/drawing/2014/main" id="{83680914-1C05-4523-8EA4-8E6E7A640DA0}"/>
-              </a:ext>
-            </a:extLst>
-          </p:cNvPr>
+          <p:cNvPr id="4" name="文本占位符 3"/>
           <p:cNvSpPr>
             <a:spLocks noGrp="1"/>
           </p:cNvSpPr>
@@ -3346,18 +5235,13 @@
               <a:rPr lang="zh-CN" altLang="en-US"/>
               <a:t>单击此处编辑母版文本样式</a:t>
             </a:r>
-          </a:p>
-        </p:txBody>
-      </p:sp>
-      <p:sp>
-        <p:nvSpPr>
-          <p:cNvPr id="5" name="日期占位符 4">
-            <a:extLst>
-              <a:ext uri="{FF2B5EF4-FFF2-40B4-BE49-F238E27FC236}">
-                <a16:creationId xmlns:a16="http://schemas.microsoft.com/office/drawing/2014/main" id="{31F46E58-CF19-40BF-B3BD-BDC172E62D4E}"/>
-              </a:ext>
-            </a:extLst>
-          </p:cNvPr>
+            <a:endParaRPr lang="zh-CN" altLang="en-US"/>
+          </a:p>
+        </p:txBody>
+      </p:sp>
+      <p:sp>
+        <p:nvSpPr>
+          <p:cNvPr id="5" name="日期占位符 4"/>
           <p:cNvSpPr>
             <a:spLocks noGrp="1"/>
           </p:cNvSpPr>
@@ -3372,7 +5256,6 @@
           <a:p>
             <a:fld id="{FCF2567C-E6E8-466F-A9B1-CBBE548E91D8}" type="datetimeFigureOut">
               <a:rPr lang="zh-CN" altLang="en-US" smtClean="0"/>
-              <a:t>2019/6/25</a:t>
             </a:fld>
             <a:endParaRPr lang="zh-CN" altLang="en-US"/>
           </a:p>
@@ -3380,13 +5263,7 @@
       </p:sp>
       <p:sp>
         <p:nvSpPr>
-          <p:cNvPr id="6" name="页脚占位符 5">
-            <a:extLst>
-              <a:ext uri="{FF2B5EF4-FFF2-40B4-BE49-F238E27FC236}">
-                <a16:creationId xmlns:a16="http://schemas.microsoft.com/office/drawing/2014/main" id="{7AC1F5B1-423F-41E0-A937-B52B720F1F67}"/>
-              </a:ext>
-            </a:extLst>
-          </p:cNvPr>
+          <p:cNvPr id="6" name="页脚占位符 5"/>
           <p:cNvSpPr>
             <a:spLocks noGrp="1"/>
           </p:cNvSpPr>
@@ -3405,13 +5282,7 @@
       </p:sp>
       <p:sp>
         <p:nvSpPr>
-          <p:cNvPr id="7" name="灯片编号占位符 6">
-            <a:extLst>
-              <a:ext uri="{FF2B5EF4-FFF2-40B4-BE49-F238E27FC236}">
-                <a16:creationId xmlns:a16="http://schemas.microsoft.com/office/drawing/2014/main" id="{A7522678-08BC-49F1-8A32-0295204C812B}"/>
-              </a:ext>
-            </a:extLst>
-          </p:cNvPr>
+          <p:cNvPr id="7" name="灯片编号占位符 6"/>
           <p:cNvSpPr>
             <a:spLocks noGrp="1"/>
           </p:cNvSpPr>
@@ -3426,18 +5297,12 @@
           <a:p>
             <a:fld id="{E7D8E500-9FE0-4825-AD7E-3BD8FBC1E02F}" type="slidenum">
               <a:rPr lang="zh-CN" altLang="en-US" smtClean="0"/>
-              <a:t>‹#›</a:t>
             </a:fld>
             <a:endParaRPr lang="zh-CN" altLang="en-US"/>
           </a:p>
         </p:txBody>
       </p:sp>
     </p:spTree>
-    <p:extLst>
-      <p:ext uri="{BB962C8B-B14F-4D97-AF65-F5344CB8AC3E}">
-        <p14:creationId xmlns:p14="http://schemas.microsoft.com/office/powerpoint/2010/main" val="3687874270"/>
-      </p:ext>
-    </p:extLst>
   </p:cSld>
   <p:clrMapOvr>
     <a:masterClrMapping/>
@@ -3469,13 +5334,7 @@
       </p:grpSpPr>
       <p:sp>
         <p:nvSpPr>
-          <p:cNvPr id="2" name="标题占位符 1">
-            <a:extLst>
-              <a:ext uri="{FF2B5EF4-FFF2-40B4-BE49-F238E27FC236}">
-                <a16:creationId xmlns:a16="http://schemas.microsoft.com/office/drawing/2014/main" id="{E03B45F8-74F3-4954-B739-C527F6D9ABCD}"/>
-              </a:ext>
-            </a:extLst>
-          </p:cNvPr>
+          <p:cNvPr id="2" name="标题占位符 1"/>
           <p:cNvSpPr>
             <a:spLocks noGrp="1"/>
           </p:cNvSpPr>
@@ -3502,18 +5361,13 @@
               <a:rPr lang="zh-CN" altLang="en-US"/>
               <a:t>单击此处编辑母版标题样式</a:t>
             </a:r>
-          </a:p>
-        </p:txBody>
-      </p:sp>
-      <p:sp>
-        <p:nvSpPr>
-          <p:cNvPr id="3" name="文本占位符 2">
-            <a:extLst>
-              <a:ext uri="{FF2B5EF4-FFF2-40B4-BE49-F238E27FC236}">
-                <a16:creationId xmlns:a16="http://schemas.microsoft.com/office/drawing/2014/main" id="{79B07CB9-096D-41E1-BA76-64F3D64DB062}"/>
-              </a:ext>
-            </a:extLst>
-          </p:cNvPr>
+            <a:endParaRPr lang="zh-CN" altLang="en-US"/>
+          </a:p>
+        </p:txBody>
+      </p:sp>
+      <p:sp>
+        <p:nvSpPr>
+          <p:cNvPr id="3" name="文本占位符 2"/>
           <p:cNvSpPr>
             <a:spLocks noGrp="1"/>
           </p:cNvSpPr>
@@ -3541,6 +5395,7 @@
               <a:rPr lang="zh-CN" altLang="en-US"/>
               <a:t>单击此处编辑母版文本样式</a:t>
             </a:r>
+            <a:endParaRPr lang="zh-CN" altLang="en-US"/>
           </a:p>
           <a:p>
             <a:pPr lvl="1"/>
@@ -3548,6 +5403,7 @@
               <a:rPr lang="zh-CN" altLang="en-US"/>
               <a:t>二级</a:t>
             </a:r>
+            <a:endParaRPr lang="zh-CN" altLang="en-US"/>
           </a:p>
           <a:p>
             <a:pPr lvl="2"/>
@@ -3555,6 +5411,7 @@
               <a:rPr lang="zh-CN" altLang="en-US"/>
               <a:t>三级</a:t>
             </a:r>
+            <a:endParaRPr lang="zh-CN" altLang="en-US"/>
           </a:p>
           <a:p>
             <a:pPr lvl="3"/>
@@ -3562,6 +5419,7 @@
               <a:rPr lang="zh-CN" altLang="en-US"/>
               <a:t>四级</a:t>
             </a:r>
+            <a:endParaRPr lang="zh-CN" altLang="en-US"/>
           </a:p>
           <a:p>
             <a:pPr lvl="4"/>
@@ -3569,18 +5427,13 @@
               <a:rPr lang="zh-CN" altLang="en-US"/>
               <a:t>五级</a:t>
             </a:r>
-          </a:p>
-        </p:txBody>
-      </p:sp>
-      <p:sp>
-        <p:nvSpPr>
-          <p:cNvPr id="4" name="日期占位符 3">
-            <a:extLst>
-              <a:ext uri="{FF2B5EF4-FFF2-40B4-BE49-F238E27FC236}">
-                <a16:creationId xmlns:a16="http://schemas.microsoft.com/office/drawing/2014/main" id="{E5F5330B-A210-4E4C-A03C-DC5D0C20EB77}"/>
-              </a:ext>
-            </a:extLst>
-          </p:cNvPr>
+            <a:endParaRPr lang="zh-CN" altLang="en-US"/>
+          </a:p>
+        </p:txBody>
+      </p:sp>
+      <p:sp>
+        <p:nvSpPr>
+          <p:cNvPr id="4" name="日期占位符 3"/>
           <p:cNvSpPr>
             <a:spLocks noGrp="1"/>
           </p:cNvSpPr>
@@ -3613,7 +5466,6 @@
           <a:p>
             <a:fld id="{FCF2567C-E6E8-466F-A9B1-CBBE548E91D8}" type="datetimeFigureOut">
               <a:rPr lang="zh-CN" altLang="en-US" smtClean="0"/>
-              <a:t>2019/6/25</a:t>
             </a:fld>
             <a:endParaRPr lang="zh-CN" altLang="en-US"/>
           </a:p>
@@ -3621,13 +5473,7 @@
       </p:sp>
       <p:sp>
         <p:nvSpPr>
-          <p:cNvPr id="5" name="页脚占位符 4">
-            <a:extLst>
-              <a:ext uri="{FF2B5EF4-FFF2-40B4-BE49-F238E27FC236}">
-                <a16:creationId xmlns:a16="http://schemas.microsoft.com/office/drawing/2014/main" id="{B2551C9A-A538-4520-A656-9427D8A20604}"/>
-              </a:ext>
-            </a:extLst>
-          </p:cNvPr>
+          <p:cNvPr id="5" name="页脚占位符 4"/>
           <p:cNvSpPr>
             <a:spLocks noGrp="1"/>
           </p:cNvSpPr>
@@ -3664,13 +5510,7 @@
       </p:sp>
       <p:sp>
         <p:nvSpPr>
-          <p:cNvPr id="6" name="灯片编号占位符 5">
-            <a:extLst>
-              <a:ext uri="{FF2B5EF4-FFF2-40B4-BE49-F238E27FC236}">
-                <a16:creationId xmlns:a16="http://schemas.microsoft.com/office/drawing/2014/main" id="{3FA408BA-03E2-48C3-8495-8CE9B527AB4E}"/>
-              </a:ext>
-            </a:extLst>
-          </p:cNvPr>
+          <p:cNvPr id="6" name="灯片编号占位符 5"/>
           <p:cNvSpPr>
             <a:spLocks noGrp="1"/>
           </p:cNvSpPr>
@@ -3703,18 +5543,12 @@
           <a:p>
             <a:fld id="{E7D8E500-9FE0-4825-AD7E-3BD8FBC1E02F}" type="slidenum">
               <a:rPr lang="zh-CN" altLang="en-US" smtClean="0"/>
-              <a:t>‹#›</a:t>
             </a:fld>
             <a:endParaRPr lang="zh-CN" altLang="en-US"/>
           </a:p>
         </p:txBody>
       </p:sp>
     </p:spTree>
-    <p:extLst>
-      <p:ext uri="{BB962C8B-B14F-4D97-AF65-F5344CB8AC3E}">
-        <p14:creationId xmlns:p14="http://schemas.microsoft.com/office/powerpoint/2010/main" val="2603083132"/>
-      </p:ext>
-    </p:extLst>
   </p:cSld>
   <p:clrMap bg1="lt1" tx1="dk1" bg2="lt2" tx2="dk2" accent1="accent1" accent2="accent2" accent3="accent3" accent4="accent4" accent5="accent5" accent6="accent6" hlink="hlink" folHlink="folHlink"/>
   <p:sldLayoutIdLst>
@@ -3729,6 +5563,543 @@
     <p:sldLayoutId id="2147483657" r:id="rId9"/>
     <p:sldLayoutId id="2147483658" r:id="rId10"/>
     <p:sldLayoutId id="2147483659" r:id="rId11"/>
+  </p:sldLayoutIdLst>
+  <p:txStyles>
+    <p:titleStyle>
+      <a:lvl1pPr algn="l" defTabSz="914400" rtl="0" eaLnBrk="1" latinLnBrk="0" hangingPunct="1">
+        <a:lnSpc>
+          <a:spcPct val="90000"/>
+        </a:lnSpc>
+        <a:spcBef>
+          <a:spcPct val="0"/>
+        </a:spcBef>
+        <a:buNone/>
+        <a:defRPr sz="4400" kern="1200">
+          <a:solidFill>
+            <a:schemeClr val="tx1"/>
+          </a:solidFill>
+          <a:latin typeface="+mj-lt"/>
+          <a:ea typeface="+mj-ea"/>
+          <a:cs typeface="+mj-cs"/>
+        </a:defRPr>
+      </a:lvl1pPr>
+    </p:titleStyle>
+    <p:bodyStyle>
+      <a:lvl1pPr marL="228600" indent="-228600" algn="l" defTabSz="914400" rtl="0" eaLnBrk="1" latinLnBrk="0" hangingPunct="1">
+        <a:lnSpc>
+          <a:spcPct val="90000"/>
+        </a:lnSpc>
+        <a:spcBef>
+          <a:spcPts val="1000"/>
+        </a:spcBef>
+        <a:buFont typeface="Arial" panose="020B0604020202020204" pitchFamily="34" charset="0"/>
+        <a:buChar char="•"/>
+        <a:defRPr sz="2800" kern="1200">
+          <a:solidFill>
+            <a:schemeClr val="tx1"/>
+          </a:solidFill>
+          <a:latin typeface="+mn-lt"/>
+          <a:ea typeface="+mn-ea"/>
+          <a:cs typeface="+mn-cs"/>
+        </a:defRPr>
+      </a:lvl1pPr>
+      <a:lvl2pPr marL="685800" indent="-228600" algn="l" defTabSz="914400" rtl="0" eaLnBrk="1" latinLnBrk="0" hangingPunct="1">
+        <a:lnSpc>
+          <a:spcPct val="90000"/>
+        </a:lnSpc>
+        <a:spcBef>
+          <a:spcPts val="500"/>
+        </a:spcBef>
+        <a:buFont typeface="Arial" panose="020B0604020202020204" pitchFamily="34" charset="0"/>
+        <a:buChar char="•"/>
+        <a:defRPr sz="2400" kern="1200">
+          <a:solidFill>
+            <a:schemeClr val="tx1"/>
+          </a:solidFill>
+          <a:latin typeface="+mn-lt"/>
+          <a:ea typeface="+mn-ea"/>
+          <a:cs typeface="+mn-cs"/>
+        </a:defRPr>
+      </a:lvl2pPr>
+      <a:lvl3pPr marL="1143000" indent="-228600" algn="l" defTabSz="914400" rtl="0" eaLnBrk="1" latinLnBrk="0" hangingPunct="1">
+        <a:lnSpc>
+          <a:spcPct val="90000"/>
+        </a:lnSpc>
+        <a:spcBef>
+          <a:spcPts val="500"/>
+        </a:spcBef>
+        <a:buFont typeface="Arial" panose="020B0604020202020204" pitchFamily="34" charset="0"/>
+        <a:buChar char="•"/>
+        <a:defRPr sz="2000" kern="1200">
+          <a:solidFill>
+            <a:schemeClr val="tx1"/>
+          </a:solidFill>
+          <a:latin typeface="+mn-lt"/>
+          <a:ea typeface="+mn-ea"/>
+          <a:cs typeface="+mn-cs"/>
+        </a:defRPr>
+      </a:lvl3pPr>
+      <a:lvl4pPr marL="1600200" indent="-228600" algn="l" defTabSz="914400" rtl="0" eaLnBrk="1" latinLnBrk="0" hangingPunct="1">
+        <a:lnSpc>
+          <a:spcPct val="90000"/>
+        </a:lnSpc>
+        <a:spcBef>
+          <a:spcPts val="500"/>
+        </a:spcBef>
+        <a:buFont typeface="Arial" panose="020B0604020202020204" pitchFamily="34" charset="0"/>
+        <a:buChar char="•"/>
+        <a:defRPr sz="1800" kern="1200">
+          <a:solidFill>
+            <a:schemeClr val="tx1"/>
+          </a:solidFill>
+          <a:latin typeface="+mn-lt"/>
+          <a:ea typeface="+mn-ea"/>
+          <a:cs typeface="+mn-cs"/>
+        </a:defRPr>
+      </a:lvl4pPr>
+      <a:lvl5pPr marL="2057400" indent="-228600" algn="l" defTabSz="914400" rtl="0" eaLnBrk="1" latinLnBrk="0" hangingPunct="1">
+        <a:lnSpc>
+          <a:spcPct val="90000"/>
+        </a:lnSpc>
+        <a:spcBef>
+          <a:spcPts val="500"/>
+        </a:spcBef>
+        <a:buFont typeface="Arial" panose="020B0604020202020204" pitchFamily="34" charset="0"/>
+        <a:buChar char="•"/>
+        <a:defRPr sz="1800" kern="1200">
+          <a:solidFill>
+            <a:schemeClr val="tx1"/>
+          </a:solidFill>
+          <a:latin typeface="+mn-lt"/>
+          <a:ea typeface="+mn-ea"/>
+          <a:cs typeface="+mn-cs"/>
+        </a:defRPr>
+      </a:lvl5pPr>
+      <a:lvl6pPr marL="2514600" indent="-228600" algn="l" defTabSz="914400" rtl="0" eaLnBrk="1" latinLnBrk="0" hangingPunct="1">
+        <a:lnSpc>
+          <a:spcPct val="90000"/>
+        </a:lnSpc>
+        <a:spcBef>
+          <a:spcPts val="500"/>
+        </a:spcBef>
+        <a:buFont typeface="Arial" panose="020B0604020202020204" pitchFamily="34" charset="0"/>
+        <a:buChar char="•"/>
+        <a:defRPr sz="1800" kern="1200">
+          <a:solidFill>
+            <a:schemeClr val="tx1"/>
+          </a:solidFill>
+          <a:latin typeface="+mn-lt"/>
+          <a:ea typeface="+mn-ea"/>
+          <a:cs typeface="+mn-cs"/>
+        </a:defRPr>
+      </a:lvl6pPr>
+      <a:lvl7pPr marL="2971800" indent="-228600" algn="l" defTabSz="914400" rtl="0" eaLnBrk="1" latinLnBrk="0" hangingPunct="1">
+        <a:lnSpc>
+          <a:spcPct val="90000"/>
+        </a:lnSpc>
+        <a:spcBef>
+          <a:spcPts val="500"/>
+        </a:spcBef>
+        <a:buFont typeface="Arial" panose="020B0604020202020204" pitchFamily="34" charset="0"/>
+        <a:buChar char="•"/>
+        <a:defRPr sz="1800" kern="1200">
+          <a:solidFill>
+            <a:schemeClr val="tx1"/>
+          </a:solidFill>
+          <a:latin typeface="+mn-lt"/>
+          <a:ea typeface="+mn-ea"/>
+          <a:cs typeface="+mn-cs"/>
+        </a:defRPr>
+      </a:lvl7pPr>
+      <a:lvl8pPr marL="3429000" indent="-228600" algn="l" defTabSz="914400" rtl="0" eaLnBrk="1" latinLnBrk="0" hangingPunct="1">
+        <a:lnSpc>
+          <a:spcPct val="90000"/>
+        </a:lnSpc>
+        <a:spcBef>
+          <a:spcPts val="500"/>
+        </a:spcBef>
+        <a:buFont typeface="Arial" panose="020B0604020202020204" pitchFamily="34" charset="0"/>
+        <a:buChar char="•"/>
+        <a:defRPr sz="1800" kern="1200">
+          <a:solidFill>
+            <a:schemeClr val="tx1"/>
+          </a:solidFill>
+          <a:latin typeface="+mn-lt"/>
+          <a:ea typeface="+mn-ea"/>
+          <a:cs typeface="+mn-cs"/>
+        </a:defRPr>
+      </a:lvl8pPr>
+      <a:lvl9pPr marL="3886200" indent="-228600" algn="l" defTabSz="914400" rtl="0" eaLnBrk="1" latinLnBrk="0" hangingPunct="1">
+        <a:lnSpc>
+          <a:spcPct val="90000"/>
+        </a:lnSpc>
+        <a:spcBef>
+          <a:spcPts val="500"/>
+        </a:spcBef>
+        <a:buFont typeface="Arial" panose="020B0604020202020204" pitchFamily="34" charset="0"/>
+        <a:buChar char="•"/>
+        <a:defRPr sz="1800" kern="1200">
+          <a:solidFill>
+            <a:schemeClr val="tx1"/>
+          </a:solidFill>
+          <a:latin typeface="+mn-lt"/>
+          <a:ea typeface="+mn-ea"/>
+          <a:cs typeface="+mn-cs"/>
+        </a:defRPr>
+      </a:lvl9pPr>
+    </p:bodyStyle>
+    <p:otherStyle>
+      <a:defPPr>
+        <a:defRPr lang="zh-CN"/>
+      </a:defPPr>
+      <a:lvl1pPr marL="0" algn="l" defTabSz="914400" rtl="0" eaLnBrk="1" latinLnBrk="0" hangingPunct="1">
+        <a:defRPr sz="1800" kern="1200">
+          <a:solidFill>
+            <a:schemeClr val="tx1"/>
+          </a:solidFill>
+          <a:latin typeface="+mn-lt"/>
+          <a:ea typeface="+mn-ea"/>
+          <a:cs typeface="+mn-cs"/>
+        </a:defRPr>
+      </a:lvl1pPr>
+      <a:lvl2pPr marL="457200" algn="l" defTabSz="914400" rtl="0" eaLnBrk="1" latinLnBrk="0" hangingPunct="1">
+        <a:defRPr sz="1800" kern="1200">
+          <a:solidFill>
+            <a:schemeClr val="tx1"/>
+          </a:solidFill>
+          <a:latin typeface="+mn-lt"/>
+          <a:ea typeface="+mn-ea"/>
+          <a:cs typeface="+mn-cs"/>
+        </a:defRPr>
+      </a:lvl2pPr>
+      <a:lvl3pPr marL="914400" algn="l" defTabSz="914400" rtl="0" eaLnBrk="1" latinLnBrk="0" hangingPunct="1">
+        <a:defRPr sz="1800" kern="1200">
+          <a:solidFill>
+            <a:schemeClr val="tx1"/>
+          </a:solidFill>
+          <a:latin typeface="+mn-lt"/>
+          <a:ea typeface="+mn-ea"/>
+          <a:cs typeface="+mn-cs"/>
+        </a:defRPr>
+      </a:lvl3pPr>
+      <a:lvl4pPr marL="1371600" algn="l" defTabSz="914400" rtl="0" eaLnBrk="1" latinLnBrk="0" hangingPunct="1">
+        <a:defRPr sz="1800" kern="1200">
+          <a:solidFill>
+            <a:schemeClr val="tx1"/>
+          </a:solidFill>
+          <a:latin typeface="+mn-lt"/>
+          <a:ea typeface="+mn-ea"/>
+          <a:cs typeface="+mn-cs"/>
+        </a:defRPr>
+      </a:lvl4pPr>
+      <a:lvl5pPr marL="1828800" algn="l" defTabSz="914400" rtl="0" eaLnBrk="1" latinLnBrk="0" hangingPunct="1">
+        <a:defRPr sz="1800" kern="1200">
+          <a:solidFill>
+            <a:schemeClr val="tx1"/>
+          </a:solidFill>
+          <a:latin typeface="+mn-lt"/>
+          <a:ea typeface="+mn-ea"/>
+          <a:cs typeface="+mn-cs"/>
+        </a:defRPr>
+      </a:lvl5pPr>
+      <a:lvl6pPr marL="2286000" algn="l" defTabSz="914400" rtl="0" eaLnBrk="1" latinLnBrk="0" hangingPunct="1">
+        <a:defRPr sz="1800" kern="1200">
+          <a:solidFill>
+            <a:schemeClr val="tx1"/>
+          </a:solidFill>
+          <a:latin typeface="+mn-lt"/>
+          <a:ea typeface="+mn-ea"/>
+          <a:cs typeface="+mn-cs"/>
+        </a:defRPr>
+      </a:lvl6pPr>
+      <a:lvl7pPr marL="2743200" algn="l" defTabSz="914400" rtl="0" eaLnBrk="1" latinLnBrk="0" hangingPunct="1">
+        <a:defRPr sz="1800" kern="1200">
+          <a:solidFill>
+            <a:schemeClr val="tx1"/>
+          </a:solidFill>
+          <a:latin typeface="+mn-lt"/>
+          <a:ea typeface="+mn-ea"/>
+          <a:cs typeface="+mn-cs"/>
+        </a:defRPr>
+      </a:lvl7pPr>
+      <a:lvl8pPr marL="3200400" algn="l" defTabSz="914400" rtl="0" eaLnBrk="1" latinLnBrk="0" hangingPunct="1">
+        <a:defRPr sz="1800" kern="1200">
+          <a:solidFill>
+            <a:schemeClr val="tx1"/>
+          </a:solidFill>
+          <a:latin typeface="+mn-lt"/>
+          <a:ea typeface="+mn-ea"/>
+          <a:cs typeface="+mn-cs"/>
+        </a:defRPr>
+      </a:lvl8pPr>
+      <a:lvl9pPr marL="3657600" algn="l" defTabSz="914400" rtl="0" eaLnBrk="1" latinLnBrk="0" hangingPunct="1">
+        <a:defRPr sz="1800" kern="1200">
+          <a:solidFill>
+            <a:schemeClr val="tx1"/>
+          </a:solidFill>
+          <a:latin typeface="+mn-lt"/>
+          <a:ea typeface="+mn-ea"/>
+          <a:cs typeface="+mn-cs"/>
+        </a:defRPr>
+      </a:lvl9pPr>
+    </p:otherStyle>
+  </p:txStyles>
+</p:sldMaster>
+</file>
+
+<file path=ppt/slideMasters/slideMaster2.xml><?xml version="1.0" encoding="utf-8"?>
+<p:sldMaster xmlns:a="http://schemas.openxmlformats.org/drawingml/2006/main" xmlns:r="http://schemas.openxmlformats.org/officeDocument/2006/relationships" xmlns:p="http://schemas.openxmlformats.org/presentationml/2006/main">
+  <p:cSld>
+    <p:bg>
+      <p:bgRef idx="1001">
+        <a:schemeClr val="bg1"/>
+      </p:bgRef>
+    </p:bg>
+    <p:spTree>
+      <p:nvGrpSpPr>
+        <p:cNvPr id="1" name=""/>
+        <p:cNvGrpSpPr/>
+        <p:nvPr/>
+      </p:nvGrpSpPr>
+      <p:grpSpPr>
+        <a:xfrm>
+          <a:off x="0" y="0"/>
+          <a:ext cx="0" cy="0"/>
+          <a:chOff x="0" y="0"/>
+          <a:chExt cx="0" cy="0"/>
+        </a:xfrm>
+      </p:grpSpPr>
+      <p:sp>
+        <p:nvSpPr>
+          <p:cNvPr id="2" name="标题占位符 1"/>
+          <p:cNvSpPr>
+            <a:spLocks noGrp="1"/>
+          </p:cNvSpPr>
+          <p:nvPr>
+            <p:ph type="title"/>
+          </p:nvPr>
+        </p:nvSpPr>
+        <p:spPr>
+          <a:xfrm>
+            <a:off x="838200" y="365125"/>
+            <a:ext cx="10515600" cy="1325563"/>
+          </a:xfrm>
+          <a:prstGeom prst="rect">
+            <a:avLst/>
+          </a:prstGeom>
+        </p:spPr>
+        <p:txBody>
+          <a:bodyPr vert="horz" lIns="91440" tIns="45720" rIns="91440" bIns="45720" rtlCol="0" anchor="ctr">
+            <a:normAutofit/>
+          </a:bodyPr>
+          <a:lstStyle/>
+          <a:p>
+            <a:r>
+              <a:rPr lang="zh-CN" altLang="en-US"/>
+              <a:t>单击此处编辑母版标题样式</a:t>
+            </a:r>
+            <a:endParaRPr lang="zh-CN" altLang="en-US"/>
+          </a:p>
+        </p:txBody>
+      </p:sp>
+      <p:sp>
+        <p:nvSpPr>
+          <p:cNvPr id="3" name="文本占位符 2"/>
+          <p:cNvSpPr>
+            <a:spLocks noGrp="1"/>
+          </p:cNvSpPr>
+          <p:nvPr>
+            <p:ph type="body" idx="1"/>
+          </p:nvPr>
+        </p:nvSpPr>
+        <p:spPr>
+          <a:xfrm>
+            <a:off x="838200" y="1825625"/>
+            <a:ext cx="10515600" cy="4351338"/>
+          </a:xfrm>
+          <a:prstGeom prst="rect">
+            <a:avLst/>
+          </a:prstGeom>
+        </p:spPr>
+        <p:txBody>
+          <a:bodyPr vert="horz" lIns="91440" tIns="45720" rIns="91440" bIns="45720" rtlCol="0">
+            <a:normAutofit/>
+          </a:bodyPr>
+          <a:lstStyle/>
+          <a:p>
+            <a:pPr lvl="0"/>
+            <a:r>
+              <a:rPr lang="zh-CN" altLang="en-US"/>
+              <a:t>单击此处编辑母版文本样式</a:t>
+            </a:r>
+            <a:endParaRPr lang="zh-CN" altLang="en-US"/>
+          </a:p>
+          <a:p>
+            <a:pPr lvl="1"/>
+            <a:r>
+              <a:rPr lang="zh-CN" altLang="en-US"/>
+              <a:t>二级</a:t>
+            </a:r>
+            <a:endParaRPr lang="zh-CN" altLang="en-US"/>
+          </a:p>
+          <a:p>
+            <a:pPr lvl="2"/>
+            <a:r>
+              <a:rPr lang="zh-CN" altLang="en-US"/>
+              <a:t>三级</a:t>
+            </a:r>
+            <a:endParaRPr lang="zh-CN" altLang="en-US"/>
+          </a:p>
+          <a:p>
+            <a:pPr lvl="3"/>
+            <a:r>
+              <a:rPr lang="zh-CN" altLang="en-US"/>
+              <a:t>四级</a:t>
+            </a:r>
+            <a:endParaRPr lang="zh-CN" altLang="en-US"/>
+          </a:p>
+          <a:p>
+            <a:pPr lvl="4"/>
+            <a:r>
+              <a:rPr lang="zh-CN" altLang="en-US"/>
+              <a:t>五级</a:t>
+            </a:r>
+            <a:endParaRPr lang="zh-CN" altLang="en-US"/>
+          </a:p>
+        </p:txBody>
+      </p:sp>
+      <p:sp>
+        <p:nvSpPr>
+          <p:cNvPr id="4" name="日期占位符 3"/>
+          <p:cNvSpPr>
+            <a:spLocks noGrp="1"/>
+          </p:cNvSpPr>
+          <p:nvPr>
+            <p:ph type="dt" sz="half" idx="2"/>
+          </p:nvPr>
+        </p:nvSpPr>
+        <p:spPr>
+          <a:xfrm>
+            <a:off x="838200" y="6356350"/>
+            <a:ext cx="2743200" cy="365125"/>
+          </a:xfrm>
+          <a:prstGeom prst="rect">
+            <a:avLst/>
+          </a:prstGeom>
+        </p:spPr>
+        <p:txBody>
+          <a:bodyPr vert="horz" lIns="91440" tIns="45720" rIns="91440" bIns="45720" rtlCol="0" anchor="ctr"/>
+          <a:lstStyle>
+            <a:lvl1pPr algn="l">
+              <a:defRPr sz="1200">
+                <a:solidFill>
+                  <a:schemeClr val="tx1">
+                    <a:tint val="75000"/>
+                  </a:schemeClr>
+                </a:solidFill>
+              </a:defRPr>
+            </a:lvl1pPr>
+          </a:lstStyle>
+          <a:p>
+            <a:fld id="{FCF2567C-E6E8-466F-A9B1-CBBE548E91D8}" type="datetimeFigureOut">
+              <a:rPr lang="zh-CN" altLang="en-US" smtClean="0"/>
+            </a:fld>
+            <a:endParaRPr lang="zh-CN" altLang="en-US"/>
+          </a:p>
+        </p:txBody>
+      </p:sp>
+      <p:sp>
+        <p:nvSpPr>
+          <p:cNvPr id="5" name="页脚占位符 4"/>
+          <p:cNvSpPr>
+            <a:spLocks noGrp="1"/>
+          </p:cNvSpPr>
+          <p:nvPr>
+            <p:ph type="ftr" sz="quarter" idx="3"/>
+          </p:nvPr>
+        </p:nvSpPr>
+        <p:spPr>
+          <a:xfrm>
+            <a:off x="4038600" y="6356350"/>
+            <a:ext cx="4114800" cy="365125"/>
+          </a:xfrm>
+          <a:prstGeom prst="rect">
+            <a:avLst/>
+          </a:prstGeom>
+        </p:spPr>
+        <p:txBody>
+          <a:bodyPr vert="horz" lIns="91440" tIns="45720" rIns="91440" bIns="45720" rtlCol="0" anchor="ctr"/>
+          <a:lstStyle>
+            <a:lvl1pPr algn="ctr">
+              <a:defRPr sz="1200">
+                <a:solidFill>
+                  <a:schemeClr val="tx1">
+                    <a:tint val="75000"/>
+                  </a:schemeClr>
+                </a:solidFill>
+              </a:defRPr>
+            </a:lvl1pPr>
+          </a:lstStyle>
+          <a:p>
+            <a:endParaRPr lang="zh-CN" altLang="en-US"/>
+          </a:p>
+        </p:txBody>
+      </p:sp>
+      <p:sp>
+        <p:nvSpPr>
+          <p:cNvPr id="6" name="灯片编号占位符 5"/>
+          <p:cNvSpPr>
+            <a:spLocks noGrp="1"/>
+          </p:cNvSpPr>
+          <p:nvPr>
+            <p:ph type="sldNum" sz="quarter" idx="4"/>
+          </p:nvPr>
+        </p:nvSpPr>
+        <p:spPr>
+          <a:xfrm>
+            <a:off x="8610600" y="6356350"/>
+            <a:ext cx="2743200" cy="365125"/>
+          </a:xfrm>
+          <a:prstGeom prst="rect">
+            <a:avLst/>
+          </a:prstGeom>
+        </p:spPr>
+        <p:txBody>
+          <a:bodyPr vert="horz" lIns="91440" tIns="45720" rIns="91440" bIns="45720" rtlCol="0" anchor="ctr"/>
+          <a:lstStyle>
+            <a:lvl1pPr algn="r">
+              <a:defRPr sz="1200">
+                <a:solidFill>
+                  <a:schemeClr val="tx1">
+                    <a:tint val="75000"/>
+                  </a:schemeClr>
+                </a:solidFill>
+              </a:defRPr>
+            </a:lvl1pPr>
+          </a:lstStyle>
+          <a:p>
+            <a:fld id="{E7D8E500-9FE0-4825-AD7E-3BD8FBC1E02F}" type="slidenum">
+              <a:rPr lang="zh-CN" altLang="en-US" smtClean="0"/>
+            </a:fld>
+            <a:endParaRPr lang="zh-CN" altLang="en-US"/>
+          </a:p>
+        </p:txBody>
+      </p:sp>
+    </p:spTree>
+  </p:cSld>
+  <p:clrMap bg1="lt1" tx1="dk1" bg2="lt2" tx2="dk2" accent1="accent1" accent2="accent2" accent3="accent3" accent4="accent4" accent5="accent5" accent6="accent6" hlink="hlink" folHlink="folHlink"/>
+  <p:sldLayoutIdLst>
+    <p:sldLayoutId id="2147483661" r:id="rId1"/>
+    <p:sldLayoutId id="2147483662" r:id="rId2"/>
+    <p:sldLayoutId id="2147483663" r:id="rId3"/>
+    <p:sldLayoutId id="2147483664" r:id="rId4"/>
+    <p:sldLayoutId id="2147483665" r:id="rId5"/>
+    <p:sldLayoutId id="2147483666" r:id="rId6"/>
+    <p:sldLayoutId id="2147483667" r:id="rId7"/>
+    <p:sldLayoutId id="2147483668" r:id="rId8"/>
+    <p:sldLayoutId id="2147483669" r:id="rId9"/>
+    <p:sldLayoutId id="2147483670" r:id="rId10"/>
+    <p:sldLayoutId id="2147483671" r:id="rId11"/>
   </p:sldLayoutIdLst>
   <p:txStyles>
     <p:titleStyle>
@@ -4032,13 +6403,7 @@
       </p:grpSpPr>
       <p:sp>
         <p:nvSpPr>
-          <p:cNvPr id="2" name="标题 1">
-            <a:extLst>
-              <a:ext uri="{FF2B5EF4-FFF2-40B4-BE49-F238E27FC236}">
-                <a16:creationId xmlns:a16="http://schemas.microsoft.com/office/drawing/2014/main" id="{88146469-F6FD-412E-BE81-1A8936AE3A46}"/>
-              </a:ext>
-            </a:extLst>
-          </p:cNvPr>
+          <p:cNvPr id="2" name="标题 1"/>
           <p:cNvSpPr>
             <a:spLocks noGrp="1"/>
           </p:cNvSpPr>
@@ -4063,18 +6428,13 @@
               <a:rPr lang="zh-CN" altLang="en-US" sz="4000" dirty="0"/>
               <a:t>软件设计固有的复杂性</a:t>
             </a:r>
-          </a:p>
-        </p:txBody>
-      </p:sp>
-      <p:sp>
-        <p:nvSpPr>
-          <p:cNvPr id="3" name="副标题 2">
-            <a:extLst>
-              <a:ext uri="{FF2B5EF4-FFF2-40B4-BE49-F238E27FC236}">
-                <a16:creationId xmlns:a16="http://schemas.microsoft.com/office/drawing/2014/main" id="{7E3F38AD-B6ED-44A6-BCFE-FB7A2CBA43AA}"/>
-              </a:ext>
-            </a:extLst>
-          </p:cNvPr>
+            <a:endParaRPr lang="zh-CN" altLang="en-US" sz="4000" dirty="0"/>
+          </a:p>
+        </p:txBody>
+      </p:sp>
+      <p:sp>
+        <p:nvSpPr>
+          <p:cNvPr id="3" name="副标题 2"/>
           <p:cNvSpPr>
             <a:spLocks noGrp="1"/>
           </p:cNvSpPr>
@@ -4105,15 +6465,11 @@
               <a:rPr lang="zh-CN" altLang="en-US" dirty="0"/>
               <a:t>层的楼房底下再新修一个小地下室。这样做的花费极大而且注定失败。然而令人惊奇的是，软件系统的用户在要求作出类似的改变时却不会仔细考虑，而且他们认为这只是需要简单的编程</a:t>
             </a:r>
+            <a:endParaRPr lang="zh-CN" altLang="en-US" dirty="0"/>
           </a:p>
         </p:txBody>
       </p:sp>
     </p:spTree>
-    <p:extLst>
-      <p:ext uri="{BB962C8B-B14F-4D97-AF65-F5344CB8AC3E}">
-        <p14:creationId xmlns:p14="http://schemas.microsoft.com/office/powerpoint/2010/main" val="1369834485"/>
-      </p:ext>
-    </p:extLst>
   </p:cSld>
   <p:clrMapOvr>
     <a:masterClrMapping/>
@@ -4140,109 +6496,48 @@
       </p:grpSpPr>
       <p:sp>
         <p:nvSpPr>
-          <p:cNvPr id="5" name="标题 4">
-            <a:extLst>
-              <a:ext uri="{FF2B5EF4-FFF2-40B4-BE49-F238E27FC236}">
-                <a16:creationId xmlns:a16="http://schemas.microsoft.com/office/drawing/2014/main" id="{2FD0886B-1165-48DC-8C2E-135715DB08E2}"/>
-              </a:ext>
-            </a:extLst>
-          </p:cNvPr>
-          <p:cNvSpPr>
-            <a:spLocks noGrp="1"/>
-          </p:cNvSpPr>
-          <p:nvPr>
-            <p:ph type="title"/>
+          <p:cNvPr id="3" name="文本占位符 2"/>
+          <p:cNvSpPr>
+            <a:spLocks noGrp="1"/>
+          </p:cNvSpPr>
+          <p:nvPr>
+            <p:ph type="body" idx="1"/>
           </p:nvPr>
         </p:nvSpPr>
         <p:spPr>
           <a:xfrm>
-            <a:off x="683288" y="104826"/>
-            <a:ext cx="6370655" cy="903717"/>
+            <a:off x="831850" y="160775"/>
+            <a:ext cx="10515600" cy="5928876"/>
           </a:xfrm>
         </p:spPr>
         <p:txBody>
-          <a:bodyPr>
-            <a:noAutofit/>
-          </a:bodyPr>
-          <a:lstStyle/>
-          <a:p>
-            <a:br>
-              <a:rPr lang="zh-CN" altLang="en-US" sz="4000" dirty="0"/>
-            </a:br>
-            <a:r>
-              <a:rPr lang="en-US" altLang="zh-CN" sz="5400" b="1" dirty="0"/>
-              <a:t>Component Pattern</a:t>
-            </a:r>
-            <a:endParaRPr lang="zh-CN" altLang="en-US" sz="5400" b="1" dirty="0"/>
-          </a:p>
-        </p:txBody>
-      </p:sp>
-      <p:sp>
-        <p:nvSpPr>
-          <p:cNvPr id="6" name="文本占位符 5">
-            <a:extLst>
-              <a:ext uri="{FF2B5EF4-FFF2-40B4-BE49-F238E27FC236}">
-                <a16:creationId xmlns:a16="http://schemas.microsoft.com/office/drawing/2014/main" id="{A057F46C-8ED5-4B93-ABB1-C26E50B9B58F}"/>
-              </a:ext>
-            </a:extLst>
-          </p:cNvPr>
-          <p:cNvSpPr>
-            <a:spLocks noGrp="1"/>
-          </p:cNvSpPr>
-          <p:nvPr>
-            <p:ph type="body" idx="1"/>
-          </p:nvPr>
-        </p:nvSpPr>
-        <p:spPr>
-          <a:xfrm>
-            <a:off x="809119" y="1008543"/>
-            <a:ext cx="10967549" cy="5983841"/>
-          </a:xfrm>
-        </p:spPr>
-        <p:txBody>
-          <a:bodyPr/>
-          <a:lstStyle/>
-          <a:p>
+          <a:bodyPr/>
+          <a:lstStyle/>
+          <a:p>
+            <a:r>
+              <a:rPr lang="zh-CN" dirty="0"/>
+              <a:t>封装变化点</a:t>
+            </a:r>
+            <a:endParaRPr lang="en-US" altLang="zh-CN" dirty="0"/>
+          </a:p>
+          <a:p>
+            <a:pPr marL="342900" indent="-342900">
+              <a:buFont typeface="Arial" panose="020B0604020202020204" pitchFamily="34" charset="0"/>
+              <a:buChar char="•"/>
+            </a:pPr>
             <a:r>
               <a:rPr lang="zh-CN" altLang="en-US" dirty="0"/>
-              <a:t>组件模式</a:t>
+              <a:t>使用封装来创建对象之间的分界层，让设计者可以在分界层的一侧进行修改，而不会对另一侧产生不良的影响，从而实现层次间的松耦合。</a:t>
             </a:r>
             <a:r>
               <a:rPr lang="en-US" altLang="zh-CN" dirty="0"/>
-              <a:t>Unity</a:t>
-            </a:r>
-            <a:r>
-              <a:rPr lang="zh-CN" altLang="en-US" dirty="0"/>
-              <a:t>核心的设计模式。</a:t>
-            </a:r>
-            <a:endParaRPr lang="en-US" altLang="zh-CN" dirty="0"/>
-          </a:p>
-          <a:p>
-            <a:r>
-              <a:rPr lang="zh-CN" altLang="en-US" dirty="0"/>
-              <a:t>作用</a:t>
-            </a:r>
-            <a:r>
-              <a:rPr lang="en-US" altLang="zh-CN" dirty="0"/>
-              <a:t>:</a:t>
-            </a:r>
-            <a:r>
-              <a:rPr lang="zh-CN" altLang="en-US" dirty="0"/>
-              <a:t>为了一个单一的实体访问多个核心类，又能保证每个核心独立。实体抽象成一个简单的容器</a:t>
-            </a:r>
-            <a:endParaRPr lang="en-US" altLang="zh-CN" dirty="0"/>
-          </a:p>
-          <a:p>
+              <a:t>	</a:t>
+            </a:r>
             <a:endParaRPr lang="zh-CN" altLang="en-US" dirty="0"/>
           </a:p>
         </p:txBody>
       </p:sp>
     </p:spTree>
-    <p:extLst>
-      <p:ext uri="{BB962C8B-B14F-4D97-AF65-F5344CB8AC3E}">
-        <p14:creationId xmlns:p14="http://schemas.microsoft.com/office/powerpoint/2010/main" val="3610851050"/>
-      </p:ext>
-    </p:extLst>
   </p:cSld>
   <p:clrMapOvr>
     <a:masterClrMapping/>
@@ -4269,82 +6564,70 @@
       </p:grpSpPr>
       <p:sp>
         <p:nvSpPr>
-          <p:cNvPr id="2" name="标题 1">
-            <a:extLst>
-              <a:ext uri="{FF2B5EF4-FFF2-40B4-BE49-F238E27FC236}">
-                <a16:creationId xmlns:a16="http://schemas.microsoft.com/office/drawing/2014/main" id="{C183253E-C2B8-43C6-AE47-A5D1755D7811}"/>
-              </a:ext>
-            </a:extLst>
-          </p:cNvPr>
-          <p:cNvSpPr>
-            <a:spLocks noGrp="1"/>
-          </p:cNvSpPr>
-          <p:nvPr>
-            <p:ph type="title"/>
+          <p:cNvPr id="3" name="文本占位符 2"/>
+          <p:cNvSpPr>
+            <a:spLocks noGrp="1"/>
+          </p:cNvSpPr>
+          <p:nvPr>
+            <p:ph type="body" idx="1"/>
           </p:nvPr>
         </p:nvSpPr>
         <p:spPr>
           <a:xfrm>
-            <a:off x="844550" y="40193"/>
-            <a:ext cx="8292053" cy="1719262"/>
+            <a:off x="831850" y="160775"/>
+            <a:ext cx="10515600" cy="5928876"/>
           </a:xfrm>
         </p:spPr>
         <p:txBody>
-          <a:bodyPr>
-            <a:normAutofit fontScale="90000"/>
-          </a:bodyPr>
-          <a:lstStyle/>
-          <a:p>
-            <a:r>
-              <a:rPr lang="en-US" altLang="zh-CN" b="1" dirty="0"/>
-              <a:t>Game Loop Pattern</a:t>
-            </a:r>
-            <a:br>
-              <a:rPr lang="en-US" altLang="zh-CN" b="1" dirty="0"/>
-            </a:br>
-            <a:endParaRPr lang="zh-CN" altLang="en-US" dirty="0"/>
-          </a:p>
-        </p:txBody>
-      </p:sp>
-      <p:sp>
-        <p:nvSpPr>
-          <p:cNvPr id="3" name="文本占位符 2">
-            <a:extLst>
-              <a:ext uri="{FF2B5EF4-FFF2-40B4-BE49-F238E27FC236}">
-                <a16:creationId xmlns:a16="http://schemas.microsoft.com/office/drawing/2014/main" id="{C4E10F8F-DB4F-412D-8642-2014FF65AFF0}"/>
-              </a:ext>
-            </a:extLst>
-          </p:cNvPr>
-          <p:cNvSpPr>
-            <a:spLocks noGrp="1"/>
-          </p:cNvSpPr>
-          <p:nvPr>
-            <p:ph type="body" idx="1"/>
-          </p:nvPr>
-        </p:nvSpPr>
-        <p:spPr>
-          <a:xfrm>
-            <a:off x="834012" y="974691"/>
-            <a:ext cx="10513437" cy="5114960"/>
-          </a:xfrm>
-        </p:spPr>
-        <p:txBody>
-          <a:bodyPr/>
-          <a:lstStyle/>
-          <a:p>
-            <a:r>
-              <a:rPr lang="zh-CN" altLang="en-US" dirty="0"/>
-              <a:t>游戏循环模式，实现游戏运行过程中对用户输入处理和时间处理的解耦。</a:t>
-            </a:r>
+          <a:bodyPr/>
+          <a:lstStyle/>
+          <a:p>
+            <a:r>
+              <a:rPr lang="zh-CN" dirty="0"/>
+              <a:t>针对接口编程，而不是针对实现编程</a:t>
+            </a:r>
+            <a:endParaRPr lang="zh-CN" dirty="0"/>
+          </a:p>
+          <a:p>
+            <a:pPr marL="342900" indent="-342900">
+              <a:buFont typeface="Arial" panose="020B0604020202020204" pitchFamily="34" charset="0"/>
+              <a:buChar char="•"/>
+            </a:pPr>
+            <a:r>
+              <a:rPr lang="zh-CN" dirty="0"/>
+              <a:t>不</a:t>
+            </a:r>
+            <a:r>
+              <a:rPr dirty="0"/>
+              <a:t>将变量类型声明为某个特定的具体类，而是声明为某个接口。</a:t>
+            </a:r>
+            <a:endParaRPr dirty="0"/>
+          </a:p>
+          <a:p>
+            <a:pPr marL="342900" indent="-342900">
+              <a:buFont typeface="Arial" panose="020B0604020202020204" pitchFamily="34" charset="0"/>
+              <a:buChar char="•"/>
+            </a:pPr>
+            <a:r>
+              <a:rPr dirty="0"/>
+              <a:t>客户程序无需获知对象的具体类型，只需要知道对象所具有的接口。</a:t>
+            </a:r>
+            <a:endParaRPr dirty="0"/>
+          </a:p>
+          <a:p>
+            <a:pPr marL="342900" indent="-342900">
+              <a:buFont typeface="Arial" panose="020B0604020202020204" pitchFamily="34" charset="0"/>
+              <a:buChar char="•"/>
+            </a:pPr>
+            <a:r>
+              <a:rPr dirty="0"/>
+              <a:t>减少系统中各部分的依赖关系，从而实现“高内聚、松耦合”的类型设计方案。</a:t>
+            </a:r>
+            <a:endParaRPr dirty="0"/>
           </a:p>
         </p:txBody>
       </p:sp>
     </p:spTree>
-    <p:extLst>
-      <p:ext uri="{BB962C8B-B14F-4D97-AF65-F5344CB8AC3E}">
-        <p14:creationId xmlns:p14="http://schemas.microsoft.com/office/powerpoint/2010/main" val="3569412660"/>
-      </p:ext>
-    </p:extLst>
   </p:cSld>
   <p:clrMapOvr>
     <a:masterClrMapping/>
@@ -4371,13 +6654,7 @@
       </p:grpSpPr>
       <p:sp>
         <p:nvSpPr>
-          <p:cNvPr id="2" name="标题 1">
-            <a:extLst>
-              <a:ext uri="{FF2B5EF4-FFF2-40B4-BE49-F238E27FC236}">
-                <a16:creationId xmlns:a16="http://schemas.microsoft.com/office/drawing/2014/main" id="{C183253E-C2B8-43C6-AE47-A5D1755D7811}"/>
-              </a:ext>
-            </a:extLst>
-          </p:cNvPr>
+          <p:cNvPr id="2" name="标题 1"/>
           <p:cNvSpPr>
             <a:spLocks noGrp="1"/>
           </p:cNvSpPr>
@@ -4401,18 +6678,13 @@
               <a:rPr lang="en-US" altLang="zh-CN" b="1" dirty="0"/>
               <a:t>Singleton Pattern</a:t>
             </a:r>
-          </a:p>
-        </p:txBody>
-      </p:sp>
-      <p:sp>
-        <p:nvSpPr>
-          <p:cNvPr id="3" name="文本占位符 2">
-            <a:extLst>
-              <a:ext uri="{FF2B5EF4-FFF2-40B4-BE49-F238E27FC236}">
-                <a16:creationId xmlns:a16="http://schemas.microsoft.com/office/drawing/2014/main" id="{C4E10F8F-DB4F-412D-8642-2014FF65AFF0}"/>
-              </a:ext>
-            </a:extLst>
-          </p:cNvPr>
+            <a:endParaRPr lang="en-US" altLang="zh-CN" b="1" dirty="0"/>
+          </a:p>
+        </p:txBody>
+      </p:sp>
+      <p:sp>
+        <p:nvSpPr>
+          <p:cNvPr id="3" name="文本占位符 2"/>
           <p:cNvSpPr>
             <a:spLocks noGrp="1"/>
           </p:cNvSpPr>
@@ -4434,15 +6706,11 @@
               <a:rPr lang="zh-CN" altLang="en-US" dirty="0"/>
               <a:t>确保某一个类只有一个实例，而且自行实例化并向整个系统提供这个实例。</a:t>
             </a:r>
+            <a:endParaRPr lang="zh-CN" altLang="en-US" dirty="0"/>
           </a:p>
         </p:txBody>
       </p:sp>
     </p:spTree>
-    <p:extLst>
-      <p:ext uri="{BB962C8B-B14F-4D97-AF65-F5344CB8AC3E}">
-        <p14:creationId xmlns:p14="http://schemas.microsoft.com/office/powerpoint/2010/main" val="560239334"/>
-      </p:ext>
-    </p:extLst>
   </p:cSld>
   <p:clrMapOvr>
     <a:masterClrMapping/>
@@ -4469,13 +6737,7 @@
       </p:grpSpPr>
       <p:sp>
         <p:nvSpPr>
-          <p:cNvPr id="2" name="标题 1">
-            <a:extLst>
-              <a:ext uri="{FF2B5EF4-FFF2-40B4-BE49-F238E27FC236}">
-                <a16:creationId xmlns:a16="http://schemas.microsoft.com/office/drawing/2014/main" id="{C183253E-C2B8-43C6-AE47-A5D1755D7811}"/>
-              </a:ext>
-            </a:extLst>
-          </p:cNvPr>
+          <p:cNvPr id="2" name="标题 1"/>
           <p:cNvSpPr>
             <a:spLocks noGrp="1"/>
           </p:cNvSpPr>
@@ -4485,8 +6747,8 @@
         </p:nvSpPr>
         <p:spPr>
           <a:xfrm>
-            <a:off x="844550" y="40192"/>
-            <a:ext cx="8992786" cy="934499"/>
+            <a:off x="797655" y="80387"/>
+            <a:ext cx="8711433" cy="1055076"/>
           </a:xfrm>
         </p:spPr>
         <p:txBody>
@@ -4497,21 +6759,15 @@
           <a:p>
             <a:r>
               <a:rPr lang="en-US" altLang="zh-CN" b="1" dirty="0"/>
-              <a:t>Observer Pattern</a:t>
-            </a:r>
-            <a:endParaRPr lang="zh-CN" altLang="en-US" dirty="0"/>
-          </a:p>
-        </p:txBody>
-      </p:sp>
-      <p:sp>
-        <p:nvSpPr>
-          <p:cNvPr id="3" name="文本占位符 2">
-            <a:extLst>
-              <a:ext uri="{FF2B5EF4-FFF2-40B4-BE49-F238E27FC236}">
-                <a16:creationId xmlns:a16="http://schemas.microsoft.com/office/drawing/2014/main" id="{C4E10F8F-DB4F-412D-8642-2014FF65AFF0}"/>
-              </a:ext>
-            </a:extLst>
-          </p:cNvPr>
+              <a:t>Factory Method</a:t>
+            </a:r>
+            <a:endParaRPr lang="en-US" altLang="zh-CN" b="1" dirty="0"/>
+          </a:p>
+        </p:txBody>
+      </p:sp>
+      <p:sp>
+        <p:nvSpPr>
+          <p:cNvPr id="3" name="文本占位符 2"/>
           <p:cNvSpPr>
             <a:spLocks noGrp="1"/>
           </p:cNvSpPr>
@@ -4521,7 +6777,7 @@
         </p:nvSpPr>
         <p:spPr>
           <a:xfrm>
-            <a:off x="834012" y="974691"/>
+            <a:off x="797655" y="1286190"/>
             <a:ext cx="10513437" cy="5114960"/>
           </a:xfrm>
         </p:spPr>
@@ -4531,17 +6787,13 @@
           <a:p>
             <a:r>
               <a:rPr lang="zh-CN" altLang="en-US" dirty="0"/>
-              <a:t>定义对象间一种一对多的依赖关系，使得每当一个对象改变状态，则所有依赖于它的对象都会得到通知并被自动更新。</a:t>
-            </a:r>
+              <a:t>定义一个用于创建对象的接口，让子类决定实例化哪一个类。Factory Method使得一个类的实例化延迟（目的：解耦，手段：虚函数）到子类</a:t>
+            </a:r>
+            <a:endParaRPr lang="zh-CN" altLang="en-US" dirty="0"/>
           </a:p>
         </p:txBody>
       </p:sp>
     </p:spTree>
-    <p:extLst>
-      <p:ext uri="{BB962C8B-B14F-4D97-AF65-F5344CB8AC3E}">
-        <p14:creationId xmlns:p14="http://schemas.microsoft.com/office/powerpoint/2010/main" val="3658191056"/>
-      </p:ext>
-    </p:extLst>
   </p:cSld>
   <p:clrMapOvr>
     <a:masterClrMapping/>
@@ -4568,13 +6820,7 @@
       </p:grpSpPr>
       <p:sp>
         <p:nvSpPr>
-          <p:cNvPr id="2" name="标题 1">
-            <a:extLst>
-              <a:ext uri="{FF2B5EF4-FFF2-40B4-BE49-F238E27FC236}">
-                <a16:creationId xmlns:a16="http://schemas.microsoft.com/office/drawing/2014/main" id="{C183253E-C2B8-43C6-AE47-A5D1755D7811}"/>
-              </a:ext>
-            </a:extLst>
-          </p:cNvPr>
+          <p:cNvPr id="2" name="标题 1"/>
           <p:cNvSpPr>
             <a:spLocks noGrp="1"/>
           </p:cNvSpPr>
@@ -4584,39 +6830,27 @@
         </p:nvSpPr>
         <p:spPr>
           <a:xfrm>
-            <a:off x="844550" y="40192"/>
-            <a:ext cx="8992786" cy="2311121"/>
+            <a:off x="797655" y="80387"/>
+            <a:ext cx="8711433" cy="1055076"/>
           </a:xfrm>
         </p:spPr>
         <p:txBody>
           <a:bodyPr>
-            <a:normAutofit fontScale="90000"/>
+            <a:normAutofit/>
           </a:bodyPr>
           <a:lstStyle/>
           <a:p>
             <a:r>
               <a:rPr lang="en-US" altLang="zh-CN" b="1" dirty="0"/>
-              <a:t>Event Queue Pattern</a:t>
-            </a:r>
-            <a:br>
-              <a:rPr lang="en-US" altLang="zh-CN" b="1" dirty="0"/>
-            </a:br>
-            <a:br>
-              <a:rPr lang="en-US" altLang="zh-CN" b="1" dirty="0"/>
-            </a:br>
-            <a:endParaRPr lang="zh-CN" altLang="en-US" dirty="0"/>
-          </a:p>
-        </p:txBody>
-      </p:sp>
-      <p:sp>
-        <p:nvSpPr>
-          <p:cNvPr id="3" name="文本占位符 2">
-            <a:extLst>
-              <a:ext uri="{FF2B5EF4-FFF2-40B4-BE49-F238E27FC236}">
-                <a16:creationId xmlns:a16="http://schemas.microsoft.com/office/drawing/2014/main" id="{C4E10F8F-DB4F-412D-8642-2014FF65AFF0}"/>
-              </a:ext>
-            </a:extLst>
-          </p:cNvPr>
+              <a:t>Template Method</a:t>
+            </a:r>
+            <a:endParaRPr lang="en-US" altLang="zh-CN" b="1" dirty="0"/>
+          </a:p>
+        </p:txBody>
+      </p:sp>
+      <p:sp>
+        <p:nvSpPr>
+          <p:cNvPr id="3" name="文本占位符 2"/>
           <p:cNvSpPr>
             <a:spLocks noGrp="1"/>
           </p:cNvSpPr>
@@ -4626,7 +6860,7 @@
         </p:nvSpPr>
         <p:spPr>
           <a:xfrm>
-            <a:off x="834012" y="974691"/>
+            <a:off x="797655" y="1286190"/>
             <a:ext cx="10513437" cy="5114960"/>
           </a:xfrm>
         </p:spPr>
@@ -4636,24 +6870,13 @@
           <a:p>
             <a:r>
               <a:rPr lang="zh-CN" altLang="en-US" dirty="0"/>
-              <a:t>对消息或事件的发送与受理进行时间上的解耦。</a:t>
-            </a:r>
-            <a:endParaRPr lang="en-US" altLang="zh-CN" dirty="0"/>
-          </a:p>
-          <a:p>
-            <a:r>
-              <a:rPr lang="zh-CN" altLang="en-US" dirty="0"/>
-              <a:t>事件队列是一个按照先进先出顺序存储一系列通知或者请求的队列。发出通知时系统会将该请求置入队列并返回，请求处理器随后从事件队列中获取并处理这些请求。请求可由处理器直接处理或转交给对其感兴趣的模块。这一模式对消息的发送者与受理者进行了解耦，使消息的处理变得动态且非实时</a:t>
-            </a:r>
+              <a:t>定义一个操作中的算法的骨架 (稳定) ，而将一些步骤延迟 (变化) 到子类中。 Template Method使得子类可以不改变(复用)一个算法的结构即可重定义(override 重写)该算法的 某些特定步骤。 ——《 设计模式》 GoF</a:t>
+            </a:r>
+            <a:endParaRPr lang="zh-CN" altLang="en-US" dirty="0"/>
           </a:p>
         </p:txBody>
       </p:sp>
     </p:spTree>
-    <p:extLst>
-      <p:ext uri="{BB962C8B-B14F-4D97-AF65-F5344CB8AC3E}">
-        <p14:creationId xmlns:p14="http://schemas.microsoft.com/office/powerpoint/2010/main" val="3765445944"/>
-      </p:ext>
-    </p:extLst>
   </p:cSld>
   <p:clrMapOvr>
     <a:masterClrMapping/>
@@ -4680,13 +6903,7 @@
       </p:grpSpPr>
       <p:sp>
         <p:nvSpPr>
-          <p:cNvPr id="2" name="标题 1">
-            <a:extLst>
-              <a:ext uri="{FF2B5EF4-FFF2-40B4-BE49-F238E27FC236}">
-                <a16:creationId xmlns:a16="http://schemas.microsoft.com/office/drawing/2014/main" id="{C183253E-C2B8-43C6-AE47-A5D1755D7811}"/>
-              </a:ext>
-            </a:extLst>
-          </p:cNvPr>
+          <p:cNvPr id="2" name="标题 1"/>
           <p:cNvSpPr>
             <a:spLocks noGrp="1"/>
           </p:cNvSpPr>
@@ -4696,8 +6913,8 @@
         </p:nvSpPr>
         <p:spPr>
           <a:xfrm>
-            <a:off x="797655" y="80387"/>
-            <a:ext cx="8711433" cy="1055076"/>
+            <a:off x="844550" y="40192"/>
+            <a:ext cx="8992786" cy="934499"/>
           </a:xfrm>
         </p:spPr>
         <p:txBody>
@@ -4708,7 +6925,7 @@
           <a:p>
             <a:r>
               <a:rPr lang="en-US" altLang="zh-CN" b="1" dirty="0"/>
-              <a:t>Command Pattern</a:t>
+              <a:t>Observer Pattern</a:t>
             </a:r>
             <a:endParaRPr lang="zh-CN" altLang="en-US" dirty="0"/>
           </a:p>
@@ -4716,13 +6933,7 @@
       </p:sp>
       <p:sp>
         <p:nvSpPr>
-          <p:cNvPr id="3" name="文本占位符 2">
-            <a:extLst>
-              <a:ext uri="{FF2B5EF4-FFF2-40B4-BE49-F238E27FC236}">
-                <a16:creationId xmlns:a16="http://schemas.microsoft.com/office/drawing/2014/main" id="{C4E10F8F-DB4F-412D-8642-2014FF65AFF0}"/>
-              </a:ext>
-            </a:extLst>
-          </p:cNvPr>
+          <p:cNvPr id="3" name="文本占位符 2"/>
           <p:cNvSpPr>
             <a:spLocks noGrp="1"/>
           </p:cNvSpPr>
@@ -4732,7 +6943,7 @@
         </p:nvSpPr>
         <p:spPr>
           <a:xfrm>
-            <a:off x="797655" y="1286190"/>
+            <a:off x="834012" y="974691"/>
             <a:ext cx="10513437" cy="5114960"/>
           </a:xfrm>
         </p:spPr>
@@ -4742,24 +6953,13 @@
           <a:p>
             <a:r>
               <a:rPr lang="zh-CN" altLang="en-US" dirty="0"/>
-              <a:t>对消息或事件的发送与受理进行时间上的解耦。</a:t>
-            </a:r>
-            <a:endParaRPr lang="en-US" altLang="zh-CN" dirty="0"/>
-          </a:p>
-          <a:p>
-            <a:r>
-              <a:rPr lang="zh-CN" altLang="en-US" dirty="0"/>
-              <a:t>事件队列是一个按照先进先出顺序存储一系列通知或者请求的队列。发出通知时系统会将该请求置入队列并返回，请求处理器随后从事件队列中获取并处理这些请求。请求可由处理器直接处理或转交给对其感兴趣的模块。这一模式对消息的发送者与受理者进行了解耦，使消息的处理变得动态且非实时</a:t>
-            </a:r>
+              <a:t>定义对象间一种一对多的依赖关系，使得每当一个对象改变状态，则所有依赖于它的对象都会得到通知并被自动更新。</a:t>
+            </a:r>
+            <a:endParaRPr lang="zh-CN" altLang="en-US" dirty="0"/>
           </a:p>
         </p:txBody>
       </p:sp>
     </p:spTree>
-    <p:extLst>
-      <p:ext uri="{BB962C8B-B14F-4D97-AF65-F5344CB8AC3E}">
-        <p14:creationId xmlns:p14="http://schemas.microsoft.com/office/powerpoint/2010/main" val="2131194110"/>
-      </p:ext>
-    </p:extLst>
   </p:cSld>
   <p:clrMapOvr>
     <a:masterClrMapping/>
@@ -4786,13 +6986,7 @@
       </p:grpSpPr>
       <p:sp>
         <p:nvSpPr>
-          <p:cNvPr id="2" name="标题 1">
-            <a:extLst>
-              <a:ext uri="{FF2B5EF4-FFF2-40B4-BE49-F238E27FC236}">
-                <a16:creationId xmlns:a16="http://schemas.microsoft.com/office/drawing/2014/main" id="{C183253E-C2B8-43C6-AE47-A5D1755D7811}"/>
-              </a:ext>
-            </a:extLst>
-          </p:cNvPr>
+          <p:cNvPr id="2" name="标题 1"/>
           <p:cNvSpPr>
             <a:spLocks noGrp="1"/>
           </p:cNvSpPr>
@@ -4814,20 +7008,15 @@
           <a:p>
             <a:r>
               <a:rPr lang="en-US" altLang="zh-CN" b="1" dirty="0"/>
-              <a:t>Chain of Responsibility Pattern</a:t>
-            </a:r>
-          </a:p>
-        </p:txBody>
-      </p:sp>
-      <p:sp>
-        <p:nvSpPr>
-          <p:cNvPr id="3" name="文本占位符 2">
-            <a:extLst>
-              <a:ext uri="{FF2B5EF4-FFF2-40B4-BE49-F238E27FC236}">
-                <a16:creationId xmlns:a16="http://schemas.microsoft.com/office/drawing/2014/main" id="{C4E10F8F-DB4F-412D-8642-2014FF65AFF0}"/>
-              </a:ext>
-            </a:extLst>
-          </p:cNvPr>
+              <a:t>Mediator Pattern</a:t>
+            </a:r>
+            <a:endParaRPr lang="en-US" altLang="zh-CN" b="1" dirty="0"/>
+          </a:p>
+        </p:txBody>
+      </p:sp>
+      <p:sp>
+        <p:nvSpPr>
+          <p:cNvPr id="3" name="文本占位符 2"/>
           <p:cNvSpPr>
             <a:spLocks noGrp="1"/>
           </p:cNvSpPr>
@@ -4847,17 +7036,13 @@
           <a:p>
             <a:r>
               <a:rPr lang="zh-CN" altLang="en-US" dirty="0"/>
-              <a:t>使多个对象都有机会处理请求，从而避免了请求的发送者和接受者之间的耦合关系。将这些对象连成一条链，并沿着这条链传递该请求，直到有对象处理它为止。</a:t>
-            </a:r>
+              <a:t>用一个中介对象封装一系列的对象交互，中介者使各对象不需要显示地相互作用，从而使其耦合松散，而且可以独立地改变它们之间的交互。。</a:t>
+            </a:r>
+            <a:endParaRPr lang="zh-CN" altLang="en-US" dirty="0"/>
           </a:p>
         </p:txBody>
       </p:sp>
     </p:spTree>
-    <p:extLst>
-      <p:ext uri="{BB962C8B-B14F-4D97-AF65-F5344CB8AC3E}">
-        <p14:creationId xmlns:p14="http://schemas.microsoft.com/office/powerpoint/2010/main" val="3111497777"/>
-      </p:ext>
-    </p:extLst>
   </p:cSld>
   <p:clrMapOvr>
     <a:masterClrMapping/>
@@ -4884,13 +7069,7 @@
       </p:grpSpPr>
       <p:sp>
         <p:nvSpPr>
-          <p:cNvPr id="2" name="标题 1">
-            <a:extLst>
-              <a:ext uri="{FF2B5EF4-FFF2-40B4-BE49-F238E27FC236}">
-                <a16:creationId xmlns:a16="http://schemas.microsoft.com/office/drawing/2014/main" id="{C183253E-C2B8-43C6-AE47-A5D1755D7811}"/>
-              </a:ext>
-            </a:extLst>
-          </p:cNvPr>
+          <p:cNvPr id="2" name="标题 1"/>
           <p:cNvSpPr>
             <a:spLocks noGrp="1"/>
           </p:cNvSpPr>
@@ -4900,32 +7079,30 @@
         </p:nvSpPr>
         <p:spPr>
           <a:xfrm>
-            <a:off x="797655" y="80387"/>
-            <a:ext cx="10617272" cy="1055076"/>
+            <a:off x="844550" y="40193"/>
+            <a:ext cx="8292053" cy="1719262"/>
           </a:xfrm>
         </p:spPr>
         <p:txBody>
           <a:bodyPr>
-            <a:normAutofit/>
+            <a:normAutofit fontScale="90000"/>
           </a:bodyPr>
           <a:lstStyle/>
           <a:p>
             <a:r>
               <a:rPr lang="en-US" altLang="zh-CN" b="1" dirty="0"/>
-              <a:t>Mediator Pattern</a:t>
-            </a:r>
-          </a:p>
-        </p:txBody>
-      </p:sp>
-      <p:sp>
-        <p:nvSpPr>
-          <p:cNvPr id="3" name="文本占位符 2">
-            <a:extLst>
-              <a:ext uri="{FF2B5EF4-FFF2-40B4-BE49-F238E27FC236}">
-                <a16:creationId xmlns:a16="http://schemas.microsoft.com/office/drawing/2014/main" id="{C4E10F8F-DB4F-412D-8642-2014FF65AFF0}"/>
-              </a:ext>
-            </a:extLst>
-          </p:cNvPr>
+              <a:t>Strategy</a:t>
+            </a:r>
+            <a:br>
+              <a:rPr lang="en-US" altLang="zh-CN" b="1" dirty="0"/>
+            </a:br>
+            <a:endParaRPr lang="zh-CN" altLang="en-US" dirty="0"/>
+          </a:p>
+        </p:txBody>
+      </p:sp>
+      <p:sp>
+        <p:nvSpPr>
+          <p:cNvPr id="3" name="文本占位符 2"/>
           <p:cNvSpPr>
             <a:spLocks noGrp="1"/>
           </p:cNvSpPr>
@@ -4935,7 +7112,7 @@
         </p:nvSpPr>
         <p:spPr>
           <a:xfrm>
-            <a:off x="797655" y="1286190"/>
+            <a:off x="834012" y="974691"/>
             <a:ext cx="10513437" cy="5114960"/>
           </a:xfrm>
         </p:spPr>
@@ -4943,19 +7120,246 @@
           <a:bodyPr/>
           <a:lstStyle/>
           <a:p>
+            <a:pPr marL="342900" indent="-342900">
+              <a:buFont typeface="Arial" panose="020B0604020202020204" pitchFamily="34" charset="0"/>
+              <a:buChar char="•"/>
+            </a:pPr>
             <a:r>
               <a:rPr lang="zh-CN" altLang="en-US" dirty="0"/>
-              <a:t>用一个中介对象封装一系列的对象交互，中介者使各对象不需要显示地相互作用，从而使其耦合松散，而且可以独立地改变它们之间的交互。。</a:t>
-            </a:r>
+              <a:t>在软件构建过程中，某些对象使用的算法可能多种多样，经常改变，如果将这些算法都编码到对象中，将会使对象变得异常复杂；而且有时候支持不使用的算法也是一个性能负担。</a:t>
+            </a:r>
+            <a:endParaRPr lang="zh-CN" altLang="en-US" dirty="0"/>
+          </a:p>
+          <a:p>
+            <a:pPr marL="342900" indent="-342900">
+              <a:buFont typeface="Arial" panose="020B0604020202020204" pitchFamily="34" charset="0"/>
+              <a:buChar char="•"/>
+            </a:pPr>
+            <a:r>
+              <a:rPr lang="zh-CN" altLang="en-US" dirty="0"/>
+              <a:t>如何在运行时根据需要透明地更改对象的算法？将算法与对象本身解耦，从而避免上述问题？</a:t>
+            </a:r>
+            <a:endParaRPr lang="zh-CN" altLang="en-US" dirty="0"/>
           </a:p>
         </p:txBody>
       </p:sp>
     </p:spTree>
-    <p:extLst>
-      <p:ext uri="{BB962C8B-B14F-4D97-AF65-F5344CB8AC3E}">
-        <p14:creationId xmlns:p14="http://schemas.microsoft.com/office/powerpoint/2010/main" val="117995963"/>
-      </p:ext>
-    </p:extLst>
+  </p:cSld>
+  <p:clrMapOvr>
+    <a:masterClrMapping/>
+  </p:clrMapOvr>
+</p:sld>
+</file>
+
+<file path=ppt/slides/slide18.xml><?xml version="1.0" encoding="utf-8"?>
+<p:sld xmlns:a="http://schemas.openxmlformats.org/drawingml/2006/main" xmlns:r="http://schemas.openxmlformats.org/officeDocument/2006/relationships" xmlns:p="http://schemas.openxmlformats.org/presentationml/2006/main">
+  <p:cSld>
+    <p:spTree>
+      <p:nvGrpSpPr>
+        <p:cNvPr id="1" name=""/>
+        <p:cNvGrpSpPr/>
+        <p:nvPr/>
+      </p:nvGrpSpPr>
+      <p:grpSpPr>
+        <a:xfrm>
+          <a:off x="0" y="0"/>
+          <a:ext cx="0" cy="0"/>
+          <a:chOff x="0" y="0"/>
+          <a:chExt cx="0" cy="0"/>
+        </a:xfrm>
+      </p:grpSpPr>
+      <p:sp>
+        <p:nvSpPr>
+          <p:cNvPr id="2" name="标题 1"/>
+          <p:cNvSpPr>
+            <a:spLocks noGrp="1"/>
+          </p:cNvSpPr>
+          <p:nvPr>
+            <p:ph type="title"/>
+          </p:nvPr>
+        </p:nvSpPr>
+        <p:spPr>
+          <a:xfrm>
+            <a:off x="844550" y="40193"/>
+            <a:ext cx="8292053" cy="1719262"/>
+          </a:xfrm>
+        </p:spPr>
+        <p:txBody>
+          <a:bodyPr>
+            <a:normAutofit fontScale="90000"/>
+          </a:bodyPr>
+          <a:lstStyle/>
+          <a:p>
+            <a:r>
+              <a:rPr lang="en-US" altLang="zh-CN" b="1" dirty="0"/>
+              <a:t>Object Pool Pattern</a:t>
+            </a:r>
+            <a:br>
+              <a:rPr lang="en-US" altLang="zh-CN" dirty="0"/>
+            </a:br>
+            <a:endParaRPr lang="zh-CN" altLang="en-US" dirty="0"/>
+          </a:p>
+        </p:txBody>
+      </p:sp>
+      <p:sp>
+        <p:nvSpPr>
+          <p:cNvPr id="3" name="文本占位符 2"/>
+          <p:cNvSpPr>
+            <a:spLocks noGrp="1"/>
+          </p:cNvSpPr>
+          <p:nvPr>
+            <p:ph type="body" idx="1"/>
+          </p:nvPr>
+        </p:nvSpPr>
+        <p:spPr>
+          <a:xfrm>
+            <a:off x="834012" y="974691"/>
+            <a:ext cx="10513437" cy="5114960"/>
+          </a:xfrm>
+        </p:spPr>
+        <p:txBody>
+          <a:bodyPr/>
+          <a:lstStyle/>
+          <a:p>
+            <a:endParaRPr lang="zh-CN" altLang="en-US" dirty="0"/>
+          </a:p>
+          <a:p>
+            <a:pPr marL="342900" indent="-342900">
+              <a:buFont typeface="Arial" panose="020B0604020202020204" pitchFamily="34" charset="0"/>
+              <a:buChar char="•"/>
+            </a:pPr>
+            <a:r>
+              <a:rPr lang="zh-CN" altLang="en-US" dirty="0"/>
+              <a:t>在软件系统采用纯粹对象方案的问题在于大量细粒度的对象会很快充斥在系统中，从而带来很高的运行时代价——主要指内存需求方面的代价。</a:t>
+            </a:r>
+            <a:endParaRPr lang="zh-CN" altLang="en-US" dirty="0"/>
+          </a:p>
+          <a:p>
+            <a:pPr marL="342900" indent="-342900">
+              <a:buFont typeface="Arial" panose="020B0604020202020204" pitchFamily="34" charset="0"/>
+              <a:buChar char="•"/>
+            </a:pPr>
+            <a:r>
+              <a:rPr lang="zh-CN" altLang="en-US" dirty="0"/>
+              <a:t>如何在避免大量细粒度对象问题的同时，让外部客户程序仍然能够透明地使用面向对象的方式来进行操作？</a:t>
+            </a:r>
+            <a:endParaRPr lang="zh-CN" altLang="en-US" dirty="0"/>
+          </a:p>
+        </p:txBody>
+      </p:sp>
+    </p:spTree>
+  </p:cSld>
+  <p:clrMapOvr>
+    <a:masterClrMapping/>
+  </p:clrMapOvr>
+</p:sld>
+</file>
+
+<file path=ppt/slides/slide19.xml><?xml version="1.0" encoding="utf-8"?>
+<p:sld xmlns:a="http://schemas.openxmlformats.org/drawingml/2006/main" xmlns:r="http://schemas.openxmlformats.org/officeDocument/2006/relationships" xmlns:p="http://schemas.openxmlformats.org/presentationml/2006/main">
+  <p:cSld>
+    <p:spTree>
+      <p:nvGrpSpPr>
+        <p:cNvPr id="1" name=""/>
+        <p:cNvGrpSpPr/>
+        <p:nvPr/>
+      </p:nvGrpSpPr>
+      <p:grpSpPr>
+        <a:xfrm>
+          <a:off x="0" y="0"/>
+          <a:ext cx="0" cy="0"/>
+          <a:chOff x="0" y="0"/>
+          <a:chExt cx="0" cy="0"/>
+        </a:xfrm>
+      </p:grpSpPr>
+      <p:sp>
+        <p:nvSpPr>
+          <p:cNvPr id="5" name="标题 4"/>
+          <p:cNvSpPr>
+            <a:spLocks noGrp="1"/>
+          </p:cNvSpPr>
+          <p:nvPr>
+            <p:ph type="title"/>
+          </p:nvPr>
+        </p:nvSpPr>
+        <p:spPr>
+          <a:xfrm>
+            <a:off x="683288" y="104826"/>
+            <a:ext cx="6370655" cy="903717"/>
+          </a:xfrm>
+        </p:spPr>
+        <p:txBody>
+          <a:bodyPr>
+            <a:noAutofit/>
+          </a:bodyPr>
+          <a:lstStyle/>
+          <a:p>
+            <a:br>
+              <a:rPr lang="zh-CN" altLang="en-US" sz="4000" dirty="0"/>
+            </a:br>
+            <a:r>
+              <a:rPr lang="en-US" altLang="zh-CN" sz="5400" b="1" dirty="0"/>
+              <a:t>Component Pattern</a:t>
+            </a:r>
+            <a:endParaRPr lang="zh-CN" altLang="en-US" sz="5400" b="1" dirty="0"/>
+          </a:p>
+        </p:txBody>
+      </p:sp>
+      <p:sp>
+        <p:nvSpPr>
+          <p:cNvPr id="6" name="文本占位符 5"/>
+          <p:cNvSpPr>
+            <a:spLocks noGrp="1"/>
+          </p:cNvSpPr>
+          <p:nvPr>
+            <p:ph type="body" idx="1"/>
+          </p:nvPr>
+        </p:nvSpPr>
+        <p:spPr>
+          <a:xfrm>
+            <a:off x="809119" y="1008543"/>
+            <a:ext cx="10967549" cy="5983841"/>
+          </a:xfrm>
+        </p:spPr>
+        <p:txBody>
+          <a:bodyPr/>
+          <a:lstStyle/>
+          <a:p>
+            <a:r>
+              <a:rPr lang="zh-CN" altLang="en-US" dirty="0"/>
+              <a:t>组件模式</a:t>
+            </a:r>
+            <a:r>
+              <a:rPr lang="en-US" altLang="zh-CN" dirty="0"/>
+              <a:t>Unity</a:t>
+            </a:r>
+            <a:r>
+              <a:rPr lang="zh-CN" altLang="en-US" dirty="0"/>
+              <a:t>核心的设计模式。</a:t>
+            </a:r>
+            <a:endParaRPr lang="en-US" altLang="zh-CN" dirty="0"/>
+          </a:p>
+          <a:p>
+            <a:r>
+              <a:rPr lang="zh-CN" altLang="en-US" dirty="0"/>
+              <a:t>作用</a:t>
+            </a:r>
+            <a:r>
+              <a:rPr lang="en-US" altLang="zh-CN" dirty="0"/>
+              <a:t>:</a:t>
+            </a:r>
+            <a:r>
+              <a:rPr lang="zh-CN" altLang="en-US" dirty="0"/>
+              <a:t>为了一个单一的实体访问多个核心类，又能保证每个核心独立。实体抽象成一个简单的容器</a:t>
+            </a:r>
+            <a:endParaRPr lang="en-US" altLang="zh-CN" dirty="0"/>
+          </a:p>
+          <a:p>
+            <a:endParaRPr lang="zh-CN" altLang="en-US" dirty="0"/>
+          </a:p>
+        </p:txBody>
+      </p:sp>
+    </p:spTree>
   </p:cSld>
   <p:clrMapOvr>
     <a:masterClrMapping/>
@@ -4982,13 +7386,7 @@
       </p:grpSpPr>
       <p:sp>
         <p:nvSpPr>
-          <p:cNvPr id="2" name="标题 1">
-            <a:extLst>
-              <a:ext uri="{FF2B5EF4-FFF2-40B4-BE49-F238E27FC236}">
-                <a16:creationId xmlns:a16="http://schemas.microsoft.com/office/drawing/2014/main" id="{4330B2E4-587D-4EC9-BFDE-73BD67914D0E}"/>
-              </a:ext>
-            </a:extLst>
-          </p:cNvPr>
+          <p:cNvPr id="2" name="标题 1"/>
           <p:cNvSpPr>
             <a:spLocks noGrp="1"/>
           </p:cNvSpPr>
@@ -5012,18 +7410,13 @@
               <a:rPr lang="zh-CN" altLang="en-US" dirty="0"/>
               <a:t>如何解决变化的复杂性呢</a:t>
             </a:r>
-          </a:p>
-        </p:txBody>
-      </p:sp>
-      <p:sp>
-        <p:nvSpPr>
-          <p:cNvPr id="3" name="内容占位符 2">
-            <a:extLst>
-              <a:ext uri="{FF2B5EF4-FFF2-40B4-BE49-F238E27FC236}">
-                <a16:creationId xmlns:a16="http://schemas.microsoft.com/office/drawing/2014/main" id="{53086B07-C79E-4DEA-A9F8-06BF42327A49}"/>
-              </a:ext>
-            </a:extLst>
-          </p:cNvPr>
+            <a:endParaRPr lang="zh-CN" altLang="en-US" dirty="0"/>
+          </a:p>
+        </p:txBody>
+      </p:sp>
+      <p:sp>
+        <p:nvSpPr>
+          <p:cNvPr id="3" name="内容占位符 2"/>
           <p:cNvSpPr>
             <a:spLocks noGrp="1"/>
           </p:cNvSpPr>
@@ -5045,6 +7438,7 @@
               <a:rPr lang="zh-CN" altLang="en-US" dirty="0"/>
               <a:t>分解</a:t>
             </a:r>
+            <a:endParaRPr lang="zh-CN" altLang="en-US" dirty="0"/>
           </a:p>
           <a:p>
             <a:pPr lvl="1"/>
@@ -5052,12 +7446,14 @@
               <a:rPr lang="zh-CN" altLang="en-US" dirty="0"/>
               <a:t>人们面对复杂性有一个常见的做法：即分而治之，将大问题分解为多个小问题，将复杂问题分解为多个简单问题。</a:t>
             </a:r>
+            <a:endParaRPr lang="zh-CN" altLang="en-US" dirty="0"/>
           </a:p>
           <a:p>
             <a:r>
               <a:rPr lang="zh-CN" altLang="en-US" dirty="0"/>
               <a:t>抽象</a:t>
             </a:r>
+            <a:endParaRPr lang="zh-CN" altLang="en-US" dirty="0"/>
           </a:p>
           <a:p>
             <a:pPr lvl="1"/>
@@ -5065,18 +7461,199 @@
               <a:rPr lang="zh-CN" altLang="en-US" dirty="0"/>
               <a:t>更高层次来讲，人们处理复杂性有一个通用的技术，即抽象。由于不能掌握全部的复杂对象，我们选择忽视它的非本质细节，而去处理泛化和理想化了的对象模型。</a:t>
             </a:r>
-          </a:p>
-          <a:p>
             <a:endParaRPr lang="zh-CN" altLang="en-US" dirty="0"/>
           </a:p>
+          <a:p>
+            <a:endParaRPr lang="zh-CN" altLang="en-US" dirty="0"/>
+          </a:p>
         </p:txBody>
       </p:sp>
     </p:spTree>
-    <p:extLst>
-      <p:ext uri="{BB962C8B-B14F-4D97-AF65-F5344CB8AC3E}">
-        <p14:creationId xmlns:p14="http://schemas.microsoft.com/office/powerpoint/2010/main" val="2403969775"/>
-      </p:ext>
-    </p:extLst>
+  </p:cSld>
+  <p:clrMapOvr>
+    <a:masterClrMapping/>
+  </p:clrMapOvr>
+</p:sld>
+</file>
+
+<file path=ppt/slides/slide20.xml><?xml version="1.0" encoding="utf-8"?>
+<p:sld xmlns:a="http://schemas.openxmlformats.org/drawingml/2006/main" xmlns:r="http://schemas.openxmlformats.org/officeDocument/2006/relationships" xmlns:p="http://schemas.openxmlformats.org/presentationml/2006/main">
+  <p:cSld>
+    <p:spTree>
+      <p:nvGrpSpPr>
+        <p:cNvPr id="1" name=""/>
+        <p:cNvGrpSpPr/>
+        <p:nvPr/>
+      </p:nvGrpSpPr>
+      <p:grpSpPr>
+        <a:xfrm>
+          <a:off x="0" y="0"/>
+          <a:ext cx="0" cy="0"/>
+          <a:chOff x="0" y="0"/>
+          <a:chExt cx="0" cy="0"/>
+        </a:xfrm>
+      </p:grpSpPr>
+      <p:sp>
+        <p:nvSpPr>
+          <p:cNvPr id="2" name="标题 1"/>
+          <p:cNvSpPr>
+            <a:spLocks noGrp="1"/>
+          </p:cNvSpPr>
+          <p:nvPr>
+            <p:ph type="title"/>
+          </p:nvPr>
+        </p:nvSpPr>
+        <p:spPr>
+          <a:xfrm>
+            <a:off x="844550" y="40192"/>
+            <a:ext cx="8992786" cy="2311121"/>
+          </a:xfrm>
+        </p:spPr>
+        <p:txBody>
+          <a:bodyPr>
+            <a:normAutofit fontScale="90000"/>
+          </a:bodyPr>
+          <a:lstStyle/>
+          <a:p>
+            <a:r>
+              <a:rPr lang="en-US" altLang="zh-CN" b="1" dirty="0"/>
+              <a:t>Dirty Flag Pattern </a:t>
+            </a:r>
+            <a:br>
+              <a:rPr lang="en-US" altLang="zh-CN" b="1" dirty="0"/>
+            </a:br>
+            <a:br>
+              <a:rPr lang="en-US" altLang="zh-CN" b="1" dirty="0"/>
+            </a:br>
+            <a:endParaRPr lang="zh-CN" altLang="en-US" dirty="0"/>
+          </a:p>
+        </p:txBody>
+      </p:sp>
+      <p:sp>
+        <p:nvSpPr>
+          <p:cNvPr id="3" name="文本占位符 2"/>
+          <p:cNvSpPr>
+            <a:spLocks noGrp="1"/>
+          </p:cNvSpPr>
+          <p:nvPr>
+            <p:ph type="body" idx="1"/>
+          </p:nvPr>
+        </p:nvSpPr>
+        <p:spPr>
+          <a:xfrm>
+            <a:off x="834012" y="974691"/>
+            <a:ext cx="10513437" cy="5114960"/>
+          </a:xfrm>
+        </p:spPr>
+        <p:txBody>
+          <a:bodyPr/>
+          <a:lstStyle/>
+          <a:p>
+            <a:r>
+              <a:rPr lang="zh-CN" altLang="en-US" dirty="0"/>
+              <a:t>一组原始数据随时间变化。一组颜色数据经过一些代价昂贵的操作由这些数据确定。一个脏标记跟踪这个衍生数据是否和原始数据同步。它在原始数据改变时被设置。如果它被设置了，那么当需要衍生数据时，它们就会被重新计算并且标记被清除。否则就使用缓存的数据。</a:t>
+            </a:r>
+            <a:endParaRPr lang="zh-CN" altLang="en-US" dirty="0"/>
+          </a:p>
+        </p:txBody>
+      </p:sp>
+    </p:spTree>
+  </p:cSld>
+  <p:clrMapOvr>
+    <a:masterClrMapping/>
+  </p:clrMapOvr>
+</p:sld>
+</file>
+
+<file path=ppt/slides/slide21.xml><?xml version="1.0" encoding="utf-8"?>
+<p:sld xmlns:a="http://schemas.openxmlformats.org/drawingml/2006/main" xmlns:r="http://schemas.openxmlformats.org/officeDocument/2006/relationships" xmlns:p="http://schemas.openxmlformats.org/presentationml/2006/main">
+  <p:cSld>
+    <p:spTree>
+      <p:nvGrpSpPr>
+        <p:cNvPr id="1" name=""/>
+        <p:cNvGrpSpPr/>
+        <p:nvPr/>
+      </p:nvGrpSpPr>
+      <p:grpSpPr>
+        <a:xfrm>
+          <a:off x="0" y="0"/>
+          <a:ext cx="0" cy="0"/>
+          <a:chOff x="0" y="0"/>
+          <a:chExt cx="0" cy="0"/>
+        </a:xfrm>
+      </p:grpSpPr>
+      <p:sp>
+        <p:nvSpPr>
+          <p:cNvPr id="2" name="标题 1"/>
+          <p:cNvSpPr>
+            <a:spLocks noGrp="1"/>
+          </p:cNvSpPr>
+          <p:nvPr>
+            <p:ph type="title"/>
+          </p:nvPr>
+        </p:nvSpPr>
+        <p:spPr>
+          <a:xfrm>
+            <a:off x="844550" y="40192"/>
+            <a:ext cx="8992786" cy="2311121"/>
+          </a:xfrm>
+        </p:spPr>
+        <p:txBody>
+          <a:bodyPr>
+            <a:normAutofit fontScale="90000"/>
+          </a:bodyPr>
+          <a:lstStyle/>
+          <a:p>
+            <a:r>
+              <a:rPr lang="en-US" altLang="zh-CN" b="1" dirty="0"/>
+              <a:t>Data Locality Pattern </a:t>
+            </a:r>
+            <a:br>
+              <a:rPr lang="en-US" altLang="zh-CN" b="1" dirty="0"/>
+            </a:br>
+            <a:br>
+              <a:rPr lang="en-US" altLang="zh-CN" b="1" dirty="0"/>
+            </a:br>
+            <a:endParaRPr lang="zh-CN" altLang="en-US" dirty="0"/>
+          </a:p>
+        </p:txBody>
+      </p:sp>
+      <p:sp>
+        <p:nvSpPr>
+          <p:cNvPr id="3" name="文本占位符 2"/>
+          <p:cNvSpPr>
+            <a:spLocks noGrp="1"/>
+          </p:cNvSpPr>
+          <p:nvPr>
+            <p:ph type="body" idx="1"/>
+          </p:nvPr>
+        </p:nvSpPr>
+        <p:spPr>
+          <a:xfrm>
+            <a:off x="834012" y="974691"/>
+            <a:ext cx="10513437" cy="5114960"/>
+          </a:xfrm>
+        </p:spPr>
+        <p:txBody>
+          <a:bodyPr/>
+          <a:lstStyle/>
+          <a:p>
+            <a:r>
+              <a:rPr lang="zh-CN" altLang="en-US" dirty="0"/>
+              <a:t>现代的CPU有缓存来加速内存读取，其可以更快地读取最近访问过的内存毗邻的内存。基于这一点，我们通过保证处理的数据排列在连续内存上，以提高内存局部性，从而提高性能。</a:t>
+            </a:r>
+            <a:endParaRPr lang="zh-CN" altLang="en-US" dirty="0"/>
+          </a:p>
+          <a:p>
+            <a:r>
+              <a:rPr lang="zh-CN" altLang="en-US" dirty="0"/>
+              <a:t>为了保证数据局部性，就要避免的缓存不命中。也许你需要牺牲一些宝贵的抽象。你越围绕数据局部性设计程序，就越放弃继承、接口和它们带来的好处。没有银弹，只有权衡。</a:t>
+            </a:r>
+            <a:endParaRPr lang="zh-CN" altLang="en-US" dirty="0"/>
+          </a:p>
+        </p:txBody>
+      </p:sp>
+    </p:spTree>
   </p:cSld>
   <p:clrMapOvr>
     <a:masterClrMapping/>
@@ -5103,13 +7680,7 @@
       </p:grpSpPr>
       <p:sp>
         <p:nvSpPr>
-          <p:cNvPr id="3" name="副标题 2">
-            <a:extLst>
-              <a:ext uri="{FF2B5EF4-FFF2-40B4-BE49-F238E27FC236}">
-                <a16:creationId xmlns:a16="http://schemas.microsoft.com/office/drawing/2014/main" id="{756F3ABA-5AA3-4B47-AAD7-8A56D0A5CED0}"/>
-              </a:ext>
-            </a:extLst>
-          </p:cNvPr>
+          <p:cNvPr id="3" name="副标题 2"/>
           <p:cNvSpPr>
             <a:spLocks noGrp="1"/>
           </p:cNvSpPr>
@@ -5141,11 +7712,6 @@
         </p:txBody>
       </p:sp>
     </p:spTree>
-    <p:extLst>
-      <p:ext uri="{BB962C8B-B14F-4D97-AF65-F5344CB8AC3E}">
-        <p14:creationId xmlns:p14="http://schemas.microsoft.com/office/powerpoint/2010/main" val="2874511117"/>
-      </p:ext>
-    </p:extLst>
   </p:cSld>
   <p:clrMapOvr>
     <a:masterClrMapping/>
@@ -5172,13 +7738,7 @@
       </p:grpSpPr>
       <p:sp>
         <p:nvSpPr>
-          <p:cNvPr id="3" name="文本占位符 2">
-            <a:extLst>
-              <a:ext uri="{FF2B5EF4-FFF2-40B4-BE49-F238E27FC236}">
-                <a16:creationId xmlns:a16="http://schemas.microsoft.com/office/drawing/2014/main" id="{A6AC4DEE-C7BD-4EBC-A5CA-97C8269F7050}"/>
-              </a:ext>
-            </a:extLst>
-          </p:cNvPr>
+          <p:cNvPr id="3" name="文本占位符 2"/>
           <p:cNvSpPr>
             <a:spLocks noGrp="1"/>
           </p:cNvSpPr>
@@ -5208,6 +7768,7 @@
               <a:rPr lang="zh-CN" altLang="en-US" dirty="0"/>
               <a:t>）</a:t>
             </a:r>
+            <a:endParaRPr lang="zh-CN" altLang="en-US" dirty="0"/>
           </a:p>
           <a:p>
             <a:pPr marL="342900" indent="-342900">
@@ -5266,6 +7827,7 @@
               <a:rPr lang="zh-CN" altLang="en-US" dirty="0"/>
               <a:t>。</a:t>
             </a:r>
+            <a:endParaRPr lang="zh-CN" altLang="en-US" dirty="0"/>
           </a:p>
           <a:p>
             <a:pPr marL="342900" indent="-342900">
@@ -5324,6 +7886,7 @@
               <a:rPr lang="zh-CN" altLang="en-US" dirty="0"/>
               <a:t>。</a:t>
             </a:r>
+            <a:endParaRPr lang="zh-CN" altLang="en-US" dirty="0"/>
           </a:p>
           <a:p>
             <a:endParaRPr lang="en-US" altLang="zh-CN" dirty="0"/>
@@ -5334,11 +7897,6 @@
         </p:txBody>
       </p:sp>
     </p:spTree>
-    <p:extLst>
-      <p:ext uri="{BB962C8B-B14F-4D97-AF65-F5344CB8AC3E}">
-        <p14:creationId xmlns:p14="http://schemas.microsoft.com/office/powerpoint/2010/main" val="1257954849"/>
-      </p:ext>
-    </p:extLst>
   </p:cSld>
   <p:clrMapOvr>
     <a:masterClrMapping/>
@@ -5365,13 +7923,7 @@
       </p:grpSpPr>
       <p:sp>
         <p:nvSpPr>
-          <p:cNvPr id="3" name="文本占位符 2">
-            <a:extLst>
-              <a:ext uri="{FF2B5EF4-FFF2-40B4-BE49-F238E27FC236}">
-                <a16:creationId xmlns:a16="http://schemas.microsoft.com/office/drawing/2014/main" id="{E0797477-7965-4A4C-A926-08601510A418}"/>
-              </a:ext>
-            </a:extLst>
-          </p:cNvPr>
+          <p:cNvPr id="3" name="文本占位符 2"/>
           <p:cNvSpPr>
             <a:spLocks noGrp="1"/>
           </p:cNvSpPr>
@@ -5412,6 +7964,7 @@
               <a:rPr lang="zh-CN" altLang="en-US" dirty="0"/>
               <a:t>对扩展开放，对更改封闭。</a:t>
             </a:r>
+            <a:endParaRPr lang="zh-CN" altLang="en-US" dirty="0"/>
           </a:p>
           <a:p>
             <a:pPr marL="342900" indent="-342900">
@@ -5422,6 +7975,7 @@
               <a:rPr lang="zh-CN" altLang="en-US" dirty="0"/>
               <a:t>类模块应该是可扩展的，但是不可修改。</a:t>
             </a:r>
+            <a:endParaRPr lang="zh-CN" altLang="en-US" dirty="0"/>
           </a:p>
           <a:p>
             <a:endParaRPr lang="en-US" altLang="zh-CN" dirty="0"/>
@@ -5441,11 +7995,6 @@
         </p:txBody>
       </p:sp>
     </p:spTree>
-    <p:extLst>
-      <p:ext uri="{BB962C8B-B14F-4D97-AF65-F5344CB8AC3E}">
-        <p14:creationId xmlns:p14="http://schemas.microsoft.com/office/powerpoint/2010/main" val="1223869765"/>
-      </p:ext>
-    </p:extLst>
   </p:cSld>
   <p:clrMapOvr>
     <a:masterClrMapping/>
@@ -5472,13 +8021,7 @@
       </p:grpSpPr>
       <p:sp>
         <p:nvSpPr>
-          <p:cNvPr id="3" name="文本占位符 2">
-            <a:extLst>
-              <a:ext uri="{FF2B5EF4-FFF2-40B4-BE49-F238E27FC236}">
-                <a16:creationId xmlns:a16="http://schemas.microsoft.com/office/drawing/2014/main" id="{E0797477-7965-4A4C-A926-08601510A418}"/>
-              </a:ext>
-            </a:extLst>
-          </p:cNvPr>
+          <p:cNvPr id="3" name="文本占位符 2"/>
           <p:cNvSpPr>
             <a:spLocks noGrp="1"/>
           </p:cNvSpPr>
@@ -5508,6 +8051,7 @@
               <a:rPr lang="zh-CN" altLang="en-US" dirty="0"/>
               <a:t>）</a:t>
             </a:r>
+            <a:endParaRPr lang="zh-CN" altLang="en-US" dirty="0"/>
           </a:p>
           <a:p>
             <a:pPr marL="342900" indent="-342900">
@@ -5518,6 +8062,7 @@
               <a:rPr lang="zh-CN" altLang="en-US" dirty="0"/>
               <a:t>一个类应该仅有一个引起它变化的原因。</a:t>
             </a:r>
+            <a:endParaRPr lang="zh-CN" altLang="en-US" dirty="0"/>
           </a:p>
           <a:p>
             <a:pPr marL="342900" indent="-342900">
@@ -5528,6 +8073,7 @@
               <a:rPr lang="zh-CN" altLang="en-US" dirty="0"/>
               <a:t>变化的方向隐含着类的责任。</a:t>
             </a:r>
+            <a:endParaRPr lang="zh-CN" altLang="en-US" dirty="0"/>
           </a:p>
           <a:p>
             <a:endParaRPr lang="en-US" altLang="zh-CN" dirty="0"/>
@@ -5547,11 +8093,6 @@
         </p:txBody>
       </p:sp>
     </p:spTree>
-    <p:extLst>
-      <p:ext uri="{BB962C8B-B14F-4D97-AF65-F5344CB8AC3E}">
-        <p14:creationId xmlns:p14="http://schemas.microsoft.com/office/powerpoint/2010/main" val="3582875737"/>
-      </p:ext>
-    </p:extLst>
   </p:cSld>
   <p:clrMapOvr>
     <a:masterClrMapping/>
@@ -5578,13 +8119,7 @@
       </p:grpSpPr>
       <p:sp>
         <p:nvSpPr>
-          <p:cNvPr id="3" name="文本占位符 2">
-            <a:extLst>
-              <a:ext uri="{FF2B5EF4-FFF2-40B4-BE49-F238E27FC236}">
-                <a16:creationId xmlns:a16="http://schemas.microsoft.com/office/drawing/2014/main" id="{963BF718-F18C-4C61-8DAD-A932D13CEB1B}"/>
-              </a:ext>
-            </a:extLst>
-          </p:cNvPr>
+          <p:cNvPr id="3" name="文本占位符 2"/>
           <p:cNvSpPr>
             <a:spLocks noGrp="1"/>
           </p:cNvSpPr>
@@ -5625,6 +8160,7 @@
               <a:rPr lang="zh-CN" altLang="en-US" dirty="0"/>
               <a:t>。</a:t>
             </a:r>
+            <a:endParaRPr lang="zh-CN" altLang="en-US" dirty="0"/>
           </a:p>
           <a:p>
             <a:pPr marL="342900" indent="-342900">
@@ -5647,11 +8183,6 @@
         </p:txBody>
       </p:sp>
     </p:spTree>
-    <p:extLst>
-      <p:ext uri="{BB962C8B-B14F-4D97-AF65-F5344CB8AC3E}">
-        <p14:creationId xmlns:p14="http://schemas.microsoft.com/office/powerpoint/2010/main" val="764622199"/>
-      </p:ext>
-    </p:extLst>
   </p:cSld>
   <p:clrMapOvr>
     <a:masterClrMapping/>
@@ -5678,13 +8209,7 @@
       </p:grpSpPr>
       <p:sp>
         <p:nvSpPr>
-          <p:cNvPr id="3" name="文本占位符 2">
-            <a:extLst>
-              <a:ext uri="{FF2B5EF4-FFF2-40B4-BE49-F238E27FC236}">
-                <a16:creationId xmlns:a16="http://schemas.microsoft.com/office/drawing/2014/main" id="{963BF718-F18C-4C61-8DAD-A932D13CEB1B}"/>
-              </a:ext>
-            </a:extLst>
-          </p:cNvPr>
+          <p:cNvPr id="3" name="文本占位符 2"/>
           <p:cNvSpPr>
             <a:spLocks noGrp="1"/>
           </p:cNvSpPr>
@@ -5728,6 +8253,7 @@
               <a:rPr lang="zh-CN" altLang="en-US" dirty="0"/>
               <a:t>不应该强迫客户程序依赖它们不用的方法。</a:t>
             </a:r>
+            <a:endParaRPr lang="zh-CN" altLang="en-US" dirty="0"/>
           </a:p>
           <a:p>
             <a:pPr marL="342900" indent="-342900">
@@ -5738,6 +8264,7 @@
               <a:rPr lang="zh-CN" altLang="en-US" dirty="0"/>
               <a:t>接口应该小而完备。</a:t>
             </a:r>
+            <a:endParaRPr lang="zh-CN" altLang="en-US" dirty="0"/>
           </a:p>
           <a:p>
             <a:r>
@@ -5749,11 +8276,6 @@
         </p:txBody>
       </p:sp>
     </p:spTree>
-    <p:extLst>
-      <p:ext uri="{BB962C8B-B14F-4D97-AF65-F5344CB8AC3E}">
-        <p14:creationId xmlns:p14="http://schemas.microsoft.com/office/powerpoint/2010/main" val="1973870375"/>
-      </p:ext>
-    </p:extLst>
   </p:cSld>
   <p:clrMapOvr>
     <a:masterClrMapping/>
@@ -5780,13 +8302,7 @@
       </p:grpSpPr>
       <p:sp>
         <p:nvSpPr>
-          <p:cNvPr id="3" name="文本占位符 2">
-            <a:extLst>
-              <a:ext uri="{FF2B5EF4-FFF2-40B4-BE49-F238E27FC236}">
-                <a16:creationId xmlns:a16="http://schemas.microsoft.com/office/drawing/2014/main" id="{C82C575C-B31F-4309-9B54-D92BC5054C85}"/>
-              </a:ext>
-            </a:extLst>
-          </p:cNvPr>
+          <p:cNvPr id="3" name="文本占位符 2"/>
           <p:cNvSpPr>
             <a:spLocks noGrp="1"/>
           </p:cNvSpPr>
@@ -5827,6 +8343,7 @@
               <a:rPr lang="zh-CN" altLang="en-US" dirty="0"/>
               <a:t>类继承通常为“白箱复用”，对象组合通常为“黑箱复用” 。</a:t>
             </a:r>
+            <a:endParaRPr lang="zh-CN" altLang="en-US" dirty="0"/>
           </a:p>
           <a:p>
             <a:pPr marL="342900" indent="-342900">
@@ -5837,6 +8354,7 @@
               <a:rPr lang="zh-CN" altLang="en-US" dirty="0"/>
               <a:t>继承在某种程度上破坏了封装性，子类父类耦合度高。</a:t>
             </a:r>
+            <a:endParaRPr lang="zh-CN" altLang="en-US" dirty="0"/>
           </a:p>
           <a:p>
             <a:pPr marL="342900" indent="-342900">
@@ -5862,11 +8380,6 @@
         </p:txBody>
       </p:sp>
     </p:spTree>
-    <p:extLst>
-      <p:ext uri="{BB962C8B-B14F-4D97-AF65-F5344CB8AC3E}">
-        <p14:creationId xmlns:p14="http://schemas.microsoft.com/office/powerpoint/2010/main" val="2204637028"/>
-      </p:ext>
-    </p:extLst>
   </p:cSld>
   <p:clrMapOvr>
     <a:masterClrMapping/>
@@ -5917,7 +8430,7 @@
     </a:clrScheme>
     <a:fontScheme name="Office">
       <a:majorFont>
-        <a:latin typeface="等线 Light" panose="020F0302020204030204"/>
+        <a:latin typeface="等线 Light"/>
         <a:ea typeface=""/>
         <a:cs typeface=""/>
         <a:font script="Jpan" typeface="游ゴシック Light"/>
@@ -5950,26 +8463,9 @@
         <a:font script="Viet" typeface="Times New Roman"/>
         <a:font script="Uigh" typeface="Microsoft Uighur"/>
         <a:font script="Geor" typeface="Sylfaen"/>
-        <a:font script="Armn" typeface="Arial"/>
-        <a:font script="Bugi" typeface="Leelawadee UI"/>
-        <a:font script="Bopo" typeface="Microsoft JhengHei"/>
-        <a:font script="Java" typeface="Javanese Text"/>
-        <a:font script="Lisu" typeface="Segoe UI"/>
-        <a:font script="Mymr" typeface="Myanmar Text"/>
-        <a:font script="Nkoo" typeface="Ebrima"/>
-        <a:font script="Olck" typeface="Nirmala UI"/>
-        <a:font script="Osma" typeface="Ebrima"/>
-        <a:font script="Phag" typeface="Phagspa"/>
-        <a:font script="Syrn" typeface="Estrangelo Edessa"/>
-        <a:font script="Syrj" typeface="Estrangelo Edessa"/>
-        <a:font script="Syre" typeface="Estrangelo Edessa"/>
-        <a:font script="Sora" typeface="Nirmala UI"/>
-        <a:font script="Tale" typeface="Microsoft Tai Le"/>
-        <a:font script="Talu" typeface="Microsoft New Tai Lue"/>
-        <a:font script="Tfng" typeface="Ebrima"/>
       </a:majorFont>
       <a:minorFont>
-        <a:latin typeface="等线" panose="020F0502020204030204"/>
+        <a:latin typeface="等线"/>
         <a:ea typeface=""/>
         <a:cs typeface=""/>
         <a:font script="Jpan" typeface="游ゴシック"/>
@@ -6002,23 +8498,6 @@
         <a:font script="Viet" typeface="Arial"/>
         <a:font script="Uigh" typeface="Microsoft Uighur"/>
         <a:font script="Geor" typeface="Sylfaen"/>
-        <a:font script="Armn" typeface="Arial"/>
-        <a:font script="Bugi" typeface="Leelawadee UI"/>
-        <a:font script="Bopo" typeface="Microsoft JhengHei"/>
-        <a:font script="Java" typeface="Javanese Text"/>
-        <a:font script="Lisu" typeface="Segoe UI"/>
-        <a:font script="Mymr" typeface="Myanmar Text"/>
-        <a:font script="Nkoo" typeface="Ebrima"/>
-        <a:font script="Olck" typeface="Nirmala UI"/>
-        <a:font script="Osma" typeface="Ebrima"/>
-        <a:font script="Phag" typeface="Phagspa"/>
-        <a:font script="Syrn" typeface="Estrangelo Edessa"/>
-        <a:font script="Syrj" typeface="Estrangelo Edessa"/>
-        <a:font script="Syre" typeface="Estrangelo Edessa"/>
-        <a:font script="Sora" typeface="Nirmala UI"/>
-        <a:font script="Tale" typeface="Microsoft Tai Le"/>
-        <a:font script="Talu" typeface="Microsoft New Tai Lue"/>
-        <a:font script="Tfng" typeface="Ebrima"/>
       </a:minorFont>
     </a:fontScheme>
     <a:fmtScheme name="Office">
@@ -6159,8 +8638,6 @@
       </a:bgFillStyleLst>
     </a:fmtScheme>
   </a:themeElements>
-  <a:objectDefaults/>
-  <a:extraClrSchemeLst/>
   <a:extLst>
     <a:ext uri="{05A4C25C-085E-4340-85A3-A5531E510DB2}">
       <thm15:themeFamily xmlns:thm15="http://schemas.microsoft.com/office/thememl/2012/main" name="Office Theme" id="{62F939B6-93AF-4DB8-9C6B-D6C7DFDC589F}" vid="{4A3C46E8-61CC-4603-A589-7422A47A8E4A}"/>
@@ -6170,7 +8647,7 @@
 </file>
 
 <file path=ppt/theme/theme2.xml><?xml version="1.0" encoding="utf-8"?>
-<a:theme xmlns:a="http://schemas.openxmlformats.org/drawingml/2006/main" name="Office 主题​​">
+<a:theme xmlns:a="http://schemas.openxmlformats.org/drawingml/2006/main" name="1_Office 主题​​">
   <a:themeElements>
     <a:clrScheme name="Office">
       <a:dk1>
@@ -6212,7 +8689,7 @@
     </a:clrScheme>
     <a:fontScheme name="Office">
       <a:majorFont>
-        <a:latin typeface="等线 Light" panose="020F0302020204030204"/>
+        <a:latin typeface="等线 Light"/>
         <a:ea typeface=""/>
         <a:cs typeface=""/>
         <a:font script="Jpan" typeface="游ゴシック Light"/>
@@ -6245,26 +8722,9 @@
         <a:font script="Viet" typeface="Times New Roman"/>
         <a:font script="Uigh" typeface="Microsoft Uighur"/>
         <a:font script="Geor" typeface="Sylfaen"/>
-        <a:font script="Armn" typeface="Arial"/>
-        <a:font script="Bugi" typeface="Leelawadee UI"/>
-        <a:font script="Bopo" typeface="Microsoft JhengHei"/>
-        <a:font script="Java" typeface="Javanese Text"/>
-        <a:font script="Lisu" typeface="Segoe UI"/>
-        <a:font script="Mymr" typeface="Myanmar Text"/>
-        <a:font script="Nkoo" typeface="Ebrima"/>
-        <a:font script="Olck" typeface="Nirmala UI"/>
-        <a:font script="Osma" typeface="Ebrima"/>
-        <a:font script="Phag" typeface="Phagspa"/>
-        <a:font script="Syrn" typeface="Estrangelo Edessa"/>
-        <a:font script="Syrj" typeface="Estrangelo Edessa"/>
-        <a:font script="Syre" typeface="Estrangelo Edessa"/>
-        <a:font script="Sora" typeface="Nirmala UI"/>
-        <a:font script="Tale" typeface="Microsoft Tai Le"/>
-        <a:font script="Talu" typeface="Microsoft New Tai Lue"/>
-        <a:font script="Tfng" typeface="Ebrima"/>
       </a:majorFont>
       <a:minorFont>
-        <a:latin typeface="等线" panose="020F0502020204030204"/>
+        <a:latin typeface="等线"/>
         <a:ea typeface=""/>
         <a:cs typeface=""/>
         <a:font script="Jpan" typeface="游ゴシック"/>
@@ -6297,23 +8757,6 @@
         <a:font script="Viet" typeface="Arial"/>
         <a:font script="Uigh" typeface="Microsoft Uighur"/>
         <a:font script="Geor" typeface="Sylfaen"/>
-        <a:font script="Armn" typeface="Arial"/>
-        <a:font script="Bugi" typeface="Leelawadee UI"/>
-        <a:font script="Bopo" typeface="Microsoft JhengHei"/>
-        <a:font script="Java" typeface="Javanese Text"/>
-        <a:font script="Lisu" typeface="Segoe UI"/>
-        <a:font script="Mymr" typeface="Myanmar Text"/>
-        <a:font script="Nkoo" typeface="Ebrima"/>
-        <a:font script="Olck" typeface="Nirmala UI"/>
-        <a:font script="Osma" typeface="Ebrima"/>
-        <a:font script="Phag" typeface="Phagspa"/>
-        <a:font script="Syrn" typeface="Estrangelo Edessa"/>
-        <a:font script="Syrj" typeface="Estrangelo Edessa"/>
-        <a:font script="Syre" typeface="Estrangelo Edessa"/>
-        <a:font script="Sora" typeface="Nirmala UI"/>
-        <a:font script="Tale" typeface="Microsoft Tai Le"/>
-        <a:font script="Talu" typeface="Microsoft New Tai Lue"/>
-        <a:font script="Tfng" typeface="Ebrima"/>
       </a:minorFont>
     </a:fontScheme>
     <a:fmtScheme name="Office">
@@ -6454,8 +8897,265 @@
       </a:bgFillStyleLst>
     </a:fmtScheme>
   </a:themeElements>
-  <a:objectDefaults/>
-  <a:extraClrSchemeLst/>
+  <a:extLst>
+    <a:ext uri="{05A4C25C-085E-4340-85A3-A5531E510DB2}">
+      <thm15:themeFamily xmlns:thm15="http://schemas.microsoft.com/office/thememl/2012/main" name="Office Theme" id="{62F939B6-93AF-4DB8-9C6B-D6C7DFDC589F}" vid="{4A3C46E8-61CC-4603-A589-7422A47A8E4A}"/>
+    </a:ext>
+  </a:extLst>
+</a:theme>
+</file>
+
+<file path=ppt/theme/theme3.xml><?xml version="1.0" encoding="utf-8"?>
+<a:theme xmlns:a="http://schemas.openxmlformats.org/drawingml/2006/main" name="Office 主题​​">
+  <a:themeElements>
+    <a:clrScheme name="Office">
+      <a:dk1>
+        <a:sysClr val="windowText" lastClr="000000"/>
+      </a:dk1>
+      <a:lt1>
+        <a:sysClr val="window" lastClr="FFFFFF"/>
+      </a:lt1>
+      <a:dk2>
+        <a:srgbClr val="44546A"/>
+      </a:dk2>
+      <a:lt2>
+        <a:srgbClr val="E7E6E6"/>
+      </a:lt2>
+      <a:accent1>
+        <a:srgbClr val="4472C4"/>
+      </a:accent1>
+      <a:accent2>
+        <a:srgbClr val="ED7D31"/>
+      </a:accent2>
+      <a:accent3>
+        <a:srgbClr val="A5A5A5"/>
+      </a:accent3>
+      <a:accent4>
+        <a:srgbClr val="FFC000"/>
+      </a:accent4>
+      <a:accent5>
+        <a:srgbClr val="5B9BD5"/>
+      </a:accent5>
+      <a:accent6>
+        <a:srgbClr val="70AD47"/>
+      </a:accent6>
+      <a:hlink>
+        <a:srgbClr val="0563C1"/>
+      </a:hlink>
+      <a:folHlink>
+        <a:srgbClr val="954F72"/>
+      </a:folHlink>
+    </a:clrScheme>
+    <a:fontScheme name="Office">
+      <a:majorFont>
+        <a:latin typeface="等线 Light"/>
+        <a:ea typeface=""/>
+        <a:cs typeface=""/>
+        <a:font script="Jpan" typeface="游ゴシック Light"/>
+        <a:font script="Hang" typeface="맑은 고딕"/>
+        <a:font script="Hans" typeface="等线 Light"/>
+        <a:font script="Hant" typeface="新細明體"/>
+        <a:font script="Arab" typeface="Times New Roman"/>
+        <a:font script="Hebr" typeface="Times New Roman"/>
+        <a:font script="Thai" typeface="Angsana New"/>
+        <a:font script="Ethi" typeface="Nyala"/>
+        <a:font script="Beng" typeface="Vrinda"/>
+        <a:font script="Gujr" typeface="Shruti"/>
+        <a:font script="Khmr" typeface="MoolBoran"/>
+        <a:font script="Knda" typeface="Tunga"/>
+        <a:font script="Guru" typeface="Raavi"/>
+        <a:font script="Cans" typeface="Euphemia"/>
+        <a:font script="Cher" typeface="Plantagenet Cherokee"/>
+        <a:font script="Yiii" typeface="Microsoft Yi Baiti"/>
+        <a:font script="Tibt" typeface="Microsoft Himalaya"/>
+        <a:font script="Thaa" typeface="MV Boli"/>
+        <a:font script="Deva" typeface="Mangal"/>
+        <a:font script="Telu" typeface="Gautami"/>
+        <a:font script="Taml" typeface="Latha"/>
+        <a:font script="Syrc" typeface="Estrangelo Edessa"/>
+        <a:font script="Orya" typeface="Kalinga"/>
+        <a:font script="Mlym" typeface="Kartika"/>
+        <a:font script="Laoo" typeface="DokChampa"/>
+        <a:font script="Sinh" typeface="Iskoola Pota"/>
+        <a:font script="Mong" typeface="Mongolian Baiti"/>
+        <a:font script="Viet" typeface="Times New Roman"/>
+        <a:font script="Uigh" typeface="Microsoft Uighur"/>
+        <a:font script="Geor" typeface="Sylfaen"/>
+      </a:majorFont>
+      <a:minorFont>
+        <a:latin typeface="等线"/>
+        <a:ea typeface=""/>
+        <a:cs typeface=""/>
+        <a:font script="Jpan" typeface="游ゴシック"/>
+        <a:font script="Hang" typeface="맑은 고딕"/>
+        <a:font script="Hans" typeface="等线"/>
+        <a:font script="Hant" typeface="新細明體"/>
+        <a:font script="Arab" typeface="Arial"/>
+        <a:font script="Hebr" typeface="Arial"/>
+        <a:font script="Thai" typeface="Cordia New"/>
+        <a:font script="Ethi" typeface="Nyala"/>
+        <a:font script="Beng" typeface="Vrinda"/>
+        <a:font script="Gujr" typeface="Shruti"/>
+        <a:font script="Khmr" typeface="DaunPenh"/>
+        <a:font script="Knda" typeface="Tunga"/>
+        <a:font script="Guru" typeface="Raavi"/>
+        <a:font script="Cans" typeface="Euphemia"/>
+        <a:font script="Cher" typeface="Plantagenet Cherokee"/>
+        <a:font script="Yiii" typeface="Microsoft Yi Baiti"/>
+        <a:font script="Tibt" typeface="Microsoft Himalaya"/>
+        <a:font script="Thaa" typeface="MV Boli"/>
+        <a:font script="Deva" typeface="Mangal"/>
+        <a:font script="Telu" typeface="Gautami"/>
+        <a:font script="Taml" typeface="Latha"/>
+        <a:font script="Syrc" typeface="Estrangelo Edessa"/>
+        <a:font script="Orya" typeface="Kalinga"/>
+        <a:font script="Mlym" typeface="Kartika"/>
+        <a:font script="Laoo" typeface="DokChampa"/>
+        <a:font script="Sinh" typeface="Iskoola Pota"/>
+        <a:font script="Mong" typeface="Mongolian Baiti"/>
+        <a:font script="Viet" typeface="Arial"/>
+        <a:font script="Uigh" typeface="Microsoft Uighur"/>
+        <a:font script="Geor" typeface="Sylfaen"/>
+      </a:minorFont>
+    </a:fontScheme>
+    <a:fmtScheme name="Office">
+      <a:fillStyleLst>
+        <a:solidFill>
+          <a:schemeClr val="phClr"/>
+        </a:solidFill>
+        <a:gradFill rotWithShape="1">
+          <a:gsLst>
+            <a:gs pos="0">
+              <a:schemeClr val="phClr">
+                <a:lumMod val="110000"/>
+                <a:satMod val="105000"/>
+                <a:tint val="67000"/>
+              </a:schemeClr>
+            </a:gs>
+            <a:gs pos="50000">
+              <a:schemeClr val="phClr">
+                <a:lumMod val="105000"/>
+                <a:satMod val="103000"/>
+                <a:tint val="73000"/>
+              </a:schemeClr>
+            </a:gs>
+            <a:gs pos="100000">
+              <a:schemeClr val="phClr">
+                <a:lumMod val="105000"/>
+                <a:satMod val="109000"/>
+                <a:tint val="81000"/>
+              </a:schemeClr>
+            </a:gs>
+          </a:gsLst>
+          <a:lin ang="5400000" scaled="0"/>
+        </a:gradFill>
+        <a:gradFill rotWithShape="1">
+          <a:gsLst>
+            <a:gs pos="0">
+              <a:schemeClr val="phClr">
+                <a:satMod val="103000"/>
+                <a:lumMod val="102000"/>
+                <a:tint val="94000"/>
+              </a:schemeClr>
+            </a:gs>
+            <a:gs pos="50000">
+              <a:schemeClr val="phClr">
+                <a:satMod val="110000"/>
+                <a:lumMod val="100000"/>
+                <a:shade val="100000"/>
+              </a:schemeClr>
+            </a:gs>
+            <a:gs pos="100000">
+              <a:schemeClr val="phClr">
+                <a:lumMod val="99000"/>
+                <a:satMod val="120000"/>
+                <a:shade val="78000"/>
+              </a:schemeClr>
+            </a:gs>
+          </a:gsLst>
+          <a:lin ang="5400000" scaled="0"/>
+        </a:gradFill>
+      </a:fillStyleLst>
+      <a:lnStyleLst>
+        <a:ln w="6350" cap="flat" cmpd="sng" algn="ctr">
+          <a:solidFill>
+            <a:schemeClr val="phClr"/>
+          </a:solidFill>
+          <a:prstDash val="solid"/>
+          <a:miter lim="800000"/>
+        </a:ln>
+        <a:ln w="12700" cap="flat" cmpd="sng" algn="ctr">
+          <a:solidFill>
+            <a:schemeClr val="phClr"/>
+          </a:solidFill>
+          <a:prstDash val="solid"/>
+          <a:miter lim="800000"/>
+        </a:ln>
+        <a:ln w="19050" cap="flat" cmpd="sng" algn="ctr">
+          <a:solidFill>
+            <a:schemeClr val="phClr"/>
+          </a:solidFill>
+          <a:prstDash val="solid"/>
+          <a:miter lim="800000"/>
+        </a:ln>
+      </a:lnStyleLst>
+      <a:effectStyleLst>
+        <a:effectStyle>
+          <a:effectLst/>
+        </a:effectStyle>
+        <a:effectStyle>
+          <a:effectLst/>
+        </a:effectStyle>
+        <a:effectStyle>
+          <a:effectLst>
+            <a:outerShdw blurRad="57150" dist="19050" dir="5400000" algn="ctr" rotWithShape="0">
+              <a:srgbClr val="000000">
+                <a:alpha val="63000"/>
+              </a:srgbClr>
+            </a:outerShdw>
+          </a:effectLst>
+        </a:effectStyle>
+      </a:effectStyleLst>
+      <a:bgFillStyleLst>
+        <a:solidFill>
+          <a:schemeClr val="phClr"/>
+        </a:solidFill>
+        <a:solidFill>
+          <a:schemeClr val="phClr">
+            <a:tint val="95000"/>
+            <a:satMod val="170000"/>
+          </a:schemeClr>
+        </a:solidFill>
+        <a:gradFill rotWithShape="1">
+          <a:gsLst>
+            <a:gs pos="0">
+              <a:schemeClr val="phClr">
+                <a:tint val="93000"/>
+                <a:satMod val="150000"/>
+                <a:shade val="98000"/>
+                <a:lumMod val="102000"/>
+              </a:schemeClr>
+            </a:gs>
+            <a:gs pos="50000">
+              <a:schemeClr val="phClr">
+                <a:tint val="98000"/>
+                <a:satMod val="130000"/>
+                <a:shade val="90000"/>
+                <a:lumMod val="103000"/>
+              </a:schemeClr>
+            </a:gs>
+            <a:gs pos="100000">
+              <a:schemeClr val="phClr">
+                <a:shade val="63000"/>
+                <a:satMod val="120000"/>
+              </a:schemeClr>
+            </a:gs>
+          </a:gsLst>
+          <a:lin ang="5400000" scaled="0"/>
+        </a:gradFill>
+      </a:bgFillStyleLst>
+    </a:fmtScheme>
+  </a:themeElements>
   <a:extLst>
     <a:ext uri="{05A4C25C-085E-4340-85A3-A5531E510DB2}">
       <thm15:themeFamily xmlns:thm15="http://schemas.microsoft.com/office/thememl/2012/main" name="Office Theme" id="{62F939B6-93AF-4DB8-9C6B-D6C7DFDC589F}" vid="{4A3C46E8-61CC-4603-A589-7422A47A8E4A}"/>
